--- a/dsa2017-java-online/handouts/data-day05/Lecture 06 - Chapter 06 - Binary Trees - Day 1.pptx
+++ b/dsa2017-java-online/handouts/data-day05/Lecture 06 - Chapter 06 - Binary Trees - Day 1.pptx
@@ -10,11 +10,11 @@
   <p:sldIdLst>
     <p:sldId id="256" r:id="rId2"/>
     <p:sldId id="257" r:id="rId3"/>
-    <p:sldId id="319" r:id="rId4"/>
-    <p:sldId id="258" r:id="rId5"/>
-    <p:sldId id="260" r:id="rId6"/>
-    <p:sldId id="261" r:id="rId7"/>
-    <p:sldId id="263" r:id="rId8"/>
+    <p:sldId id="258" r:id="rId4"/>
+    <p:sldId id="260" r:id="rId5"/>
+    <p:sldId id="261" r:id="rId6"/>
+    <p:sldId id="263" r:id="rId7"/>
+    <p:sldId id="329" r:id="rId8"/>
     <p:sldId id="262" r:id="rId9"/>
     <p:sldId id="264" r:id="rId10"/>
     <p:sldId id="265" r:id="rId11"/>
@@ -50,13 +50,13 @@
     <p:sldId id="287" r:id="rId41"/>
     <p:sldId id="288" r:id="rId42"/>
     <p:sldId id="289" r:id="rId43"/>
-    <p:sldId id="290" r:id="rId44"/>
-    <p:sldId id="291" r:id="rId45"/>
-    <p:sldId id="292" r:id="rId46"/>
-    <p:sldId id="297" r:id="rId47"/>
-    <p:sldId id="298" r:id="rId48"/>
-    <p:sldId id="296" r:id="rId49"/>
-    <p:sldId id="318" r:id="rId50"/>
+    <p:sldId id="330" r:id="rId44"/>
+    <p:sldId id="290" r:id="rId45"/>
+    <p:sldId id="291" r:id="rId46"/>
+    <p:sldId id="331" r:id="rId47"/>
+    <p:sldId id="297" r:id="rId48"/>
+    <p:sldId id="298" r:id="rId49"/>
+    <p:sldId id="296" r:id="rId50"/>
   </p:sldIdLst>
   <p:sldSz cx="9144000" cy="6858000" type="screen4x3"/>
   <p:notesSz cx="6858000" cy="9144000"/>
@@ -185,7 +185,27 @@
       </a:defRPr>
     </a:lvl9pPr>
   </p:defaultTextStyle>
+  <p:extLst>
+    <p:ext uri="{EFAFB233-063F-42B5-8137-9DF3F51BA10A}">
+      <p15:sldGuideLst xmlns:p15="http://schemas.microsoft.com/office/powerpoint/2012/main">
+        <p15:guide id="1" orient="horz" pos="2160">
+          <p15:clr>
+            <a:srgbClr val="A4A3A4"/>
+          </p15:clr>
+        </p15:guide>
+        <p15:guide id="2" pos="2880">
+          <p15:clr>
+            <a:srgbClr val="A4A3A4"/>
+          </p15:clr>
+        </p15:guide>
+      </p15:sldGuideLst>
+    </p:ext>
+  </p:extLst>
 </p:presentation>
+</file>
+
+<file path=ppt/revisionInfo.xml><?xml version="1.0" encoding="utf-8"?>
+<p1510:revInfo xmlns:a="http://schemas.openxmlformats.org/drawingml/2006/main" xmlns:r="http://schemas.openxmlformats.org/officeDocument/2006/relationships" xmlns:p1510="http://schemas.microsoft.com/office/powerpoint/2015/10/main"/>
 </file>
 
 <file path=ppt/notesMasters/notesMaster1.xml><?xml version="1.0" encoding="utf-8"?>
@@ -270,7 +290,7 @@
           <a:p>
             <a:fld id="{2DEF8982-5481-5E4F-8BCA-E7C51D917E2E}" type="datetimeFigureOut">
               <a:rPr lang="en-US" smtClean="0"/>
-              <a:t>9/12/15</a:t>
+              <a:t>20-May-17</a:t>
             </a:fld>
             <a:endParaRPr lang="en-US"/>
           </a:p>
@@ -334,38 +354,37 @@
           <a:p>
             <a:pPr lvl="0"/>
             <a:r>
-              <a:rPr lang="en-US" smtClean="0"/>
+              <a:rPr lang="en-US"/>
               <a:t>Click to edit Master text styles</a:t>
             </a:r>
           </a:p>
           <a:p>
             <a:pPr lvl="1"/>
             <a:r>
-              <a:rPr lang="en-US" smtClean="0"/>
+              <a:rPr lang="en-US"/>
               <a:t>Second level</a:t>
             </a:r>
           </a:p>
           <a:p>
             <a:pPr lvl="2"/>
             <a:r>
-              <a:rPr lang="en-US" smtClean="0"/>
+              <a:rPr lang="en-US"/>
               <a:t>Third level</a:t>
             </a:r>
           </a:p>
           <a:p>
             <a:pPr lvl="3"/>
             <a:r>
-              <a:rPr lang="en-US" smtClean="0"/>
+              <a:rPr lang="en-US"/>
               <a:t>Fourth level</a:t>
             </a:r>
           </a:p>
           <a:p>
             <a:pPr lvl="4"/>
             <a:r>
-              <a:rPr lang="en-US" smtClean="0"/>
+              <a:rPr lang="en-US"/>
               <a:t>Fifth level</a:t>
             </a:r>
-            <a:endParaRPr lang="en-US"/>
           </a:p>
         </p:txBody>
       </p:sp>
@@ -583,7 +602,7 @@
           <a:lstStyle/>
           <a:p>
             <a:r>
-              <a:rPr lang="en-US" sz="1200" kern="1200" dirty="0" smtClean="0">
+              <a:rPr lang="en-US" sz="1200" kern="1200" dirty="0">
                 <a:solidFill>
                   <a:schemeClr val="tx1"/>
                 </a:solidFill>
@@ -679,7 +698,7 @@
           <a:lstStyle/>
           <a:p>
             <a:r>
-              <a:rPr lang="en-US" dirty="0" smtClean="0"/>
+              <a:rPr lang="en-US" dirty="0"/>
               <a:t>Left Node Right</a:t>
             </a:r>
           </a:p>
@@ -765,10 +784,9 @@
           <a:lstStyle/>
           <a:p>
             <a:r>
-              <a:rPr lang="en-US" smtClean="0"/>
+              <a:rPr lang="en-US"/>
               <a:t>Click to edit Master title style</a:t>
             </a:r>
-            <a:endParaRPr lang="en-US"/>
           </a:p>
         </p:txBody>
       </p:sp>
@@ -887,10 +905,9 @@
           </a:lstStyle>
           <a:p>
             <a:r>
-              <a:rPr lang="en-US" smtClean="0"/>
+              <a:rPr lang="en-US"/>
               <a:t>Click to edit Master subtitle style</a:t>
             </a:r>
-            <a:endParaRPr lang="en-US"/>
           </a:p>
         </p:txBody>
       </p:sp>
@@ -1046,7 +1063,7 @@
           </a:lstStyle>
           <a:p>
             <a:r>
-              <a:rPr lang="en-US" smtClean="0"/>
+              <a:rPr lang="en-US"/>
               <a:t>Click to edit Master title style</a:t>
             </a:r>
             <a:endParaRPr lang="en-US" dirty="0"/>
@@ -1080,38 +1097,37 @@
           <a:p>
             <a:pPr lvl="0"/>
             <a:r>
-              <a:rPr lang="en-US" smtClean="0"/>
+              <a:rPr lang="en-US"/>
               <a:t>Click to edit Master text styles</a:t>
             </a:r>
           </a:p>
           <a:p>
             <a:pPr lvl="1"/>
             <a:r>
-              <a:rPr lang="en-US" smtClean="0"/>
+              <a:rPr lang="en-US"/>
               <a:t>Second level</a:t>
             </a:r>
           </a:p>
           <a:p>
             <a:pPr lvl="2"/>
             <a:r>
-              <a:rPr lang="en-US" smtClean="0"/>
+              <a:rPr lang="en-US"/>
               <a:t>Third level</a:t>
             </a:r>
           </a:p>
           <a:p>
             <a:pPr lvl="3"/>
             <a:r>
-              <a:rPr lang="en-US" smtClean="0"/>
+              <a:rPr lang="en-US"/>
               <a:t>Fourth level</a:t>
             </a:r>
           </a:p>
           <a:p>
             <a:pPr lvl="4"/>
             <a:r>
-              <a:rPr lang="en-US" smtClean="0"/>
+              <a:rPr lang="en-US"/>
               <a:t>Fifth level</a:t>
             </a:r>
-            <a:endParaRPr lang="en-US"/>
           </a:p>
         </p:txBody>
       </p:sp>
@@ -1217,13 +1233,6 @@
   <p:clrMapOvr>
     <a:masterClrMapping/>
   </p:clrMapOvr>
-  <p:timing>
-    <p:tnLst>
-      <p:par>
-        <p:cTn xmlns:p14="http://schemas.microsoft.com/office/powerpoint/2010/main" id="1" dur="indefinite" restart="never" nodeType="tmRoot"/>
-      </p:par>
-    </p:tnLst>
-  </p:timing>
 </p:sldLayout>
 </file>
 
@@ -1270,7 +1279,7 @@
           <a:lstStyle/>
           <a:p>
             <a:r>
-              <a:rPr lang="en-US" smtClean="0"/>
+              <a:rPr lang="en-US"/>
               <a:t>Click to edit Master title style</a:t>
             </a:r>
             <a:endParaRPr lang="en-US" dirty="0"/>
@@ -1304,35 +1313,35 @@
           <a:p>
             <a:pPr lvl="0"/>
             <a:r>
-              <a:rPr lang="en-US" smtClean="0"/>
+              <a:rPr lang="en-US"/>
               <a:t>Click to edit Master text styles</a:t>
             </a:r>
           </a:p>
           <a:p>
             <a:pPr lvl="1"/>
             <a:r>
-              <a:rPr lang="en-US" smtClean="0"/>
+              <a:rPr lang="en-US"/>
               <a:t>Second level</a:t>
             </a:r>
           </a:p>
           <a:p>
             <a:pPr lvl="2"/>
             <a:r>
-              <a:rPr lang="en-US" smtClean="0"/>
+              <a:rPr lang="en-US"/>
               <a:t>Third level</a:t>
             </a:r>
           </a:p>
           <a:p>
             <a:pPr lvl="3"/>
             <a:r>
-              <a:rPr lang="en-US" smtClean="0"/>
+              <a:rPr lang="en-US"/>
               <a:t>Fourth level</a:t>
             </a:r>
           </a:p>
           <a:p>
             <a:pPr lvl="4"/>
             <a:r>
-              <a:rPr lang="en-US" smtClean="0"/>
+              <a:rPr lang="en-US"/>
               <a:t>Fifth level</a:t>
             </a:r>
             <a:endParaRPr lang="en-US" dirty="0"/>
@@ -1441,13 +1450,6 @@
   <p:clrMapOvr>
     <a:masterClrMapping/>
   </p:clrMapOvr>
-  <p:timing>
-    <p:tnLst>
-      <p:par>
-        <p:cTn xmlns:p14="http://schemas.microsoft.com/office/powerpoint/2010/main" id="1" dur="indefinite" restart="never" nodeType="tmRoot"/>
-      </p:par>
-    </p:tnLst>
-  </p:timing>
 </p:sldLayout>
 </file>
 
@@ -1498,10 +1500,9 @@
           </a:lstStyle>
           <a:p>
             <a:r>
-              <a:rPr lang="en-US" smtClean="0"/>
+              <a:rPr lang="en-US"/>
               <a:t>Click to edit Master title style</a:t>
             </a:r>
-            <a:endParaRPr lang="en-US"/>
           </a:p>
         </p:txBody>
       </p:sp>
@@ -1532,38 +1533,37 @@
           <a:p>
             <a:pPr lvl="0"/>
             <a:r>
-              <a:rPr lang="en-US" smtClean="0"/>
+              <a:rPr lang="en-US"/>
               <a:t>Click to edit Master text styles</a:t>
             </a:r>
           </a:p>
           <a:p>
             <a:pPr lvl="1"/>
             <a:r>
-              <a:rPr lang="en-US" smtClean="0"/>
+              <a:rPr lang="en-US"/>
               <a:t>Second level</a:t>
             </a:r>
           </a:p>
           <a:p>
             <a:pPr lvl="2"/>
             <a:r>
-              <a:rPr lang="en-US" smtClean="0"/>
+              <a:rPr lang="en-US"/>
               <a:t>Third level</a:t>
             </a:r>
           </a:p>
           <a:p>
             <a:pPr lvl="3"/>
             <a:r>
-              <a:rPr lang="en-US" smtClean="0"/>
+              <a:rPr lang="en-US"/>
               <a:t>Fourth level</a:t>
             </a:r>
           </a:p>
           <a:p>
             <a:pPr lvl="4"/>
             <a:r>
-              <a:rPr lang="en-US" smtClean="0"/>
+              <a:rPr lang="en-US"/>
               <a:t>Fifth level</a:t>
             </a:r>
-            <a:endParaRPr lang="en-US"/>
           </a:p>
         </p:txBody>
       </p:sp>
@@ -1717,10 +1717,9 @@
           </a:lstStyle>
           <a:p>
             <a:r>
-              <a:rPr lang="en-US" smtClean="0"/>
+              <a:rPr lang="en-US"/>
               <a:t>Click to edit Master title style</a:t>
             </a:r>
-            <a:endParaRPr lang="en-US"/>
           </a:p>
         </p:txBody>
       </p:sp>
@@ -1840,7 +1839,7 @@
           <a:p>
             <a:pPr lvl="0"/>
             <a:r>
-              <a:rPr lang="en-US" smtClean="0"/>
+              <a:rPr lang="en-US"/>
               <a:t>Click to edit Master text styles</a:t>
             </a:r>
           </a:p>
@@ -1998,10 +1997,9 @@
           </a:lstStyle>
           <a:p>
             <a:r>
-              <a:rPr lang="en-US" smtClean="0"/>
+              <a:rPr lang="en-US"/>
               <a:t>Click to edit Master title style</a:t>
             </a:r>
-            <a:endParaRPr lang="en-US"/>
           </a:p>
         </p:txBody>
       </p:sp>
@@ -2060,38 +2058,37 @@
           <a:p>
             <a:pPr lvl="0"/>
             <a:r>
-              <a:rPr lang="en-US" smtClean="0"/>
+              <a:rPr lang="en-US"/>
               <a:t>Click to edit Master text styles</a:t>
             </a:r>
           </a:p>
           <a:p>
             <a:pPr lvl="1"/>
             <a:r>
-              <a:rPr lang="en-US" smtClean="0"/>
+              <a:rPr lang="en-US"/>
               <a:t>Second level</a:t>
             </a:r>
           </a:p>
           <a:p>
             <a:pPr lvl="2"/>
             <a:r>
-              <a:rPr lang="en-US" smtClean="0"/>
+              <a:rPr lang="en-US"/>
               <a:t>Third level</a:t>
             </a:r>
           </a:p>
           <a:p>
             <a:pPr lvl="3"/>
             <a:r>
-              <a:rPr lang="en-US" smtClean="0"/>
+              <a:rPr lang="en-US"/>
               <a:t>Fourth level</a:t>
             </a:r>
           </a:p>
           <a:p>
             <a:pPr lvl="4"/>
             <a:r>
-              <a:rPr lang="en-US" smtClean="0"/>
+              <a:rPr lang="en-US"/>
               <a:t>Fifth level</a:t>
             </a:r>
-            <a:endParaRPr lang="en-US"/>
           </a:p>
         </p:txBody>
       </p:sp>
@@ -2150,38 +2147,37 @@
           <a:p>
             <a:pPr lvl="0"/>
             <a:r>
-              <a:rPr lang="en-US" smtClean="0"/>
+              <a:rPr lang="en-US"/>
               <a:t>Click to edit Master text styles</a:t>
             </a:r>
           </a:p>
           <a:p>
             <a:pPr lvl="1"/>
             <a:r>
-              <a:rPr lang="en-US" smtClean="0"/>
+              <a:rPr lang="en-US"/>
               <a:t>Second level</a:t>
             </a:r>
           </a:p>
           <a:p>
             <a:pPr lvl="2"/>
             <a:r>
-              <a:rPr lang="en-US" smtClean="0"/>
+              <a:rPr lang="en-US"/>
               <a:t>Third level</a:t>
             </a:r>
           </a:p>
           <a:p>
             <a:pPr lvl="3"/>
             <a:r>
-              <a:rPr lang="en-US" smtClean="0"/>
+              <a:rPr lang="en-US"/>
               <a:t>Fourth level</a:t>
             </a:r>
           </a:p>
           <a:p>
             <a:pPr lvl="4"/>
             <a:r>
-              <a:rPr lang="en-US" smtClean="0"/>
+              <a:rPr lang="en-US"/>
               <a:t>Fifth level</a:t>
             </a:r>
-            <a:endParaRPr lang="en-US"/>
           </a:p>
         </p:txBody>
       </p:sp>
@@ -2337,10 +2333,9 @@
           </a:lstStyle>
           <a:p>
             <a:r>
-              <a:rPr lang="en-US" smtClean="0"/>
+              <a:rPr lang="en-US"/>
               <a:t>Click to edit Master title style</a:t>
             </a:r>
-            <a:endParaRPr lang="en-US"/>
           </a:p>
         </p:txBody>
       </p:sp>
@@ -2408,7 +2403,7 @@
           <a:p>
             <a:pPr lvl="0"/>
             <a:r>
-              <a:rPr lang="en-US" smtClean="0"/>
+              <a:rPr lang="en-US"/>
               <a:t>Click to edit Master text styles</a:t>
             </a:r>
           </a:p>
@@ -2467,38 +2462,37 @@
           <a:p>
             <a:pPr lvl="0"/>
             <a:r>
-              <a:rPr lang="en-US" smtClean="0"/>
+              <a:rPr lang="en-US"/>
               <a:t>Click to edit Master text styles</a:t>
             </a:r>
           </a:p>
           <a:p>
             <a:pPr lvl="1"/>
             <a:r>
-              <a:rPr lang="en-US" smtClean="0"/>
+              <a:rPr lang="en-US"/>
               <a:t>Second level</a:t>
             </a:r>
           </a:p>
           <a:p>
             <a:pPr lvl="2"/>
             <a:r>
-              <a:rPr lang="en-US" smtClean="0"/>
+              <a:rPr lang="en-US"/>
               <a:t>Third level</a:t>
             </a:r>
           </a:p>
           <a:p>
             <a:pPr lvl="3"/>
             <a:r>
-              <a:rPr lang="en-US" smtClean="0"/>
+              <a:rPr lang="en-US"/>
               <a:t>Fourth level</a:t>
             </a:r>
           </a:p>
           <a:p>
             <a:pPr lvl="4"/>
             <a:r>
-              <a:rPr lang="en-US" smtClean="0"/>
+              <a:rPr lang="en-US"/>
               <a:t>Fifth level</a:t>
             </a:r>
-            <a:endParaRPr lang="en-US"/>
           </a:p>
         </p:txBody>
       </p:sp>
@@ -2566,7 +2560,7 @@
           <a:p>
             <a:pPr lvl="0"/>
             <a:r>
-              <a:rPr lang="en-US" smtClean="0"/>
+              <a:rPr lang="en-US"/>
               <a:t>Click to edit Master text styles</a:t>
             </a:r>
           </a:p>
@@ -2625,38 +2619,37 @@
           <a:p>
             <a:pPr lvl="0"/>
             <a:r>
-              <a:rPr lang="en-US" smtClean="0"/>
+              <a:rPr lang="en-US"/>
               <a:t>Click to edit Master text styles</a:t>
             </a:r>
           </a:p>
           <a:p>
             <a:pPr lvl="1"/>
             <a:r>
-              <a:rPr lang="en-US" smtClean="0"/>
+              <a:rPr lang="en-US"/>
               <a:t>Second level</a:t>
             </a:r>
           </a:p>
           <a:p>
             <a:pPr lvl="2"/>
             <a:r>
-              <a:rPr lang="en-US" smtClean="0"/>
+              <a:rPr lang="en-US"/>
               <a:t>Third level</a:t>
             </a:r>
           </a:p>
           <a:p>
             <a:pPr lvl="3"/>
             <a:r>
-              <a:rPr lang="en-US" smtClean="0"/>
+              <a:rPr lang="en-US"/>
               <a:t>Fourth level</a:t>
             </a:r>
           </a:p>
           <a:p>
             <a:pPr lvl="4"/>
             <a:r>
-              <a:rPr lang="en-US" smtClean="0"/>
+              <a:rPr lang="en-US"/>
               <a:t>Fifth level</a:t>
             </a:r>
-            <a:endParaRPr lang="en-US"/>
           </a:p>
         </p:txBody>
       </p:sp>
@@ -2812,10 +2805,9 @@
           </a:lstStyle>
           <a:p>
             <a:r>
-              <a:rPr lang="en-US" smtClean="0"/>
+              <a:rPr lang="en-US"/>
               <a:t>Click to edit Master title style</a:t>
             </a:r>
-            <a:endParaRPr lang="en-US"/>
           </a:p>
         </p:txBody>
       </p:sp>
@@ -3093,10 +3085,9 @@
           </a:lstStyle>
           <a:p>
             <a:r>
-              <a:rPr lang="en-US" smtClean="0"/>
+              <a:rPr lang="en-US"/>
               <a:t>Click to edit Master title style</a:t>
             </a:r>
-            <a:endParaRPr lang="en-US"/>
           </a:p>
         </p:txBody>
       </p:sp>
@@ -3155,35 +3146,35 @@
           <a:p>
             <a:pPr lvl="0"/>
             <a:r>
-              <a:rPr lang="en-US" smtClean="0"/>
+              <a:rPr lang="en-US"/>
               <a:t>Click to edit Master text styles</a:t>
             </a:r>
           </a:p>
           <a:p>
             <a:pPr lvl="1"/>
             <a:r>
-              <a:rPr lang="en-US" smtClean="0"/>
+              <a:rPr lang="en-US"/>
               <a:t>Second level</a:t>
             </a:r>
           </a:p>
           <a:p>
             <a:pPr lvl="2"/>
             <a:r>
-              <a:rPr lang="en-US" smtClean="0"/>
+              <a:rPr lang="en-US"/>
               <a:t>Third level</a:t>
             </a:r>
           </a:p>
           <a:p>
             <a:pPr lvl="3"/>
             <a:r>
-              <a:rPr lang="en-US" smtClean="0"/>
+              <a:rPr lang="en-US"/>
               <a:t>Fourth level</a:t>
             </a:r>
           </a:p>
           <a:p>
             <a:pPr lvl="4"/>
             <a:r>
-              <a:rPr lang="en-US" smtClean="0"/>
+              <a:rPr lang="en-US"/>
               <a:t>Fifth level</a:t>
             </a:r>
             <a:endParaRPr lang="en-US" dirty="0"/>
@@ -3254,7 +3245,7 @@
           <a:p>
             <a:pPr lvl="0"/>
             <a:r>
-              <a:rPr lang="en-US" smtClean="0"/>
+              <a:rPr lang="en-US"/>
               <a:t>Click to edit Master text styles</a:t>
             </a:r>
           </a:p>
@@ -3412,7 +3403,7 @@
           </a:lstStyle>
           <a:p>
             <a:r>
-              <a:rPr lang="en-US" smtClean="0"/>
+              <a:rPr lang="en-US"/>
               <a:t>Click to edit Master title style</a:t>
             </a:r>
             <a:endParaRPr lang="en-US" dirty="0"/>
@@ -3483,7 +3474,7 @@
           <a:p>
             <a:pPr lvl="0"/>
             <a:r>
-              <a:rPr lang="en-US" noProof="0" smtClean="0"/>
+              <a:rPr lang="en-US" noProof="0"/>
               <a:t>Drag picture to placeholder or click icon to add</a:t>
             </a:r>
           </a:p>
@@ -3553,7 +3544,7 @@
           <a:p>
             <a:pPr lvl="0"/>
             <a:r>
-              <a:rPr lang="en-US" smtClean="0"/>
+              <a:rPr lang="en-US"/>
               <a:t>Click to edit Master text styles</a:t>
             </a:r>
           </a:p>
@@ -4130,14 +4121,14 @@
           <a:noFill/>
           <a:extLst>
             <a:ext uri="{909E8E84-426E-40dd-AFC4-6F175D3DCCD1}">
-              <a14:hiddenFill xmlns:a14="http://schemas.microsoft.com/office/drawing/2010/main">
+              <a14:hiddenFill xmlns="" xmlns:a14="http://schemas.microsoft.com/office/drawing/2010/main">
                 <a:solidFill>
                   <a:srgbClr val="FFFFFF"/>
                 </a:solidFill>
               </a14:hiddenFill>
             </a:ext>
             <a:ext uri="{91240B29-F687-4f45-9708-019B960494DF}">
-              <a14:hiddenLine xmlns:a14="http://schemas.microsoft.com/office/drawing/2010/main" w="9525">
+              <a14:hiddenLine xmlns="" xmlns:a14="http://schemas.microsoft.com/office/drawing/2010/main" w="9525">
                 <a:solidFill>
                   <a:srgbClr val="000000"/>
                 </a:solidFill>
@@ -4147,7 +4138,7 @@
               </a14:hiddenLine>
             </a:ext>
             <a:ext uri="{FAA26D3D-D897-4be2-8F04-BA451C77F1D7}">
-              <ma14:placeholderFlag xmlns:ma14="http://schemas.microsoft.com/office/mac/drawingml/2011/main" val="1"/>
+              <ma14:placeholderFlag xmlns="" xmlns:ma14="http://schemas.microsoft.com/office/mac/drawingml/2011/main" val="1"/>
             </a:ext>
           </a:extLst>
         </p:spPr>
@@ -4161,14 +4152,11 @@
           <a:p>
             <a:pPr eaLnBrk="1" hangingPunct="1"/>
             <a:r>
-              <a:rPr lang="en-US" dirty="0" smtClean="0">
+              <a:rPr lang="en-US" dirty="0">
                 <a:latin typeface="Calibri" charset="0"/>
               </a:rPr>
               <a:t>Binary Trees</a:t>
             </a:r>
-            <a:endParaRPr lang="en-US" dirty="0">
-              <a:latin typeface="Calibri" charset="0"/>
-            </a:endParaRPr>
           </a:p>
         </p:txBody>
       </p:sp>
@@ -4196,7 +4184,7 @@
               <a:defRPr/>
             </a:pPr>
             <a:r>
-              <a:rPr lang="en-US" dirty="0" smtClean="0">
+              <a:rPr lang="en-US" dirty="0">
                 <a:ea typeface="+mn-ea"/>
                 <a:cs typeface="+mn-cs"/>
               </a:rPr>
@@ -4210,13 +4198,6 @@
   <p:clrMapOvr>
     <a:masterClrMapping/>
   </p:clrMapOvr>
-  <p:timing>
-    <p:tnLst>
-      <p:par>
-        <p:cTn xmlns:p14="http://schemas.microsoft.com/office/powerpoint/2010/main" id="1" dur="indefinite" restart="never" nodeType="tmRoot"/>
-      </p:par>
-    </p:tnLst>
-  </p:timing>
 </p:sld>
 </file>
 
@@ -4253,10 +4234,9 @@
           <a:lstStyle/>
           <a:p>
             <a:r>
-              <a:rPr lang="en-US" dirty="0" smtClean="0"/>
+              <a:rPr lang="en-US" dirty="0"/>
               <a:t>Tree examples</a:t>
             </a:r>
-            <a:endParaRPr lang="en-US" dirty="0"/>
           </a:p>
         </p:txBody>
       </p:sp>
@@ -4299,13 +4279,6 @@
   <p:clrMapOvr>
     <a:masterClrMapping/>
   </p:clrMapOvr>
-  <p:timing>
-    <p:tnLst>
-      <p:par>
-        <p:cTn xmlns:p14="http://schemas.microsoft.com/office/powerpoint/2010/main" id="1" dur="indefinite" restart="never" nodeType="tmRoot"/>
-      </p:par>
-    </p:tnLst>
-  </p:timing>
 </p:sld>
 </file>
 
@@ -4342,10 +4315,9 @@
           <a:lstStyle/>
           <a:p>
             <a:r>
-              <a:rPr lang="en-US" dirty="0" smtClean="0"/>
+              <a:rPr lang="en-US" dirty="0"/>
               <a:t>Linked List to Tree Conversion</a:t>
             </a:r>
-            <a:endParaRPr lang="en-US" dirty="0"/>
           </a:p>
         </p:txBody>
       </p:sp>
@@ -4372,24 +4344,23 @@
           <a:lstStyle/>
           <a:p>
             <a:r>
-              <a:rPr lang="en-US" dirty="0" smtClean="0"/>
+              <a:rPr lang="en-US" dirty="0"/>
               <a:t>Linked List can be converted into orderly tree</a:t>
             </a:r>
           </a:p>
           <a:p>
             <a:pPr lvl="1"/>
             <a:r>
-              <a:rPr lang="en-US" dirty="0" smtClean="0"/>
+              <a:rPr lang="en-US" dirty="0"/>
               <a:t>All elements are stored according to some order</a:t>
             </a:r>
           </a:p>
           <a:p>
             <a:pPr lvl="1"/>
             <a:r>
-              <a:rPr lang="en-US" dirty="0" smtClean="0"/>
+              <a:rPr lang="en-US" dirty="0"/>
               <a:t>However, from searching point of view, it is not better than a linked list (if it doesn’t consist some additional constraints regarding arrangement of nodes)</a:t>
             </a:r>
-            <a:endParaRPr lang="en-US" dirty="0"/>
           </a:p>
         </p:txBody>
       </p:sp>
@@ -4432,13 +4403,6 @@
   <p:clrMapOvr>
     <a:masterClrMapping/>
   </p:clrMapOvr>
-  <p:timing>
-    <p:tnLst>
-      <p:par>
-        <p:cTn xmlns:p14="http://schemas.microsoft.com/office/powerpoint/2010/main" id="1" dur="indefinite" restart="never" nodeType="tmRoot"/>
-      </p:par>
-    </p:tnLst>
-  </p:timing>
 </p:sld>
 </file>
 
@@ -4461,29 +4425,6 @@
       </p:grpSpPr>
       <p:sp>
         <p:nvSpPr>
-          <p:cNvPr id="4" name="Title 3"/>
-          <p:cNvSpPr>
-            <a:spLocks noGrp="1"/>
-          </p:cNvSpPr>
-          <p:nvPr>
-            <p:ph type="title"/>
-          </p:nvPr>
-        </p:nvSpPr>
-        <p:spPr/>
-        <p:txBody>
-          <a:bodyPr/>
-          <a:lstStyle/>
-          <a:p>
-            <a:r>
-              <a:rPr lang="en-US" dirty="0" smtClean="0"/>
-              <a:t>Binary tree</a:t>
-            </a:r>
-            <a:endParaRPr lang="en-US" dirty="0"/>
-          </a:p>
-        </p:txBody>
-      </p:sp>
-      <p:sp>
-        <p:nvSpPr>
           <p:cNvPr id="5" name="Text Placeholder 4"/>
           <p:cNvSpPr>
             <a:spLocks noGrp="1"/>
@@ -4492,16 +4433,87 @@
             <p:ph type="body" idx="1"/>
           </p:nvPr>
         </p:nvSpPr>
-        <p:spPr/>
+        <p:spPr>
+          <a:xfrm>
+            <a:off x="1066800" y="1447800"/>
+            <a:ext cx="7772400" cy="1500187"/>
+          </a:xfrm>
+        </p:spPr>
         <p:txBody>
           <a:bodyPr/>
           <a:lstStyle/>
           <a:p>
             <a:r>
-              <a:rPr lang="en-US" dirty="0" smtClean="0"/>
+              <a:rPr lang="en-US" dirty="0"/>
               <a:t>Definition, Types, Traversal</a:t>
             </a:r>
-            <a:endParaRPr lang="en-US" dirty="0"/>
+          </a:p>
+        </p:txBody>
+      </p:sp>
+      <p:sp>
+        <p:nvSpPr>
+          <p:cNvPr id="6" name="Rectangle 5"/>
+          <p:cNvSpPr/>
+          <p:nvPr/>
+        </p:nvSpPr>
+        <p:spPr>
+          <a:xfrm rot="20209346">
+            <a:off x="2594417" y="2872654"/>
+            <a:ext cx="3955186" cy="923330"/>
+          </a:xfrm>
+          <a:prstGeom prst="rect">
+            <a:avLst/>
+          </a:prstGeom>
+          <a:noFill/>
+        </p:spPr>
+        <p:txBody>
+          <a:bodyPr wrap="none" lIns="91440" tIns="45720" rIns="91440" bIns="45720">
+            <a:spAutoFit/>
+          </a:bodyPr>
+          <a:lstStyle/>
+          <a:p>
+            <a:pPr algn="ctr"/>
+            <a:r>
+              <a:rPr lang="en-US" sz="5400" b="1" dirty="0">
+                <a:ln w="9525">
+                  <a:solidFill>
+                    <a:schemeClr val="bg1"/>
+                  </a:solidFill>
+                  <a:prstDash val="solid"/>
+                </a:ln>
+                <a:solidFill>
+                  <a:schemeClr val="accent5"/>
+                </a:solidFill>
+                <a:effectLst>
+                  <a:outerShdw blurRad="12700" dist="38100" dir="2700000" algn="tl" rotWithShape="0">
+                    <a:schemeClr val="accent5">
+                      <a:lumMod val="60000"/>
+                      <a:lumOff val="40000"/>
+                    </a:schemeClr>
+                  </a:outerShdw>
+                </a:effectLst>
+              </a:rPr>
+              <a:t>Binary Tree</a:t>
+            </a:r>
+            <a:endParaRPr lang="en-US" sz="5400" b="1" cap="none" spc="0" dirty="0">
+              <a:ln w="9525">
+                <a:solidFill>
+                  <a:schemeClr val="bg1"/>
+                </a:solidFill>
+                <a:prstDash val="solid"/>
+              </a:ln>
+              <a:solidFill>
+                <a:schemeClr val="accent5"/>
+              </a:solidFill>
+              <a:effectLst>
+                <a:outerShdw blurRad="12700" dist="38100" dir="2700000" algn="tl" rotWithShape="0">
+                  <a:schemeClr val="accent5">
+                    <a:lumMod val="60000"/>
+                    <a:lumOff val="40000"/>
+                  </a:schemeClr>
+                </a:outerShdw>
+              </a:effectLst>
+            </a:endParaRPr>
           </a:p>
         </p:txBody>
       </p:sp>
@@ -4515,13 +4527,6 @@
   <p:clrMapOvr>
     <a:masterClrMapping/>
   </p:clrMapOvr>
-  <p:timing>
-    <p:tnLst>
-      <p:par>
-        <p:cTn xmlns:p14="http://schemas.microsoft.com/office/powerpoint/2010/main" id="1" dur="indefinite" restart="never" nodeType="tmRoot"/>
-      </p:par>
-    </p:tnLst>
-  </p:timing>
 </p:sld>
 </file>
 
@@ -4558,10 +4563,9 @@
           <a:lstStyle/>
           <a:p>
             <a:r>
-              <a:rPr lang="en-US" dirty="0" smtClean="0"/>
+              <a:rPr lang="en-US" dirty="0"/>
               <a:t>Binary Trees</a:t>
             </a:r>
-            <a:endParaRPr lang="en-US" dirty="0"/>
           </a:p>
         </p:txBody>
       </p:sp>
@@ -4586,28 +4590,27 @@
           <a:lstStyle/>
           <a:p>
             <a:r>
-              <a:rPr lang="en-US" dirty="0" smtClean="0"/>
+              <a:rPr lang="en-US" dirty="0"/>
               <a:t>Binary tree: each node has </a:t>
             </a:r>
             <a:r>
-              <a:rPr lang="en-US" b="1" dirty="0" smtClean="0"/>
+              <a:rPr lang="en-US" b="1" dirty="0"/>
               <a:t>at most two children</a:t>
             </a:r>
           </a:p>
           <a:p>
             <a:pPr lvl="1"/>
             <a:r>
-              <a:rPr lang="en-US" dirty="0" smtClean="0"/>
+              <a:rPr lang="en-US" dirty="0"/>
               <a:t>Empty tree is a binary tree</a:t>
             </a:r>
           </a:p>
           <a:p>
             <a:pPr lvl="1"/>
             <a:r>
-              <a:rPr lang="en-US" dirty="0" smtClean="0"/>
+              <a:rPr lang="en-US" dirty="0"/>
               <a:t>Each child may be empty or designated as either left child or right child</a:t>
             </a:r>
-            <a:endParaRPr lang="en-US" dirty="0"/>
           </a:p>
         </p:txBody>
       </p:sp>
@@ -4650,13 +4653,6 @@
   <p:clrMapOvr>
     <a:masterClrMapping/>
   </p:clrMapOvr>
-  <p:timing>
-    <p:tnLst>
-      <p:par>
-        <p:cTn xmlns:p14="http://schemas.microsoft.com/office/powerpoint/2010/main" id="1" dur="indefinite" restart="never" nodeType="tmRoot"/>
-      </p:par>
-    </p:tnLst>
-  </p:timing>
 </p:sld>
 </file>
 
@@ -4693,10 +4689,9 @@
           <a:lstStyle/>
           <a:p>
             <a:r>
-              <a:rPr lang="en-US" dirty="0" smtClean="0"/>
+              <a:rPr lang="en-US" dirty="0"/>
               <a:t>Types of Binary Trees</a:t>
             </a:r>
-            <a:endParaRPr lang="en-US" dirty="0"/>
           </a:p>
         </p:txBody>
       </p:sp>
@@ -4723,24 +4718,23 @@
           <a:lstStyle/>
           <a:p>
             <a:r>
-              <a:rPr lang="en-US" b="1" dirty="0" smtClean="0"/>
+              <a:rPr lang="en-US" b="1" dirty="0"/>
               <a:t>Full binary tree </a:t>
             </a:r>
             <a:r>
-              <a:rPr lang="en-US" dirty="0" smtClean="0"/>
+              <a:rPr lang="en-US" dirty="0"/>
               <a:t>(sometimes proper binary tree or 2-tree): every node other than the leaves has two children</a:t>
             </a:r>
           </a:p>
           <a:p>
             <a:r>
-              <a:rPr lang="en-US" b="1" dirty="0" smtClean="0"/>
+              <a:rPr lang="en-US" b="1" dirty="0"/>
               <a:t>Complete binary tree</a:t>
             </a:r>
             <a:r>
-              <a:rPr lang="en-US" dirty="0" smtClean="0"/>
+              <a:rPr lang="en-US" dirty="0"/>
               <a:t>: all non-terminal nodes have both children, and all leaves are at the same level</a:t>
             </a:r>
-            <a:endParaRPr lang="en-US" dirty="0"/>
           </a:p>
         </p:txBody>
       </p:sp>
@@ -4783,13 +4777,6 @@
   <p:clrMapOvr>
     <a:masterClrMapping/>
   </p:clrMapOvr>
-  <p:timing>
-    <p:tnLst>
-      <p:par>
-        <p:cTn xmlns:p14="http://schemas.microsoft.com/office/powerpoint/2010/main" id="1" dur="indefinite" restart="never" nodeType="tmRoot"/>
-      </p:par>
-    </p:tnLst>
-  </p:timing>
 </p:sld>
 </file>
 
@@ -4826,10 +4813,9 @@
           <a:lstStyle/>
           <a:p>
             <a:r>
-              <a:rPr lang="en-US" dirty="0" smtClean="0"/>
+              <a:rPr lang="en-US" dirty="0"/>
               <a:t>Tree Traversal</a:t>
             </a:r>
-            <a:endParaRPr lang="en-US" dirty="0"/>
           </a:p>
         </p:txBody>
       </p:sp>
@@ -4849,45 +4835,130 @@
           <a:lstStyle/>
           <a:p>
             <a:r>
-              <a:rPr lang="en-US" b="1" dirty="0" smtClean="0"/>
+              <a:rPr lang="en-US" b="1" dirty="0"/>
               <a:t>Tree traversal</a:t>
             </a:r>
             <a:r>
-              <a:rPr lang="en-US" dirty="0" smtClean="0"/>
+              <a:rPr lang="en-US" dirty="0"/>
               <a:t>:</a:t>
             </a:r>
           </a:p>
           <a:p>
             <a:pPr lvl="1"/>
             <a:r>
-              <a:rPr lang="en-US" dirty="0" smtClean="0"/>
+              <a:rPr lang="en-US" dirty="0"/>
               <a:t>Process of visiting each node in the tree exactly one time</a:t>
             </a:r>
           </a:p>
           <a:p>
             <a:r>
-              <a:rPr lang="en-US" b="1" dirty="0" smtClean="0"/>
+              <a:rPr lang="en-US" b="1" dirty="0"/>
               <a:t>Breadth-first traversal</a:t>
             </a:r>
             <a:r>
-              <a:rPr lang="en-US" dirty="0" smtClean="0"/>
+              <a:rPr lang="en-US" dirty="0"/>
               <a:t>:</a:t>
             </a:r>
           </a:p>
           <a:p>
             <a:pPr lvl="1"/>
             <a:r>
-              <a:rPr lang="en-US" dirty="0" smtClean="0"/>
+              <a:rPr lang="en-US" dirty="0"/>
               <a:t>Visiting each node starting from lowest (or highest) level and moving down (or up) level by level</a:t>
             </a:r>
           </a:p>
           <a:p>
             <a:pPr lvl="1"/>
             <a:r>
-              <a:rPr lang="en-US" dirty="0" smtClean="0"/>
+              <a:rPr lang="en-US" dirty="0"/>
               <a:t>Visiting nodes on each level from left to right (or from right to left)</a:t>
             </a:r>
-            <a:endParaRPr lang="en-US" dirty="0"/>
+          </a:p>
+        </p:txBody>
+      </p:sp>
+      <p:sp>
+        <p:nvSpPr>
+          <p:cNvPr id="4" name="Speech Bubble: Rectangle with Corners Rounded 3"/>
+          <p:cNvSpPr/>
+          <p:nvPr/>
+        </p:nvSpPr>
+        <p:spPr>
+          <a:xfrm>
+            <a:off x="1981200" y="5334000"/>
+            <a:ext cx="1905000" cy="990600"/>
+          </a:xfrm>
+          <a:prstGeom prst="wedgeRoundRectCallout">
+            <a:avLst/>
+          </a:prstGeom>
+        </p:spPr>
+        <p:style>
+          <a:lnRef idx="2">
+            <a:schemeClr val="accent1">
+              <a:shade val="50000"/>
+            </a:schemeClr>
+          </a:lnRef>
+          <a:fillRef idx="1">
+            <a:schemeClr val="accent1"/>
+          </a:fillRef>
+          <a:effectRef idx="0">
+            <a:schemeClr val="accent1"/>
+          </a:effectRef>
+          <a:fontRef idx="minor">
+            <a:schemeClr val="lt1"/>
+          </a:fontRef>
+        </p:style>
+        <p:txBody>
+          <a:bodyPr rtlCol="0" anchor="ctr"/>
+          <a:lstStyle/>
+          <a:p>
+            <a:pPr algn="ctr"/>
+            <a:r>
+              <a:rPr lang="en-US" sz="2400" dirty="0"/>
+              <a:t>Stack-based version</a:t>
+            </a:r>
+          </a:p>
+        </p:txBody>
+      </p:sp>
+      <p:sp>
+        <p:nvSpPr>
+          <p:cNvPr id="5" name="Speech Bubble: Rectangle with Corners Rounded 4"/>
+          <p:cNvSpPr/>
+          <p:nvPr/>
+        </p:nvSpPr>
+        <p:spPr>
+          <a:xfrm>
+            <a:off x="4724400" y="5105400"/>
+            <a:ext cx="1905000" cy="990600"/>
+          </a:xfrm>
+          <a:prstGeom prst="wedgeRoundRectCallout">
+            <a:avLst/>
+          </a:prstGeom>
+        </p:spPr>
+        <p:style>
+          <a:lnRef idx="2">
+            <a:schemeClr val="accent1">
+              <a:shade val="50000"/>
+            </a:schemeClr>
+          </a:lnRef>
+          <a:fillRef idx="1">
+            <a:schemeClr val="accent1"/>
+          </a:fillRef>
+          <a:effectRef idx="0">
+            <a:schemeClr val="accent1"/>
+          </a:effectRef>
+          <a:fontRef idx="minor">
+            <a:schemeClr val="lt1"/>
+          </a:fontRef>
+        </p:style>
+        <p:txBody>
+          <a:bodyPr rtlCol="0" anchor="ctr"/>
+          <a:lstStyle/>
+          <a:p>
+            <a:pPr algn="ctr"/>
+            <a:r>
+              <a:rPr lang="en-US" sz="2400" dirty="0"/>
+              <a:t>Recursive version</a:t>
+            </a:r>
           </a:p>
         </p:txBody>
       </p:sp>
@@ -4904,9 +4975,226 @@
   <p:timing>
     <p:tnLst>
       <p:par>
-        <p:cTn xmlns:p14="http://schemas.microsoft.com/office/powerpoint/2010/main" id="1" dur="indefinite" restart="never" nodeType="tmRoot"/>
+        <p:cTn id="1" dur="indefinite" restart="never" nodeType="tmRoot">
+          <p:childTnLst>
+            <p:seq concurrent="1" nextAc="seek">
+              <p:cTn id="2" dur="indefinite" nodeType="mainSeq">
+                <p:childTnLst>
+                  <p:par>
+                    <p:cTn id="3" fill="hold">
+                      <p:stCondLst>
+                        <p:cond delay="indefinite"/>
+                      </p:stCondLst>
+                      <p:childTnLst>
+                        <p:par>
+                          <p:cTn id="4" fill="hold">
+                            <p:stCondLst>
+                              <p:cond delay="0"/>
+                            </p:stCondLst>
+                            <p:childTnLst>
+                              <p:par>
+                                <p:cTn id="5" presetID="42" presetClass="entr" presetSubtype="0" fill="hold" grpId="0" nodeType="clickEffect">
+                                  <p:stCondLst>
+                                    <p:cond delay="0"/>
+                                  </p:stCondLst>
+                                  <p:childTnLst>
+                                    <p:set>
+                                      <p:cBhvr>
+                                        <p:cTn id="6" dur="1" fill="hold">
+                                          <p:stCondLst>
+                                            <p:cond delay="0"/>
+                                          </p:stCondLst>
+                                        </p:cTn>
+                                        <p:tgtEl>
+                                          <p:spTgt spid="4"/>
+                                        </p:tgtEl>
+                                        <p:attrNameLst>
+                                          <p:attrName>style.visibility</p:attrName>
+                                        </p:attrNameLst>
+                                      </p:cBhvr>
+                                      <p:to>
+                                        <p:strVal val="visible"/>
+                                      </p:to>
+                                    </p:set>
+                                    <p:animEffect transition="in" filter="fade">
+                                      <p:cBhvr>
+                                        <p:cTn id="7" dur="1000"/>
+                                        <p:tgtEl>
+                                          <p:spTgt spid="4"/>
+                                        </p:tgtEl>
+                                      </p:cBhvr>
+                                    </p:animEffect>
+                                    <p:anim calcmode="lin" valueType="num">
+                                      <p:cBhvr>
+                                        <p:cTn id="8" dur="1000" fill="hold"/>
+                                        <p:tgtEl>
+                                          <p:spTgt spid="4"/>
+                                        </p:tgtEl>
+                                        <p:attrNameLst>
+                                          <p:attrName>ppt_x</p:attrName>
+                                        </p:attrNameLst>
+                                      </p:cBhvr>
+                                      <p:tavLst>
+                                        <p:tav tm="0">
+                                          <p:val>
+                                            <p:strVal val="#ppt_x"/>
+                                          </p:val>
+                                        </p:tav>
+                                        <p:tav tm="100000">
+                                          <p:val>
+                                            <p:strVal val="#ppt_x"/>
+                                          </p:val>
+                                        </p:tav>
+                                      </p:tavLst>
+                                    </p:anim>
+                                    <p:anim calcmode="lin" valueType="num">
+                                      <p:cBhvr>
+                                        <p:cTn id="9" dur="1000" fill="hold"/>
+                                        <p:tgtEl>
+                                          <p:spTgt spid="4"/>
+                                        </p:tgtEl>
+                                        <p:attrNameLst>
+                                          <p:attrName>ppt_y</p:attrName>
+                                        </p:attrNameLst>
+                                      </p:cBhvr>
+                                      <p:tavLst>
+                                        <p:tav tm="0">
+                                          <p:val>
+                                            <p:strVal val="#ppt_y+.1"/>
+                                          </p:val>
+                                        </p:tav>
+                                        <p:tav tm="100000">
+                                          <p:val>
+                                            <p:strVal val="#ppt_y"/>
+                                          </p:val>
+                                        </p:tav>
+                                      </p:tavLst>
+                                    </p:anim>
+                                  </p:childTnLst>
+                                </p:cTn>
+                              </p:par>
+                            </p:childTnLst>
+                          </p:cTn>
+                        </p:par>
+                      </p:childTnLst>
+                    </p:cTn>
+                  </p:par>
+                  <p:par>
+                    <p:cTn id="10" fill="hold">
+                      <p:stCondLst>
+                        <p:cond delay="indefinite"/>
+                      </p:stCondLst>
+                      <p:childTnLst>
+                        <p:par>
+                          <p:cTn id="11" fill="hold">
+                            <p:stCondLst>
+                              <p:cond delay="0"/>
+                            </p:stCondLst>
+                            <p:childTnLst>
+                              <p:par>
+                                <p:cTn id="12" presetID="2" presetClass="entr" presetSubtype="4" fill="hold" grpId="0" nodeType="clickEffect">
+                                  <p:stCondLst>
+                                    <p:cond delay="0"/>
+                                  </p:stCondLst>
+                                  <p:childTnLst>
+                                    <p:set>
+                                      <p:cBhvr>
+                                        <p:cTn id="13" dur="1" fill="hold">
+                                          <p:stCondLst>
+                                            <p:cond delay="0"/>
+                                          </p:stCondLst>
+                                        </p:cTn>
+                                        <p:tgtEl>
+                                          <p:spTgt spid="5"/>
+                                        </p:tgtEl>
+                                        <p:attrNameLst>
+                                          <p:attrName>style.visibility</p:attrName>
+                                        </p:attrNameLst>
+                                      </p:cBhvr>
+                                      <p:to>
+                                        <p:strVal val="visible"/>
+                                      </p:to>
+                                    </p:set>
+                                    <p:anim calcmode="lin" valueType="num">
+                                      <p:cBhvr additive="base">
+                                        <p:cTn id="14" dur="500" fill="hold"/>
+                                        <p:tgtEl>
+                                          <p:spTgt spid="5"/>
+                                        </p:tgtEl>
+                                        <p:attrNameLst>
+                                          <p:attrName>ppt_x</p:attrName>
+                                        </p:attrNameLst>
+                                      </p:cBhvr>
+                                      <p:tavLst>
+                                        <p:tav tm="0">
+                                          <p:val>
+                                            <p:strVal val="#ppt_x"/>
+                                          </p:val>
+                                        </p:tav>
+                                        <p:tav tm="100000">
+                                          <p:val>
+                                            <p:strVal val="#ppt_x"/>
+                                          </p:val>
+                                        </p:tav>
+                                      </p:tavLst>
+                                    </p:anim>
+                                    <p:anim calcmode="lin" valueType="num">
+                                      <p:cBhvr additive="base">
+                                        <p:cTn id="15" dur="500" fill="hold"/>
+                                        <p:tgtEl>
+                                          <p:spTgt spid="5"/>
+                                        </p:tgtEl>
+                                        <p:attrNameLst>
+                                          <p:attrName>ppt_y</p:attrName>
+                                        </p:attrNameLst>
+                                      </p:cBhvr>
+                                      <p:tavLst>
+                                        <p:tav tm="0">
+                                          <p:val>
+                                            <p:strVal val="1+#ppt_h/2"/>
+                                          </p:val>
+                                        </p:tav>
+                                        <p:tav tm="100000">
+                                          <p:val>
+                                            <p:strVal val="#ppt_y"/>
+                                          </p:val>
+                                        </p:tav>
+                                      </p:tavLst>
+                                    </p:anim>
+                                  </p:childTnLst>
+                                </p:cTn>
+                              </p:par>
+                            </p:childTnLst>
+                          </p:cTn>
+                        </p:par>
+                      </p:childTnLst>
+                    </p:cTn>
+                  </p:par>
+                </p:childTnLst>
+              </p:cTn>
+              <p:prevCondLst>
+                <p:cond evt="onPrev" delay="0">
+                  <p:tgtEl>
+                    <p:sldTgt/>
+                  </p:tgtEl>
+                </p:cond>
+              </p:prevCondLst>
+              <p:nextCondLst>
+                <p:cond evt="onNext" delay="0">
+                  <p:tgtEl>
+                    <p:sldTgt/>
+                  </p:tgtEl>
+                </p:cond>
+              </p:nextCondLst>
+            </p:seq>
+          </p:childTnLst>
+        </p:cTn>
       </p:par>
     </p:tnLst>
+    <p:bldLst>
+      <p:bldP spid="4" grpId="0" animBg="1"/>
+      <p:bldP spid="5" grpId="0" animBg="1"/>
+    </p:bldLst>
   </p:timing>
 </p:sld>
 </file>
@@ -4944,10 +5232,9 @@
           <a:lstStyle/>
           <a:p>
             <a:r>
-              <a:rPr lang="en-US" dirty="0" smtClean="0"/>
+              <a:rPr lang="en-US" dirty="0"/>
               <a:t>Breadth-first Tree traversal example</a:t>
             </a:r>
-            <a:endParaRPr lang="en-US" dirty="0"/>
           </a:p>
         </p:txBody>
       </p:sp>
@@ -5003,16 +5290,241 @@
           <a:lstStyle/>
           <a:p>
             <a:r>
-              <a:rPr lang="en-US" b="1" dirty="0" smtClean="0"/>
+              <a:rPr lang="en-US" b="1" dirty="0"/>
               <a:t>Bread-first traversal:</a:t>
             </a:r>
           </a:p>
           <a:p>
             <a:r>
-              <a:rPr lang="en-US" b="1" dirty="0" smtClean="0"/>
+              <a:rPr lang="en-US" b="1" dirty="0"/>
               <a:t>A, B, C, D, E, F, G, H, I</a:t>
             </a:r>
-            <a:endParaRPr lang="en-US" b="1" dirty="0"/>
+          </a:p>
+        </p:txBody>
+      </p:sp>
+      <p:sp>
+        <p:nvSpPr>
+          <p:cNvPr id="3" name="Speech Bubble: Rectangle with Corners Rounded 2"/>
+          <p:cNvSpPr/>
+          <p:nvPr/>
+        </p:nvSpPr>
+        <p:spPr>
+          <a:xfrm>
+            <a:off x="6400800" y="1298713"/>
+            <a:ext cx="1981200" cy="838200"/>
+          </a:xfrm>
+          <a:prstGeom prst="wedgeRoundRectCallout">
+            <a:avLst/>
+          </a:prstGeom>
+        </p:spPr>
+        <p:style>
+          <a:lnRef idx="2">
+            <a:schemeClr val="accent1">
+              <a:shade val="50000"/>
+            </a:schemeClr>
+          </a:lnRef>
+          <a:fillRef idx="1">
+            <a:schemeClr val="accent1"/>
+          </a:fillRef>
+          <a:effectRef idx="0">
+            <a:schemeClr val="accent1"/>
+          </a:effectRef>
+          <a:fontRef idx="minor">
+            <a:schemeClr val="lt1"/>
+          </a:fontRef>
+        </p:style>
+        <p:txBody>
+          <a:bodyPr rtlCol="0" anchor="ctr"/>
+          <a:lstStyle/>
+          <a:p>
+            <a:pPr algn="ctr"/>
+            <a:r>
+              <a:rPr lang="en-US" dirty="0"/>
+              <a:t>Same level first</a:t>
+            </a:r>
+          </a:p>
+        </p:txBody>
+      </p:sp>
+      <p:cxnSp>
+        <p:nvCxnSpPr>
+          <p:cNvPr id="7" name="Straight Arrow Connector 6"/>
+          <p:cNvCxnSpPr>
+            <a:cxnSpLocks/>
+          </p:cNvCxnSpPr>
+          <p:nvPr/>
+        </p:nvCxnSpPr>
+        <p:spPr>
+          <a:xfrm>
+            <a:off x="1066800" y="1295400"/>
+            <a:ext cx="3733800" cy="0"/>
+          </a:xfrm>
+          <a:prstGeom prst="straightConnector1">
+            <a:avLst/>
+          </a:prstGeom>
+          <a:ln>
+            <a:tailEnd type="triangle"/>
+          </a:ln>
+        </p:spPr>
+        <p:style>
+          <a:lnRef idx="1">
+            <a:schemeClr val="accent1"/>
+          </a:lnRef>
+          <a:fillRef idx="0">
+            <a:schemeClr val="accent1"/>
+          </a:fillRef>
+          <a:effectRef idx="0">
+            <a:schemeClr val="accent1"/>
+          </a:effectRef>
+          <a:fontRef idx="minor">
+            <a:schemeClr val="tx1"/>
+          </a:fontRef>
+        </p:style>
+      </p:cxnSp>
+      <p:cxnSp>
+        <p:nvCxnSpPr>
+          <p:cNvPr id="9" name="Straight Arrow Connector 8"/>
+          <p:cNvCxnSpPr>
+            <a:cxnSpLocks/>
+          </p:cNvCxnSpPr>
+          <p:nvPr/>
+        </p:nvCxnSpPr>
+        <p:spPr>
+          <a:xfrm>
+            <a:off x="1676400" y="2286000"/>
+            <a:ext cx="3733800" cy="0"/>
+          </a:xfrm>
+          <a:prstGeom prst="straightConnector1">
+            <a:avLst/>
+          </a:prstGeom>
+          <a:ln>
+            <a:tailEnd type="triangle"/>
+          </a:ln>
+        </p:spPr>
+        <p:style>
+          <a:lnRef idx="1">
+            <a:schemeClr val="accent1"/>
+          </a:lnRef>
+          <a:fillRef idx="0">
+            <a:schemeClr val="accent1"/>
+          </a:fillRef>
+          <a:effectRef idx="0">
+            <a:schemeClr val="accent1"/>
+          </a:effectRef>
+          <a:fontRef idx="minor">
+            <a:schemeClr val="tx1"/>
+          </a:fontRef>
+        </p:style>
+      </p:cxnSp>
+      <p:cxnSp>
+        <p:nvCxnSpPr>
+          <p:cNvPr id="10" name="Straight Arrow Connector 9"/>
+          <p:cNvCxnSpPr>
+            <a:cxnSpLocks/>
+          </p:cNvCxnSpPr>
+          <p:nvPr/>
+        </p:nvCxnSpPr>
+        <p:spPr>
+          <a:xfrm>
+            <a:off x="1066800" y="3352800"/>
+            <a:ext cx="5181600" cy="0"/>
+          </a:xfrm>
+          <a:prstGeom prst="straightConnector1">
+            <a:avLst/>
+          </a:prstGeom>
+          <a:ln>
+            <a:tailEnd type="triangle"/>
+          </a:ln>
+        </p:spPr>
+        <p:style>
+          <a:lnRef idx="1">
+            <a:schemeClr val="accent1"/>
+          </a:lnRef>
+          <a:fillRef idx="0">
+            <a:schemeClr val="accent1"/>
+          </a:fillRef>
+          <a:effectRef idx="0">
+            <a:schemeClr val="accent1"/>
+          </a:effectRef>
+          <a:fontRef idx="minor">
+            <a:schemeClr val="tx1"/>
+          </a:fontRef>
+        </p:style>
+      </p:cxnSp>
+      <p:cxnSp>
+        <p:nvCxnSpPr>
+          <p:cNvPr id="12" name="Straight Arrow Connector 11"/>
+          <p:cNvCxnSpPr>
+            <a:cxnSpLocks/>
+          </p:cNvCxnSpPr>
+          <p:nvPr/>
+        </p:nvCxnSpPr>
+        <p:spPr>
+          <a:xfrm>
+            <a:off x="1066800" y="4419600"/>
+            <a:ext cx="3276600" cy="0"/>
+          </a:xfrm>
+          <a:prstGeom prst="straightConnector1">
+            <a:avLst/>
+          </a:prstGeom>
+          <a:ln>
+            <a:tailEnd type="triangle"/>
+          </a:ln>
+        </p:spPr>
+        <p:style>
+          <a:lnRef idx="1">
+            <a:schemeClr val="accent1"/>
+          </a:lnRef>
+          <a:fillRef idx="0">
+            <a:schemeClr val="accent1"/>
+          </a:fillRef>
+          <a:effectRef idx="0">
+            <a:schemeClr val="accent1"/>
+          </a:effectRef>
+          <a:fontRef idx="minor">
+            <a:schemeClr val="tx1"/>
+          </a:fontRef>
+        </p:style>
+      </p:cxnSp>
+      <p:sp>
+        <p:nvSpPr>
+          <p:cNvPr id="14" name="Speech Bubble: Rectangle with Corners Rounded 13"/>
+          <p:cNvSpPr/>
+          <p:nvPr/>
+        </p:nvSpPr>
+        <p:spPr>
+          <a:xfrm>
+            <a:off x="6391523" y="2590800"/>
+            <a:ext cx="1981200" cy="838200"/>
+          </a:xfrm>
+          <a:prstGeom prst="wedgeRoundRectCallout">
+            <a:avLst/>
+          </a:prstGeom>
+        </p:spPr>
+        <p:style>
+          <a:lnRef idx="2">
+            <a:schemeClr val="accent1">
+              <a:shade val="50000"/>
+            </a:schemeClr>
+          </a:lnRef>
+          <a:fillRef idx="1">
+            <a:schemeClr val="accent1"/>
+          </a:fillRef>
+          <a:effectRef idx="0">
+            <a:schemeClr val="accent1"/>
+          </a:effectRef>
+          <a:fontRef idx="minor">
+            <a:schemeClr val="lt1"/>
+          </a:fontRef>
+        </p:style>
+        <p:txBody>
+          <a:bodyPr rtlCol="0" anchor="ctr"/>
+          <a:lstStyle/>
+          <a:p>
+            <a:pPr algn="ctr"/>
+            <a:r>
+              <a:rPr lang="en-US" dirty="0"/>
+              <a:t>Using queue</a:t>
+            </a:r>
           </a:p>
         </p:txBody>
       </p:sp>
@@ -5026,13 +5538,6 @@
   <p:clrMapOvr>
     <a:masterClrMapping/>
   </p:clrMapOvr>
-  <p:timing>
-    <p:tnLst>
-      <p:par>
-        <p:cTn xmlns:p14="http://schemas.microsoft.com/office/powerpoint/2010/main" id="1" dur="indefinite" restart="never" nodeType="tmRoot"/>
-      </p:par>
-    </p:tnLst>
-  </p:timing>
 </p:sld>
 </file>
 
@@ -5071,10 +5576,9 @@
           <a:lstStyle/>
           <a:p>
             <a:r>
-              <a:rPr lang="en-US" dirty="0" smtClean="0"/>
+              <a:rPr lang="en-US" dirty="0"/>
               <a:t>Tutorial: visit first or recursive call first</a:t>
             </a:r>
-            <a:endParaRPr lang="en-US" dirty="0"/>
           </a:p>
         </p:txBody>
       </p:sp>
@@ -5117,13 +5621,6 @@
   <p:clrMapOvr>
     <a:masterClrMapping/>
   </p:clrMapOvr>
-  <p:timing>
-    <p:tnLst>
-      <p:par>
-        <p:cTn xmlns:p14="http://schemas.microsoft.com/office/powerpoint/2010/main" id="1" dur="indefinite" restart="never" nodeType="tmRoot"/>
-      </p:par>
-    </p:tnLst>
-  </p:timing>
 </p:sld>
 </file>
 
@@ -5160,10 +5657,9 @@
           <a:lstStyle/>
           <a:p>
             <a:r>
-              <a:rPr lang="en-US" dirty="0" smtClean="0"/>
-              <a:t>Tree traversal</a:t>
-            </a:r>
-            <a:endParaRPr lang="en-US" dirty="0"/>
+              <a:rPr lang="en-US" dirty="0"/>
+              <a:t>Tree traversal (2)</a:t>
+            </a:r>
           </a:p>
         </p:txBody>
       </p:sp>
@@ -5185,74 +5681,74 @@
           <a:lstStyle/>
           <a:p>
             <a:r>
-              <a:rPr lang="en-US" dirty="0" smtClean="0"/>
+              <a:rPr lang="en-US" dirty="0"/>
               <a:t>Depth-first traversal:</a:t>
             </a:r>
           </a:p>
           <a:p>
             <a:pPr lvl="1"/>
             <a:r>
-              <a:rPr lang="en-US" dirty="0" smtClean="0"/>
+              <a:rPr lang="en-US" dirty="0"/>
               <a:t>Proceeds as far as possible to the left (or right)</a:t>
             </a:r>
           </a:p>
           <a:p>
             <a:pPr lvl="1"/>
             <a:r>
-              <a:rPr lang="en-US" dirty="0" smtClean="0"/>
+              <a:rPr lang="en-US" dirty="0"/>
               <a:t>Then backs up until the first crossroad</a:t>
             </a:r>
           </a:p>
           <a:p>
             <a:pPr lvl="1"/>
             <a:r>
-              <a:rPr lang="en-US" dirty="0" smtClean="0"/>
+              <a:rPr lang="en-US" dirty="0"/>
               <a:t>Goes one step to the right (or left)</a:t>
             </a:r>
           </a:p>
           <a:p>
             <a:pPr lvl="1"/>
             <a:r>
-              <a:rPr lang="en-US" dirty="0" smtClean="0"/>
+              <a:rPr lang="en-US" dirty="0"/>
               <a:t>Again, as far as possible to the left (or right)</a:t>
             </a:r>
           </a:p>
           <a:p>
             <a:r>
-              <a:rPr lang="en-US" dirty="0" smtClean="0"/>
+              <a:rPr lang="en-US" dirty="0"/>
               <a:t>There are three tasks to be done:</a:t>
             </a:r>
           </a:p>
           <a:p>
             <a:pPr lvl="1"/>
             <a:r>
-              <a:rPr lang="en-US" dirty="0" smtClean="0"/>
+              <a:rPr lang="en-US" dirty="0"/>
               <a:t>V: Visiting a node</a:t>
             </a:r>
           </a:p>
           <a:p>
             <a:pPr lvl="1"/>
             <a:r>
-              <a:rPr lang="en-US" dirty="0" smtClean="0"/>
+              <a:rPr lang="en-US" dirty="0"/>
               <a:t>L: Traversing the left </a:t>
             </a:r>
             <a:r>
-              <a:rPr lang="en-US" dirty="0" err="1" smtClean="0"/>
+              <a:rPr lang="en-US" dirty="0" err="1"/>
               <a:t>subtree</a:t>
             </a:r>
-            <a:endParaRPr lang="en-US" dirty="0" smtClean="0"/>
+            <a:endParaRPr lang="en-US" dirty="0"/>
           </a:p>
           <a:p>
             <a:pPr lvl="1"/>
             <a:r>
-              <a:rPr lang="en-US" dirty="0" smtClean="0"/>
+              <a:rPr lang="en-US" dirty="0"/>
               <a:t>R: Traversing the right </a:t>
             </a:r>
             <a:r>
-              <a:rPr lang="en-US" dirty="0" err="1" smtClean="0"/>
+              <a:rPr lang="en-US" dirty="0" err="1"/>
               <a:t>subtree</a:t>
             </a:r>
-            <a:endParaRPr lang="en-US" dirty="0" smtClean="0"/>
+            <a:endParaRPr lang="en-US" dirty="0"/>
           </a:p>
         </p:txBody>
       </p:sp>
@@ -5266,13 +5762,6 @@
   <p:clrMapOvr>
     <a:masterClrMapping/>
   </p:clrMapOvr>
-  <p:timing>
-    <p:tnLst>
-      <p:par>
-        <p:cTn xmlns:p14="http://schemas.microsoft.com/office/powerpoint/2010/main" id="1" dur="indefinite" restart="never" nodeType="tmRoot"/>
-      </p:par>
-    </p:tnLst>
-  </p:timing>
 </p:sld>
 </file>
 
@@ -5309,10 +5798,9 @@
           <a:lstStyle/>
           <a:p>
             <a:r>
-              <a:rPr lang="en-US" dirty="0" smtClean="0"/>
+              <a:rPr lang="en-US" dirty="0"/>
               <a:t>Ways of depth-first traversal</a:t>
             </a:r>
-            <a:endParaRPr lang="en-US" dirty="0"/>
           </a:p>
         </p:txBody>
       </p:sp>
@@ -5333,15 +5821,7 @@
           <a:p>
             <a:r>
               <a:rPr lang="en-US" dirty="0"/>
-              <a:t>Three tasks </a:t>
-            </a:r>
-            <a:r>
-              <a:rPr lang="en-US" dirty="0" smtClean="0"/>
-              <a:t>can </a:t>
-            </a:r>
-            <a:r>
-              <a:rPr lang="en-US" dirty="0"/>
-              <a:t>be ordered in 3!=6 ways</a:t>
+              <a:t>Three tasks can be ordered in 3!=6 ways</a:t>
             </a:r>
           </a:p>
           <a:p>
@@ -5355,78 +5835,63 @@
               <a:rPr lang="en-US" dirty="0"/>
               <a:t>It can be reduced to 3 traversals </a:t>
             </a:r>
-            <a:endParaRPr lang="en-US" dirty="0" smtClean="0"/>
           </a:p>
           <a:p>
             <a:pPr lvl="1"/>
             <a:r>
-              <a:rPr lang="en-US" dirty="0" smtClean="0"/>
-              <a:t>The </a:t>
-            </a:r>
-            <a:r>
-              <a:rPr lang="en-US" dirty="0"/>
-              <a:t>move is always from left to right and </a:t>
-            </a:r>
-            <a:endParaRPr lang="en-US" dirty="0" smtClean="0"/>
+              <a:rPr lang="en-US" dirty="0"/>
+              <a:t>The move is always from left to right and </a:t>
+            </a:r>
           </a:p>
           <a:p>
             <a:pPr lvl="1"/>
             <a:r>
-              <a:rPr lang="en-US" dirty="0" smtClean="0"/>
-              <a:t>Attention </a:t>
-            </a:r>
-            <a:r>
-              <a:rPr lang="en-US" dirty="0"/>
-              <a:t>is focused on the first column</a:t>
-            </a:r>
-            <a:r>
-              <a:rPr lang="en-US" dirty="0" smtClean="0"/>
-              <a:t>.</a:t>
-            </a:r>
-          </a:p>
-          <a:p>
-            <a:r>
-              <a:rPr lang="en-US" dirty="0" smtClean="0"/>
+              <a:rPr lang="en-US" dirty="0"/>
+              <a:t>Attention is focused on the first column.</a:t>
+            </a:r>
+          </a:p>
+          <a:p>
+            <a:r>
+              <a:rPr lang="en-US" dirty="0"/>
               <a:t>The 3 traversals are given these standard names</a:t>
             </a:r>
           </a:p>
           <a:p>
             <a:pPr lvl="1"/>
             <a:r>
-              <a:rPr lang="en-US" dirty="0" smtClean="0"/>
+              <a:rPr lang="en-US" dirty="0"/>
               <a:t>VLR: Preorder traversal (or NLR)</a:t>
             </a:r>
           </a:p>
           <a:p>
             <a:pPr lvl="1"/>
             <a:r>
-              <a:rPr lang="en-US" dirty="0" smtClean="0"/>
+              <a:rPr lang="en-US" dirty="0"/>
               <a:t>LVR: </a:t>
             </a:r>
             <a:r>
-              <a:rPr lang="en-US" dirty="0" err="1" smtClean="0"/>
+              <a:rPr lang="en-US" dirty="0" err="1"/>
               <a:t>Inorder</a:t>
             </a:r>
             <a:r>
-              <a:rPr lang="en-US" dirty="0" smtClean="0"/>
+              <a:rPr lang="en-US" dirty="0"/>
               <a:t> traversal (or LNR)</a:t>
             </a:r>
           </a:p>
           <a:p>
             <a:pPr lvl="1"/>
             <a:r>
-              <a:rPr lang="en-US" dirty="0" smtClean="0"/>
+              <a:rPr lang="en-US" dirty="0"/>
               <a:t>LRV: </a:t>
             </a:r>
             <a:r>
-              <a:rPr lang="en-US" dirty="0" err="1" smtClean="0"/>
+              <a:rPr lang="en-US" dirty="0" err="1"/>
               <a:t>Postorder</a:t>
             </a:r>
             <a:r>
-              <a:rPr lang="en-US" dirty="0" smtClean="0"/>
+              <a:rPr lang="en-US" dirty="0"/>
               <a:t> (or LRN)</a:t>
             </a:r>
-            <a:endParaRPr lang="en-US" dirty="0"/>
           </a:p>
           <a:p>
             <a:endParaRPr lang="en-US" dirty="0"/>
@@ -5446,13 +5911,6 @@
   <p:clrMapOvr>
     <a:masterClrMapping/>
   </p:clrMapOvr>
-  <p:timing>
-    <p:tnLst>
-      <p:par>
-        <p:cTn xmlns:p14="http://schemas.microsoft.com/office/powerpoint/2010/main" id="1" dur="indefinite" restart="never" nodeType="tmRoot"/>
-      </p:par>
-    </p:tnLst>
-  </p:timing>
 </p:sld>
 </file>
 
@@ -5487,14 +5945,14 @@
           <a:noFill/>
           <a:extLst>
             <a:ext uri="{909E8E84-426E-40dd-AFC4-6F175D3DCCD1}">
-              <a14:hiddenFill xmlns:a14="http://schemas.microsoft.com/office/drawing/2010/main">
+              <a14:hiddenFill xmlns="" xmlns:a14="http://schemas.microsoft.com/office/drawing/2010/main">
                 <a:solidFill>
                   <a:srgbClr val="FFFFFF"/>
                 </a:solidFill>
               </a14:hiddenFill>
             </a:ext>
             <a:ext uri="{91240B29-F687-4f45-9708-019B960494DF}">
-              <a14:hiddenLine xmlns:a14="http://schemas.microsoft.com/office/drawing/2010/main" w="9525">
+              <a14:hiddenLine xmlns="" xmlns:a14="http://schemas.microsoft.com/office/drawing/2010/main" w="9525">
                 <a:solidFill>
                   <a:srgbClr val="000000"/>
                 </a:solidFill>
@@ -5504,7 +5962,7 @@
               </a14:hiddenLine>
             </a:ext>
             <a:ext uri="{FAA26D3D-D897-4be2-8F04-BA451C77F1D7}">
-              <ma14:placeholderFlag xmlns:ma14="http://schemas.microsoft.com/office/mac/drawingml/2011/main" val="1"/>
+              <ma14:placeholderFlag xmlns="" xmlns:ma14="http://schemas.microsoft.com/office/mac/drawingml/2011/main" val="1"/>
             </a:ext>
           </a:extLst>
         </p:spPr>
@@ -5518,14 +5976,11 @@
           <a:p>
             <a:pPr eaLnBrk="1" hangingPunct="1"/>
             <a:r>
-              <a:rPr lang="en-US" dirty="0" smtClean="0">
+              <a:rPr lang="en-US" dirty="0">
                 <a:latin typeface="Calibri" charset="0"/>
               </a:rPr>
               <a:t>Objectives</a:t>
             </a:r>
-            <a:endParaRPr lang="en-US" dirty="0">
-              <a:latin typeface="Calibri" charset="0"/>
-            </a:endParaRPr>
           </a:p>
         </p:txBody>
       </p:sp>
@@ -5543,14 +5998,14 @@
           <a:noFill/>
           <a:extLst>
             <a:ext uri="{909E8E84-426E-40dd-AFC4-6F175D3DCCD1}">
-              <a14:hiddenFill xmlns:a14="http://schemas.microsoft.com/office/drawing/2010/main">
+              <a14:hiddenFill xmlns="" xmlns:a14="http://schemas.microsoft.com/office/drawing/2010/main">
                 <a:solidFill>
                   <a:srgbClr val="FFFFFF"/>
                 </a:solidFill>
               </a14:hiddenFill>
             </a:ext>
             <a:ext uri="{91240B29-F687-4f45-9708-019B960494DF}">
-              <a14:hiddenLine xmlns:a14="http://schemas.microsoft.com/office/drawing/2010/main" w="9525">
+              <a14:hiddenLine xmlns="" xmlns:a14="http://schemas.microsoft.com/office/drawing/2010/main" w="9525">
                 <a:solidFill>
                   <a:srgbClr val="000000"/>
                 </a:solidFill>
@@ -5560,7 +6015,7 @@
               </a14:hiddenLine>
             </a:ext>
             <a:ext uri="{FAA26D3D-D897-4be2-8F04-BA451C77F1D7}">
-              <ma14:placeholderFlag xmlns:ma14="http://schemas.microsoft.com/office/mac/drawingml/2011/main" val="1"/>
+              <ma14:placeholderFlag xmlns="" xmlns:ma14="http://schemas.microsoft.com/office/mac/drawingml/2011/main" val="1"/>
             </a:ext>
           </a:extLst>
         </p:spPr>
@@ -5677,13 +6132,6 @@
   <p:clrMapOvr>
     <a:masterClrMapping/>
   </p:clrMapOvr>
-  <p:timing>
-    <p:tnLst>
-      <p:par>
-        <p:cTn xmlns:p14="http://schemas.microsoft.com/office/powerpoint/2010/main" id="1" dur="indefinite" restart="never" nodeType="tmRoot"/>
-      </p:par>
-    </p:tnLst>
-  </p:timing>
 </p:sld>
 </file>
 
@@ -5720,14 +6168,13 @@
           <a:lstStyle/>
           <a:p>
             <a:r>
-              <a:rPr lang="en-US" dirty="0" err="1" smtClean="0"/>
+              <a:rPr lang="en-US" dirty="0" err="1"/>
               <a:t>Inorder</a:t>
             </a:r>
             <a:r>
-              <a:rPr lang="en-US" dirty="0" smtClean="0"/>
+              <a:rPr lang="en-US" dirty="0"/>
               <a:t> tree traversal</a:t>
             </a:r>
-            <a:endParaRPr lang="en-US" dirty="0"/>
           </a:p>
         </p:txBody>
       </p:sp>
@@ -5770,13 +6217,6 @@
   <p:clrMapOvr>
     <a:masterClrMapping/>
   </p:clrMapOvr>
-  <p:timing>
-    <p:tnLst>
-      <p:par>
-        <p:cTn xmlns:p14="http://schemas.microsoft.com/office/powerpoint/2010/main" id="1" dur="indefinite" restart="never" nodeType="tmRoot"/>
-      </p:par>
-    </p:tnLst>
-  </p:timing>
 </p:sld>
 </file>
 
@@ -5813,10 +6253,9 @@
           <a:lstStyle/>
           <a:p>
             <a:r>
-              <a:rPr lang="en-US" dirty="0" smtClean="0"/>
+              <a:rPr lang="en-US" dirty="0"/>
               <a:t>Tree Traversal Example</a:t>
             </a:r>
-            <a:endParaRPr lang="en-US" dirty="0"/>
           </a:p>
         </p:txBody>
       </p:sp>
@@ -5843,36 +6282,35 @@
           <a:lstStyle/>
           <a:p>
             <a:r>
-              <a:rPr lang="en-US" dirty="0" smtClean="0"/>
+              <a:rPr lang="en-US" dirty="0"/>
               <a:t>Preorder traversal: F, B, A, D, C, E, G, I, H (root, left, right)</a:t>
             </a:r>
           </a:p>
           <a:p>
             <a:r>
-              <a:rPr lang="en-US" dirty="0" err="1" smtClean="0"/>
+              <a:rPr lang="en-US" dirty="0" err="1"/>
               <a:t>Inorder</a:t>
             </a:r>
             <a:r>
-              <a:rPr lang="en-US" dirty="0" smtClean="0"/>
+              <a:rPr lang="en-US" dirty="0"/>
               <a:t> traversal: A, B, C, D, E, F, G, H, I (left, root, right)</a:t>
             </a:r>
           </a:p>
           <a:p>
             <a:r>
-              <a:rPr lang="en-US" dirty="0" err="1" smtClean="0"/>
+              <a:rPr lang="en-US" dirty="0" err="1"/>
               <a:t>Postorder</a:t>
             </a:r>
             <a:r>
-              <a:rPr lang="en-US" dirty="0" smtClean="0"/>
+              <a:rPr lang="en-US" dirty="0"/>
               <a:t> traversal: A, C, E, D, B, H, I, G, F (left, right, root)</a:t>
             </a:r>
           </a:p>
           <a:p>
             <a:r>
-              <a:rPr lang="en-US" dirty="0" smtClean="0"/>
+              <a:rPr lang="en-US" dirty="0"/>
               <a:t>Level-order traversal (breadth-first): F, B, G, A, D, I, C, E, H</a:t>
             </a:r>
-            <a:endParaRPr lang="en-US" dirty="0"/>
           </a:p>
         </p:txBody>
       </p:sp>
@@ -5915,13 +6353,6 @@
   <p:clrMapOvr>
     <a:masterClrMapping/>
   </p:clrMapOvr>
-  <p:timing>
-    <p:tnLst>
-      <p:par>
-        <p:cTn xmlns:p14="http://schemas.microsoft.com/office/powerpoint/2010/main" id="1" dur="indefinite" restart="never" nodeType="tmRoot"/>
-      </p:par>
-    </p:tnLst>
-  </p:timing>
 </p:sld>
 </file>
 
@@ -5944,58 +6375,93 @@
       </p:grpSpPr>
       <p:sp>
         <p:nvSpPr>
-          <p:cNvPr id="4" name="Title 3"/>
-          <p:cNvSpPr>
-            <a:spLocks noGrp="1"/>
-          </p:cNvSpPr>
-          <p:nvPr>
-            <p:ph type="title"/>
-          </p:nvPr>
-        </p:nvSpPr>
-        <p:spPr/>
-        <p:txBody>
-          <a:bodyPr/>
+          <p:cNvPr id="6" name="Rectangle 5"/>
+          <p:cNvSpPr/>
+          <p:nvPr/>
+        </p:nvSpPr>
+        <p:spPr>
+          <a:xfrm rot="20209346">
+            <a:off x="1921288" y="2457156"/>
+            <a:ext cx="5301451" cy="1754326"/>
+          </a:xfrm>
+          <a:prstGeom prst="rect">
+            <a:avLst/>
+          </a:prstGeom>
+          <a:noFill/>
+        </p:spPr>
+        <p:txBody>
+          <a:bodyPr wrap="none" lIns="91440" tIns="45720" rIns="91440" bIns="45720">
+            <a:spAutoFit/>
+          </a:bodyPr>
           <a:lstStyle/>
           <a:p>
-            <a:r>
-              <a:rPr lang="en-US" dirty="0" smtClean="0"/>
-              <a:t>Binary tree </a:t>
-            </a:r>
-            <a:r>
-              <a:rPr lang="en-US" dirty="0"/>
-              <a:t>implementation</a:t>
-            </a:r>
-            <a:r>
-              <a:rPr lang="en-US"/>
-              <a:t/>
-            </a:r>
-            <a:br>
-              <a:rPr lang="en-US"/>
-            </a:br>
-            <a:endParaRPr lang="en-US" dirty="0">
+            <a:pPr algn="ctr"/>
+            <a:r>
+              <a:rPr lang="en-US" sz="5400" b="1" dirty="0">
+                <a:ln w="9525">
+                  <a:solidFill>
+                    <a:schemeClr val="bg1"/>
+                  </a:solidFill>
+                  <a:prstDash val="solid"/>
+                </a:ln>
+                <a:solidFill>
+                  <a:schemeClr val="accent5"/>
+                </a:solidFill>
+                <a:effectLst>
+                  <a:outerShdw blurRad="12700" dist="38100" dir="2700000" algn="tl" rotWithShape="0">
+                    <a:schemeClr val="accent5">
+                      <a:lumMod val="60000"/>
+                      <a:lumOff val="40000"/>
+                    </a:schemeClr>
+                  </a:outerShdw>
+                </a:effectLst>
+              </a:rPr>
+              <a:t>Binary Tree </a:t>
+            </a:r>
+          </a:p>
+          <a:p>
+            <a:pPr algn="ctr"/>
+            <a:r>
+              <a:rPr lang="en-US" sz="5400" b="1" dirty="0">
+                <a:ln w="9525">
+                  <a:solidFill>
+                    <a:schemeClr val="bg1"/>
+                  </a:solidFill>
+                  <a:prstDash val="solid"/>
+                </a:ln>
+                <a:solidFill>
+                  <a:schemeClr val="accent5"/>
+                </a:solidFill>
+                <a:effectLst>
+                  <a:outerShdw blurRad="12700" dist="38100" dir="2700000" algn="tl" rotWithShape="0">
+                    <a:schemeClr val="accent5">
+                      <a:lumMod val="60000"/>
+                      <a:lumOff val="40000"/>
+                    </a:schemeClr>
+                  </a:outerShdw>
+                </a:effectLst>
+              </a:rPr>
+              <a:t>Implementation</a:t>
+            </a:r>
+            <a:endParaRPr lang="en-US" sz="5400" b="1" cap="none" spc="0" dirty="0">
+              <a:ln w="9525">
+                <a:solidFill>
+                  <a:schemeClr val="bg1"/>
+                </a:solidFill>
+                <a:prstDash val="solid"/>
+              </a:ln>
               <a:solidFill>
-                <a:srgbClr val="FF0000"/>
+                <a:schemeClr val="accent5"/>
               </a:solidFill>
+              <a:effectLst>
+                <a:outerShdw blurRad="12700" dist="38100" dir="2700000" algn="tl" rotWithShape="0">
+                  <a:schemeClr val="accent5">
+                    <a:lumMod val="60000"/>
+                    <a:lumOff val="40000"/>
+                  </a:schemeClr>
+                </a:outerShdw>
+              </a:effectLst>
             </a:endParaRPr>
-          </a:p>
-        </p:txBody>
-      </p:sp>
-      <p:sp>
-        <p:nvSpPr>
-          <p:cNvPr id="5" name="Text Placeholder 4"/>
-          <p:cNvSpPr>
-            <a:spLocks noGrp="1"/>
-          </p:cNvSpPr>
-          <p:nvPr>
-            <p:ph type="body" idx="1"/>
-          </p:nvPr>
-        </p:nvSpPr>
-        <p:spPr/>
-        <p:txBody>
-          <a:bodyPr/>
-          <a:lstStyle/>
-          <a:p>
-            <a:endParaRPr lang="en-US" dirty="0"/>
           </a:p>
         </p:txBody>
       </p:sp>
@@ -6009,13 +6475,6 @@
   <p:clrMapOvr>
     <a:masterClrMapping/>
   </p:clrMapOvr>
-  <p:timing>
-    <p:tnLst>
-      <p:par>
-        <p:cTn xmlns:p14="http://schemas.microsoft.com/office/powerpoint/2010/main" id="1" dur="indefinite" restart="never" nodeType="tmRoot"/>
-      </p:par>
-    </p:tnLst>
-  </p:timing>
 </p:sld>
 </file>
 
@@ -6052,10 +6511,9 @@
           <a:lstStyle/>
           <a:p>
             <a:r>
-              <a:rPr lang="en-US" dirty="0" smtClean="0"/>
+              <a:rPr lang="en-US" dirty="0"/>
               <a:t>Array - Binary tree implementation</a:t>
             </a:r>
-            <a:endParaRPr lang="en-US" dirty="0"/>
           </a:p>
         </p:txBody>
       </p:sp>
@@ -6077,80 +6535,79 @@
           <a:lstStyle/>
           <a:p>
             <a:r>
-              <a:rPr lang="en-US" dirty="0" smtClean="0"/>
+              <a:rPr lang="en-US" dirty="0"/>
               <a:t>Binary trees can be implemented at least in two ways</a:t>
             </a:r>
           </a:p>
           <a:p>
             <a:pPr lvl="1"/>
             <a:r>
-              <a:rPr lang="en-US" dirty="0" smtClean="0"/>
+              <a:rPr lang="en-US" dirty="0"/>
               <a:t>As arrays</a:t>
             </a:r>
           </a:p>
           <a:p>
             <a:pPr lvl="1"/>
             <a:r>
-              <a:rPr lang="en-US" dirty="0" smtClean="0"/>
+              <a:rPr lang="en-US" dirty="0"/>
               <a:t>As linked structures</a:t>
             </a:r>
           </a:p>
           <a:p>
             <a:r>
-              <a:rPr lang="en-US" dirty="0" smtClean="0"/>
+              <a:rPr lang="en-US" dirty="0"/>
               <a:t>To implement tree as an array</a:t>
             </a:r>
           </a:p>
           <a:p>
             <a:pPr lvl="1"/>
             <a:r>
-              <a:rPr lang="en-US" dirty="0" smtClean="0"/>
+              <a:rPr lang="en-US" dirty="0"/>
               <a:t>A node is declared as an object with </a:t>
             </a:r>
           </a:p>
           <a:p>
             <a:pPr lvl="2"/>
             <a:r>
-              <a:rPr lang="en-US" dirty="0" smtClean="0"/>
+              <a:rPr lang="en-US" dirty="0"/>
               <a:t>Information field and</a:t>
             </a:r>
           </a:p>
           <a:p>
             <a:pPr lvl="2"/>
             <a:r>
-              <a:rPr lang="en-US" dirty="0" smtClean="0"/>
+              <a:rPr lang="en-US" dirty="0"/>
               <a:t>Two </a:t>
             </a:r>
             <a:r>
-              <a:rPr lang="en-US" b="1" dirty="0" smtClean="0"/>
+              <a:rPr lang="en-US" b="1" dirty="0"/>
               <a:t>reference</a:t>
             </a:r>
             <a:r>
-              <a:rPr lang="en-US" dirty="0" smtClean="0"/>
+              <a:rPr lang="en-US" dirty="0"/>
               <a:t> fields</a:t>
             </a:r>
           </a:p>
           <a:p>
             <a:pPr lvl="1"/>
             <a:r>
-              <a:rPr lang="en-US" dirty="0" smtClean="0"/>
+              <a:rPr lang="en-US" dirty="0"/>
               <a:t>These reference fields contain the indexes of the array cells in which the left and the right children are stored, if any.</a:t>
             </a:r>
           </a:p>
           <a:p>
             <a:pPr lvl="1"/>
             <a:r>
-              <a:rPr lang="en-US" dirty="0" smtClean="0"/>
+              <a:rPr lang="en-US" dirty="0"/>
               <a:t>It is hard to predict how many nodes will be created during program execution</a:t>
             </a:r>
           </a:p>
           <a:p>
             <a:pPr lvl="2"/>
             <a:r>
-              <a:rPr lang="en-US" dirty="0" smtClean="0"/>
+              <a:rPr lang="en-US" dirty="0"/>
               <a:t>How to reserve spaces and know the size to define an array?</a:t>
             </a:r>
-            <a:endParaRPr lang="en-US" dirty="0"/>
           </a:p>
         </p:txBody>
       </p:sp>
@@ -6164,13 +6621,6 @@
   <p:clrMapOvr>
     <a:masterClrMapping/>
   </p:clrMapOvr>
-  <p:timing>
-    <p:tnLst>
-      <p:par>
-        <p:cTn xmlns:p14="http://schemas.microsoft.com/office/powerpoint/2010/main" id="1" dur="indefinite" restart="never" nodeType="tmRoot"/>
-      </p:par>
-    </p:tnLst>
-  </p:timing>
 </p:sld>
 </file>
 
@@ -6207,12 +6657,8 @@
           <a:lstStyle/>
           <a:p>
             <a:r>
-              <a:rPr lang="en-US" dirty="0" smtClean="0"/>
-              <a:t>Linked </a:t>
-            </a:r>
-            <a:r>
-              <a:rPr lang="en-US" dirty="0"/>
-              <a:t>- Binary tree implementation</a:t>
+              <a:rPr lang="en-US" dirty="0"/>
+              <a:t>Linked - Binary tree implementation</a:t>
             </a:r>
           </a:p>
         </p:txBody>
@@ -6238,31 +6684,30 @@
           <a:lstStyle/>
           <a:p>
             <a:r>
-              <a:rPr lang="en-US" dirty="0" smtClean="0"/>
+              <a:rPr lang="en-US" dirty="0"/>
               <a:t>Linked structure implementation</a:t>
             </a:r>
           </a:p>
           <a:p>
             <a:pPr lvl="1"/>
             <a:r>
-              <a:rPr lang="en-US" dirty="0" smtClean="0"/>
+              <a:rPr lang="en-US" dirty="0"/>
               <a:t>A node is declared as an object with</a:t>
             </a:r>
           </a:p>
           <a:p>
             <a:pPr lvl="2"/>
             <a:r>
-              <a:rPr lang="en-US" dirty="0" smtClean="0"/>
+              <a:rPr lang="en-US" dirty="0"/>
               <a:t>Information field and</a:t>
             </a:r>
           </a:p>
           <a:p>
             <a:pPr lvl="2"/>
             <a:r>
-              <a:rPr lang="en-US" dirty="0" smtClean="0"/>
+              <a:rPr lang="en-US" dirty="0"/>
               <a:t>Two reference fields</a:t>
             </a:r>
-            <a:endParaRPr lang="en-US" dirty="0"/>
           </a:p>
         </p:txBody>
       </p:sp>
@@ -6334,13 +6779,6 @@
   <p:clrMapOvr>
     <a:masterClrMapping/>
   </p:clrMapOvr>
-  <p:timing>
-    <p:tnLst>
-      <p:par>
-        <p:cTn xmlns:p14="http://schemas.microsoft.com/office/powerpoint/2010/main" id="1" dur="indefinite" restart="never" nodeType="tmRoot"/>
-      </p:par>
-    </p:tnLst>
-  </p:timing>
 </p:sld>
 </file>
 
@@ -6379,10 +6817,9 @@
           <a:lstStyle/>
           <a:p>
             <a:r>
-              <a:rPr lang="en-US" dirty="0" smtClean="0"/>
+              <a:rPr lang="en-US" dirty="0"/>
               <a:t>Demo – Build Queue First – Queue Node</a:t>
             </a:r>
-            <a:endParaRPr lang="en-US" dirty="0"/>
           </a:p>
         </p:txBody>
       </p:sp>
@@ -6425,13 +6862,6 @@
   <p:clrMapOvr>
     <a:masterClrMapping/>
   </p:clrMapOvr>
-  <p:timing>
-    <p:tnLst>
-      <p:par>
-        <p:cTn xmlns:p14="http://schemas.microsoft.com/office/powerpoint/2010/main" id="1" dur="indefinite" restart="never" nodeType="tmRoot"/>
-      </p:par>
-    </p:tnLst>
-  </p:timing>
 </p:sld>
 </file>
 
@@ -6468,7 +6898,7 @@
           <a:lstStyle/>
           <a:p>
             <a:r>
-              <a:rPr lang="en-US" dirty="0" err="1" smtClean="0"/>
+              <a:rPr lang="en-US" dirty="0" err="1"/>
               <a:t>MyQueue</a:t>
             </a:r>
             <a:endParaRPr lang="en-US" dirty="0"/>
@@ -6514,13 +6944,6 @@
   <p:clrMapOvr>
     <a:masterClrMapping/>
   </p:clrMapOvr>
-  <p:timing>
-    <p:tnLst>
-      <p:par>
-        <p:cTn xmlns:p14="http://schemas.microsoft.com/office/powerpoint/2010/main" id="1" dur="indefinite" restart="never" nodeType="tmRoot"/>
-      </p:par>
-    </p:tnLst>
-  </p:timing>
 </p:sld>
 </file>
 
@@ -6557,7 +6980,7 @@
           <a:lstStyle/>
           <a:p>
             <a:r>
-              <a:rPr lang="en-US" dirty="0" err="1" smtClean="0"/>
+              <a:rPr lang="en-US" dirty="0" err="1"/>
               <a:t>MyQueue</a:t>
             </a:r>
             <a:endParaRPr lang="en-US" dirty="0"/>
@@ -6603,13 +7026,6 @@
   <p:clrMapOvr>
     <a:masterClrMapping/>
   </p:clrMapOvr>
-  <p:timing>
-    <p:tnLst>
-      <p:par>
-        <p:cTn xmlns:p14="http://schemas.microsoft.com/office/powerpoint/2010/main" id="1" dur="indefinite" restart="never" nodeType="tmRoot"/>
-      </p:par>
-    </p:tnLst>
-  </p:timing>
 </p:sld>
 </file>
 
@@ -6646,10 +7062,9 @@
           <a:lstStyle/>
           <a:p>
             <a:r>
-              <a:rPr lang="en-US" dirty="0" smtClean="0"/>
+              <a:rPr lang="en-US" dirty="0"/>
               <a:t>Tree Implementation</a:t>
             </a:r>
-            <a:endParaRPr lang="en-US" dirty="0"/>
           </a:p>
         </p:txBody>
       </p:sp>
@@ -6721,13 +7136,6 @@
   <p:clrMapOvr>
     <a:masterClrMapping/>
   </p:clrMapOvr>
-  <p:timing>
-    <p:tnLst>
-      <p:par>
-        <p:cTn xmlns:p14="http://schemas.microsoft.com/office/powerpoint/2010/main" id="1" dur="indefinite" restart="never" nodeType="tmRoot"/>
-      </p:par>
-    </p:tnLst>
-  </p:timing>
 </p:sld>
 </file>
 
@@ -6764,10 +7172,9 @@
           <a:lstStyle/>
           <a:p>
             <a:r>
-              <a:rPr lang="en-US" dirty="0" smtClean="0"/>
+              <a:rPr lang="en-US" dirty="0"/>
               <a:t>Breadth-first Algorithm</a:t>
             </a:r>
-            <a:endParaRPr lang="en-US" dirty="0"/>
           </a:p>
         </p:txBody>
       </p:sp>
@@ -6825,16 +7232,76 @@
                 <a:tableStyleId>{5C22544A-7EE6-4342-B048-85BDC9FD1C3A}</a:tableStyleId>
               </a:tblPr>
               <a:tblGrid>
-                <a:gridCol w="609600"/>
-                <a:gridCol w="609600"/>
-                <a:gridCol w="609600"/>
-                <a:gridCol w="609600"/>
-                <a:gridCol w="609600"/>
-                <a:gridCol w="609600"/>
-                <a:gridCol w="609600"/>
-                <a:gridCol w="609600"/>
-                <a:gridCol w="609600"/>
-                <a:gridCol w="609600"/>
+                <a:gridCol w="609600">
+                  <a:extLst>
+                    <a:ext uri="{9D8B030D-6E8A-4147-A177-3AD203B41FA5}">
+                      <a16:colId xmlns:a16="http://schemas.microsoft.com/office/drawing/2014/main" val="20000"/>
+                    </a:ext>
+                  </a:extLst>
+                </a:gridCol>
+                <a:gridCol w="609600">
+                  <a:extLst>
+                    <a:ext uri="{9D8B030D-6E8A-4147-A177-3AD203B41FA5}">
+                      <a16:colId xmlns:a16="http://schemas.microsoft.com/office/drawing/2014/main" val="20001"/>
+                    </a:ext>
+                  </a:extLst>
+                </a:gridCol>
+                <a:gridCol w="609600">
+                  <a:extLst>
+                    <a:ext uri="{9D8B030D-6E8A-4147-A177-3AD203B41FA5}">
+                      <a16:colId xmlns:a16="http://schemas.microsoft.com/office/drawing/2014/main" val="20002"/>
+                    </a:ext>
+                  </a:extLst>
+                </a:gridCol>
+                <a:gridCol w="609600">
+                  <a:extLst>
+                    <a:ext uri="{9D8B030D-6E8A-4147-A177-3AD203B41FA5}">
+                      <a16:colId xmlns:a16="http://schemas.microsoft.com/office/drawing/2014/main" val="20003"/>
+                    </a:ext>
+                  </a:extLst>
+                </a:gridCol>
+                <a:gridCol w="609600">
+                  <a:extLst>
+                    <a:ext uri="{9D8B030D-6E8A-4147-A177-3AD203B41FA5}">
+                      <a16:colId xmlns:a16="http://schemas.microsoft.com/office/drawing/2014/main" val="20004"/>
+                    </a:ext>
+                  </a:extLst>
+                </a:gridCol>
+                <a:gridCol w="609600">
+                  <a:extLst>
+                    <a:ext uri="{9D8B030D-6E8A-4147-A177-3AD203B41FA5}">
+                      <a16:colId xmlns:a16="http://schemas.microsoft.com/office/drawing/2014/main" val="20005"/>
+                    </a:ext>
+                  </a:extLst>
+                </a:gridCol>
+                <a:gridCol w="609600">
+                  <a:extLst>
+                    <a:ext uri="{9D8B030D-6E8A-4147-A177-3AD203B41FA5}">
+                      <a16:colId xmlns:a16="http://schemas.microsoft.com/office/drawing/2014/main" val="20006"/>
+                    </a:ext>
+                  </a:extLst>
+                </a:gridCol>
+                <a:gridCol w="609600">
+                  <a:extLst>
+                    <a:ext uri="{9D8B030D-6E8A-4147-A177-3AD203B41FA5}">
+                      <a16:colId xmlns:a16="http://schemas.microsoft.com/office/drawing/2014/main" val="20007"/>
+                    </a:ext>
+                  </a:extLst>
+                </a:gridCol>
+                <a:gridCol w="609600">
+                  <a:extLst>
+                    <a:ext uri="{9D8B030D-6E8A-4147-A177-3AD203B41FA5}">
+                      <a16:colId xmlns:a16="http://schemas.microsoft.com/office/drawing/2014/main" val="20008"/>
+                    </a:ext>
+                  </a:extLst>
+                </a:gridCol>
+                <a:gridCol w="609600">
+                  <a:extLst>
+                    <a:ext uri="{9D8B030D-6E8A-4147-A177-3AD203B41FA5}">
+                      <a16:colId xmlns:a16="http://schemas.microsoft.com/office/drawing/2014/main" val="20009"/>
+                    </a:ext>
+                  </a:extLst>
+                </a:gridCol>
               </a:tblGrid>
               <a:tr h="370840">
                 <a:tc>
@@ -6937,6 +7404,11 @@
                   </a:txBody>
                   <a:tcPr/>
                 </a:tc>
+                <a:extLst>
+                  <a:ext uri="{0D108BD9-81ED-4DB2-BD59-A6C34878D82A}">
+                    <a16:rowId xmlns:a16="http://schemas.microsoft.com/office/drawing/2014/main" val="10000"/>
+                  </a:ext>
+                </a:extLst>
               </a:tr>
             </a:tbl>
           </a:graphicData>
@@ -6975,7 +7447,7 @@
               <a:buAutoNum type="arabicPeriod"/>
             </a:pPr>
             <a:r>
-              <a:rPr lang="en-US" dirty="0" smtClean="0">
+              <a:rPr lang="en-US" dirty="0">
                 <a:solidFill>
                   <a:srgbClr val="FF0000"/>
                 </a:solidFill>
@@ -6988,14 +7460,14 @@
               <a:buAutoNum type="arabicPeriod"/>
             </a:pPr>
             <a:r>
-              <a:rPr lang="en-US" dirty="0" smtClean="0"/>
+              <a:rPr lang="en-US" dirty="0"/>
               <a:t>Repeat following steps </a:t>
             </a:r>
             <a:br>
-              <a:rPr lang="en-US" dirty="0" smtClean="0"/>
+              <a:rPr lang="en-US" dirty="0"/>
             </a:br>
             <a:r>
-              <a:rPr lang="en-US" dirty="0" smtClean="0"/>
+              <a:rPr lang="en-US" dirty="0"/>
               <a:t>(till no more node in the queue to process)</a:t>
             </a:r>
           </a:p>
@@ -7004,11 +7476,11 @@
               <a:buAutoNum type="arabicPeriod"/>
             </a:pPr>
             <a:r>
-              <a:rPr lang="en-US" dirty="0" err="1" smtClean="0"/>
+              <a:rPr lang="en-US" dirty="0" err="1"/>
               <a:t>Dequeue</a:t>
             </a:r>
             <a:r>
-              <a:rPr lang="en-US" dirty="0" smtClean="0"/>
+              <a:rPr lang="en-US" dirty="0"/>
               <a:t> the node from the queue</a:t>
             </a:r>
           </a:p>
@@ -7017,7 +7489,7 @@
               <a:buAutoNum type="arabicPeriod"/>
             </a:pPr>
             <a:r>
-              <a:rPr lang="en-US" dirty="0" smtClean="0"/>
+              <a:rPr lang="en-US" dirty="0"/>
               <a:t>Put its children (if there’s) into the queue</a:t>
             </a:r>
           </a:p>
@@ -7026,10 +7498,9 @@
               <a:buAutoNum type="arabicPeriod"/>
             </a:pPr>
             <a:r>
-              <a:rPr lang="en-US" dirty="0" smtClean="0"/>
+              <a:rPr lang="en-US" dirty="0"/>
               <a:t>Display value of the node</a:t>
             </a:r>
-            <a:endParaRPr lang="en-US" dirty="0"/>
           </a:p>
         </p:txBody>
       </p:sp>
@@ -7137,10 +7608,9 @@
           <a:lstStyle/>
           <a:p>
             <a:r>
-              <a:rPr lang="en-US" dirty="0" smtClean="0"/>
+              <a:rPr lang="en-US" dirty="0"/>
               <a:t>F</a:t>
             </a:r>
-            <a:endParaRPr lang="en-US" dirty="0"/>
           </a:p>
         </p:txBody>
       </p:sp>
@@ -7178,7 +7648,7 @@
           <a:lstStyle/>
           <a:p>
             <a:r>
-              <a:rPr lang="en-US" dirty="0" smtClean="0"/>
+              <a:rPr lang="en-US" dirty="0"/>
               <a:t>Output:</a:t>
             </a:r>
           </a:p>
@@ -7200,7 +7670,7 @@
   <p:timing>
     <p:tnLst>
       <p:par>
-        <p:cTn xmlns:p14="http://schemas.microsoft.com/office/powerpoint/2010/main" id="1" dur="indefinite" restart="never" nodeType="tmRoot">
+        <p:cTn id="1" dur="indefinite" restart="never" nodeType="tmRoot">
           <p:childTnLst>
             <p:seq concurrent="1" nextAc="seek">
               <p:cTn id="2" dur="indefinite" nodeType="mainSeq">
@@ -7424,52 +7894,92 @@
       </p:grpSpPr>
       <p:sp>
         <p:nvSpPr>
-          <p:cNvPr id="4" name="Title 3"/>
-          <p:cNvSpPr>
-            <a:spLocks noGrp="1"/>
-          </p:cNvSpPr>
-          <p:nvPr>
-            <p:ph type="title"/>
-          </p:nvPr>
-        </p:nvSpPr>
-        <p:spPr>
-          <a:xfrm>
-            <a:off x="722313" y="2676525"/>
-            <a:ext cx="7772400" cy="1362075"/>
-          </a:xfrm>
-        </p:spPr>
-        <p:txBody>
-          <a:bodyPr/>
+          <p:cNvPr id="2" name="Rectangle 1"/>
+          <p:cNvSpPr/>
+          <p:nvPr/>
+        </p:nvSpPr>
+        <p:spPr>
+          <a:xfrm rot="20209346">
+            <a:off x="1440382" y="2457156"/>
+            <a:ext cx="6263253" cy="1754326"/>
+          </a:xfrm>
+          <a:prstGeom prst="rect">
+            <a:avLst/>
+          </a:prstGeom>
+          <a:noFill/>
+        </p:spPr>
+        <p:txBody>
+          <a:bodyPr wrap="none" lIns="91440" tIns="45720" rIns="91440" bIns="45720">
+            <a:spAutoFit/>
+          </a:bodyPr>
           <a:lstStyle/>
           <a:p>
             <a:pPr algn="ctr"/>
             <a:r>
-              <a:rPr lang="en-US" dirty="0" smtClean="0">
+              <a:rPr lang="en-US" sz="5400" b="1" dirty="0">
+                <a:ln w="9525">
+                  <a:solidFill>
+                    <a:schemeClr val="bg1"/>
+                  </a:solidFill>
+                  <a:prstDash val="solid"/>
+                </a:ln>
                 <a:solidFill>
-                  <a:srgbClr val="FF0000"/>
+                  <a:schemeClr val="accent5"/>
                 </a:solidFill>
+                <a:effectLst>
+                  <a:outerShdw blurRad="12700" dist="38100" dir="2700000" algn="tl" rotWithShape="0">
+                    <a:schemeClr val="accent5">
+                      <a:lumMod val="60000"/>
+                      <a:lumOff val="40000"/>
+                    </a:schemeClr>
+                  </a:outerShdw>
+                </a:effectLst>
               </a:rPr>
-              <a:t>DAY 1</a:t>
-            </a:r>
-            <a:br>
-              <a:rPr lang="en-US" dirty="0" smtClean="0">
+              <a:t>Generic term of </a:t>
+            </a:r>
+          </a:p>
+          <a:p>
+            <a:pPr algn="ctr"/>
+            <a:r>
+              <a:rPr lang="en-US" sz="5400" b="1" dirty="0">
+                <a:ln w="9525">
+                  <a:solidFill>
+                    <a:schemeClr val="bg1"/>
+                  </a:solidFill>
+                  <a:prstDash val="solid"/>
+                </a:ln>
                 <a:solidFill>
-                  <a:srgbClr val="FF0000"/>
+                  <a:schemeClr val="accent5"/>
                 </a:solidFill>
+                <a:effectLst>
+                  <a:outerShdw blurRad="12700" dist="38100" dir="2700000" algn="tl" rotWithShape="0">
+                    <a:schemeClr val="accent5">
+                      <a:lumMod val="60000"/>
+                      <a:lumOff val="40000"/>
+                    </a:schemeClr>
+                  </a:outerShdw>
+                </a:effectLst>
               </a:rPr>
-            </a:br>
-            <a:r>
-              <a:rPr lang="en-US" dirty="0" smtClean="0">
+              <a:t>tree data structure</a:t>
+            </a:r>
+            <a:endParaRPr lang="en-US" sz="5400" b="1" cap="none" spc="0" dirty="0">
+              <a:ln w="9525">
                 <a:solidFill>
-                  <a:srgbClr val="FF0000"/>
+                  <a:schemeClr val="bg1"/>
                 </a:solidFill>
-              </a:rPr>
-              <a:t>TREES</a:t>
-            </a:r>
-            <a:endParaRPr lang="en-US" dirty="0">
+                <a:prstDash val="solid"/>
+              </a:ln>
               <a:solidFill>
-                <a:srgbClr val="FF0000"/>
+                <a:schemeClr val="accent5"/>
               </a:solidFill>
+              <a:effectLst>
+                <a:outerShdw blurRad="12700" dist="38100" dir="2700000" algn="tl" rotWithShape="0">
+                  <a:schemeClr val="accent5">
+                    <a:lumMod val="60000"/>
+                    <a:lumOff val="40000"/>
+                  </a:schemeClr>
+                </a:outerShdw>
+              </a:effectLst>
             </a:endParaRPr>
           </a:p>
         </p:txBody>
@@ -7477,20 +7987,13 @@
     </p:spTree>
     <p:extLst>
       <p:ext uri="{BB962C8B-B14F-4D97-AF65-F5344CB8AC3E}">
-        <p14:creationId xmlns:p14="http://schemas.microsoft.com/office/powerpoint/2010/main" val="2847709466"/>
+        <p14:creationId xmlns:p14="http://schemas.microsoft.com/office/powerpoint/2010/main" val="2258156632"/>
       </p:ext>
     </p:extLst>
   </p:cSld>
   <p:clrMapOvr>
     <a:masterClrMapping/>
   </p:clrMapOvr>
-  <p:timing>
-    <p:tnLst>
-      <p:par>
-        <p:cTn xmlns:p14="http://schemas.microsoft.com/office/powerpoint/2010/main" id="1" dur="indefinite" restart="never" nodeType="tmRoot"/>
-      </p:par>
-    </p:tnLst>
-  </p:timing>
 </p:sld>
 </file>
 
@@ -7587,16 +8090,76 @@
                 <a:tableStyleId>{5C22544A-7EE6-4342-B048-85BDC9FD1C3A}</a:tableStyleId>
               </a:tblPr>
               <a:tblGrid>
-                <a:gridCol w="609600"/>
-                <a:gridCol w="609600"/>
-                <a:gridCol w="609600"/>
-                <a:gridCol w="609600"/>
-                <a:gridCol w="609600"/>
-                <a:gridCol w="609600"/>
-                <a:gridCol w="609600"/>
-                <a:gridCol w="609600"/>
-                <a:gridCol w="609600"/>
-                <a:gridCol w="609600"/>
+                <a:gridCol w="609600">
+                  <a:extLst>
+                    <a:ext uri="{9D8B030D-6E8A-4147-A177-3AD203B41FA5}">
+                      <a16:colId xmlns:a16="http://schemas.microsoft.com/office/drawing/2014/main" val="20000"/>
+                    </a:ext>
+                  </a:extLst>
+                </a:gridCol>
+                <a:gridCol w="609600">
+                  <a:extLst>
+                    <a:ext uri="{9D8B030D-6E8A-4147-A177-3AD203B41FA5}">
+                      <a16:colId xmlns:a16="http://schemas.microsoft.com/office/drawing/2014/main" val="20001"/>
+                    </a:ext>
+                  </a:extLst>
+                </a:gridCol>
+                <a:gridCol w="609600">
+                  <a:extLst>
+                    <a:ext uri="{9D8B030D-6E8A-4147-A177-3AD203B41FA5}">
+                      <a16:colId xmlns:a16="http://schemas.microsoft.com/office/drawing/2014/main" val="20002"/>
+                    </a:ext>
+                  </a:extLst>
+                </a:gridCol>
+                <a:gridCol w="609600">
+                  <a:extLst>
+                    <a:ext uri="{9D8B030D-6E8A-4147-A177-3AD203B41FA5}">
+                      <a16:colId xmlns:a16="http://schemas.microsoft.com/office/drawing/2014/main" val="20003"/>
+                    </a:ext>
+                  </a:extLst>
+                </a:gridCol>
+                <a:gridCol w="609600">
+                  <a:extLst>
+                    <a:ext uri="{9D8B030D-6E8A-4147-A177-3AD203B41FA5}">
+                      <a16:colId xmlns:a16="http://schemas.microsoft.com/office/drawing/2014/main" val="20004"/>
+                    </a:ext>
+                  </a:extLst>
+                </a:gridCol>
+                <a:gridCol w="609600">
+                  <a:extLst>
+                    <a:ext uri="{9D8B030D-6E8A-4147-A177-3AD203B41FA5}">
+                      <a16:colId xmlns:a16="http://schemas.microsoft.com/office/drawing/2014/main" val="20005"/>
+                    </a:ext>
+                  </a:extLst>
+                </a:gridCol>
+                <a:gridCol w="609600">
+                  <a:extLst>
+                    <a:ext uri="{9D8B030D-6E8A-4147-A177-3AD203B41FA5}">
+                      <a16:colId xmlns:a16="http://schemas.microsoft.com/office/drawing/2014/main" val="20006"/>
+                    </a:ext>
+                  </a:extLst>
+                </a:gridCol>
+                <a:gridCol w="609600">
+                  <a:extLst>
+                    <a:ext uri="{9D8B030D-6E8A-4147-A177-3AD203B41FA5}">
+                      <a16:colId xmlns:a16="http://schemas.microsoft.com/office/drawing/2014/main" val="20007"/>
+                    </a:ext>
+                  </a:extLst>
+                </a:gridCol>
+                <a:gridCol w="609600">
+                  <a:extLst>
+                    <a:ext uri="{9D8B030D-6E8A-4147-A177-3AD203B41FA5}">
+                      <a16:colId xmlns:a16="http://schemas.microsoft.com/office/drawing/2014/main" val="20008"/>
+                    </a:ext>
+                  </a:extLst>
+                </a:gridCol>
+                <a:gridCol w="609600">
+                  <a:extLst>
+                    <a:ext uri="{9D8B030D-6E8A-4147-A177-3AD203B41FA5}">
+                      <a16:colId xmlns:a16="http://schemas.microsoft.com/office/drawing/2014/main" val="20009"/>
+                    </a:ext>
+                  </a:extLst>
+                </a:gridCol>
               </a:tblGrid>
               <a:tr h="370840">
                 <a:tc>
@@ -7699,6 +8262,11 @@
                   </a:txBody>
                   <a:tcPr/>
                 </a:tc>
+                <a:extLst>
+                  <a:ext uri="{0D108BD9-81ED-4DB2-BD59-A6C34878D82A}">
+                    <a16:rowId xmlns:a16="http://schemas.microsoft.com/office/drawing/2014/main" val="10000"/>
+                  </a:ext>
+                </a:extLst>
               </a:tr>
             </a:tbl>
           </a:graphicData>
@@ -7737,7 +8305,7 @@
               <a:buAutoNum type="arabicPeriod"/>
             </a:pPr>
             <a:r>
-              <a:rPr lang="en-US" dirty="0" smtClean="0">
+              <a:rPr lang="en-US" dirty="0">
                 <a:solidFill>
                   <a:srgbClr val="FF0000"/>
                 </a:solidFill>
@@ -7750,14 +8318,14 @@
               <a:buAutoNum type="arabicPeriod"/>
             </a:pPr>
             <a:r>
-              <a:rPr lang="en-US" dirty="0" smtClean="0"/>
+              <a:rPr lang="en-US" dirty="0"/>
               <a:t>Repeat following steps </a:t>
             </a:r>
             <a:br>
-              <a:rPr lang="en-US" dirty="0" smtClean="0"/>
+              <a:rPr lang="en-US" dirty="0"/>
             </a:br>
             <a:r>
-              <a:rPr lang="en-US" dirty="0" smtClean="0"/>
+              <a:rPr lang="en-US" dirty="0"/>
               <a:t>(till no more node in the queue to process)</a:t>
             </a:r>
           </a:p>
@@ -7766,7 +8334,7 @@
               <a:buAutoNum type="arabicPeriod"/>
             </a:pPr>
             <a:r>
-              <a:rPr lang="en-US" dirty="0" err="1" smtClean="0">
+              <a:rPr lang="en-US" dirty="0" err="1">
                 <a:solidFill>
                   <a:srgbClr val="FF0000"/>
                 </a:solidFill>
@@ -7774,7 +8342,7 @@
               <a:t>Dequeue</a:t>
             </a:r>
             <a:r>
-              <a:rPr lang="en-US" dirty="0" smtClean="0">
+              <a:rPr lang="en-US" dirty="0">
                 <a:solidFill>
                   <a:srgbClr val="FF0000"/>
                 </a:solidFill>
@@ -7796,10 +8364,9 @@
               <a:buAutoNum type="arabicPeriod"/>
             </a:pPr>
             <a:r>
-              <a:rPr lang="en-US" dirty="0" smtClean="0"/>
+              <a:rPr lang="en-US" dirty="0"/>
               <a:t>Display value of the node</a:t>
             </a:r>
-            <a:endParaRPr lang="en-US" dirty="0"/>
           </a:p>
         </p:txBody>
       </p:sp>
@@ -7872,10 +8439,9 @@
           <a:lstStyle/>
           <a:p>
             <a:r>
-              <a:rPr lang="en-US" dirty="0" smtClean="0"/>
+              <a:rPr lang="en-US" dirty="0"/>
               <a:t>F</a:t>
             </a:r>
-            <a:endParaRPr lang="en-US" dirty="0"/>
           </a:p>
         </p:txBody>
       </p:sp>
@@ -7913,7 +8479,7 @@
           <a:lstStyle/>
           <a:p>
             <a:r>
-              <a:rPr lang="en-US" dirty="0" smtClean="0"/>
+              <a:rPr lang="en-US" dirty="0"/>
               <a:t>Output:</a:t>
             </a:r>
           </a:p>
@@ -7935,7 +8501,7 @@
   <p:timing>
     <p:tnLst>
       <p:par>
-        <p:cTn xmlns:p14="http://schemas.microsoft.com/office/powerpoint/2010/main" id="1" dur="indefinite" restart="never" nodeType="tmRoot">
+        <p:cTn id="1" dur="indefinite" restart="never" nodeType="tmRoot">
           <p:childTnLst>
             <p:seq concurrent="1" nextAc="seek">
               <p:cTn id="2" dur="indefinite" nodeType="mainSeq">
@@ -8100,16 +8666,76 @@
                 <a:tableStyleId>{5C22544A-7EE6-4342-B048-85BDC9FD1C3A}</a:tableStyleId>
               </a:tblPr>
               <a:tblGrid>
-                <a:gridCol w="609600"/>
-                <a:gridCol w="609600"/>
-                <a:gridCol w="609600"/>
-                <a:gridCol w="609600"/>
-                <a:gridCol w="609600"/>
-                <a:gridCol w="609600"/>
-                <a:gridCol w="609600"/>
-                <a:gridCol w="609600"/>
-                <a:gridCol w="609600"/>
-                <a:gridCol w="609600"/>
+                <a:gridCol w="609600">
+                  <a:extLst>
+                    <a:ext uri="{9D8B030D-6E8A-4147-A177-3AD203B41FA5}">
+                      <a16:colId xmlns:a16="http://schemas.microsoft.com/office/drawing/2014/main" val="20000"/>
+                    </a:ext>
+                  </a:extLst>
+                </a:gridCol>
+                <a:gridCol w="609600">
+                  <a:extLst>
+                    <a:ext uri="{9D8B030D-6E8A-4147-A177-3AD203B41FA5}">
+                      <a16:colId xmlns:a16="http://schemas.microsoft.com/office/drawing/2014/main" val="20001"/>
+                    </a:ext>
+                  </a:extLst>
+                </a:gridCol>
+                <a:gridCol w="609600">
+                  <a:extLst>
+                    <a:ext uri="{9D8B030D-6E8A-4147-A177-3AD203B41FA5}">
+                      <a16:colId xmlns:a16="http://schemas.microsoft.com/office/drawing/2014/main" val="20002"/>
+                    </a:ext>
+                  </a:extLst>
+                </a:gridCol>
+                <a:gridCol w="609600">
+                  <a:extLst>
+                    <a:ext uri="{9D8B030D-6E8A-4147-A177-3AD203B41FA5}">
+                      <a16:colId xmlns:a16="http://schemas.microsoft.com/office/drawing/2014/main" val="20003"/>
+                    </a:ext>
+                  </a:extLst>
+                </a:gridCol>
+                <a:gridCol w="609600">
+                  <a:extLst>
+                    <a:ext uri="{9D8B030D-6E8A-4147-A177-3AD203B41FA5}">
+                      <a16:colId xmlns:a16="http://schemas.microsoft.com/office/drawing/2014/main" val="20004"/>
+                    </a:ext>
+                  </a:extLst>
+                </a:gridCol>
+                <a:gridCol w="609600">
+                  <a:extLst>
+                    <a:ext uri="{9D8B030D-6E8A-4147-A177-3AD203B41FA5}">
+                      <a16:colId xmlns:a16="http://schemas.microsoft.com/office/drawing/2014/main" val="20005"/>
+                    </a:ext>
+                  </a:extLst>
+                </a:gridCol>
+                <a:gridCol w="609600">
+                  <a:extLst>
+                    <a:ext uri="{9D8B030D-6E8A-4147-A177-3AD203B41FA5}">
+                      <a16:colId xmlns:a16="http://schemas.microsoft.com/office/drawing/2014/main" val="20006"/>
+                    </a:ext>
+                  </a:extLst>
+                </a:gridCol>
+                <a:gridCol w="609600">
+                  <a:extLst>
+                    <a:ext uri="{9D8B030D-6E8A-4147-A177-3AD203B41FA5}">
+                      <a16:colId xmlns:a16="http://schemas.microsoft.com/office/drawing/2014/main" val="20007"/>
+                    </a:ext>
+                  </a:extLst>
+                </a:gridCol>
+                <a:gridCol w="609600">
+                  <a:extLst>
+                    <a:ext uri="{9D8B030D-6E8A-4147-A177-3AD203B41FA5}">
+                      <a16:colId xmlns:a16="http://schemas.microsoft.com/office/drawing/2014/main" val="20008"/>
+                    </a:ext>
+                  </a:extLst>
+                </a:gridCol>
+                <a:gridCol w="609600">
+                  <a:extLst>
+                    <a:ext uri="{9D8B030D-6E8A-4147-A177-3AD203B41FA5}">
+                      <a16:colId xmlns:a16="http://schemas.microsoft.com/office/drawing/2014/main" val="20009"/>
+                    </a:ext>
+                  </a:extLst>
+                </a:gridCol>
               </a:tblGrid>
               <a:tr h="370840">
                 <a:tc>
@@ -8212,6 +8838,11 @@
                   </a:txBody>
                   <a:tcPr/>
                 </a:tc>
+                <a:extLst>
+                  <a:ext uri="{0D108BD9-81ED-4DB2-BD59-A6C34878D82A}">
+                    <a16:rowId xmlns:a16="http://schemas.microsoft.com/office/drawing/2014/main" val="10000"/>
+                  </a:ext>
+                </a:extLst>
               </a:tr>
             </a:tbl>
           </a:graphicData>
@@ -8250,7 +8881,7 @@
               <a:buAutoNum type="arabicPeriod"/>
             </a:pPr>
             <a:r>
-              <a:rPr lang="en-US" dirty="0" smtClean="0">
+              <a:rPr lang="en-US" dirty="0">
                 <a:solidFill>
                   <a:srgbClr val="FF0000"/>
                 </a:solidFill>
@@ -8263,14 +8894,14 @@
               <a:buAutoNum type="arabicPeriod"/>
             </a:pPr>
             <a:r>
-              <a:rPr lang="en-US" dirty="0" smtClean="0"/>
+              <a:rPr lang="en-US" dirty="0"/>
               <a:t>Repeat following steps </a:t>
             </a:r>
             <a:br>
-              <a:rPr lang="en-US" dirty="0" smtClean="0"/>
+              <a:rPr lang="en-US" dirty="0"/>
             </a:br>
             <a:r>
-              <a:rPr lang="en-US" dirty="0" smtClean="0"/>
+              <a:rPr lang="en-US" dirty="0"/>
               <a:t>(till no more node in the queue to process)</a:t>
             </a:r>
           </a:p>
@@ -8279,7 +8910,7 @@
               <a:buAutoNum type="arabicPeriod"/>
             </a:pPr>
             <a:r>
-              <a:rPr lang="en-US" dirty="0" err="1" smtClean="0">
+              <a:rPr lang="en-US" dirty="0" err="1">
                 <a:solidFill>
                   <a:srgbClr val="FF0000"/>
                 </a:solidFill>
@@ -8287,7 +8918,7 @@
               <a:t>Dequeue</a:t>
             </a:r>
             <a:r>
-              <a:rPr lang="en-US" dirty="0" smtClean="0">
+              <a:rPr lang="en-US" dirty="0">
                 <a:solidFill>
                   <a:srgbClr val="FF0000"/>
                 </a:solidFill>
@@ -8313,18 +8944,13 @@
               <a:buAutoNum type="arabicPeriod"/>
             </a:pPr>
             <a:r>
-              <a:rPr lang="en-US" dirty="0" smtClean="0">
+              <a:rPr lang="en-US" dirty="0">
                 <a:solidFill>
                   <a:srgbClr val="FF0000"/>
                 </a:solidFill>
               </a:rPr>
               <a:t>Display value of the node</a:t>
             </a:r>
-            <a:endParaRPr lang="en-US" dirty="0">
-              <a:solidFill>
-                <a:srgbClr val="FF0000"/>
-              </a:solidFill>
-            </a:endParaRPr>
           </a:p>
         </p:txBody>
       </p:sp>
@@ -8397,10 +9023,9 @@
           <a:lstStyle/>
           <a:p>
             <a:r>
-              <a:rPr lang="en-US" dirty="0" smtClean="0"/>
+              <a:rPr lang="en-US" dirty="0"/>
               <a:t>F</a:t>
             </a:r>
-            <a:endParaRPr lang="en-US" dirty="0"/>
           </a:p>
         </p:txBody>
       </p:sp>
@@ -8509,10 +9134,9 @@
           <a:lstStyle/>
           <a:p>
             <a:r>
-              <a:rPr lang="en-US" dirty="0" smtClean="0"/>
+              <a:rPr lang="en-US" dirty="0"/>
               <a:t>B</a:t>
             </a:r>
-            <a:endParaRPr lang="en-US" dirty="0"/>
           </a:p>
         </p:txBody>
       </p:sp>
@@ -8621,10 +9245,9 @@
           <a:lstStyle/>
           <a:p>
             <a:r>
-              <a:rPr lang="en-US" dirty="0" smtClean="0"/>
+              <a:rPr lang="en-US" dirty="0"/>
               <a:t>G</a:t>
             </a:r>
-            <a:endParaRPr lang="en-US" dirty="0"/>
           </a:p>
         </p:txBody>
       </p:sp>
@@ -8662,16 +9285,15 @@
           <a:lstStyle/>
           <a:p>
             <a:r>
-              <a:rPr lang="en-US" dirty="0" smtClean="0"/>
+              <a:rPr lang="en-US" dirty="0"/>
               <a:t>Output:</a:t>
             </a:r>
           </a:p>
           <a:p>
             <a:r>
-              <a:rPr lang="en-US" dirty="0" smtClean="0"/>
+              <a:rPr lang="en-US" dirty="0"/>
               <a:t>F</a:t>
             </a:r>
-            <a:endParaRPr lang="en-US" dirty="0"/>
           </a:p>
         </p:txBody>
       </p:sp>
@@ -8726,7 +9348,7 @@
   <p:timing>
     <p:tnLst>
       <p:par>
-        <p:cTn xmlns:p14="http://schemas.microsoft.com/office/powerpoint/2010/main" id="1" dur="indefinite" restart="never" nodeType="tmRoot">
+        <p:cTn id="1" dur="indefinite" restart="never" nodeType="tmRoot">
           <p:childTnLst>
             <p:seq concurrent="1" nextAc="seek">
               <p:cTn id="2" dur="indefinite" nodeType="mainSeq">
@@ -9311,16 +9933,76 @@
                 <a:tableStyleId>{5C22544A-7EE6-4342-B048-85BDC9FD1C3A}</a:tableStyleId>
               </a:tblPr>
               <a:tblGrid>
-                <a:gridCol w="609600"/>
-                <a:gridCol w="609600"/>
-                <a:gridCol w="609600"/>
-                <a:gridCol w="609600"/>
-                <a:gridCol w="609600"/>
-                <a:gridCol w="609600"/>
-                <a:gridCol w="609600"/>
-                <a:gridCol w="609600"/>
-                <a:gridCol w="609600"/>
-                <a:gridCol w="609600"/>
+                <a:gridCol w="609600">
+                  <a:extLst>
+                    <a:ext uri="{9D8B030D-6E8A-4147-A177-3AD203B41FA5}">
+                      <a16:colId xmlns:a16="http://schemas.microsoft.com/office/drawing/2014/main" val="20000"/>
+                    </a:ext>
+                  </a:extLst>
+                </a:gridCol>
+                <a:gridCol w="609600">
+                  <a:extLst>
+                    <a:ext uri="{9D8B030D-6E8A-4147-A177-3AD203B41FA5}">
+                      <a16:colId xmlns:a16="http://schemas.microsoft.com/office/drawing/2014/main" val="20001"/>
+                    </a:ext>
+                  </a:extLst>
+                </a:gridCol>
+                <a:gridCol w="609600">
+                  <a:extLst>
+                    <a:ext uri="{9D8B030D-6E8A-4147-A177-3AD203B41FA5}">
+                      <a16:colId xmlns:a16="http://schemas.microsoft.com/office/drawing/2014/main" val="20002"/>
+                    </a:ext>
+                  </a:extLst>
+                </a:gridCol>
+                <a:gridCol w="609600">
+                  <a:extLst>
+                    <a:ext uri="{9D8B030D-6E8A-4147-A177-3AD203B41FA5}">
+                      <a16:colId xmlns:a16="http://schemas.microsoft.com/office/drawing/2014/main" val="20003"/>
+                    </a:ext>
+                  </a:extLst>
+                </a:gridCol>
+                <a:gridCol w="609600">
+                  <a:extLst>
+                    <a:ext uri="{9D8B030D-6E8A-4147-A177-3AD203B41FA5}">
+                      <a16:colId xmlns:a16="http://schemas.microsoft.com/office/drawing/2014/main" val="20004"/>
+                    </a:ext>
+                  </a:extLst>
+                </a:gridCol>
+                <a:gridCol w="609600">
+                  <a:extLst>
+                    <a:ext uri="{9D8B030D-6E8A-4147-A177-3AD203B41FA5}">
+                      <a16:colId xmlns:a16="http://schemas.microsoft.com/office/drawing/2014/main" val="20005"/>
+                    </a:ext>
+                  </a:extLst>
+                </a:gridCol>
+                <a:gridCol w="609600">
+                  <a:extLst>
+                    <a:ext uri="{9D8B030D-6E8A-4147-A177-3AD203B41FA5}">
+                      <a16:colId xmlns:a16="http://schemas.microsoft.com/office/drawing/2014/main" val="20006"/>
+                    </a:ext>
+                  </a:extLst>
+                </a:gridCol>
+                <a:gridCol w="609600">
+                  <a:extLst>
+                    <a:ext uri="{9D8B030D-6E8A-4147-A177-3AD203B41FA5}">
+                      <a16:colId xmlns:a16="http://schemas.microsoft.com/office/drawing/2014/main" val="20007"/>
+                    </a:ext>
+                  </a:extLst>
+                </a:gridCol>
+                <a:gridCol w="609600">
+                  <a:extLst>
+                    <a:ext uri="{9D8B030D-6E8A-4147-A177-3AD203B41FA5}">
+                      <a16:colId xmlns:a16="http://schemas.microsoft.com/office/drawing/2014/main" val="20008"/>
+                    </a:ext>
+                  </a:extLst>
+                </a:gridCol>
+                <a:gridCol w="609600">
+                  <a:extLst>
+                    <a:ext uri="{9D8B030D-6E8A-4147-A177-3AD203B41FA5}">
+                      <a16:colId xmlns:a16="http://schemas.microsoft.com/office/drawing/2014/main" val="20009"/>
+                    </a:ext>
+                  </a:extLst>
+                </a:gridCol>
               </a:tblGrid>
               <a:tr h="370840">
                 <a:tc>
@@ -9423,6 +10105,11 @@
                   </a:txBody>
                   <a:tcPr/>
                 </a:tc>
+                <a:extLst>
+                  <a:ext uri="{0D108BD9-81ED-4DB2-BD59-A6C34878D82A}">
+                    <a16:rowId xmlns:a16="http://schemas.microsoft.com/office/drawing/2014/main" val="10000"/>
+                  </a:ext>
+                </a:extLst>
               </a:tr>
             </a:tbl>
           </a:graphicData>
@@ -9461,7 +10148,7 @@
               <a:buAutoNum type="arabicPeriod"/>
             </a:pPr>
             <a:r>
-              <a:rPr lang="en-US" dirty="0" smtClean="0">
+              <a:rPr lang="en-US" dirty="0">
                 <a:solidFill>
                   <a:srgbClr val="FF0000"/>
                 </a:solidFill>
@@ -9474,14 +10161,14 @@
               <a:buAutoNum type="arabicPeriod"/>
             </a:pPr>
             <a:r>
-              <a:rPr lang="en-US" dirty="0" smtClean="0"/>
+              <a:rPr lang="en-US" dirty="0"/>
               <a:t>Repeat following steps </a:t>
             </a:r>
             <a:br>
-              <a:rPr lang="en-US" dirty="0" smtClean="0"/>
+              <a:rPr lang="en-US" dirty="0"/>
             </a:br>
             <a:r>
-              <a:rPr lang="en-US" dirty="0" smtClean="0"/>
+              <a:rPr lang="en-US" dirty="0"/>
               <a:t>(till no more node in the queue to process)</a:t>
             </a:r>
           </a:p>
@@ -9490,7 +10177,7 @@
               <a:buAutoNum type="arabicPeriod"/>
             </a:pPr>
             <a:r>
-              <a:rPr lang="en-US" dirty="0" err="1" smtClean="0">
+              <a:rPr lang="en-US" dirty="0" err="1">
                 <a:solidFill>
                   <a:srgbClr val="FF0000"/>
                 </a:solidFill>
@@ -9498,7 +10185,7 @@
               <a:t>Dequeue</a:t>
             </a:r>
             <a:r>
-              <a:rPr lang="en-US" dirty="0" smtClean="0">
+              <a:rPr lang="en-US" dirty="0">
                 <a:solidFill>
                   <a:srgbClr val="FF0000"/>
                 </a:solidFill>
@@ -9520,10 +10207,9 @@
               <a:buAutoNum type="arabicPeriod"/>
             </a:pPr>
             <a:r>
-              <a:rPr lang="en-US" dirty="0" smtClean="0"/>
+              <a:rPr lang="en-US" dirty="0"/>
               <a:t>Display value of the node</a:t>
             </a:r>
-            <a:endParaRPr lang="en-US" dirty="0"/>
           </a:p>
         </p:txBody>
       </p:sp>
@@ -9642,10 +10328,9 @@
           <a:lstStyle/>
           <a:p>
             <a:r>
-              <a:rPr lang="en-US" dirty="0" smtClean="0"/>
+              <a:rPr lang="en-US" dirty="0"/>
               <a:t>B</a:t>
             </a:r>
-            <a:endParaRPr lang="en-US" dirty="0"/>
           </a:p>
         </p:txBody>
       </p:sp>
@@ -9718,10 +10403,9 @@
           <a:lstStyle/>
           <a:p>
             <a:r>
-              <a:rPr lang="en-US" dirty="0" smtClean="0"/>
+              <a:rPr lang="en-US" dirty="0"/>
               <a:t>G</a:t>
             </a:r>
-            <a:endParaRPr lang="en-US" dirty="0"/>
           </a:p>
         </p:txBody>
       </p:sp>
@@ -9759,16 +10443,15 @@
           <a:lstStyle/>
           <a:p>
             <a:r>
-              <a:rPr lang="en-US" dirty="0" smtClean="0"/>
+              <a:rPr lang="en-US" dirty="0"/>
               <a:t>Output:</a:t>
             </a:r>
           </a:p>
           <a:p>
             <a:r>
-              <a:rPr lang="en-US" dirty="0" smtClean="0"/>
+              <a:rPr lang="en-US" dirty="0"/>
               <a:t>F</a:t>
             </a:r>
-            <a:endParaRPr lang="en-US" dirty="0"/>
           </a:p>
         </p:txBody>
       </p:sp>
@@ -9821,7 +10504,7 @@
   <p:timing>
     <p:tnLst>
       <p:par>
-        <p:cTn xmlns:p14="http://schemas.microsoft.com/office/powerpoint/2010/main" id="1" dur="indefinite" restart="never" nodeType="tmRoot">
+        <p:cTn id="1" dur="indefinite" restart="never" nodeType="tmRoot">
           <p:childTnLst>
             <p:seq concurrent="1" nextAc="seek">
               <p:cTn id="2" dur="indefinite" nodeType="mainSeq">
@@ -9987,16 +10670,76 @@
                 <a:tableStyleId>{5C22544A-7EE6-4342-B048-85BDC9FD1C3A}</a:tableStyleId>
               </a:tblPr>
               <a:tblGrid>
-                <a:gridCol w="609600"/>
-                <a:gridCol w="609600"/>
-                <a:gridCol w="609600"/>
-                <a:gridCol w="609600"/>
-                <a:gridCol w="609600"/>
-                <a:gridCol w="609600"/>
-                <a:gridCol w="609600"/>
-                <a:gridCol w="609600"/>
-                <a:gridCol w="609600"/>
-                <a:gridCol w="609600"/>
+                <a:gridCol w="609600">
+                  <a:extLst>
+                    <a:ext uri="{9D8B030D-6E8A-4147-A177-3AD203B41FA5}">
+                      <a16:colId xmlns:a16="http://schemas.microsoft.com/office/drawing/2014/main" val="20000"/>
+                    </a:ext>
+                  </a:extLst>
+                </a:gridCol>
+                <a:gridCol w="609600">
+                  <a:extLst>
+                    <a:ext uri="{9D8B030D-6E8A-4147-A177-3AD203B41FA5}">
+                      <a16:colId xmlns:a16="http://schemas.microsoft.com/office/drawing/2014/main" val="20001"/>
+                    </a:ext>
+                  </a:extLst>
+                </a:gridCol>
+                <a:gridCol w="609600">
+                  <a:extLst>
+                    <a:ext uri="{9D8B030D-6E8A-4147-A177-3AD203B41FA5}">
+                      <a16:colId xmlns:a16="http://schemas.microsoft.com/office/drawing/2014/main" val="20002"/>
+                    </a:ext>
+                  </a:extLst>
+                </a:gridCol>
+                <a:gridCol w="609600">
+                  <a:extLst>
+                    <a:ext uri="{9D8B030D-6E8A-4147-A177-3AD203B41FA5}">
+                      <a16:colId xmlns:a16="http://schemas.microsoft.com/office/drawing/2014/main" val="20003"/>
+                    </a:ext>
+                  </a:extLst>
+                </a:gridCol>
+                <a:gridCol w="609600">
+                  <a:extLst>
+                    <a:ext uri="{9D8B030D-6E8A-4147-A177-3AD203B41FA5}">
+                      <a16:colId xmlns:a16="http://schemas.microsoft.com/office/drawing/2014/main" val="20004"/>
+                    </a:ext>
+                  </a:extLst>
+                </a:gridCol>
+                <a:gridCol w="609600">
+                  <a:extLst>
+                    <a:ext uri="{9D8B030D-6E8A-4147-A177-3AD203B41FA5}">
+                      <a16:colId xmlns:a16="http://schemas.microsoft.com/office/drawing/2014/main" val="20005"/>
+                    </a:ext>
+                  </a:extLst>
+                </a:gridCol>
+                <a:gridCol w="609600">
+                  <a:extLst>
+                    <a:ext uri="{9D8B030D-6E8A-4147-A177-3AD203B41FA5}">
+                      <a16:colId xmlns:a16="http://schemas.microsoft.com/office/drawing/2014/main" val="20006"/>
+                    </a:ext>
+                  </a:extLst>
+                </a:gridCol>
+                <a:gridCol w="609600">
+                  <a:extLst>
+                    <a:ext uri="{9D8B030D-6E8A-4147-A177-3AD203B41FA5}">
+                      <a16:colId xmlns:a16="http://schemas.microsoft.com/office/drawing/2014/main" val="20007"/>
+                    </a:ext>
+                  </a:extLst>
+                </a:gridCol>
+                <a:gridCol w="609600">
+                  <a:extLst>
+                    <a:ext uri="{9D8B030D-6E8A-4147-A177-3AD203B41FA5}">
+                      <a16:colId xmlns:a16="http://schemas.microsoft.com/office/drawing/2014/main" val="20008"/>
+                    </a:ext>
+                  </a:extLst>
+                </a:gridCol>
+                <a:gridCol w="609600">
+                  <a:extLst>
+                    <a:ext uri="{9D8B030D-6E8A-4147-A177-3AD203B41FA5}">
+                      <a16:colId xmlns:a16="http://schemas.microsoft.com/office/drawing/2014/main" val="20009"/>
+                    </a:ext>
+                  </a:extLst>
+                </a:gridCol>
               </a:tblGrid>
               <a:tr h="370840">
                 <a:tc>
@@ -10099,6 +10842,11 @@
                   </a:txBody>
                   <a:tcPr/>
                 </a:tc>
+                <a:extLst>
+                  <a:ext uri="{0D108BD9-81ED-4DB2-BD59-A6C34878D82A}">
+                    <a16:rowId xmlns:a16="http://schemas.microsoft.com/office/drawing/2014/main" val="10000"/>
+                  </a:ext>
+                </a:extLst>
               </a:tr>
             </a:tbl>
           </a:graphicData>
@@ -10137,7 +10885,7 @@
               <a:buAutoNum type="arabicPeriod"/>
             </a:pPr>
             <a:r>
-              <a:rPr lang="en-US" dirty="0" smtClean="0">
+              <a:rPr lang="en-US" dirty="0">
                 <a:solidFill>
                   <a:srgbClr val="FF0000"/>
                 </a:solidFill>
@@ -10150,14 +10898,14 @@
               <a:buAutoNum type="arabicPeriod"/>
             </a:pPr>
             <a:r>
-              <a:rPr lang="en-US" dirty="0" smtClean="0"/>
+              <a:rPr lang="en-US" dirty="0"/>
               <a:t>Repeat following steps </a:t>
             </a:r>
             <a:br>
-              <a:rPr lang="en-US" dirty="0" smtClean="0"/>
+              <a:rPr lang="en-US" dirty="0"/>
             </a:br>
             <a:r>
-              <a:rPr lang="en-US" dirty="0" smtClean="0"/>
+              <a:rPr lang="en-US" dirty="0"/>
               <a:t>(till no more node in the queue to process)</a:t>
             </a:r>
           </a:p>
@@ -10166,7 +10914,7 @@
               <a:buAutoNum type="arabicPeriod"/>
             </a:pPr>
             <a:r>
-              <a:rPr lang="en-US" dirty="0" err="1" smtClean="0">
+              <a:rPr lang="en-US" dirty="0" err="1">
                 <a:solidFill>
                   <a:srgbClr val="FF0000"/>
                 </a:solidFill>
@@ -10174,7 +10922,7 @@
               <a:t>Dequeue</a:t>
             </a:r>
             <a:r>
-              <a:rPr lang="en-US" dirty="0" smtClean="0">
+              <a:rPr lang="en-US" dirty="0">
                 <a:solidFill>
                   <a:srgbClr val="FF0000"/>
                 </a:solidFill>
@@ -10200,10 +10948,9 @@
               <a:buAutoNum type="arabicPeriod"/>
             </a:pPr>
             <a:r>
-              <a:rPr lang="en-US" dirty="0" smtClean="0"/>
+              <a:rPr lang="en-US" dirty="0"/>
               <a:t>Display value of the node</a:t>
             </a:r>
-            <a:endParaRPr lang="en-US" dirty="0"/>
           </a:p>
         </p:txBody>
       </p:sp>
@@ -10322,10 +11069,9 @@
           <a:lstStyle/>
           <a:p>
             <a:r>
-              <a:rPr lang="en-US" dirty="0" smtClean="0"/>
+              <a:rPr lang="en-US" dirty="0"/>
               <a:t>B</a:t>
             </a:r>
-            <a:endParaRPr lang="en-US" dirty="0"/>
           </a:p>
         </p:txBody>
       </p:sp>
@@ -10398,10 +11144,9 @@
           <a:lstStyle/>
           <a:p>
             <a:r>
-              <a:rPr lang="en-US" dirty="0" smtClean="0"/>
+              <a:rPr lang="en-US" dirty="0"/>
               <a:t>G</a:t>
             </a:r>
-            <a:endParaRPr lang="en-US" dirty="0"/>
           </a:p>
         </p:txBody>
       </p:sp>
@@ -10439,16 +11184,15 @@
           <a:lstStyle/>
           <a:p>
             <a:r>
-              <a:rPr lang="en-US" dirty="0" smtClean="0"/>
+              <a:rPr lang="en-US" dirty="0"/>
               <a:t>Output:</a:t>
             </a:r>
           </a:p>
           <a:p>
             <a:r>
-              <a:rPr lang="en-US" dirty="0" smtClean="0"/>
+              <a:rPr lang="en-US" dirty="0"/>
               <a:t>F</a:t>
             </a:r>
-            <a:endParaRPr lang="en-US" dirty="0"/>
           </a:p>
         </p:txBody>
       </p:sp>
@@ -10593,10 +11337,9 @@
           <a:lstStyle/>
           <a:p>
             <a:r>
-              <a:rPr lang="en-US" dirty="0" smtClean="0"/>
+              <a:rPr lang="en-US" dirty="0"/>
               <a:t>A</a:t>
             </a:r>
-            <a:endParaRPr lang="en-US" dirty="0"/>
           </a:p>
         </p:txBody>
       </p:sp>
@@ -10705,10 +11448,9 @@
           <a:lstStyle/>
           <a:p>
             <a:r>
-              <a:rPr lang="en-US" dirty="0" smtClean="0"/>
+              <a:rPr lang="en-US" dirty="0"/>
               <a:t>D</a:t>
             </a:r>
-            <a:endParaRPr lang="en-US" dirty="0"/>
           </a:p>
         </p:txBody>
       </p:sp>
@@ -10725,7 +11467,7 @@
   <p:timing>
     <p:tnLst>
       <p:par>
-        <p:cTn xmlns:p14="http://schemas.microsoft.com/office/powerpoint/2010/main" id="1" dur="indefinite" restart="never" nodeType="tmRoot">
+        <p:cTn id="1" dur="indefinite" restart="never" nodeType="tmRoot">
           <p:childTnLst>
             <p:seq concurrent="1" nextAc="seek">
               <p:cTn id="2" dur="indefinite" nodeType="mainSeq">
@@ -11196,16 +11938,76 @@
                 <a:tableStyleId>{5C22544A-7EE6-4342-B048-85BDC9FD1C3A}</a:tableStyleId>
               </a:tblPr>
               <a:tblGrid>
-                <a:gridCol w="609600"/>
-                <a:gridCol w="609600"/>
-                <a:gridCol w="609600"/>
-                <a:gridCol w="609600"/>
-                <a:gridCol w="609600"/>
-                <a:gridCol w="609600"/>
-                <a:gridCol w="609600"/>
-                <a:gridCol w="609600"/>
-                <a:gridCol w="609600"/>
-                <a:gridCol w="609600"/>
+                <a:gridCol w="609600">
+                  <a:extLst>
+                    <a:ext uri="{9D8B030D-6E8A-4147-A177-3AD203B41FA5}">
+                      <a16:colId xmlns:a16="http://schemas.microsoft.com/office/drawing/2014/main" val="20000"/>
+                    </a:ext>
+                  </a:extLst>
+                </a:gridCol>
+                <a:gridCol w="609600">
+                  <a:extLst>
+                    <a:ext uri="{9D8B030D-6E8A-4147-A177-3AD203B41FA5}">
+                      <a16:colId xmlns:a16="http://schemas.microsoft.com/office/drawing/2014/main" val="20001"/>
+                    </a:ext>
+                  </a:extLst>
+                </a:gridCol>
+                <a:gridCol w="609600">
+                  <a:extLst>
+                    <a:ext uri="{9D8B030D-6E8A-4147-A177-3AD203B41FA5}">
+                      <a16:colId xmlns:a16="http://schemas.microsoft.com/office/drawing/2014/main" val="20002"/>
+                    </a:ext>
+                  </a:extLst>
+                </a:gridCol>
+                <a:gridCol w="609600">
+                  <a:extLst>
+                    <a:ext uri="{9D8B030D-6E8A-4147-A177-3AD203B41FA5}">
+                      <a16:colId xmlns:a16="http://schemas.microsoft.com/office/drawing/2014/main" val="20003"/>
+                    </a:ext>
+                  </a:extLst>
+                </a:gridCol>
+                <a:gridCol w="609600">
+                  <a:extLst>
+                    <a:ext uri="{9D8B030D-6E8A-4147-A177-3AD203B41FA5}">
+                      <a16:colId xmlns:a16="http://schemas.microsoft.com/office/drawing/2014/main" val="20004"/>
+                    </a:ext>
+                  </a:extLst>
+                </a:gridCol>
+                <a:gridCol w="609600">
+                  <a:extLst>
+                    <a:ext uri="{9D8B030D-6E8A-4147-A177-3AD203B41FA5}">
+                      <a16:colId xmlns:a16="http://schemas.microsoft.com/office/drawing/2014/main" val="20005"/>
+                    </a:ext>
+                  </a:extLst>
+                </a:gridCol>
+                <a:gridCol w="609600">
+                  <a:extLst>
+                    <a:ext uri="{9D8B030D-6E8A-4147-A177-3AD203B41FA5}">
+                      <a16:colId xmlns:a16="http://schemas.microsoft.com/office/drawing/2014/main" val="20006"/>
+                    </a:ext>
+                  </a:extLst>
+                </a:gridCol>
+                <a:gridCol w="609600">
+                  <a:extLst>
+                    <a:ext uri="{9D8B030D-6E8A-4147-A177-3AD203B41FA5}">
+                      <a16:colId xmlns:a16="http://schemas.microsoft.com/office/drawing/2014/main" val="20007"/>
+                    </a:ext>
+                  </a:extLst>
+                </a:gridCol>
+                <a:gridCol w="609600">
+                  <a:extLst>
+                    <a:ext uri="{9D8B030D-6E8A-4147-A177-3AD203B41FA5}">
+                      <a16:colId xmlns:a16="http://schemas.microsoft.com/office/drawing/2014/main" val="20008"/>
+                    </a:ext>
+                  </a:extLst>
+                </a:gridCol>
+                <a:gridCol w="609600">
+                  <a:extLst>
+                    <a:ext uri="{9D8B030D-6E8A-4147-A177-3AD203B41FA5}">
+                      <a16:colId xmlns:a16="http://schemas.microsoft.com/office/drawing/2014/main" val="20009"/>
+                    </a:ext>
+                  </a:extLst>
+                </a:gridCol>
               </a:tblGrid>
               <a:tr h="370840">
                 <a:tc>
@@ -11308,6 +12110,11 @@
                   </a:txBody>
                   <a:tcPr/>
                 </a:tc>
+                <a:extLst>
+                  <a:ext uri="{0D108BD9-81ED-4DB2-BD59-A6C34878D82A}">
+                    <a16:rowId xmlns:a16="http://schemas.microsoft.com/office/drawing/2014/main" val="10000"/>
+                  </a:ext>
+                </a:extLst>
               </a:tr>
             </a:tbl>
           </a:graphicData>
@@ -11346,7 +12153,7 @@
               <a:buAutoNum type="arabicPeriod"/>
             </a:pPr>
             <a:r>
-              <a:rPr lang="en-US" dirty="0" smtClean="0">
+              <a:rPr lang="en-US" dirty="0">
                 <a:solidFill>
                   <a:srgbClr val="FF0000"/>
                 </a:solidFill>
@@ -11359,14 +12166,14 @@
               <a:buAutoNum type="arabicPeriod"/>
             </a:pPr>
             <a:r>
-              <a:rPr lang="en-US" dirty="0" smtClean="0"/>
+              <a:rPr lang="en-US" dirty="0"/>
               <a:t>Repeat following steps </a:t>
             </a:r>
             <a:br>
-              <a:rPr lang="en-US" dirty="0" smtClean="0"/>
+              <a:rPr lang="en-US" dirty="0"/>
             </a:br>
             <a:r>
-              <a:rPr lang="en-US" dirty="0" smtClean="0"/>
+              <a:rPr lang="en-US" dirty="0"/>
               <a:t>(till no more node in the queue to process)</a:t>
             </a:r>
           </a:p>
@@ -11375,7 +12182,7 @@
               <a:buAutoNum type="arabicPeriod"/>
             </a:pPr>
             <a:r>
-              <a:rPr lang="en-US" dirty="0" err="1" smtClean="0">
+              <a:rPr lang="en-US" dirty="0" err="1">
                 <a:solidFill>
                   <a:srgbClr val="FF0000"/>
                 </a:solidFill>
@@ -11383,7 +12190,7 @@
               <a:t>Dequeue</a:t>
             </a:r>
             <a:r>
-              <a:rPr lang="en-US" dirty="0" smtClean="0">
+              <a:rPr lang="en-US" dirty="0">
                 <a:solidFill>
                   <a:srgbClr val="FF0000"/>
                 </a:solidFill>
@@ -11409,18 +12216,13 @@
               <a:buAutoNum type="arabicPeriod"/>
             </a:pPr>
             <a:r>
-              <a:rPr lang="en-US" dirty="0" smtClean="0">
+              <a:rPr lang="en-US" dirty="0">
                 <a:solidFill>
                   <a:srgbClr val="FF0000"/>
                 </a:solidFill>
               </a:rPr>
               <a:t>Display value of the node</a:t>
             </a:r>
-            <a:endParaRPr lang="en-US" dirty="0">
-              <a:solidFill>
-                <a:srgbClr val="FF0000"/>
-              </a:solidFill>
-            </a:endParaRPr>
           </a:p>
         </p:txBody>
       </p:sp>
@@ -11539,10 +12341,9 @@
           <a:lstStyle/>
           <a:p>
             <a:r>
-              <a:rPr lang="en-US" dirty="0" smtClean="0"/>
+              <a:rPr lang="en-US" dirty="0"/>
               <a:t>B</a:t>
             </a:r>
-            <a:endParaRPr lang="en-US" dirty="0"/>
           </a:p>
         </p:txBody>
       </p:sp>
@@ -11615,10 +12416,9 @@
           <a:lstStyle/>
           <a:p>
             <a:r>
-              <a:rPr lang="en-US" dirty="0" smtClean="0"/>
+              <a:rPr lang="en-US" dirty="0"/>
               <a:t>G</a:t>
             </a:r>
-            <a:endParaRPr lang="en-US" dirty="0"/>
           </a:p>
         </p:txBody>
       </p:sp>
@@ -11656,16 +12456,15 @@
           <a:lstStyle/>
           <a:p>
             <a:r>
-              <a:rPr lang="en-US" dirty="0" smtClean="0"/>
+              <a:rPr lang="en-US" dirty="0"/>
               <a:t>Output:</a:t>
             </a:r>
           </a:p>
           <a:p>
             <a:r>
-              <a:rPr lang="en-US" dirty="0" smtClean="0"/>
+              <a:rPr lang="en-US" dirty="0"/>
               <a:t>FB</a:t>
             </a:r>
-            <a:endParaRPr lang="en-US" dirty="0"/>
           </a:p>
         </p:txBody>
       </p:sp>
@@ -11810,10 +12609,9 @@
           <a:lstStyle/>
           <a:p>
             <a:r>
-              <a:rPr lang="en-US" dirty="0" smtClean="0"/>
+              <a:rPr lang="en-US" dirty="0"/>
               <a:t>A</a:t>
             </a:r>
-            <a:endParaRPr lang="en-US" dirty="0"/>
           </a:p>
         </p:txBody>
       </p:sp>
@@ -11922,10 +12720,9 @@
           <a:lstStyle/>
           <a:p>
             <a:r>
-              <a:rPr lang="en-US" dirty="0" smtClean="0"/>
+              <a:rPr lang="en-US" dirty="0"/>
               <a:t>D</a:t>
             </a:r>
-            <a:endParaRPr lang="en-US" dirty="0"/>
           </a:p>
         </p:txBody>
       </p:sp>
@@ -11952,18 +12749,13 @@
           <a:lstStyle/>
           <a:p>
             <a:r>
-              <a:rPr lang="en-US" dirty="0" smtClean="0">
+              <a:rPr lang="en-US" dirty="0">
                 <a:solidFill>
                   <a:srgbClr val="FF0000"/>
                 </a:solidFill>
               </a:rPr>
               <a:t>So on and so forth</a:t>
             </a:r>
-            <a:endParaRPr lang="en-US" dirty="0">
-              <a:solidFill>
-                <a:srgbClr val="FF0000"/>
-              </a:solidFill>
-            </a:endParaRPr>
           </a:p>
         </p:txBody>
       </p:sp>
@@ -11980,7 +12772,7 @@
   <p:timing>
     <p:tnLst>
       <p:par>
-        <p:cTn xmlns:p14="http://schemas.microsoft.com/office/powerpoint/2010/main" id="1" dur="indefinite" restart="never" nodeType="tmRoot">
+        <p:cTn id="1" dur="indefinite" restart="never" nodeType="tmRoot">
           <p:childTnLst>
             <p:seq concurrent="1" nextAc="seek">
               <p:cTn id="2" dur="indefinite" nodeType="mainSeq">
@@ -12213,10 +13005,9 @@
           <a:lstStyle/>
           <a:p>
             <a:r>
-              <a:rPr lang="en-US" dirty="0" smtClean="0"/>
+              <a:rPr lang="en-US" dirty="0"/>
               <a:t>Breadth-first traversal</a:t>
             </a:r>
-            <a:endParaRPr lang="en-US" dirty="0"/>
           </a:p>
         </p:txBody>
       </p:sp>
@@ -12259,13 +13050,6 @@
   <p:clrMapOvr>
     <a:masterClrMapping/>
   </p:clrMapOvr>
-  <p:timing>
-    <p:tnLst>
-      <p:par>
-        <p:cTn xmlns:p14="http://schemas.microsoft.com/office/powerpoint/2010/main" id="1" dur="indefinite" restart="never" nodeType="tmRoot"/>
-      </p:par>
-    </p:tnLst>
-  </p:timing>
 </p:sld>
 </file>
 
@@ -12302,10 +13086,9 @@
           <a:lstStyle/>
           <a:p>
             <a:r>
-              <a:rPr lang="en-US" dirty="0" smtClean="0"/>
+              <a:rPr lang="en-US" dirty="0"/>
               <a:t>Depth first</a:t>
             </a:r>
-            <a:endParaRPr lang="en-US" dirty="0"/>
           </a:p>
         </p:txBody>
       </p:sp>
@@ -12327,60 +13110,59 @@
           <a:lstStyle/>
           <a:p>
             <a:r>
-              <a:rPr lang="en-US" dirty="0" smtClean="0"/>
+              <a:rPr lang="en-US" dirty="0"/>
               <a:t>There are three cases:</a:t>
             </a:r>
           </a:p>
           <a:p>
             <a:pPr lvl="1"/>
             <a:r>
-              <a:rPr lang="en-US" dirty="0" smtClean="0"/>
+              <a:rPr lang="en-US" dirty="0"/>
               <a:t>Pre-order: VLR (Visit – Left – Right), means at every node try to visit first (display the node first) then go its left </a:t>
             </a:r>
             <a:r>
-              <a:rPr lang="en-US" dirty="0" err="1" smtClean="0"/>
+              <a:rPr lang="en-US" dirty="0" err="1"/>
               <a:t>subtree</a:t>
             </a:r>
             <a:r>
-              <a:rPr lang="en-US" dirty="0" smtClean="0"/>
+              <a:rPr lang="en-US" dirty="0"/>
               <a:t> then its right </a:t>
             </a:r>
             <a:r>
-              <a:rPr lang="en-US" dirty="0" err="1" smtClean="0"/>
+              <a:rPr lang="en-US" dirty="0" err="1"/>
               <a:t>subtree</a:t>
             </a:r>
-            <a:endParaRPr lang="en-US" dirty="0" smtClean="0"/>
+            <a:endParaRPr lang="en-US" dirty="0"/>
           </a:p>
           <a:p>
             <a:pPr lvl="1"/>
             <a:r>
-              <a:rPr lang="en-US" dirty="0" smtClean="0"/>
+              <a:rPr lang="en-US" dirty="0"/>
               <a:t>In-order: LVR (Left – Visit – Right), means at every node try to go to the left </a:t>
             </a:r>
             <a:r>
-              <a:rPr lang="en-US" dirty="0" err="1" smtClean="0"/>
+              <a:rPr lang="en-US" dirty="0" err="1"/>
               <a:t>subtree</a:t>
             </a:r>
             <a:r>
-              <a:rPr lang="en-US" dirty="0" smtClean="0"/>
+              <a:rPr lang="en-US" dirty="0"/>
               <a:t> first, if at a node cannot go any further left then  visit (display the node), then try to go to the right </a:t>
             </a:r>
             <a:r>
-              <a:rPr lang="en-US" dirty="0" err="1" smtClean="0"/>
+              <a:rPr lang="en-US" dirty="0" err="1"/>
               <a:t>subtree</a:t>
             </a:r>
             <a:r>
-              <a:rPr lang="en-US" dirty="0" smtClean="0"/>
+              <a:rPr lang="en-US" dirty="0"/>
               <a:t>.</a:t>
             </a:r>
           </a:p>
           <a:p>
             <a:pPr lvl="1"/>
             <a:r>
-              <a:rPr lang="en-US" dirty="0" smtClean="0"/>
+              <a:rPr lang="en-US" dirty="0"/>
               <a:t>Post-order: LRV (Left – Right – Visit), means at every node try to go all the way to left first, when at a node, cannot go left any further, then try to go right, if at a node cannot go left or right any further, then display the node.</a:t>
             </a:r>
-            <a:endParaRPr lang="en-US" dirty="0"/>
           </a:p>
         </p:txBody>
       </p:sp>
@@ -12394,13 +13176,6 @@
   <p:clrMapOvr>
     <a:masterClrMapping/>
   </p:clrMapOvr>
-  <p:timing>
-    <p:tnLst>
-      <p:par>
-        <p:cTn xmlns:p14="http://schemas.microsoft.com/office/powerpoint/2010/main" id="1" dur="indefinite" restart="never" nodeType="tmRoot"/>
-      </p:par>
-    </p:tnLst>
-  </p:timing>
 </p:sld>
 </file>
 
@@ -12437,10 +13212,9 @@
           <a:lstStyle/>
           <a:p>
             <a:r>
-              <a:rPr lang="en-US" dirty="0" smtClean="0"/>
+              <a:rPr lang="en-US" dirty="0"/>
               <a:t>Depth first</a:t>
             </a:r>
-            <a:endParaRPr lang="en-US" dirty="0"/>
           </a:p>
         </p:txBody>
       </p:sp>
@@ -12483,13 +13257,6 @@
   <p:clrMapOvr>
     <a:masterClrMapping/>
   </p:clrMapOvr>
-  <p:timing>
-    <p:tnLst>
-      <p:par>
-        <p:cTn xmlns:p14="http://schemas.microsoft.com/office/powerpoint/2010/main" id="1" dur="indefinite" restart="never" nodeType="tmRoot"/>
-      </p:par>
-    </p:tnLst>
-  </p:timing>
 </p:sld>
 </file>
 
@@ -12526,10 +13293,9 @@
           <a:lstStyle/>
           <a:p>
             <a:r>
-              <a:rPr lang="en-US" dirty="0" smtClean="0"/>
+              <a:rPr lang="en-US" dirty="0"/>
               <a:t>Test program</a:t>
             </a:r>
-            <a:endParaRPr lang="en-US" dirty="0"/>
           </a:p>
         </p:txBody>
       </p:sp>
@@ -12572,13 +13338,6 @@
   <p:clrMapOvr>
     <a:masterClrMapping/>
   </p:clrMapOvr>
-  <p:timing>
-    <p:tnLst>
-      <p:par>
-        <p:cTn xmlns:p14="http://schemas.microsoft.com/office/powerpoint/2010/main" id="1" dur="indefinite" restart="never" nodeType="tmRoot"/>
-      </p:par>
-    </p:tnLst>
-  </p:timing>
 </p:sld>
 </file>
 
@@ -12615,10 +13374,9 @@
           <a:lstStyle/>
           <a:p>
             <a:r>
-              <a:rPr lang="en-US" dirty="0" smtClean="0"/>
+              <a:rPr lang="en-US" dirty="0"/>
               <a:t>Setting up the tree</a:t>
             </a:r>
-            <a:endParaRPr lang="en-US" dirty="0"/>
           </a:p>
         </p:txBody>
       </p:sp>
@@ -12661,13 +13419,6 @@
   <p:clrMapOvr>
     <a:masterClrMapping/>
   </p:clrMapOvr>
-  <p:timing>
-    <p:tnLst>
-      <p:par>
-        <p:cTn xmlns:p14="http://schemas.microsoft.com/office/powerpoint/2010/main" id="1" dur="indefinite" restart="never" nodeType="tmRoot"/>
-      </p:par>
-    </p:tnLst>
-  </p:timing>
 </p:sld>
 </file>
 
@@ -12690,7 +13441,7 @@
       </p:grpSpPr>
       <p:sp>
         <p:nvSpPr>
-          <p:cNvPr id="4" name="Title 3"/>
+          <p:cNvPr id="2" name="Title 1"/>
           <p:cNvSpPr>
             <a:spLocks noGrp="1"/>
           </p:cNvSpPr>
@@ -12704,49 +13455,91 @@
           <a:lstStyle/>
           <a:p>
             <a:r>
-              <a:rPr lang="en-US" dirty="0" smtClean="0"/>
-              <a:t>Definitions</a:t>
-            </a:r>
-            <a:endParaRPr lang="en-US" dirty="0"/>
-          </a:p>
-        </p:txBody>
-      </p:sp>
-      <p:sp>
-        <p:nvSpPr>
-          <p:cNvPr id="5" name="Text Placeholder 4"/>
+              <a:rPr lang="en-US" dirty="0"/>
+              <a:t>What is a tree?</a:t>
+            </a:r>
+          </a:p>
+        </p:txBody>
+      </p:sp>
+      <p:sp>
+        <p:nvSpPr>
+          <p:cNvPr id="3" name="Content Placeholder 2"/>
           <p:cNvSpPr>
             <a:spLocks noGrp="1"/>
           </p:cNvSpPr>
           <p:nvPr>
-            <p:ph type="body" idx="1"/>
+            <p:ph idx="1"/>
           </p:nvPr>
         </p:nvSpPr>
         <p:spPr/>
         <p:txBody>
-          <a:bodyPr/>
+          <a:bodyPr>
+            <a:normAutofit lnSpcReduction="10000"/>
+          </a:bodyPr>
           <a:lstStyle/>
           <a:p>
-            <a:endParaRPr lang="en-US"/>
+            <a:r>
+              <a:rPr lang="en-US" dirty="0"/>
+              <a:t>A tree is an abstract model of a hierarchical structure</a:t>
+            </a:r>
+          </a:p>
+          <a:p>
+            <a:r>
+              <a:rPr lang="en-US" dirty="0"/>
+              <a:t>A tree consists of nodes with parent-child relation</a:t>
+            </a:r>
+          </a:p>
+          <a:p>
+            <a:r>
+              <a:rPr lang="en-US" dirty="0"/>
+              <a:t>Inspiration: family trees</a:t>
+            </a:r>
+          </a:p>
+          <a:p>
+            <a:r>
+              <a:rPr lang="en-US" dirty="0"/>
+              <a:t>Applications:</a:t>
+            </a:r>
+          </a:p>
+          <a:p>
+            <a:pPr lvl="1"/>
+            <a:r>
+              <a:rPr lang="en-US" dirty="0"/>
+              <a:t>Organization charts</a:t>
+            </a:r>
+          </a:p>
+          <a:p>
+            <a:pPr lvl="1"/>
+            <a:r>
+              <a:rPr lang="en-US" dirty="0"/>
+              <a:t>File systems</a:t>
+            </a:r>
+          </a:p>
+          <a:p>
+            <a:pPr lvl="1"/>
+            <a:r>
+              <a:rPr lang="en-US" dirty="0"/>
+              <a:t>Programming environments</a:t>
+            </a:r>
+          </a:p>
+          <a:p>
+            <a:r>
+              <a:rPr lang="en-US" dirty="0"/>
+              <a:t>Every node except one (a root) has a unique parent</a:t>
+            </a:r>
           </a:p>
         </p:txBody>
       </p:sp>
     </p:spTree>
     <p:extLst>
       <p:ext uri="{BB962C8B-B14F-4D97-AF65-F5344CB8AC3E}">
-        <p14:creationId xmlns:p14="http://schemas.microsoft.com/office/powerpoint/2010/main" val="2258156632"/>
+        <p14:creationId xmlns:p14="http://schemas.microsoft.com/office/powerpoint/2010/main" val="3373586969"/>
       </p:ext>
     </p:extLst>
   </p:cSld>
   <p:clrMapOvr>
     <a:masterClrMapping/>
   </p:clrMapOvr>
-  <p:timing>
-    <p:tnLst>
-      <p:par>
-        <p:cTn xmlns:p14="http://schemas.microsoft.com/office/powerpoint/2010/main" id="1" dur="indefinite" restart="never" nodeType="tmRoot"/>
-      </p:par>
-    </p:tnLst>
-  </p:timing>
 </p:sld>
 </file>
 
@@ -12783,10 +13576,9 @@
           <a:lstStyle/>
           <a:p>
             <a:r>
-              <a:rPr lang="en-US" dirty="0" smtClean="0"/>
+              <a:rPr lang="en-US" dirty="0"/>
               <a:t>Traverse the tree</a:t>
             </a:r>
-            <a:endParaRPr lang="en-US" dirty="0"/>
           </a:p>
         </p:txBody>
       </p:sp>
@@ -12825,13 +13617,6 @@
   <p:clrMapOvr>
     <a:masterClrMapping/>
   </p:clrMapOvr>
-  <p:timing>
-    <p:tnLst>
-      <p:par>
-        <p:cTn xmlns:p14="http://schemas.microsoft.com/office/powerpoint/2010/main" id="1" dur="indefinite" restart="never" nodeType="tmRoot"/>
-      </p:par>
-    </p:tnLst>
-  </p:timing>
 </p:sld>
 </file>
 
@@ -12868,10 +13653,9 @@
           <a:lstStyle/>
           <a:p>
             <a:r>
-              <a:rPr lang="en-US" dirty="0" smtClean="0"/>
+              <a:rPr lang="en-US" dirty="0"/>
               <a:t>Output</a:t>
             </a:r>
-            <a:endParaRPr lang="en-US" dirty="0"/>
           </a:p>
         </p:txBody>
       </p:sp>
@@ -12943,13 +13727,6 @@
   <p:clrMapOvr>
     <a:masterClrMapping/>
   </p:clrMapOvr>
-  <p:timing>
-    <p:tnLst>
-      <p:par>
-        <p:cTn xmlns:p14="http://schemas.microsoft.com/office/powerpoint/2010/main" id="1" dur="indefinite" restart="never" nodeType="tmRoot"/>
-      </p:par>
-    </p:tnLst>
-  </p:timing>
 </p:sld>
 </file>
 
@@ -12972,43 +13749,68 @@
       </p:grpSpPr>
       <p:sp>
         <p:nvSpPr>
-          <p:cNvPr id="4" name="Title 3"/>
-          <p:cNvSpPr>
-            <a:spLocks noGrp="1"/>
-          </p:cNvSpPr>
-          <p:nvPr>
-            <p:ph type="title"/>
-          </p:nvPr>
-        </p:nvSpPr>
-        <p:spPr/>
-        <p:txBody>
-          <a:bodyPr/>
+          <p:cNvPr id="6" name="Rectangle 5"/>
+          <p:cNvSpPr/>
+          <p:nvPr/>
+        </p:nvSpPr>
+        <p:spPr>
+          <a:xfrm rot="20209346">
+            <a:off x="1151717" y="2872654"/>
+            <a:ext cx="6840591" cy="923330"/>
+          </a:xfrm>
+          <a:prstGeom prst="rect">
+            <a:avLst/>
+          </a:prstGeom>
+          <a:noFill/>
+        </p:spPr>
+        <p:txBody>
+          <a:bodyPr wrap="none" lIns="91440" tIns="45720" rIns="91440" bIns="45720">
+            <a:spAutoFit/>
+          </a:bodyPr>
           <a:lstStyle/>
           <a:p>
-            <a:r>
-              <a:rPr lang="en-US" dirty="0" smtClean="0"/>
-              <a:t>Binary search trees</a:t>
-            </a:r>
-            <a:endParaRPr lang="en-US" dirty="0"/>
-          </a:p>
-        </p:txBody>
-      </p:sp>
-      <p:sp>
-        <p:nvSpPr>
-          <p:cNvPr id="5" name="Text Placeholder 4"/>
-          <p:cNvSpPr>
-            <a:spLocks noGrp="1"/>
-          </p:cNvSpPr>
-          <p:nvPr>
-            <p:ph type="body" idx="1"/>
-          </p:nvPr>
-        </p:nvSpPr>
-        <p:spPr/>
-        <p:txBody>
-          <a:bodyPr/>
-          <a:lstStyle/>
-          <a:p>
-            <a:endParaRPr lang="en-US"/>
+            <a:pPr algn="ctr"/>
+            <a:r>
+              <a:rPr lang="en-US" sz="5400" b="1" dirty="0">
+                <a:ln w="9525">
+                  <a:solidFill>
+                    <a:schemeClr val="bg1"/>
+                  </a:solidFill>
+                  <a:prstDash val="solid"/>
+                </a:ln>
+                <a:solidFill>
+                  <a:schemeClr val="accent5"/>
+                </a:solidFill>
+                <a:effectLst>
+                  <a:outerShdw blurRad="12700" dist="38100" dir="2700000" algn="tl" rotWithShape="0">
+                    <a:schemeClr val="accent5">
+                      <a:lumMod val="60000"/>
+                      <a:lumOff val="40000"/>
+                    </a:schemeClr>
+                  </a:outerShdw>
+                </a:effectLst>
+              </a:rPr>
+              <a:t>Binary Search Trees</a:t>
+            </a:r>
+            <a:endParaRPr lang="en-US" sz="5400" b="1" cap="none" spc="0" dirty="0">
+              <a:ln w="9525">
+                <a:solidFill>
+                  <a:schemeClr val="bg1"/>
+                </a:solidFill>
+                <a:prstDash val="solid"/>
+              </a:ln>
+              <a:solidFill>
+                <a:schemeClr val="accent5"/>
+              </a:solidFill>
+              <a:effectLst>
+                <a:outerShdw blurRad="12700" dist="38100" dir="2700000" algn="tl" rotWithShape="0">
+                  <a:schemeClr val="accent5">
+                    <a:lumMod val="60000"/>
+                    <a:lumOff val="40000"/>
+                  </a:schemeClr>
+                </a:outerShdw>
+              </a:effectLst>
+            </a:endParaRPr>
           </a:p>
         </p:txBody>
       </p:sp>
@@ -13022,13 +13824,6 @@
   <p:clrMapOvr>
     <a:masterClrMapping/>
   </p:clrMapOvr>
-  <p:timing>
-    <p:tnLst>
-      <p:par>
-        <p:cTn xmlns:p14="http://schemas.microsoft.com/office/powerpoint/2010/main" id="1" dur="indefinite" restart="never" nodeType="tmRoot"/>
-      </p:par>
-    </p:tnLst>
-  </p:timing>
 </p:sld>
 </file>
 
@@ -13065,144 +13860,216 @@
           <a:lstStyle/>
           <a:p>
             <a:r>
-              <a:rPr lang="en-US" dirty="0" smtClean="0"/>
-              <a:t>Binary Search Tree Definition</a:t>
-            </a:r>
-            <a:endParaRPr lang="en-US" dirty="0"/>
-          </a:p>
-        </p:txBody>
-      </p:sp>
-      <p:sp>
-        <p:nvSpPr>
-          <p:cNvPr id="3" name="Content Placeholder 2"/>
-          <p:cNvSpPr>
-            <a:spLocks noGrp="1"/>
-          </p:cNvSpPr>
-          <p:nvPr>
-            <p:ph idx="1"/>
-          </p:nvPr>
-        </p:nvSpPr>
-        <p:spPr/>
-        <p:txBody>
-          <a:bodyPr>
-            <a:normAutofit fontScale="92500" lnSpcReduction="10000"/>
-          </a:bodyPr>
+              <a:rPr lang="en-US" dirty="0"/>
+              <a:t>Henry: tree types</a:t>
+            </a:r>
+          </a:p>
+        </p:txBody>
+      </p:sp>
+      <p:sp>
+        <p:nvSpPr>
+          <p:cNvPr id="3" name="Speech Bubble: Rectangle with Corners Rounded 2"/>
+          <p:cNvSpPr/>
+          <p:nvPr/>
+        </p:nvSpPr>
+        <p:spPr>
+          <a:xfrm>
+            <a:off x="762000" y="1905000"/>
+            <a:ext cx="1066800" cy="1066800"/>
+          </a:xfrm>
+          <a:prstGeom prst="wedgeRoundRectCallout">
+            <a:avLst/>
+          </a:prstGeom>
+        </p:spPr>
+        <p:style>
+          <a:lnRef idx="2">
+            <a:schemeClr val="accent1">
+              <a:shade val="50000"/>
+            </a:schemeClr>
+          </a:lnRef>
+          <a:fillRef idx="1">
+            <a:schemeClr val="accent1"/>
+          </a:fillRef>
+          <a:effectRef idx="0">
+            <a:schemeClr val="accent1"/>
+          </a:effectRef>
+          <a:fontRef idx="minor">
+            <a:schemeClr val="lt1"/>
+          </a:fontRef>
+        </p:style>
+        <p:txBody>
+          <a:bodyPr rtlCol="0" anchor="ctr"/>
           <a:lstStyle/>
           <a:p>
-            <a:r>
-              <a:rPr lang="en-US" dirty="0" smtClean="0"/>
-              <a:t>Binary Search Tree is a node based tree data structure which has following properties</a:t>
-            </a:r>
-          </a:p>
-          <a:p>
-            <a:pPr lvl="1"/>
-            <a:r>
-              <a:rPr lang="en-US" dirty="0" smtClean="0"/>
-              <a:t>Left </a:t>
-            </a:r>
-            <a:r>
-              <a:rPr lang="en-US" dirty="0" err="1" smtClean="0"/>
-              <a:t>subtree</a:t>
-            </a:r>
-            <a:r>
-              <a:rPr lang="en-US" dirty="0" smtClean="0"/>
-              <a:t> of a node contains only nodes with keys less than the node’s key</a:t>
-            </a:r>
-          </a:p>
-          <a:p>
-            <a:pPr lvl="1"/>
-            <a:r>
-              <a:rPr lang="en-US" dirty="0" smtClean="0"/>
-              <a:t>Right </a:t>
-            </a:r>
-            <a:r>
-              <a:rPr lang="en-US" dirty="0" err="1" smtClean="0"/>
-              <a:t>subtree</a:t>
-            </a:r>
-            <a:r>
-              <a:rPr lang="en-US" dirty="0" smtClean="0"/>
-              <a:t> of a node contains only nodes with keys greater than the node’s key</a:t>
-            </a:r>
-          </a:p>
-          <a:p>
-            <a:pPr lvl="1"/>
-            <a:r>
-              <a:rPr lang="en-US" dirty="0" smtClean="0"/>
-              <a:t>Both the left and right </a:t>
-            </a:r>
-            <a:r>
-              <a:rPr lang="en-US" dirty="0" err="1" smtClean="0"/>
-              <a:t>subtrees</a:t>
-            </a:r>
-            <a:r>
-              <a:rPr lang="en-US" dirty="0" smtClean="0"/>
-              <a:t> must also be binary search trees</a:t>
-            </a:r>
-          </a:p>
-          <a:p>
-            <a:r>
-              <a:rPr lang="en-US" dirty="0" smtClean="0"/>
-              <a:t>From above definition, it’s naturally follows that</a:t>
-            </a:r>
-          </a:p>
-          <a:p>
-            <a:pPr lvl="1"/>
-            <a:r>
-              <a:rPr lang="en-US" dirty="0" smtClean="0"/>
-              <a:t>Each node has a distinct key (no equal)</a:t>
-            </a:r>
-          </a:p>
-          <a:p>
-            <a:pPr lvl="1"/>
-            <a:r>
-              <a:rPr lang="en-US" dirty="0" smtClean="0">
-                <a:solidFill>
-                  <a:srgbClr val="FF0000"/>
-                </a:solidFill>
-              </a:rPr>
-              <a:t>An </a:t>
-            </a:r>
-            <a:r>
-              <a:rPr lang="en-US" dirty="0" err="1" smtClean="0">
-                <a:solidFill>
-                  <a:srgbClr val="FF0000"/>
-                </a:solidFill>
-              </a:rPr>
-              <a:t>inorder</a:t>
-            </a:r>
-            <a:r>
-              <a:rPr lang="en-US" dirty="0" smtClean="0">
-                <a:solidFill>
-                  <a:srgbClr val="FF0000"/>
-                </a:solidFill>
-              </a:rPr>
-              <a:t> traversal of a binary search tree visits the keys in increasing order</a:t>
-            </a:r>
-            <a:endParaRPr lang="en-US" dirty="0">
-              <a:solidFill>
-                <a:srgbClr val="FF0000"/>
-              </a:solidFill>
-            </a:endParaRPr>
+            <a:pPr algn="ctr"/>
+            <a:r>
+              <a:rPr lang="en-US" dirty="0"/>
+              <a:t>Generic tree</a:t>
+            </a:r>
+          </a:p>
+        </p:txBody>
+      </p:sp>
+      <p:sp>
+        <p:nvSpPr>
+          <p:cNvPr id="4" name="Speech Bubble: Rectangle with Corners Rounded 3"/>
+          <p:cNvSpPr/>
+          <p:nvPr/>
+        </p:nvSpPr>
+        <p:spPr>
+          <a:xfrm>
+            <a:off x="2845573" y="1905000"/>
+            <a:ext cx="1066800" cy="1066800"/>
+          </a:xfrm>
+          <a:prstGeom prst="wedgeRoundRectCallout">
+            <a:avLst/>
+          </a:prstGeom>
+        </p:spPr>
+        <p:style>
+          <a:lnRef idx="2">
+            <a:schemeClr val="accent1">
+              <a:shade val="50000"/>
+            </a:schemeClr>
+          </a:lnRef>
+          <a:fillRef idx="1">
+            <a:schemeClr val="accent1"/>
+          </a:fillRef>
+          <a:effectRef idx="0">
+            <a:schemeClr val="accent1"/>
+          </a:effectRef>
+          <a:fontRef idx="minor">
+            <a:schemeClr val="lt1"/>
+          </a:fontRef>
+        </p:style>
+        <p:txBody>
+          <a:bodyPr rtlCol="0" anchor="ctr"/>
+          <a:lstStyle/>
+          <a:p>
+            <a:pPr algn="ctr"/>
+            <a:r>
+              <a:rPr lang="en-US" dirty="0"/>
+              <a:t>Binary Tree</a:t>
+            </a:r>
+          </a:p>
+        </p:txBody>
+      </p:sp>
+      <p:sp>
+        <p:nvSpPr>
+          <p:cNvPr id="5" name="Speech Bubble: Rectangle with Corners Rounded 4"/>
+          <p:cNvSpPr/>
+          <p:nvPr/>
+        </p:nvSpPr>
+        <p:spPr>
+          <a:xfrm>
+            <a:off x="4929146" y="2400962"/>
+            <a:ext cx="1066800" cy="1066800"/>
+          </a:xfrm>
+          <a:prstGeom prst="wedgeRoundRectCallout">
+            <a:avLst/>
+          </a:prstGeom>
+        </p:spPr>
+        <p:style>
+          <a:lnRef idx="2">
+            <a:schemeClr val="accent1">
+              <a:shade val="50000"/>
+            </a:schemeClr>
+          </a:lnRef>
+          <a:fillRef idx="1">
+            <a:schemeClr val="accent1"/>
+          </a:fillRef>
+          <a:effectRef idx="0">
+            <a:schemeClr val="accent1"/>
+          </a:effectRef>
+          <a:fontRef idx="minor">
+            <a:schemeClr val="lt1"/>
+          </a:fontRef>
+        </p:style>
+        <p:txBody>
+          <a:bodyPr rtlCol="0" anchor="ctr"/>
+          <a:lstStyle/>
+          <a:p>
+            <a:pPr algn="ctr"/>
+            <a:r>
+              <a:rPr lang="en-US" dirty="0"/>
+              <a:t>Binary Search Tree</a:t>
+            </a:r>
+          </a:p>
+        </p:txBody>
+      </p:sp>
+      <p:sp>
+        <p:nvSpPr>
+          <p:cNvPr id="6" name="Speech Bubble: Rectangle with Corners Rounded 5"/>
+          <p:cNvSpPr/>
+          <p:nvPr/>
+        </p:nvSpPr>
+        <p:spPr>
+          <a:xfrm>
+            <a:off x="7086600" y="1791362"/>
+            <a:ext cx="1447800" cy="1676400"/>
+          </a:xfrm>
+          <a:prstGeom prst="wedgeRoundRectCallout">
+            <a:avLst/>
+          </a:prstGeom>
+        </p:spPr>
+        <p:style>
+          <a:lnRef idx="2">
+            <a:schemeClr val="accent1">
+              <a:shade val="50000"/>
+            </a:schemeClr>
+          </a:lnRef>
+          <a:fillRef idx="1">
+            <a:schemeClr val="accent1"/>
+          </a:fillRef>
+          <a:effectRef idx="0">
+            <a:schemeClr val="accent1"/>
+          </a:effectRef>
+          <a:fontRef idx="minor">
+            <a:schemeClr val="lt1"/>
+          </a:fontRef>
+        </p:style>
+        <p:txBody>
+          <a:bodyPr rtlCol="0" anchor="ctr"/>
+          <a:lstStyle/>
+          <a:p>
+            <a:pPr algn="ctr"/>
+            <a:r>
+              <a:rPr lang="en-US" dirty="0"/>
+              <a:t>Shortest</a:t>
+            </a:r>
+          </a:p>
+          <a:p>
+            <a:pPr algn="ctr"/>
+            <a:r>
+              <a:rPr lang="en-US" dirty="0"/>
+              <a:t>Binary Search Tree</a:t>
+            </a:r>
+          </a:p>
+          <a:p>
+            <a:pPr algn="ctr"/>
+            <a:r>
+              <a:rPr lang="en-US" dirty="0"/>
+              <a:t>(</a:t>
+            </a:r>
+            <a:r>
+              <a:rPr lang="en-US" dirty="0" err="1"/>
+              <a:t>AVL</a:t>
+            </a:r>
+            <a:r>
+              <a:rPr lang="en-US" dirty="0"/>
+              <a:t> tree)</a:t>
+            </a:r>
           </a:p>
         </p:txBody>
       </p:sp>
     </p:spTree>
     <p:extLst>
       <p:ext uri="{BB962C8B-B14F-4D97-AF65-F5344CB8AC3E}">
-        <p14:creationId xmlns:p14="http://schemas.microsoft.com/office/powerpoint/2010/main" val="2671762301"/>
+        <p14:creationId xmlns:p14="http://schemas.microsoft.com/office/powerpoint/2010/main" val="920351695"/>
       </p:ext>
     </p:extLst>
   </p:cSld>
   <p:clrMapOvr>
     <a:masterClrMapping/>
   </p:clrMapOvr>
-  <p:timing>
-    <p:tnLst>
-      <p:par>
-        <p:cTn xmlns:p14="http://schemas.microsoft.com/office/powerpoint/2010/main" id="1" dur="indefinite" restart="never" nodeType="tmRoot"/>
-      </p:par>
-    </p:tnLst>
-  </p:timing>
 </p:sld>
 </file>
 
@@ -13239,59 +14106,131 @@
           <a:lstStyle/>
           <a:p>
             <a:r>
-              <a:rPr lang="en-US" dirty="0" smtClean="0"/>
-              <a:t>Binary search tree example</a:t>
-            </a:r>
-            <a:endParaRPr lang="en-US" dirty="0"/>
-          </a:p>
-        </p:txBody>
-      </p:sp>
-      <p:pic>
-        <p:nvPicPr>
-          <p:cNvPr id="4" name="Picture 3"/>
-          <p:cNvPicPr>
-            <a:picLocks noChangeAspect="1"/>
-          </p:cNvPicPr>
-          <p:nvPr/>
-        </p:nvPicPr>
-        <p:blipFill>
-          <a:blip r:embed="rId2"/>
-          <a:stretch>
-            <a:fillRect/>
-          </a:stretch>
-        </p:blipFill>
-        <p:spPr>
-          <a:xfrm>
-            <a:off x="1219200" y="1066800"/>
-            <a:ext cx="6096000" cy="5056909"/>
-          </a:xfrm>
-          <a:prstGeom prst="rect">
-            <a:avLst/>
-          </a:prstGeom>
-          <a:ln>
-            <a:solidFill>
-              <a:srgbClr val="C0504D"/>
-            </a:solidFill>
-          </a:ln>
-        </p:spPr>
-      </p:pic>
+              <a:rPr lang="en-US" dirty="0"/>
+              <a:t>Binary Search Tree Definition</a:t>
+            </a:r>
+          </a:p>
+        </p:txBody>
+      </p:sp>
+      <p:sp>
+        <p:nvSpPr>
+          <p:cNvPr id="3" name="Content Placeholder 2"/>
+          <p:cNvSpPr>
+            <a:spLocks noGrp="1"/>
+          </p:cNvSpPr>
+          <p:nvPr>
+            <p:ph idx="1"/>
+          </p:nvPr>
+        </p:nvSpPr>
+        <p:spPr/>
+        <p:txBody>
+          <a:bodyPr>
+            <a:normAutofit fontScale="92500" lnSpcReduction="10000"/>
+          </a:bodyPr>
+          <a:lstStyle/>
+          <a:p>
+            <a:r>
+              <a:rPr lang="en-US" dirty="0"/>
+              <a:t>Binary Search Tree is a node based tree data structure which has following properties</a:t>
+            </a:r>
+          </a:p>
+          <a:p>
+            <a:pPr lvl="1"/>
+            <a:r>
+              <a:rPr lang="en-US" dirty="0"/>
+              <a:t>Left </a:t>
+            </a:r>
+            <a:r>
+              <a:rPr lang="en-US" dirty="0" err="1"/>
+              <a:t>subtree</a:t>
+            </a:r>
+            <a:r>
+              <a:rPr lang="en-US" dirty="0"/>
+              <a:t> of a node contains only nodes with keys less than the node’s key</a:t>
+            </a:r>
+          </a:p>
+          <a:p>
+            <a:pPr lvl="1"/>
+            <a:r>
+              <a:rPr lang="en-US" dirty="0"/>
+              <a:t>Right </a:t>
+            </a:r>
+            <a:r>
+              <a:rPr lang="en-US" dirty="0" err="1"/>
+              <a:t>subtree</a:t>
+            </a:r>
+            <a:r>
+              <a:rPr lang="en-US" dirty="0"/>
+              <a:t> of a node contains only nodes with keys greater than the node’s key</a:t>
+            </a:r>
+          </a:p>
+          <a:p>
+            <a:pPr lvl="1"/>
+            <a:r>
+              <a:rPr lang="en-US" dirty="0"/>
+              <a:t>Both the left and right </a:t>
+            </a:r>
+            <a:r>
+              <a:rPr lang="en-US" dirty="0" err="1"/>
+              <a:t>subtrees</a:t>
+            </a:r>
+            <a:r>
+              <a:rPr lang="en-US" dirty="0"/>
+              <a:t> must also be binary search trees</a:t>
+            </a:r>
+          </a:p>
+          <a:p>
+            <a:r>
+              <a:rPr lang="en-US" dirty="0"/>
+              <a:t>From above definition, it’s naturally follows that</a:t>
+            </a:r>
+          </a:p>
+          <a:p>
+            <a:pPr lvl="1"/>
+            <a:r>
+              <a:rPr lang="en-US" dirty="0"/>
+              <a:t>Each node has a distinct key (no equal)</a:t>
+            </a:r>
+          </a:p>
+          <a:p>
+            <a:pPr lvl="1"/>
+            <a:r>
+              <a:rPr lang="en-US" dirty="0">
+                <a:solidFill>
+                  <a:srgbClr val="FF0000"/>
+                </a:solidFill>
+              </a:rPr>
+              <a:t>An </a:t>
+            </a:r>
+            <a:r>
+              <a:rPr lang="en-US" dirty="0" err="1">
+                <a:solidFill>
+                  <a:srgbClr val="FF0000"/>
+                </a:solidFill>
+              </a:rPr>
+              <a:t>inorder</a:t>
+            </a:r>
+            <a:r>
+              <a:rPr lang="en-US" dirty="0">
+                <a:solidFill>
+                  <a:srgbClr val="FF0000"/>
+                </a:solidFill>
+              </a:rPr>
+              <a:t> traversal of a binary search tree visits the keys in increasing order</a:t>
+            </a:r>
+          </a:p>
+        </p:txBody>
+      </p:sp>
     </p:spTree>
     <p:extLst>
       <p:ext uri="{BB962C8B-B14F-4D97-AF65-F5344CB8AC3E}">
-        <p14:creationId xmlns:p14="http://schemas.microsoft.com/office/powerpoint/2010/main" val="27284779"/>
+        <p14:creationId xmlns:p14="http://schemas.microsoft.com/office/powerpoint/2010/main" val="2671762301"/>
       </p:ext>
     </p:extLst>
   </p:cSld>
   <p:clrMapOvr>
     <a:masterClrMapping/>
   </p:clrMapOvr>
-  <p:timing>
-    <p:tnLst>
-      <p:par>
-        <p:cTn xmlns:p14="http://schemas.microsoft.com/office/powerpoint/2010/main" id="1" dur="indefinite" restart="never" nodeType="tmRoot"/>
-      </p:par>
-    </p:tnLst>
-  </p:timing>
 </p:sld>
 </file>
 
@@ -13328,49 +14267,51 @@
           <a:lstStyle/>
           <a:p>
             <a:r>
-              <a:rPr lang="en-US" dirty="0" smtClean="0"/>
-              <a:t>Implementing Binary Search Tree</a:t>
-            </a:r>
-            <a:endParaRPr lang="en-US" dirty="0"/>
-          </a:p>
-        </p:txBody>
-      </p:sp>
-      <p:sp>
-        <p:nvSpPr>
-          <p:cNvPr id="4" name="Text Placeholder 3"/>
-          <p:cNvSpPr>
-            <a:spLocks noGrp="1"/>
-          </p:cNvSpPr>
-          <p:nvPr>
-            <p:ph type="body" idx="1"/>
-          </p:nvPr>
-        </p:nvSpPr>
-        <p:spPr/>
-        <p:txBody>
-          <a:bodyPr/>
-          <a:lstStyle/>
-          <a:p>
-            <a:endParaRPr lang="en-US"/>
-          </a:p>
-        </p:txBody>
-      </p:sp>
+              <a:rPr lang="en-US" dirty="0"/>
+              <a:t>Binary search tree example</a:t>
+            </a:r>
+          </a:p>
+        </p:txBody>
+      </p:sp>
+      <p:pic>
+        <p:nvPicPr>
+          <p:cNvPr id="4" name="Picture 3"/>
+          <p:cNvPicPr>
+            <a:picLocks noChangeAspect="1"/>
+          </p:cNvPicPr>
+          <p:nvPr/>
+        </p:nvPicPr>
+        <p:blipFill>
+          <a:blip r:embed="rId2"/>
+          <a:stretch>
+            <a:fillRect/>
+          </a:stretch>
+        </p:blipFill>
+        <p:spPr>
+          <a:xfrm>
+            <a:off x="1219200" y="1066800"/>
+            <a:ext cx="6096000" cy="5056909"/>
+          </a:xfrm>
+          <a:prstGeom prst="rect">
+            <a:avLst/>
+          </a:prstGeom>
+          <a:ln>
+            <a:solidFill>
+              <a:srgbClr val="C0504D"/>
+            </a:solidFill>
+          </a:ln>
+        </p:spPr>
+      </p:pic>
     </p:spTree>
     <p:extLst>
       <p:ext uri="{BB962C8B-B14F-4D97-AF65-F5344CB8AC3E}">
-        <p14:creationId xmlns:p14="http://schemas.microsoft.com/office/powerpoint/2010/main" val="3927652372"/>
+        <p14:creationId xmlns:p14="http://schemas.microsoft.com/office/powerpoint/2010/main" val="27284779"/>
       </p:ext>
     </p:extLst>
   </p:cSld>
   <p:clrMapOvr>
     <a:masterClrMapping/>
   </p:clrMapOvr>
-  <p:timing>
-    <p:tnLst>
-      <p:par>
-        <p:cTn xmlns:p14="http://schemas.microsoft.com/office/powerpoint/2010/main" id="1" dur="indefinite" restart="never" nodeType="tmRoot"/>
-      </p:par>
-    </p:tnLst>
-  </p:timing>
 </p:sld>
 </file>
 
@@ -13407,10 +14348,98 @@
           <a:lstStyle/>
           <a:p>
             <a:r>
-              <a:rPr lang="en-US" dirty="0" smtClean="0"/>
+              <a:rPr lang="en-US" dirty="0"/>
+              <a:t>Henry: the partitioning properties</a:t>
+            </a:r>
+          </a:p>
+        </p:txBody>
+      </p:sp>
+      <p:sp>
+        <p:nvSpPr>
+          <p:cNvPr id="3" name="Content Placeholder 2"/>
+          <p:cNvSpPr>
+            <a:spLocks noGrp="1"/>
+          </p:cNvSpPr>
+          <p:nvPr>
+            <p:ph idx="1"/>
+          </p:nvPr>
+        </p:nvSpPr>
+        <p:spPr/>
+        <p:txBody>
+          <a:bodyPr/>
+          <a:lstStyle/>
+          <a:p>
+            <a:r>
+              <a:rPr lang="en-US" dirty="0"/>
+              <a:t>The BST partitions the search space into two subspaces (recursively)</a:t>
+            </a:r>
+          </a:p>
+          <a:p>
+            <a:r>
+              <a:rPr lang="en-US" dirty="0"/>
+              <a:t>Shorter trees is more efficient. Tall tree =&gt; slow search </a:t>
+            </a:r>
+          </a:p>
+          <a:p>
+            <a:r>
+              <a:rPr lang="en-US" dirty="0"/>
+              <a:t>Whatever you do (add, remove), do not break the partitioning property of the tree. Otherwise you cannot search</a:t>
+            </a:r>
+          </a:p>
+          <a:p>
+            <a:endParaRPr lang="en-US" dirty="0"/>
+          </a:p>
+        </p:txBody>
+      </p:sp>
+    </p:spTree>
+    <p:extLst>
+      <p:ext uri="{BB962C8B-B14F-4D97-AF65-F5344CB8AC3E}">
+        <p14:creationId xmlns:p14="http://schemas.microsoft.com/office/powerpoint/2010/main" val="3178663470"/>
+      </p:ext>
+    </p:extLst>
+  </p:cSld>
+  <p:clrMapOvr>
+    <a:masterClrMapping/>
+  </p:clrMapOvr>
+</p:sld>
+</file>
+
+<file path=ppt/slides/slide47.xml><?xml version="1.0" encoding="utf-8"?>
+<p:sld xmlns:a="http://schemas.openxmlformats.org/drawingml/2006/main" xmlns:r="http://schemas.openxmlformats.org/officeDocument/2006/relationships" xmlns:p="http://schemas.openxmlformats.org/presentationml/2006/main">
+  <p:cSld>
+    <p:spTree>
+      <p:nvGrpSpPr>
+        <p:cNvPr id="1" name=""/>
+        <p:cNvGrpSpPr/>
+        <p:nvPr/>
+      </p:nvGrpSpPr>
+      <p:grpSpPr>
+        <a:xfrm>
+          <a:off x="0" y="0"/>
+          <a:ext cx="0" cy="0"/>
+          <a:chOff x="0" y="0"/>
+          <a:chExt cx="0" cy="0"/>
+        </a:xfrm>
+      </p:grpSpPr>
+      <p:sp>
+        <p:nvSpPr>
+          <p:cNvPr id="2" name="Title 1"/>
+          <p:cNvSpPr>
+            <a:spLocks noGrp="1"/>
+          </p:cNvSpPr>
+          <p:nvPr>
+            <p:ph type="title"/>
+          </p:nvPr>
+        </p:nvSpPr>
+        <p:spPr/>
+        <p:txBody>
+          <a:bodyPr/>
+          <a:lstStyle/>
+          <a:p>
+            <a:r>
+              <a:rPr lang="en-US" dirty="0"/>
               <a:t>Insertion on Binary Search Tree</a:t>
             </a:r>
-            <a:endParaRPr lang="en-US" dirty="0"/>
           </a:p>
         </p:txBody>
       </p:sp>
@@ -13451,10 +14480,9 @@
           <a:p>
             <a:pPr algn="ctr"/>
             <a:r>
-              <a:rPr lang="en-US" dirty="0" smtClean="0"/>
+              <a:rPr lang="en-US" dirty="0"/>
               <a:t>15</a:t>
             </a:r>
-            <a:endParaRPr lang="en-US" dirty="0"/>
           </a:p>
         </p:txBody>
       </p:sp>
@@ -13481,10 +14509,9 @@
           <a:lstStyle/>
           <a:p>
             <a:r>
-              <a:rPr lang="en-US" dirty="0" smtClean="0"/>
+              <a:rPr lang="en-US" dirty="0"/>
               <a:t>null</a:t>
             </a:r>
-            <a:endParaRPr lang="en-US" dirty="0"/>
           </a:p>
         </p:txBody>
       </p:sp>
@@ -13525,10 +14552,9 @@
           <a:p>
             <a:pPr algn="ctr"/>
             <a:r>
-              <a:rPr lang="en-US" dirty="0" smtClean="0"/>
+              <a:rPr lang="en-US" dirty="0"/>
               <a:t>15</a:t>
             </a:r>
-            <a:endParaRPr lang="en-US" dirty="0"/>
           </a:p>
         </p:txBody>
       </p:sp>
@@ -13729,10 +14755,9 @@
           <a:p>
             <a:pPr algn="ctr"/>
             <a:r>
-              <a:rPr lang="en-US" dirty="0" smtClean="0"/>
+              <a:rPr lang="en-US" dirty="0"/>
               <a:t>4</a:t>
             </a:r>
-            <a:endParaRPr lang="en-US" dirty="0"/>
           </a:p>
         </p:txBody>
       </p:sp>
@@ -13773,10 +14798,9 @@
           <a:p>
             <a:pPr algn="ctr"/>
             <a:r>
-              <a:rPr lang="en-US" dirty="0" smtClean="0"/>
+              <a:rPr lang="en-US" dirty="0"/>
               <a:t>15</a:t>
             </a:r>
-            <a:endParaRPr lang="en-US" dirty="0"/>
           </a:p>
         </p:txBody>
       </p:sp>
@@ -13897,10 +14921,9 @@
           <a:p>
             <a:pPr algn="ctr"/>
             <a:r>
-              <a:rPr lang="en-US" dirty="0" smtClean="0"/>
+              <a:rPr lang="en-US" dirty="0"/>
               <a:t>4</a:t>
             </a:r>
-            <a:endParaRPr lang="en-US" dirty="0"/>
           </a:p>
         </p:txBody>
       </p:sp>
@@ -13941,10 +14964,9 @@
           <a:p>
             <a:pPr algn="ctr"/>
             <a:r>
-              <a:rPr lang="en-US" dirty="0" smtClean="0"/>
+              <a:rPr lang="en-US" dirty="0"/>
               <a:t>20</a:t>
             </a:r>
-            <a:endParaRPr lang="en-US" dirty="0"/>
           </a:p>
         </p:txBody>
       </p:sp>
@@ -14021,10 +15043,9 @@
           <a:p>
             <a:pPr algn="ctr"/>
             <a:r>
-              <a:rPr lang="en-US" dirty="0" smtClean="0"/>
+              <a:rPr lang="en-US" dirty="0"/>
               <a:t>15</a:t>
             </a:r>
-            <a:endParaRPr lang="en-US" dirty="0"/>
           </a:p>
         </p:txBody>
       </p:sp>
@@ -14145,10 +15166,9 @@
           <a:p>
             <a:pPr algn="ctr"/>
             <a:r>
-              <a:rPr lang="en-US" dirty="0" smtClean="0"/>
+              <a:rPr lang="en-US" dirty="0"/>
               <a:t>4</a:t>
             </a:r>
-            <a:endParaRPr lang="en-US" dirty="0"/>
           </a:p>
         </p:txBody>
       </p:sp>
@@ -14189,10 +15209,9 @@
           <a:p>
             <a:pPr algn="ctr"/>
             <a:r>
-              <a:rPr lang="en-US" dirty="0" smtClean="0"/>
+              <a:rPr lang="en-US" dirty="0"/>
               <a:t>20</a:t>
             </a:r>
-            <a:endParaRPr lang="en-US" dirty="0"/>
           </a:p>
         </p:txBody>
       </p:sp>
@@ -14305,10 +15324,9 @@
           <a:p>
             <a:pPr algn="ctr"/>
             <a:r>
-              <a:rPr lang="en-US" dirty="0" smtClean="0"/>
+              <a:rPr lang="en-US" dirty="0"/>
               <a:t>17</a:t>
             </a:r>
-            <a:endParaRPr lang="en-US" dirty="0"/>
           </a:p>
         </p:txBody>
       </p:sp>
@@ -14349,10 +15367,9 @@
           <a:p>
             <a:pPr algn="ctr"/>
             <a:r>
-              <a:rPr lang="en-US" dirty="0" smtClean="0"/>
+              <a:rPr lang="en-US" dirty="0"/>
               <a:t>15</a:t>
             </a:r>
-            <a:endParaRPr lang="en-US" dirty="0"/>
           </a:p>
         </p:txBody>
       </p:sp>
@@ -14473,10 +15490,9 @@
           <a:p>
             <a:pPr algn="ctr"/>
             <a:r>
-              <a:rPr lang="en-US" dirty="0" smtClean="0"/>
+              <a:rPr lang="en-US" dirty="0"/>
               <a:t>4</a:t>
             </a:r>
-            <a:endParaRPr lang="en-US" dirty="0"/>
           </a:p>
         </p:txBody>
       </p:sp>
@@ -14517,10 +15533,9 @@
           <a:p>
             <a:pPr algn="ctr"/>
             <a:r>
-              <a:rPr lang="en-US" dirty="0" smtClean="0"/>
+              <a:rPr lang="en-US" dirty="0"/>
               <a:t>20</a:t>
             </a:r>
-            <a:endParaRPr lang="en-US" dirty="0"/>
           </a:p>
         </p:txBody>
       </p:sp>
@@ -14633,10 +15648,9 @@
           <a:p>
             <a:pPr algn="ctr"/>
             <a:r>
-              <a:rPr lang="en-US" dirty="0" smtClean="0"/>
+              <a:rPr lang="en-US" dirty="0"/>
               <a:t>19</a:t>
             </a:r>
-            <a:endParaRPr lang="en-US" dirty="0"/>
           </a:p>
         </p:txBody>
       </p:sp>
@@ -14677,10 +15691,9 @@
           <a:p>
             <a:pPr algn="ctr"/>
             <a:r>
-              <a:rPr lang="en-US" dirty="0" smtClean="0"/>
+              <a:rPr lang="en-US" dirty="0"/>
               <a:t>17</a:t>
             </a:r>
-            <a:endParaRPr lang="en-US" dirty="0"/>
           </a:p>
         </p:txBody>
       </p:sp>
@@ -14757,10 +15770,9 @@
           <a:p>
             <a:pPr algn="ctr"/>
             <a:r>
-              <a:rPr lang="en-US" dirty="0" smtClean="0"/>
+              <a:rPr lang="en-US" dirty="0"/>
               <a:t>15</a:t>
             </a:r>
-            <a:endParaRPr lang="en-US" dirty="0"/>
           </a:p>
         </p:txBody>
       </p:sp>
@@ -14801,10 +15813,9 @@
           <a:p>
             <a:pPr algn="ctr"/>
             <a:r>
-              <a:rPr lang="en-US" dirty="0" smtClean="0"/>
+              <a:rPr lang="en-US" dirty="0"/>
               <a:t>4</a:t>
             </a:r>
-            <a:endParaRPr lang="en-US" dirty="0"/>
           </a:p>
         </p:txBody>
       </p:sp>
@@ -14845,10 +15856,9 @@
           <a:p>
             <a:pPr algn="ctr"/>
             <a:r>
-              <a:rPr lang="en-US" dirty="0" smtClean="0"/>
+              <a:rPr lang="en-US" dirty="0"/>
               <a:t>20</a:t>
             </a:r>
-            <a:endParaRPr lang="en-US" dirty="0"/>
           </a:p>
         </p:txBody>
       </p:sp>
@@ -14961,10 +15971,9 @@
           <a:p>
             <a:pPr algn="ctr"/>
             <a:r>
-              <a:rPr lang="en-US" dirty="0" smtClean="0"/>
+              <a:rPr lang="en-US" dirty="0"/>
               <a:t>19</a:t>
             </a:r>
-            <a:endParaRPr lang="en-US" dirty="0"/>
           </a:p>
         </p:txBody>
       </p:sp>
@@ -15005,10 +16014,9 @@
           <a:p>
             <a:pPr algn="ctr"/>
             <a:r>
-              <a:rPr lang="en-US" dirty="0" smtClean="0"/>
+              <a:rPr lang="en-US" dirty="0"/>
               <a:t>17</a:t>
             </a:r>
-            <a:endParaRPr lang="en-US" dirty="0"/>
           </a:p>
         </p:txBody>
       </p:sp>
@@ -15097,7 +16105,7 @@
   <p:timing>
     <p:tnLst>
       <p:par>
-        <p:cTn xmlns:p14="http://schemas.microsoft.com/office/powerpoint/2010/main" id="1" dur="indefinite" restart="never" nodeType="tmRoot">
+        <p:cTn id="1" dur="indefinite" restart="never" nodeType="tmRoot">
           <p:childTnLst>
             <p:seq concurrent="1" nextAc="seek">
               <p:cTn id="2" dur="indefinite" nodeType="mainSeq">
@@ -16604,95 +17612,6 @@
 </p:sld>
 </file>
 
-<file path=ppt/slides/slide47.xml><?xml version="1.0" encoding="utf-8"?>
-<p:sld xmlns:a="http://schemas.openxmlformats.org/drawingml/2006/main" xmlns:r="http://schemas.openxmlformats.org/officeDocument/2006/relationships" xmlns:p="http://schemas.openxmlformats.org/presentationml/2006/main">
-  <p:cSld>
-    <p:spTree>
-      <p:nvGrpSpPr>
-        <p:cNvPr id="1" name=""/>
-        <p:cNvGrpSpPr/>
-        <p:nvPr/>
-      </p:nvGrpSpPr>
-      <p:grpSpPr>
-        <a:xfrm>
-          <a:off x="0" y="0"/>
-          <a:ext cx="0" cy="0"/>
-          <a:chOff x="0" y="0"/>
-          <a:chExt cx="0" cy="0"/>
-        </a:xfrm>
-      </p:grpSpPr>
-      <p:sp>
-        <p:nvSpPr>
-          <p:cNvPr id="2" name="Title 1"/>
-          <p:cNvSpPr>
-            <a:spLocks noGrp="1"/>
-          </p:cNvSpPr>
-          <p:nvPr>
-            <p:ph type="title"/>
-          </p:nvPr>
-        </p:nvSpPr>
-        <p:spPr/>
-        <p:txBody>
-          <a:bodyPr/>
-          <a:lstStyle/>
-          <a:p>
-            <a:r>
-              <a:rPr lang="en-US" dirty="0" smtClean="0"/>
-              <a:t>Insertion on a Binary Search Tree</a:t>
-            </a:r>
-            <a:endParaRPr lang="en-US" dirty="0"/>
-          </a:p>
-        </p:txBody>
-      </p:sp>
-      <p:pic>
-        <p:nvPicPr>
-          <p:cNvPr id="4" name="Picture 3"/>
-          <p:cNvPicPr>
-            <a:picLocks noChangeAspect="1"/>
-          </p:cNvPicPr>
-          <p:nvPr/>
-        </p:nvPicPr>
-        <p:blipFill>
-          <a:blip r:embed="rId2"/>
-          <a:stretch>
-            <a:fillRect/>
-          </a:stretch>
-        </p:blipFill>
-        <p:spPr>
-          <a:xfrm>
-            <a:off x="0" y="1055607"/>
-            <a:ext cx="9144000" cy="4964193"/>
-          </a:xfrm>
-          <a:prstGeom prst="rect">
-            <a:avLst/>
-          </a:prstGeom>
-          <a:ln>
-            <a:solidFill>
-              <a:srgbClr val="C0504D"/>
-            </a:solidFill>
-          </a:ln>
-        </p:spPr>
-      </p:pic>
-    </p:spTree>
-    <p:extLst>
-      <p:ext uri="{BB962C8B-B14F-4D97-AF65-F5344CB8AC3E}">
-        <p14:creationId xmlns:p14="http://schemas.microsoft.com/office/powerpoint/2010/main" val="3888408970"/>
-      </p:ext>
-    </p:extLst>
-  </p:cSld>
-  <p:clrMapOvr>
-    <a:masterClrMapping/>
-  </p:clrMapOvr>
-  <p:timing>
-    <p:tnLst>
-      <p:par>
-        <p:cTn xmlns:p14="http://schemas.microsoft.com/office/powerpoint/2010/main" id="1" dur="indefinite" restart="never" nodeType="tmRoot"/>
-      </p:par>
-    </p:tnLst>
-  </p:timing>
-</p:sld>
-</file>
-
 <file path=ppt/slides/slide48.xml><?xml version="1.0" encoding="utf-8"?>
 <p:sld xmlns:a="http://schemas.openxmlformats.org/drawingml/2006/main" xmlns:r="http://schemas.openxmlformats.org/officeDocument/2006/relationships" xmlns:p="http://schemas.openxmlformats.org/presentationml/2006/main">
   <p:cSld>
@@ -16726,10 +17645,9 @@
           <a:lstStyle/>
           <a:p>
             <a:r>
-              <a:rPr lang="en-US" dirty="0" smtClean="0"/>
-              <a:t>Searching on Binary Search Trees</a:t>
-            </a:r>
-            <a:endParaRPr lang="en-US" dirty="0"/>
+              <a:rPr lang="en-US" dirty="0"/>
+              <a:t>Insertion on a Binary Search Tree</a:t>
+            </a:r>
           </a:p>
         </p:txBody>
       </p:sp>
@@ -16749,8 +17667,8 @@
         </p:blipFill>
         <p:spPr>
           <a:xfrm>
-            <a:off x="31184" y="914400"/>
-            <a:ext cx="8940800" cy="4953000"/>
+            <a:off x="0" y="1055607"/>
+            <a:ext cx="9144000" cy="4964193"/>
           </a:xfrm>
           <a:prstGeom prst="rect">
             <a:avLst/>
@@ -16762,23 +17680,59 @@
           </a:ln>
         </p:spPr>
       </p:pic>
+      <p:sp>
+        <p:nvSpPr>
+          <p:cNvPr id="5" name="Speech Bubble: Rectangle with Corners Rounded 4"/>
+          <p:cNvSpPr/>
+          <p:nvPr/>
+        </p:nvSpPr>
+        <p:spPr>
+          <a:xfrm>
+            <a:off x="5867400" y="3537703"/>
+            <a:ext cx="2590800" cy="1295400"/>
+          </a:xfrm>
+          <a:prstGeom prst="wedgeRoundRectCallout">
+            <a:avLst/>
+          </a:prstGeom>
+        </p:spPr>
+        <p:style>
+          <a:lnRef idx="2">
+            <a:schemeClr val="accent1">
+              <a:shade val="50000"/>
+            </a:schemeClr>
+          </a:lnRef>
+          <a:fillRef idx="1">
+            <a:schemeClr val="accent1"/>
+          </a:fillRef>
+          <a:effectRef idx="0">
+            <a:schemeClr val="accent1"/>
+          </a:effectRef>
+          <a:fontRef idx="minor">
+            <a:schemeClr val="lt1"/>
+          </a:fontRef>
+        </p:style>
+        <p:txBody>
+          <a:bodyPr rtlCol="0" anchor="ctr"/>
+          <a:lstStyle/>
+          <a:p>
+            <a:pPr algn="ctr"/>
+            <a:r>
+              <a:rPr lang="en-US" sz="2400" dirty="0"/>
+              <a:t>Don't break the ordering property of the tree</a:t>
+            </a:r>
+          </a:p>
+        </p:txBody>
+      </p:sp>
     </p:spTree>
     <p:extLst>
       <p:ext uri="{BB962C8B-B14F-4D97-AF65-F5344CB8AC3E}">
-        <p14:creationId xmlns:p14="http://schemas.microsoft.com/office/powerpoint/2010/main" val="3964934635"/>
+        <p14:creationId xmlns:p14="http://schemas.microsoft.com/office/powerpoint/2010/main" val="3888408970"/>
       </p:ext>
     </p:extLst>
   </p:cSld>
   <p:clrMapOvr>
     <a:masterClrMapping/>
   </p:clrMapOvr>
-  <p:timing>
-    <p:tnLst>
-      <p:par>
-        <p:cTn xmlns:p14="http://schemas.microsoft.com/office/powerpoint/2010/main" id="1" dur="indefinite" restart="never" nodeType="tmRoot"/>
-      </p:par>
-    </p:tnLst>
-  </p:timing>
 </p:sld>
 </file>
 
@@ -16801,7 +17755,7 @@
       </p:grpSpPr>
       <p:sp>
         <p:nvSpPr>
-          <p:cNvPr id="4" name="Title 3"/>
+          <p:cNvPr id="2" name="Title 1"/>
           <p:cNvSpPr>
             <a:spLocks noGrp="1"/>
           </p:cNvSpPr>
@@ -16809,65 +17763,57 @@
             <p:ph type="title"/>
           </p:nvPr>
         </p:nvSpPr>
-        <p:spPr>
-          <a:xfrm>
-            <a:off x="722313" y="2514600"/>
-            <a:ext cx="7772400" cy="1362075"/>
-          </a:xfrm>
-        </p:spPr>
+        <p:spPr/>
         <p:txBody>
           <a:bodyPr/>
           <a:lstStyle/>
           <a:p>
-            <a:pPr algn="ctr"/>
-            <a:r>
-              <a:rPr lang="en-US" dirty="0" smtClean="0">
-                <a:solidFill>
-                  <a:srgbClr val="FF0000"/>
-                </a:solidFill>
-              </a:rPr>
-              <a:t>Finished day 1</a:t>
-            </a:r>
-            <a:br>
-              <a:rPr lang="en-US" dirty="0" smtClean="0">
-                <a:solidFill>
-                  <a:srgbClr val="FF0000"/>
-                </a:solidFill>
-              </a:rPr>
-            </a:br>
-            <a:r>
-              <a:rPr lang="en-US" dirty="0" err="1" smtClean="0">
-                <a:solidFill>
-                  <a:srgbClr val="FF0000"/>
-                </a:solidFill>
-              </a:rPr>
-              <a:t>treeS</a:t>
-            </a:r>
-            <a:endParaRPr lang="en-US" dirty="0">
-              <a:solidFill>
-                <a:srgbClr val="FF0000"/>
-              </a:solidFill>
-            </a:endParaRPr>
-          </a:p>
-        </p:txBody>
-      </p:sp>
+            <a:r>
+              <a:rPr lang="en-US" dirty="0"/>
+              <a:t>Searching on Binary Search Trees</a:t>
+            </a:r>
+          </a:p>
+        </p:txBody>
+      </p:sp>
+      <p:pic>
+        <p:nvPicPr>
+          <p:cNvPr id="4" name="Picture 3"/>
+          <p:cNvPicPr>
+            <a:picLocks noChangeAspect="1"/>
+          </p:cNvPicPr>
+          <p:nvPr/>
+        </p:nvPicPr>
+        <p:blipFill>
+          <a:blip r:embed="rId2"/>
+          <a:stretch>
+            <a:fillRect/>
+          </a:stretch>
+        </p:blipFill>
+        <p:spPr>
+          <a:xfrm>
+            <a:off x="31184" y="914400"/>
+            <a:ext cx="8940800" cy="4953000"/>
+          </a:xfrm>
+          <a:prstGeom prst="rect">
+            <a:avLst/>
+          </a:prstGeom>
+          <a:ln>
+            <a:solidFill>
+              <a:srgbClr val="C0504D"/>
+            </a:solidFill>
+          </a:ln>
+        </p:spPr>
+      </p:pic>
     </p:spTree>
     <p:extLst>
       <p:ext uri="{BB962C8B-B14F-4D97-AF65-F5344CB8AC3E}">
-        <p14:creationId xmlns:p14="http://schemas.microsoft.com/office/powerpoint/2010/main" val="1410526914"/>
+        <p14:creationId xmlns:p14="http://schemas.microsoft.com/office/powerpoint/2010/main" val="3964934635"/>
       </p:ext>
     </p:extLst>
   </p:cSld>
   <p:clrMapOvr>
     <a:masterClrMapping/>
   </p:clrMapOvr>
-  <p:timing>
-    <p:tnLst>
-      <p:par>
-        <p:cTn xmlns:p14="http://schemas.microsoft.com/office/powerpoint/2010/main" id="1" dur="indefinite" restart="never" nodeType="tmRoot"/>
-      </p:par>
-    </p:tnLst>
-  </p:timing>
 </p:sld>
 </file>
 
@@ -16904,10 +17850,9 @@
           <a:lstStyle/>
           <a:p>
             <a:r>
-              <a:rPr lang="en-US" dirty="0" smtClean="0"/>
-              <a:t>What is a tree?</a:t>
-            </a:r>
-            <a:endParaRPr lang="en-US" dirty="0"/>
+              <a:rPr lang="en-US" dirty="0"/>
+              <a:t>Exact (Formal) definition</a:t>
+            </a:r>
           </a:p>
         </p:txBody>
       </p:sp>
@@ -16921,83 +17866,70 @@
             <p:ph idx="1"/>
           </p:nvPr>
         </p:nvSpPr>
-        <p:spPr/>
+        <p:spPr>
+          <a:xfrm>
+            <a:off x="76200" y="1066800"/>
+            <a:ext cx="8915400" cy="1295400"/>
+          </a:xfrm>
+        </p:spPr>
         <p:txBody>
           <a:bodyPr>
-            <a:normAutofit lnSpcReduction="10000"/>
+            <a:normAutofit fontScale="92500" lnSpcReduction="20000"/>
           </a:bodyPr>
           <a:lstStyle/>
           <a:p>
             <a:r>
-              <a:rPr lang="en-US" dirty="0" smtClean="0"/>
-              <a:t>A tree is an abstract model of a hierarchical structure</a:t>
-            </a:r>
-          </a:p>
-          <a:p>
-            <a:r>
-              <a:rPr lang="en-US" dirty="0" smtClean="0"/>
-              <a:t>A tree consists of nodes with parent-child relation</a:t>
-            </a:r>
-          </a:p>
-          <a:p>
-            <a:r>
-              <a:rPr lang="en-US" dirty="0" smtClean="0"/>
-              <a:t>Inspiration: family trees</a:t>
-            </a:r>
-          </a:p>
-          <a:p>
-            <a:r>
-              <a:rPr lang="en-US" dirty="0" smtClean="0"/>
-              <a:t>Applications:</a:t>
-            </a:r>
-          </a:p>
-          <a:p>
-            <a:pPr lvl="1"/>
-            <a:r>
-              <a:rPr lang="en-US" dirty="0" smtClean="0"/>
-              <a:t>Organization charts</a:t>
-            </a:r>
-          </a:p>
-          <a:p>
-            <a:pPr lvl="1"/>
-            <a:r>
-              <a:rPr lang="en-US" dirty="0" smtClean="0"/>
-              <a:t>File systems</a:t>
-            </a:r>
-          </a:p>
-          <a:p>
-            <a:pPr lvl="1"/>
-            <a:r>
-              <a:rPr lang="en-US" dirty="0" smtClean="0"/>
-              <a:t>Programming environments</a:t>
-            </a:r>
-          </a:p>
-          <a:p>
-            <a:r>
-              <a:rPr lang="en-US" dirty="0" smtClean="0"/>
-              <a:t>Every node except one (a root) has a unique parent</a:t>
-            </a:r>
-            <a:endParaRPr lang="en-US" dirty="0"/>
-          </a:p>
-        </p:txBody>
-      </p:sp>
+              <a:rPr lang="en-US" dirty="0"/>
+              <a:t>Empty structure is an empty tree</a:t>
+            </a:r>
+          </a:p>
+          <a:p>
+            <a:r>
+              <a:rPr lang="en-US" dirty="0"/>
+              <a:t>Non-empty tree consists of a root and its children, where these children are also trees</a:t>
+            </a:r>
+          </a:p>
+        </p:txBody>
+      </p:sp>
+      <p:pic>
+        <p:nvPicPr>
+          <p:cNvPr id="4" name="Picture 3"/>
+          <p:cNvPicPr>
+            <a:picLocks noChangeAspect="1"/>
+          </p:cNvPicPr>
+          <p:nvPr/>
+        </p:nvPicPr>
+        <p:blipFill>
+          <a:blip r:embed="rId2"/>
+          <a:stretch>
+            <a:fillRect/>
+          </a:stretch>
+        </p:blipFill>
+        <p:spPr>
+          <a:xfrm>
+            <a:off x="533400" y="2438399"/>
+            <a:ext cx="8001000" cy="3707027"/>
+          </a:xfrm>
+          <a:prstGeom prst="rect">
+            <a:avLst/>
+          </a:prstGeom>
+          <a:ln>
+            <a:solidFill>
+              <a:srgbClr val="C0504D"/>
+            </a:solidFill>
+          </a:ln>
+        </p:spPr>
+      </p:pic>
     </p:spTree>
     <p:extLst>
       <p:ext uri="{BB962C8B-B14F-4D97-AF65-F5344CB8AC3E}">
-        <p14:creationId xmlns:p14="http://schemas.microsoft.com/office/powerpoint/2010/main" val="3373586969"/>
+        <p14:creationId xmlns:p14="http://schemas.microsoft.com/office/powerpoint/2010/main" val="3524541105"/>
       </p:ext>
     </p:extLst>
   </p:cSld>
   <p:clrMapOvr>
     <a:masterClrMapping/>
   </p:clrMapOvr>
-  <p:timing>
-    <p:tnLst>
-      <p:par>
-        <p:cTn xmlns:p14="http://schemas.microsoft.com/office/powerpoint/2010/main" id="1" dur="indefinite" restart="never" nodeType="tmRoot"/>
-      </p:par>
-    </p:tnLst>
-  </p:timing>
 </p:sld>
 </file>
 
@@ -17034,46 +17966,9 @@
           <a:lstStyle/>
           <a:p>
             <a:r>
-              <a:rPr lang="en-US" dirty="0" smtClean="0"/>
-              <a:t>Exact (Formal) definition</a:t>
-            </a:r>
-            <a:endParaRPr lang="en-US" dirty="0"/>
-          </a:p>
-        </p:txBody>
-      </p:sp>
-      <p:sp>
-        <p:nvSpPr>
-          <p:cNvPr id="3" name="Content Placeholder 2"/>
-          <p:cNvSpPr>
-            <a:spLocks noGrp="1"/>
-          </p:cNvSpPr>
-          <p:nvPr>
-            <p:ph idx="1"/>
-          </p:nvPr>
-        </p:nvSpPr>
-        <p:spPr>
-          <a:xfrm>
-            <a:off x="76200" y="1066800"/>
-            <a:ext cx="8915400" cy="1295400"/>
-          </a:xfrm>
-        </p:spPr>
-        <p:txBody>
-          <a:bodyPr>
-            <a:normAutofit fontScale="92500" lnSpcReduction="20000"/>
-          </a:bodyPr>
-          <a:lstStyle/>
-          <a:p>
-            <a:r>
-              <a:rPr lang="en-US" dirty="0" smtClean="0"/>
-              <a:t>Empty structure is an empty tree</a:t>
-            </a:r>
-          </a:p>
-          <a:p>
-            <a:r>
-              <a:rPr lang="en-US" dirty="0" smtClean="0"/>
-              <a:t>Non-empty tree consists of a root and its children, where these children are also trees</a:t>
-            </a:r>
-            <a:endParaRPr lang="en-US" dirty="0"/>
+              <a:rPr lang="en-US" dirty="0"/>
+              <a:t>Given a tree</a:t>
+            </a:r>
           </a:p>
         </p:txBody>
       </p:sp>
@@ -17093,8 +17988,8 @@
         </p:blipFill>
         <p:spPr>
           <a:xfrm>
-            <a:off x="533400" y="2438399"/>
-            <a:ext cx="8001000" cy="3707027"/>
+            <a:off x="304800" y="990600"/>
+            <a:ext cx="8382000" cy="5069356"/>
           </a:xfrm>
           <a:prstGeom prst="rect">
             <a:avLst/>
@@ -17109,20 +18004,13 @@
     </p:spTree>
     <p:extLst>
       <p:ext uri="{BB962C8B-B14F-4D97-AF65-F5344CB8AC3E}">
-        <p14:creationId xmlns:p14="http://schemas.microsoft.com/office/powerpoint/2010/main" val="3524541105"/>
+        <p14:creationId xmlns:p14="http://schemas.microsoft.com/office/powerpoint/2010/main" val="3860897195"/>
       </p:ext>
     </p:extLst>
   </p:cSld>
   <p:clrMapOvr>
     <a:masterClrMapping/>
   </p:clrMapOvr>
-  <p:timing>
-    <p:tnLst>
-      <p:par>
-        <p:cTn xmlns:p14="http://schemas.microsoft.com/office/powerpoint/2010/main" id="1" dur="indefinite" restart="never" nodeType="tmRoot"/>
-      </p:par>
-    </p:tnLst>
-  </p:timing>
 </p:sld>
 </file>
 
@@ -17159,59 +18047,56 @@
           <a:lstStyle/>
           <a:p>
             <a:r>
-              <a:rPr lang="en-US" dirty="0" smtClean="0"/>
-              <a:t>Given a tree</a:t>
-            </a:r>
-            <a:endParaRPr lang="en-US" dirty="0"/>
-          </a:p>
-        </p:txBody>
-      </p:sp>
-      <p:pic>
-        <p:nvPicPr>
-          <p:cNvPr id="4" name="Picture 3"/>
-          <p:cNvPicPr>
-            <a:picLocks noChangeAspect="1"/>
-          </p:cNvPicPr>
-          <p:nvPr/>
-        </p:nvPicPr>
-        <p:blipFill>
-          <a:blip r:embed="rId2"/>
-          <a:stretch>
-            <a:fillRect/>
-          </a:stretch>
-        </p:blipFill>
-        <p:spPr>
-          <a:xfrm>
-            <a:off x="304800" y="990600"/>
-            <a:ext cx="8382000" cy="5069356"/>
-          </a:xfrm>
-          <a:prstGeom prst="rect">
-            <a:avLst/>
-          </a:prstGeom>
-          <a:ln>
-            <a:solidFill>
-              <a:srgbClr val="C0504D"/>
-            </a:solidFill>
-          </a:ln>
-        </p:spPr>
-      </p:pic>
+              <a:rPr lang="en-US" dirty="0"/>
+              <a:t>Henry: tree serialization</a:t>
+            </a:r>
+          </a:p>
+        </p:txBody>
+      </p:sp>
+      <p:sp>
+        <p:nvSpPr>
+          <p:cNvPr id="3" name="Content Placeholder 2"/>
+          <p:cNvSpPr>
+            <a:spLocks noGrp="1"/>
+          </p:cNvSpPr>
+          <p:nvPr>
+            <p:ph idx="1"/>
+          </p:nvPr>
+        </p:nvSpPr>
+        <p:spPr/>
+        <p:txBody>
+          <a:bodyPr/>
+          <a:lstStyle/>
+          <a:p>
+            <a:r>
+              <a:rPr lang="en-US" dirty="0"/>
+              <a:t>A tree from a table (reading, loading)</a:t>
+            </a:r>
+          </a:p>
+          <a:p>
+            <a:r>
+              <a:rPr lang="en-US" dirty="0"/>
+              <a:t>A tree into a table (serializing, saving)</a:t>
+            </a:r>
+          </a:p>
+          <a:p>
+            <a:r>
+              <a:rPr lang="en-US" dirty="0"/>
+              <a:t>A tree with indentation(dash/tab)</a:t>
+            </a:r>
+          </a:p>
+        </p:txBody>
+      </p:sp>
     </p:spTree>
     <p:extLst>
       <p:ext uri="{BB962C8B-B14F-4D97-AF65-F5344CB8AC3E}">
-        <p14:creationId xmlns:p14="http://schemas.microsoft.com/office/powerpoint/2010/main" val="3860897195"/>
+        <p14:creationId xmlns:p14="http://schemas.microsoft.com/office/powerpoint/2010/main" val="1175502789"/>
       </p:ext>
     </p:extLst>
   </p:cSld>
   <p:clrMapOvr>
     <a:masterClrMapping/>
   </p:clrMapOvr>
-  <p:timing>
-    <p:tnLst>
-      <p:par>
-        <p:cTn xmlns:p14="http://schemas.microsoft.com/office/powerpoint/2010/main" id="1" dur="indefinite" restart="never" nodeType="tmRoot"/>
-      </p:par>
-    </p:tnLst>
-  </p:timing>
 </p:sld>
 </file>
 
@@ -17248,10 +18133,9 @@
           <a:lstStyle/>
           <a:p>
             <a:r>
-              <a:rPr lang="en-US" dirty="0" smtClean="0"/>
+              <a:rPr lang="en-US" dirty="0"/>
               <a:t>Tree Terminologies</a:t>
             </a:r>
-            <a:endParaRPr lang="en-US" dirty="0"/>
           </a:p>
         </p:txBody>
       </p:sp>
@@ -17273,145 +18157,145 @@
           <a:lstStyle/>
           <a:p>
             <a:r>
-              <a:rPr lang="en-US" b="1" dirty="0" smtClean="0"/>
+              <a:rPr lang="en-US" b="1" dirty="0"/>
               <a:t>Root</a:t>
             </a:r>
             <a:r>
-              <a:rPr lang="en-US" dirty="0" smtClean="0"/>
+              <a:rPr lang="en-US" dirty="0"/>
               <a:t>: unique node without a parent</a:t>
             </a:r>
           </a:p>
           <a:p>
             <a:r>
-              <a:rPr lang="en-US" b="1" dirty="0" smtClean="0"/>
+              <a:rPr lang="en-US" b="1" dirty="0"/>
               <a:t>Internal node</a:t>
             </a:r>
             <a:r>
-              <a:rPr lang="en-US" dirty="0" smtClean="0"/>
+              <a:rPr lang="en-US" dirty="0"/>
               <a:t>: node with at least one child (A, B, C, F)</a:t>
             </a:r>
           </a:p>
           <a:p>
             <a:r>
-              <a:rPr lang="en-US" b="1" dirty="0" smtClean="0"/>
+              <a:rPr lang="en-US" b="1" dirty="0"/>
               <a:t>Leaf</a:t>
             </a:r>
             <a:r>
-              <a:rPr lang="en-US" dirty="0" smtClean="0"/>
+              <a:rPr lang="en-US" dirty="0"/>
               <a:t>: node without children (E, I, J, K, G, H, D)</a:t>
             </a:r>
           </a:p>
           <a:p>
             <a:r>
-              <a:rPr lang="en-US" b="1" dirty="0" smtClean="0"/>
+              <a:rPr lang="en-US" b="1" dirty="0"/>
               <a:t>Ancestors</a:t>
             </a:r>
             <a:r>
-              <a:rPr lang="en-US" dirty="0" smtClean="0"/>
+              <a:rPr lang="en-US" dirty="0"/>
               <a:t>: parent, grandparent, great-grand-parent, …</a:t>
             </a:r>
           </a:p>
           <a:p>
             <a:r>
-              <a:rPr lang="en-US" b="1" dirty="0" smtClean="0"/>
+              <a:rPr lang="en-US" b="1" dirty="0"/>
               <a:t>Descendants</a:t>
             </a:r>
             <a:r>
-              <a:rPr lang="en-US" dirty="0" smtClean="0"/>
+              <a:rPr lang="en-US" dirty="0"/>
               <a:t>: child, grandchild, great-grandchild, etc.</a:t>
             </a:r>
           </a:p>
           <a:p>
             <a:r>
-              <a:rPr lang="en-US" b="1" dirty="0" smtClean="0"/>
+              <a:rPr lang="en-US" b="1" dirty="0"/>
               <a:t>Level</a:t>
             </a:r>
             <a:r>
-              <a:rPr lang="en-US" dirty="0" smtClean="0"/>
+              <a:rPr lang="en-US" dirty="0"/>
               <a:t>: a root is at level 1 (sometimes 0).</a:t>
             </a:r>
           </a:p>
           <a:p>
             <a:pPr lvl="1"/>
             <a:r>
-              <a:rPr lang="en-US" dirty="0" smtClean="0"/>
+              <a:rPr lang="en-US" dirty="0"/>
               <a:t>A father is level </a:t>
             </a:r>
             <a:r>
-              <a:rPr lang="en-US" i="1" dirty="0" err="1" smtClean="0">
+              <a:rPr lang="en-US" i="1" dirty="0" err="1">
                 <a:latin typeface="Courier"/>
                 <a:cs typeface="Courier"/>
               </a:rPr>
               <a:t>i</a:t>
             </a:r>
             <a:r>
-              <a:rPr lang="en-US" dirty="0" smtClean="0"/>
+              <a:rPr lang="en-US" dirty="0"/>
               <a:t> then its children are at level </a:t>
             </a:r>
             <a:r>
-              <a:rPr lang="en-US" i="1" dirty="0" smtClean="0"/>
+              <a:rPr lang="en-US" i="1" dirty="0"/>
               <a:t>i+1</a:t>
             </a:r>
           </a:p>
           <a:p>
             <a:r>
-              <a:rPr lang="en-US" b="1" dirty="0" smtClean="0"/>
+              <a:rPr lang="en-US" b="1" dirty="0"/>
               <a:t>Height</a:t>
             </a:r>
             <a:r>
-              <a:rPr lang="en-US" dirty="0" smtClean="0"/>
+              <a:rPr lang="en-US" dirty="0"/>
               <a:t>: maximum level in a tree </a:t>
             </a:r>
           </a:p>
           <a:p>
             <a:pPr lvl="1"/>
             <a:r>
-              <a:rPr lang="en-US" dirty="0" smtClean="0"/>
+              <a:rPr lang="en-US" dirty="0"/>
               <a:t>Empty tree is a legitimate tree of height 0 (by definition)</a:t>
             </a:r>
           </a:p>
           <a:p>
             <a:pPr lvl="1"/>
             <a:r>
-              <a:rPr lang="en-US" dirty="0" smtClean="0"/>
+              <a:rPr lang="en-US" dirty="0"/>
               <a:t>A single node is a tree of height 1</a:t>
             </a:r>
           </a:p>
           <a:p>
             <a:r>
-              <a:rPr lang="en-US" b="1" dirty="0" smtClean="0"/>
+              <a:rPr lang="en-US" b="1" dirty="0"/>
               <a:t>Degree (order)</a:t>
             </a:r>
             <a:r>
-              <a:rPr lang="en-US" dirty="0" smtClean="0"/>
+              <a:rPr lang="en-US" dirty="0"/>
               <a:t>: number of its children</a:t>
             </a:r>
           </a:p>
           <a:p>
             <a:r>
-              <a:rPr lang="en-US" dirty="0" smtClean="0"/>
+              <a:rPr lang="en-US" dirty="0"/>
               <a:t>Each node has to be reachable from the root through a unique sequence of arcs, called </a:t>
             </a:r>
             <a:r>
-              <a:rPr lang="en-US" b="1" dirty="0" smtClean="0"/>
+              <a:rPr lang="en-US" b="1" dirty="0"/>
               <a:t>path</a:t>
             </a:r>
             <a:r>
-              <a:rPr lang="en-US" dirty="0" smtClean="0"/>
+              <a:rPr lang="en-US" dirty="0"/>
               <a:t>.</a:t>
             </a:r>
           </a:p>
           <a:p>
             <a:r>
-              <a:rPr lang="en-US" dirty="0" smtClean="0"/>
+              <a:rPr lang="en-US" dirty="0"/>
               <a:t>The number of arcs in a path is called the </a:t>
             </a:r>
             <a:r>
-              <a:rPr lang="en-US" b="1" dirty="0" smtClean="0"/>
+              <a:rPr lang="en-US" b="1" dirty="0"/>
               <a:t>length of the path</a:t>
             </a:r>
             <a:r>
-              <a:rPr lang="en-US" dirty="0" smtClean="0"/>
+              <a:rPr lang="en-US" dirty="0"/>
               <a:t>.</a:t>
             </a:r>
           </a:p>
@@ -17427,13 +18311,6 @@
   <p:clrMapOvr>
     <a:masterClrMapping/>
   </p:clrMapOvr>
-  <p:timing>
-    <p:tnLst>
-      <p:par>
-        <p:cTn xmlns:p14="http://schemas.microsoft.com/office/powerpoint/2010/main" id="1" dur="indefinite" restart="never" nodeType="tmRoot"/>
-      </p:par>
-    </p:tnLst>
-  </p:timing>
 </p:sld>
 </file>
 
@@ -17470,10 +18347,9 @@
           <a:lstStyle/>
           <a:p>
             <a:r>
-              <a:rPr lang="en-US" dirty="0" smtClean="0"/>
+              <a:rPr lang="en-US" dirty="0"/>
               <a:t>Tree examples</a:t>
             </a:r>
-            <a:endParaRPr lang="en-US" dirty="0"/>
           </a:p>
         </p:txBody>
       </p:sp>
@@ -17516,13 +18392,6 @@
   <p:clrMapOvr>
     <a:masterClrMapping/>
   </p:clrMapOvr>
-  <p:timing>
-    <p:tnLst>
-      <p:par>
-        <p:cTn xmlns:p14="http://schemas.microsoft.com/office/powerpoint/2010/main" id="1" dur="indefinite" restart="never" nodeType="tmRoot"/>
-      </p:par>
-    </p:tnLst>
-  </p:timing>
 </p:sld>
 </file>
 

--- a/dsa2017-java-online/handouts/data-day05/Lecture 06 - Chapter 06 - Binary Trees - Day 1.pptx
+++ b/dsa2017-java-online/handouts/data-day05/Lecture 06 - Chapter 06 - Binary Trees - Day 1.pptx
@@ -5,7 +5,7 @@
     <p:sldMasterId id="2147483648" r:id="rId1"/>
   </p:sldMasterIdLst>
   <p:notesMasterIdLst>
-    <p:notesMasterId r:id="rId51"/>
+    <p:notesMasterId r:id="rId54"/>
   </p:notesMasterIdLst>
   <p:sldIdLst>
     <p:sldId id="256" r:id="rId2"/>
@@ -16,47 +16,50 @@
     <p:sldId id="263" r:id="rId7"/>
     <p:sldId id="329" r:id="rId8"/>
     <p:sldId id="262" r:id="rId9"/>
-    <p:sldId id="264" r:id="rId10"/>
-    <p:sldId id="265" r:id="rId11"/>
-    <p:sldId id="267" r:id="rId12"/>
-    <p:sldId id="269" r:id="rId13"/>
-    <p:sldId id="268" r:id="rId14"/>
-    <p:sldId id="272" r:id="rId15"/>
-    <p:sldId id="273" r:id="rId16"/>
-    <p:sldId id="274" r:id="rId17"/>
-    <p:sldId id="328" r:id="rId18"/>
-    <p:sldId id="275" r:id="rId19"/>
-    <p:sldId id="276" r:id="rId20"/>
-    <p:sldId id="277" r:id="rId21"/>
-    <p:sldId id="278" r:id="rId22"/>
-    <p:sldId id="279" r:id="rId23"/>
-    <p:sldId id="280" r:id="rId24"/>
-    <p:sldId id="281" r:id="rId25"/>
-    <p:sldId id="293" r:id="rId26"/>
-    <p:sldId id="294" r:id="rId27"/>
-    <p:sldId id="295" r:id="rId28"/>
-    <p:sldId id="283" r:id="rId29"/>
-    <p:sldId id="320" r:id="rId30"/>
-    <p:sldId id="322" r:id="rId31"/>
-    <p:sldId id="323" r:id="rId32"/>
-    <p:sldId id="324" r:id="rId33"/>
-    <p:sldId id="325" r:id="rId34"/>
-    <p:sldId id="326" r:id="rId35"/>
-    <p:sldId id="282" r:id="rId36"/>
-    <p:sldId id="327" r:id="rId37"/>
-    <p:sldId id="284" r:id="rId38"/>
-    <p:sldId id="285" r:id="rId39"/>
-    <p:sldId id="286" r:id="rId40"/>
-    <p:sldId id="287" r:id="rId41"/>
-    <p:sldId id="288" r:id="rId42"/>
-    <p:sldId id="289" r:id="rId43"/>
-    <p:sldId id="330" r:id="rId44"/>
-    <p:sldId id="290" r:id="rId45"/>
-    <p:sldId id="291" r:id="rId46"/>
-    <p:sldId id="331" r:id="rId47"/>
-    <p:sldId id="297" r:id="rId48"/>
-    <p:sldId id="298" r:id="rId49"/>
-    <p:sldId id="296" r:id="rId50"/>
+    <p:sldId id="332" r:id="rId10"/>
+    <p:sldId id="333" r:id="rId11"/>
+    <p:sldId id="264" r:id="rId12"/>
+    <p:sldId id="265" r:id="rId13"/>
+    <p:sldId id="267" r:id="rId14"/>
+    <p:sldId id="269" r:id="rId15"/>
+    <p:sldId id="268" r:id="rId16"/>
+    <p:sldId id="272" r:id="rId17"/>
+    <p:sldId id="273" r:id="rId18"/>
+    <p:sldId id="274" r:id="rId19"/>
+    <p:sldId id="334" r:id="rId20"/>
+    <p:sldId id="328" r:id="rId21"/>
+    <p:sldId id="275" r:id="rId22"/>
+    <p:sldId id="276" r:id="rId23"/>
+    <p:sldId id="277" r:id="rId24"/>
+    <p:sldId id="278" r:id="rId25"/>
+    <p:sldId id="279" r:id="rId26"/>
+    <p:sldId id="280" r:id="rId27"/>
+    <p:sldId id="281" r:id="rId28"/>
+    <p:sldId id="293" r:id="rId29"/>
+    <p:sldId id="294" r:id="rId30"/>
+    <p:sldId id="295" r:id="rId31"/>
+    <p:sldId id="283" r:id="rId32"/>
+    <p:sldId id="320" r:id="rId33"/>
+    <p:sldId id="322" r:id="rId34"/>
+    <p:sldId id="323" r:id="rId35"/>
+    <p:sldId id="324" r:id="rId36"/>
+    <p:sldId id="325" r:id="rId37"/>
+    <p:sldId id="326" r:id="rId38"/>
+    <p:sldId id="282" r:id="rId39"/>
+    <p:sldId id="327" r:id="rId40"/>
+    <p:sldId id="284" r:id="rId41"/>
+    <p:sldId id="285" r:id="rId42"/>
+    <p:sldId id="286" r:id="rId43"/>
+    <p:sldId id="287" r:id="rId44"/>
+    <p:sldId id="288" r:id="rId45"/>
+    <p:sldId id="289" r:id="rId46"/>
+    <p:sldId id="290" r:id="rId47"/>
+    <p:sldId id="331" r:id="rId48"/>
+    <p:sldId id="291" r:id="rId49"/>
+    <p:sldId id="297" r:id="rId50"/>
+    <p:sldId id="298" r:id="rId51"/>
+    <p:sldId id="296" r:id="rId52"/>
+    <p:sldId id="330" r:id="rId53"/>
   </p:sldIdLst>
   <p:sldSz cx="9144000" cy="6858000" type="screen4x3"/>
   <p:notesSz cx="6858000" cy="9144000"/>
@@ -290,7 +293,7 @@
           <a:p>
             <a:fld id="{2DEF8982-5481-5E4F-8BCA-E7C51D917E2E}" type="datetimeFigureOut">
               <a:rPr lang="en-US" smtClean="0"/>
-              <a:t>20-May-17</a:t>
+              <a:t>21-May-17</a:t>
             </a:fld>
             <a:endParaRPr lang="en-US"/>
           </a:p>
@@ -724,7 +727,7 @@
           <a:p>
             <a:fld id="{0F700D64-C8A8-F44C-A3D6-898140BB9211}" type="slidenum">
               <a:rPr lang="en-US" smtClean="0"/>
-              <a:t>19</a:t>
+              <a:t>22</a:t>
             </a:fld>
             <a:endParaRPr lang="en-US"/>
           </a:p>
@@ -4121,14 +4124,14 @@
           <a:noFill/>
           <a:extLst>
             <a:ext uri="{909E8E84-426E-40dd-AFC4-6F175D3DCCD1}">
-              <a14:hiddenFill xmlns="" xmlns:a14="http://schemas.microsoft.com/office/drawing/2010/main">
+              <a14:hiddenFill xmlns:a14="http://schemas.microsoft.com/office/drawing/2010/main" xmlns="">
                 <a:solidFill>
                   <a:srgbClr val="FFFFFF"/>
                 </a:solidFill>
               </a14:hiddenFill>
             </a:ext>
             <a:ext uri="{91240B29-F687-4f45-9708-019B960494DF}">
-              <a14:hiddenLine xmlns="" xmlns:a14="http://schemas.microsoft.com/office/drawing/2010/main" w="9525">
+              <a14:hiddenLine xmlns:a14="http://schemas.microsoft.com/office/drawing/2010/main" xmlns="" w="9525">
                 <a:solidFill>
                   <a:srgbClr val="000000"/>
                 </a:solidFill>
@@ -4138,7 +4141,7 @@
               </a14:hiddenLine>
             </a:ext>
             <a:ext uri="{FAA26D3D-D897-4be2-8F04-BA451C77F1D7}">
-              <ma14:placeholderFlag xmlns="" xmlns:ma14="http://schemas.microsoft.com/office/mac/drawingml/2011/main" val="1"/>
+              <ma14:placeholderFlag xmlns:ma14="http://schemas.microsoft.com/office/mac/drawingml/2011/main" xmlns="" val="1"/>
             </a:ext>
           </a:extLst>
         </p:spPr>
@@ -4220,65 +4223,1807 @@
       </p:grpSpPr>
       <p:sp>
         <p:nvSpPr>
-          <p:cNvPr id="2" name="Title 1"/>
-          <p:cNvSpPr>
-            <a:spLocks noGrp="1"/>
-          </p:cNvSpPr>
-          <p:nvPr>
-            <p:ph type="title"/>
-          </p:nvPr>
-        </p:nvSpPr>
-        <p:spPr/>
-        <p:txBody>
-          <a:bodyPr/>
+          <p:cNvPr id="4" name="Rectangle 3"/>
+          <p:cNvSpPr/>
+          <p:nvPr/>
+        </p:nvSpPr>
+        <p:spPr>
+          <a:xfrm>
+            <a:off x="2591132" y="838200"/>
+            <a:ext cx="838200" cy="533400"/>
+          </a:xfrm>
+          <a:prstGeom prst="rect">
+            <a:avLst/>
+          </a:prstGeom>
+        </p:spPr>
+        <p:style>
+          <a:lnRef idx="2">
+            <a:schemeClr val="accent1">
+              <a:shade val="50000"/>
+            </a:schemeClr>
+          </a:lnRef>
+          <a:fillRef idx="1">
+            <a:schemeClr val="accent1"/>
+          </a:fillRef>
+          <a:effectRef idx="0">
+            <a:schemeClr val="accent1"/>
+          </a:effectRef>
+          <a:fontRef idx="minor">
+            <a:schemeClr val="lt1"/>
+          </a:fontRef>
+        </p:style>
+        <p:txBody>
+          <a:bodyPr rtlCol="0" anchor="ctr"/>
           <a:lstStyle/>
           <a:p>
-            <a:r>
-              <a:rPr lang="en-US" dirty="0"/>
-              <a:t>Tree examples</a:t>
-            </a:r>
-          </a:p>
-        </p:txBody>
-      </p:sp>
-      <p:pic>
-        <p:nvPicPr>
-          <p:cNvPr id="4" name="Picture 3"/>
-          <p:cNvPicPr>
-            <a:picLocks noChangeAspect="1"/>
-          </p:cNvPicPr>
+            <a:pPr algn="ctr"/>
+            <a:r>
+              <a:rPr lang="en-US" dirty="0"/>
+              <a:t>head</a:t>
+            </a:r>
+          </a:p>
+        </p:txBody>
+      </p:sp>
+      <p:sp>
+        <p:nvSpPr>
+          <p:cNvPr id="5" name="Rectangle 4"/>
+          <p:cNvSpPr/>
           <p:nvPr/>
-        </p:nvPicPr>
-        <p:blipFill>
-          <a:blip r:embed="rId2"/>
-          <a:stretch>
-            <a:fillRect/>
-          </a:stretch>
-        </p:blipFill>
+        </p:nvSpPr>
         <p:spPr>
           <a:xfrm>
-            <a:off x="228600" y="914400"/>
-            <a:ext cx="8710298" cy="4876800"/>
+            <a:off x="4114800" y="838200"/>
+            <a:ext cx="838200" cy="533400"/>
           </a:xfrm>
           <a:prstGeom prst="rect">
             <a:avLst/>
           </a:prstGeom>
+        </p:spPr>
+        <p:style>
+          <a:lnRef idx="2">
+            <a:schemeClr val="accent1">
+              <a:shade val="50000"/>
+            </a:schemeClr>
+          </a:lnRef>
+          <a:fillRef idx="1">
+            <a:schemeClr val="accent1"/>
+          </a:fillRef>
+          <a:effectRef idx="0">
+            <a:schemeClr val="accent1"/>
+          </a:effectRef>
+          <a:fontRef idx="minor">
+            <a:schemeClr val="lt1"/>
+          </a:fontRef>
+        </p:style>
+        <p:txBody>
+          <a:bodyPr rtlCol="0" anchor="ctr"/>
+          <a:lstStyle/>
+          <a:p>
+            <a:pPr algn="ctr"/>
+            <a:r>
+              <a:rPr lang="en-US" dirty="0"/>
+              <a:t>mid</a:t>
+            </a:r>
+          </a:p>
+        </p:txBody>
+      </p:sp>
+      <p:sp>
+        <p:nvSpPr>
+          <p:cNvPr id="6" name="Rectangle 5"/>
+          <p:cNvSpPr/>
+          <p:nvPr/>
+        </p:nvSpPr>
+        <p:spPr>
+          <a:xfrm>
+            <a:off x="5638800" y="838200"/>
+            <a:ext cx="838200" cy="533400"/>
+          </a:xfrm>
+          <a:prstGeom prst="rect">
+            <a:avLst/>
+          </a:prstGeom>
+        </p:spPr>
+        <p:style>
+          <a:lnRef idx="2">
+            <a:schemeClr val="accent1">
+              <a:shade val="50000"/>
+            </a:schemeClr>
+          </a:lnRef>
+          <a:fillRef idx="1">
+            <a:schemeClr val="accent1"/>
+          </a:fillRef>
+          <a:effectRef idx="0">
+            <a:schemeClr val="accent1"/>
+          </a:effectRef>
+          <a:fontRef idx="minor">
+            <a:schemeClr val="lt1"/>
+          </a:fontRef>
+        </p:style>
+        <p:txBody>
+          <a:bodyPr rtlCol="0" anchor="ctr"/>
+          <a:lstStyle/>
+          <a:p>
+            <a:pPr algn="ctr"/>
+            <a:r>
+              <a:rPr lang="en-US" dirty="0"/>
+              <a:t>tail</a:t>
+            </a:r>
+          </a:p>
+        </p:txBody>
+      </p:sp>
+      <p:cxnSp>
+        <p:nvCxnSpPr>
+          <p:cNvPr id="7" name="Straight Arrow Connector 6"/>
+          <p:cNvCxnSpPr/>
+          <p:nvPr/>
+        </p:nvCxnSpPr>
+        <p:spPr>
+          <a:xfrm>
+            <a:off x="3581732" y="1104900"/>
+            <a:ext cx="457200" cy="0"/>
+          </a:xfrm>
+          <a:prstGeom prst="straightConnector1">
+            <a:avLst/>
+          </a:prstGeom>
           <a:ln>
-            <a:solidFill>
-              <a:srgbClr val="C0504D"/>
-            </a:solidFill>
+            <a:tailEnd type="triangle"/>
           </a:ln>
         </p:spPr>
-      </p:pic>
+        <p:style>
+          <a:lnRef idx="1">
+            <a:schemeClr val="accent1"/>
+          </a:lnRef>
+          <a:fillRef idx="0">
+            <a:schemeClr val="accent1"/>
+          </a:fillRef>
+          <a:effectRef idx="0">
+            <a:schemeClr val="accent1"/>
+          </a:effectRef>
+          <a:fontRef idx="minor">
+            <a:schemeClr val="tx1"/>
+          </a:fontRef>
+        </p:style>
+      </p:cxnSp>
+      <p:cxnSp>
+        <p:nvCxnSpPr>
+          <p:cNvPr id="8" name="Straight Arrow Connector 7"/>
+          <p:cNvCxnSpPr/>
+          <p:nvPr/>
+        </p:nvCxnSpPr>
+        <p:spPr>
+          <a:xfrm>
+            <a:off x="5035497" y="1104900"/>
+            <a:ext cx="457200" cy="0"/>
+          </a:xfrm>
+          <a:prstGeom prst="straightConnector1">
+            <a:avLst/>
+          </a:prstGeom>
+          <a:ln>
+            <a:tailEnd type="triangle"/>
+          </a:ln>
+        </p:spPr>
+        <p:style>
+          <a:lnRef idx="1">
+            <a:schemeClr val="accent1"/>
+          </a:lnRef>
+          <a:fillRef idx="0">
+            <a:schemeClr val="accent1"/>
+          </a:fillRef>
+          <a:effectRef idx="0">
+            <a:schemeClr val="accent1"/>
+          </a:effectRef>
+          <a:fontRef idx="minor">
+            <a:schemeClr val="tx1"/>
+          </a:fontRef>
+        </p:style>
+      </p:cxnSp>
+      <p:cxnSp>
+        <p:nvCxnSpPr>
+          <p:cNvPr id="9" name="Straight Arrow Connector 8"/>
+          <p:cNvCxnSpPr/>
+          <p:nvPr/>
+        </p:nvCxnSpPr>
+        <p:spPr>
+          <a:xfrm flipH="1">
+            <a:off x="4800932" y="1752600"/>
+            <a:ext cx="723569" cy="0"/>
+          </a:xfrm>
+          <a:prstGeom prst="straightConnector1">
+            <a:avLst/>
+          </a:prstGeom>
+          <a:ln>
+            <a:tailEnd type="triangle"/>
+          </a:ln>
+        </p:spPr>
+        <p:style>
+          <a:lnRef idx="1">
+            <a:schemeClr val="accent1"/>
+          </a:lnRef>
+          <a:fillRef idx="0">
+            <a:schemeClr val="accent1"/>
+          </a:fillRef>
+          <a:effectRef idx="0">
+            <a:schemeClr val="accent1"/>
+          </a:effectRef>
+          <a:fontRef idx="minor">
+            <a:schemeClr val="tx1"/>
+          </a:fontRef>
+        </p:style>
+      </p:cxnSp>
+      <p:cxnSp>
+        <p:nvCxnSpPr>
+          <p:cNvPr id="10" name="Straight Arrow Connector 9"/>
+          <p:cNvCxnSpPr/>
+          <p:nvPr/>
+        </p:nvCxnSpPr>
+        <p:spPr>
+          <a:xfrm flipH="1">
+            <a:off x="3429332" y="1752600"/>
+            <a:ext cx="723569" cy="0"/>
+          </a:xfrm>
+          <a:prstGeom prst="straightConnector1">
+            <a:avLst/>
+          </a:prstGeom>
+          <a:ln>
+            <a:tailEnd type="triangle"/>
+          </a:ln>
+        </p:spPr>
+        <p:style>
+          <a:lnRef idx="1">
+            <a:schemeClr val="accent1"/>
+          </a:lnRef>
+          <a:fillRef idx="0">
+            <a:schemeClr val="accent1"/>
+          </a:fillRef>
+          <a:effectRef idx="0">
+            <a:schemeClr val="accent1"/>
+          </a:effectRef>
+          <a:fontRef idx="minor">
+            <a:schemeClr val="tx1"/>
+          </a:fontRef>
+        </p:style>
+      </p:cxnSp>
+      <p:cxnSp>
+        <p:nvCxnSpPr>
+          <p:cNvPr id="11" name="Straight Arrow Connector 10"/>
+          <p:cNvCxnSpPr/>
+          <p:nvPr/>
+        </p:nvCxnSpPr>
+        <p:spPr>
+          <a:xfrm flipH="1">
+            <a:off x="2057732" y="1749287"/>
+            <a:ext cx="723569" cy="0"/>
+          </a:xfrm>
+          <a:prstGeom prst="straightConnector1">
+            <a:avLst/>
+          </a:prstGeom>
+          <a:ln>
+            <a:tailEnd type="triangle"/>
+          </a:ln>
+        </p:spPr>
+        <p:style>
+          <a:lnRef idx="1">
+            <a:schemeClr val="accent1"/>
+          </a:lnRef>
+          <a:fillRef idx="0">
+            <a:schemeClr val="accent1"/>
+          </a:fillRef>
+          <a:effectRef idx="0">
+            <a:schemeClr val="accent1"/>
+          </a:effectRef>
+          <a:fontRef idx="minor">
+            <a:schemeClr val="tx1"/>
+          </a:fontRef>
+        </p:style>
+      </p:cxnSp>
+      <p:sp>
+        <p:nvSpPr>
+          <p:cNvPr id="12" name="TextBox 11"/>
+          <p:cNvSpPr txBox="1"/>
+          <p:nvPr/>
+        </p:nvSpPr>
+        <p:spPr>
+          <a:xfrm>
+            <a:off x="1885531" y="1371600"/>
+            <a:ext cx="1056700" cy="369332"/>
+          </a:xfrm>
+          <a:prstGeom prst="rect">
+            <a:avLst/>
+          </a:prstGeom>
+          <a:noFill/>
+        </p:spPr>
+        <p:txBody>
+          <a:bodyPr wrap="none" rtlCol="0">
+            <a:spAutoFit/>
+          </a:bodyPr>
+          <a:lstStyle/>
+          <a:p>
+            <a:r>
+              <a:rPr lang="en-US" dirty="0"/>
+              <a:t>previous</a:t>
+            </a:r>
+          </a:p>
+        </p:txBody>
+      </p:sp>
+      <p:sp>
+        <p:nvSpPr>
+          <p:cNvPr id="13" name="TextBox 12"/>
+          <p:cNvSpPr txBox="1"/>
+          <p:nvPr/>
+        </p:nvSpPr>
+        <p:spPr>
+          <a:xfrm>
+            <a:off x="3281982" y="1379955"/>
+            <a:ext cx="1056700" cy="369332"/>
+          </a:xfrm>
+          <a:prstGeom prst="rect">
+            <a:avLst/>
+          </a:prstGeom>
+          <a:noFill/>
+        </p:spPr>
+        <p:txBody>
+          <a:bodyPr wrap="none" rtlCol="0">
+            <a:spAutoFit/>
+          </a:bodyPr>
+          <a:lstStyle/>
+          <a:p>
+            <a:r>
+              <a:rPr lang="en-US" dirty="0"/>
+              <a:t>previous</a:t>
+            </a:r>
+          </a:p>
+        </p:txBody>
+      </p:sp>
+      <p:sp>
+        <p:nvSpPr>
+          <p:cNvPr id="14" name="TextBox 13"/>
+          <p:cNvSpPr txBox="1"/>
+          <p:nvPr/>
+        </p:nvSpPr>
+        <p:spPr>
+          <a:xfrm>
+            <a:off x="4710401" y="1352125"/>
+            <a:ext cx="1056700" cy="369332"/>
+          </a:xfrm>
+          <a:prstGeom prst="rect">
+            <a:avLst/>
+          </a:prstGeom>
+          <a:noFill/>
+        </p:spPr>
+        <p:txBody>
+          <a:bodyPr wrap="none" rtlCol="0">
+            <a:spAutoFit/>
+          </a:bodyPr>
+          <a:lstStyle/>
+          <a:p>
+            <a:r>
+              <a:rPr lang="en-US" dirty="0"/>
+              <a:t>previous</a:t>
+            </a:r>
+          </a:p>
+        </p:txBody>
+      </p:sp>
+      <p:sp>
+        <p:nvSpPr>
+          <p:cNvPr id="15" name="Rectangle 14"/>
+          <p:cNvSpPr/>
+          <p:nvPr/>
+        </p:nvSpPr>
+        <p:spPr>
+          <a:xfrm>
+            <a:off x="2445029" y="3124200"/>
+            <a:ext cx="838200" cy="533400"/>
+          </a:xfrm>
+          <a:prstGeom prst="rect">
+            <a:avLst/>
+          </a:prstGeom>
+        </p:spPr>
+        <p:style>
+          <a:lnRef idx="2">
+            <a:schemeClr val="accent1">
+              <a:shade val="50000"/>
+            </a:schemeClr>
+          </a:lnRef>
+          <a:fillRef idx="1">
+            <a:schemeClr val="accent1"/>
+          </a:fillRef>
+          <a:effectRef idx="0">
+            <a:schemeClr val="accent1"/>
+          </a:effectRef>
+          <a:fontRef idx="minor">
+            <a:schemeClr val="lt1"/>
+          </a:fontRef>
+        </p:style>
+        <p:txBody>
+          <a:bodyPr rtlCol="0" anchor="ctr"/>
+          <a:lstStyle/>
+          <a:p>
+            <a:pPr algn="ctr"/>
+            <a:r>
+              <a:rPr lang="en-US" dirty="0"/>
+              <a:t>root</a:t>
+            </a:r>
+          </a:p>
+        </p:txBody>
+      </p:sp>
+      <p:sp>
+        <p:nvSpPr>
+          <p:cNvPr id="16" name="Rectangle 15"/>
+          <p:cNvSpPr/>
+          <p:nvPr/>
+        </p:nvSpPr>
+        <p:spPr>
+          <a:xfrm>
+            <a:off x="3991145" y="2581063"/>
+            <a:ext cx="838200" cy="533400"/>
+          </a:xfrm>
+          <a:prstGeom prst="rect">
+            <a:avLst/>
+          </a:prstGeom>
+        </p:spPr>
+        <p:style>
+          <a:lnRef idx="2">
+            <a:schemeClr val="accent1">
+              <a:shade val="50000"/>
+            </a:schemeClr>
+          </a:lnRef>
+          <a:fillRef idx="1">
+            <a:schemeClr val="accent1"/>
+          </a:fillRef>
+          <a:effectRef idx="0">
+            <a:schemeClr val="accent1"/>
+          </a:effectRef>
+          <a:fontRef idx="minor">
+            <a:schemeClr val="lt1"/>
+          </a:fontRef>
+        </p:style>
+        <p:txBody>
+          <a:bodyPr rtlCol="0" anchor="ctr"/>
+          <a:lstStyle/>
+          <a:p>
+            <a:pPr algn="ctr"/>
+            <a:r>
+              <a:rPr lang="en-US" dirty="0" err="1"/>
+              <a:t>mid1</a:t>
+            </a:r>
+            <a:endParaRPr lang="en-US" dirty="0"/>
+          </a:p>
+        </p:txBody>
+      </p:sp>
+      <p:sp>
+        <p:nvSpPr>
+          <p:cNvPr id="17" name="Rectangle 16"/>
+          <p:cNvSpPr/>
+          <p:nvPr/>
+        </p:nvSpPr>
+        <p:spPr>
+          <a:xfrm>
+            <a:off x="5638800" y="2581063"/>
+            <a:ext cx="838200" cy="533400"/>
+          </a:xfrm>
+          <a:prstGeom prst="rect">
+            <a:avLst/>
+          </a:prstGeom>
+        </p:spPr>
+        <p:style>
+          <a:lnRef idx="2">
+            <a:schemeClr val="accent1">
+              <a:shade val="50000"/>
+            </a:schemeClr>
+          </a:lnRef>
+          <a:fillRef idx="1">
+            <a:schemeClr val="accent1"/>
+          </a:fillRef>
+          <a:effectRef idx="0">
+            <a:schemeClr val="accent1"/>
+          </a:effectRef>
+          <a:fontRef idx="minor">
+            <a:schemeClr val="lt1"/>
+          </a:fontRef>
+        </p:style>
+        <p:txBody>
+          <a:bodyPr rtlCol="0" anchor="ctr"/>
+          <a:lstStyle/>
+          <a:p>
+            <a:pPr algn="ctr"/>
+            <a:r>
+              <a:rPr lang="en-US" dirty="0"/>
+              <a:t>leaf 1</a:t>
+            </a:r>
+          </a:p>
+        </p:txBody>
+      </p:sp>
+      <p:cxnSp>
+        <p:nvCxnSpPr>
+          <p:cNvPr id="18" name="Straight Arrow Connector 17"/>
+          <p:cNvCxnSpPr>
+            <a:cxnSpLocks/>
+          </p:cNvCxnSpPr>
+          <p:nvPr/>
+        </p:nvCxnSpPr>
+        <p:spPr>
+          <a:xfrm flipV="1">
+            <a:off x="3435629" y="2971800"/>
+            <a:ext cx="374371" cy="419100"/>
+          </a:xfrm>
+          <a:prstGeom prst="straightConnector1">
+            <a:avLst/>
+          </a:prstGeom>
+          <a:ln>
+            <a:tailEnd type="triangle"/>
+          </a:ln>
+        </p:spPr>
+        <p:style>
+          <a:lnRef idx="1">
+            <a:schemeClr val="accent1"/>
+          </a:lnRef>
+          <a:fillRef idx="0">
+            <a:schemeClr val="accent1"/>
+          </a:fillRef>
+          <a:effectRef idx="0">
+            <a:schemeClr val="accent1"/>
+          </a:effectRef>
+          <a:fontRef idx="minor">
+            <a:schemeClr val="tx1"/>
+          </a:fontRef>
+        </p:style>
+      </p:cxnSp>
+      <p:cxnSp>
+        <p:nvCxnSpPr>
+          <p:cNvPr id="19" name="Straight Arrow Connector 18"/>
+          <p:cNvCxnSpPr/>
+          <p:nvPr/>
+        </p:nvCxnSpPr>
+        <p:spPr>
+          <a:xfrm>
+            <a:off x="5035497" y="2847763"/>
+            <a:ext cx="457200" cy="0"/>
+          </a:xfrm>
+          <a:prstGeom prst="straightConnector1">
+            <a:avLst/>
+          </a:prstGeom>
+          <a:ln>
+            <a:tailEnd type="triangle"/>
+          </a:ln>
+        </p:spPr>
+        <p:style>
+          <a:lnRef idx="1">
+            <a:schemeClr val="accent1"/>
+          </a:lnRef>
+          <a:fillRef idx="0">
+            <a:schemeClr val="accent1"/>
+          </a:fillRef>
+          <a:effectRef idx="0">
+            <a:schemeClr val="accent1"/>
+          </a:effectRef>
+          <a:fontRef idx="minor">
+            <a:schemeClr val="tx1"/>
+          </a:fontRef>
+        </p:style>
+      </p:cxnSp>
+      <p:sp>
+        <p:nvSpPr>
+          <p:cNvPr id="27" name="Rectangle 26"/>
+          <p:cNvSpPr/>
+          <p:nvPr/>
+        </p:nvSpPr>
+        <p:spPr>
+          <a:xfrm>
+            <a:off x="3991145" y="4037219"/>
+            <a:ext cx="838200" cy="533400"/>
+          </a:xfrm>
+          <a:prstGeom prst="rect">
+            <a:avLst/>
+          </a:prstGeom>
+        </p:spPr>
+        <p:style>
+          <a:lnRef idx="2">
+            <a:schemeClr val="accent1">
+              <a:shade val="50000"/>
+            </a:schemeClr>
+          </a:lnRef>
+          <a:fillRef idx="1">
+            <a:schemeClr val="accent1"/>
+          </a:fillRef>
+          <a:effectRef idx="0">
+            <a:schemeClr val="accent1"/>
+          </a:effectRef>
+          <a:fontRef idx="minor">
+            <a:schemeClr val="lt1"/>
+          </a:fontRef>
+        </p:style>
+        <p:txBody>
+          <a:bodyPr rtlCol="0" anchor="ctr"/>
+          <a:lstStyle/>
+          <a:p>
+            <a:pPr algn="ctr"/>
+            <a:r>
+              <a:rPr lang="en-US" dirty="0" err="1"/>
+              <a:t>mid2</a:t>
+            </a:r>
+            <a:endParaRPr lang="en-US" dirty="0"/>
+          </a:p>
+        </p:txBody>
+      </p:sp>
+      <p:sp>
+        <p:nvSpPr>
+          <p:cNvPr id="28" name="Rectangle 27"/>
+          <p:cNvSpPr/>
+          <p:nvPr/>
+        </p:nvSpPr>
+        <p:spPr>
+          <a:xfrm>
+            <a:off x="5643519" y="4724400"/>
+            <a:ext cx="838200" cy="533400"/>
+          </a:xfrm>
+          <a:prstGeom prst="rect">
+            <a:avLst/>
+          </a:prstGeom>
+        </p:spPr>
+        <p:style>
+          <a:lnRef idx="2">
+            <a:schemeClr val="accent1">
+              <a:shade val="50000"/>
+            </a:schemeClr>
+          </a:lnRef>
+          <a:fillRef idx="1">
+            <a:schemeClr val="accent1"/>
+          </a:fillRef>
+          <a:effectRef idx="0">
+            <a:schemeClr val="accent1"/>
+          </a:effectRef>
+          <a:fontRef idx="minor">
+            <a:schemeClr val="lt1"/>
+          </a:fontRef>
+        </p:style>
+        <p:txBody>
+          <a:bodyPr rtlCol="0" anchor="ctr"/>
+          <a:lstStyle/>
+          <a:p>
+            <a:pPr algn="ctr"/>
+            <a:r>
+              <a:rPr lang="en-US" dirty="0"/>
+              <a:t>leaf 3</a:t>
+            </a:r>
+          </a:p>
+        </p:txBody>
+      </p:sp>
+      <p:cxnSp>
+        <p:nvCxnSpPr>
+          <p:cNvPr id="29" name="Straight Arrow Connector 28"/>
+          <p:cNvCxnSpPr>
+            <a:cxnSpLocks/>
+          </p:cNvCxnSpPr>
+          <p:nvPr/>
+        </p:nvCxnSpPr>
+        <p:spPr>
+          <a:xfrm>
+            <a:off x="3429332" y="3946838"/>
+            <a:ext cx="380668" cy="481118"/>
+          </a:xfrm>
+          <a:prstGeom prst="straightConnector1">
+            <a:avLst/>
+          </a:prstGeom>
+          <a:ln>
+            <a:tailEnd type="triangle"/>
+          </a:ln>
+        </p:spPr>
+        <p:style>
+          <a:lnRef idx="1">
+            <a:schemeClr val="accent1"/>
+          </a:lnRef>
+          <a:fillRef idx="0">
+            <a:schemeClr val="accent1"/>
+          </a:fillRef>
+          <a:effectRef idx="0">
+            <a:schemeClr val="accent1"/>
+          </a:effectRef>
+          <a:fontRef idx="minor">
+            <a:schemeClr val="tx1"/>
+          </a:fontRef>
+        </p:style>
+      </p:cxnSp>
+      <p:cxnSp>
+        <p:nvCxnSpPr>
+          <p:cNvPr id="30" name="Straight Arrow Connector 29"/>
+          <p:cNvCxnSpPr>
+            <a:cxnSpLocks/>
+          </p:cNvCxnSpPr>
+          <p:nvPr/>
+        </p:nvCxnSpPr>
+        <p:spPr>
+          <a:xfrm>
+            <a:off x="4953000" y="4572000"/>
+            <a:ext cx="544416" cy="335943"/>
+          </a:xfrm>
+          <a:prstGeom prst="straightConnector1">
+            <a:avLst/>
+          </a:prstGeom>
+          <a:ln>
+            <a:tailEnd type="triangle"/>
+          </a:ln>
+        </p:spPr>
+        <p:style>
+          <a:lnRef idx="1">
+            <a:schemeClr val="accent1"/>
+          </a:lnRef>
+          <a:fillRef idx="0">
+            <a:schemeClr val="accent1"/>
+          </a:fillRef>
+          <a:effectRef idx="0">
+            <a:schemeClr val="accent1"/>
+          </a:effectRef>
+          <a:fontRef idx="minor">
+            <a:schemeClr val="tx1"/>
+          </a:fontRef>
+        </p:style>
+      </p:cxnSp>
+      <p:sp>
+        <p:nvSpPr>
+          <p:cNvPr id="33" name="Rectangle 32"/>
+          <p:cNvSpPr/>
+          <p:nvPr/>
+        </p:nvSpPr>
+        <p:spPr>
+          <a:xfrm>
+            <a:off x="5643519" y="3680138"/>
+            <a:ext cx="838200" cy="533400"/>
+          </a:xfrm>
+          <a:prstGeom prst="rect">
+            <a:avLst/>
+          </a:prstGeom>
+        </p:spPr>
+        <p:style>
+          <a:lnRef idx="2">
+            <a:schemeClr val="accent1">
+              <a:shade val="50000"/>
+            </a:schemeClr>
+          </a:lnRef>
+          <a:fillRef idx="1">
+            <a:schemeClr val="accent1"/>
+          </a:fillRef>
+          <a:effectRef idx="0">
+            <a:schemeClr val="accent1"/>
+          </a:effectRef>
+          <a:fontRef idx="minor">
+            <a:schemeClr val="lt1"/>
+          </a:fontRef>
+        </p:style>
+        <p:txBody>
+          <a:bodyPr rtlCol="0" anchor="ctr"/>
+          <a:lstStyle/>
+          <a:p>
+            <a:pPr algn="ctr"/>
+            <a:r>
+              <a:rPr lang="en-US" dirty="0"/>
+              <a:t>leaf 2</a:t>
+            </a:r>
+          </a:p>
+        </p:txBody>
+      </p:sp>
+      <p:cxnSp>
+        <p:nvCxnSpPr>
+          <p:cNvPr id="34" name="Straight Arrow Connector 33"/>
+          <p:cNvCxnSpPr>
+            <a:cxnSpLocks/>
+          </p:cNvCxnSpPr>
+          <p:nvPr/>
+        </p:nvCxnSpPr>
+        <p:spPr>
+          <a:xfrm flipV="1">
+            <a:off x="4964224" y="3946838"/>
+            <a:ext cx="533192" cy="266700"/>
+          </a:xfrm>
+          <a:prstGeom prst="straightConnector1">
+            <a:avLst/>
+          </a:prstGeom>
+          <a:ln>
+            <a:tailEnd type="triangle"/>
+          </a:ln>
+        </p:spPr>
+        <p:style>
+          <a:lnRef idx="1">
+            <a:schemeClr val="accent1"/>
+          </a:lnRef>
+          <a:fillRef idx="0">
+            <a:schemeClr val="accent1"/>
+          </a:fillRef>
+          <a:effectRef idx="0">
+            <a:schemeClr val="accent1"/>
+          </a:effectRef>
+          <a:fontRef idx="minor">
+            <a:schemeClr val="tx1"/>
+          </a:fontRef>
+        </p:style>
+      </p:cxnSp>
+      <p:grpSp>
+        <p:nvGrpSpPr>
+          <p:cNvPr id="48" name="Group 47"/>
+          <p:cNvGrpSpPr/>
+          <p:nvPr/>
+        </p:nvGrpSpPr>
+        <p:grpSpPr>
+          <a:xfrm>
+            <a:off x="1788024" y="2097155"/>
+            <a:ext cx="4044770" cy="3182592"/>
+            <a:chOff x="1788024" y="2097155"/>
+            <a:chExt cx="4044770" cy="3182592"/>
+          </a:xfrm>
+        </p:grpSpPr>
+        <p:cxnSp>
+          <p:nvCxnSpPr>
+            <p:cNvPr id="20" name="Straight Arrow Connector 19"/>
+            <p:cNvCxnSpPr>
+              <a:cxnSpLocks/>
+            </p:cNvCxnSpPr>
+            <p:nvPr/>
+          </p:nvCxnSpPr>
+          <p:spPr>
+            <a:xfrm rot="2010475" flipH="1">
+              <a:off x="4658492" y="5279747"/>
+              <a:ext cx="723569" cy="0"/>
+            </a:xfrm>
+            <a:prstGeom prst="straightConnector1">
+              <a:avLst/>
+            </a:prstGeom>
+            <a:ln>
+              <a:tailEnd type="triangle"/>
+            </a:ln>
+          </p:spPr>
+          <p:style>
+            <a:lnRef idx="1">
+              <a:schemeClr val="accent1"/>
+            </a:lnRef>
+            <a:fillRef idx="0">
+              <a:schemeClr val="accent1"/>
+            </a:fillRef>
+            <a:effectRef idx="0">
+              <a:schemeClr val="accent1"/>
+            </a:effectRef>
+            <a:fontRef idx="minor">
+              <a:schemeClr val="tx1"/>
+            </a:fontRef>
+          </p:style>
+        </p:cxnSp>
+        <p:cxnSp>
+          <p:nvCxnSpPr>
+            <p:cNvPr id="21" name="Straight Arrow Connector 20"/>
+            <p:cNvCxnSpPr>
+              <a:cxnSpLocks/>
+            </p:cNvCxnSpPr>
+            <p:nvPr/>
+          </p:nvCxnSpPr>
+          <p:spPr>
+            <a:xfrm rot="2502533" flipH="1">
+              <a:off x="3015430" y="4557659"/>
+              <a:ext cx="723569" cy="0"/>
+            </a:xfrm>
+            <a:prstGeom prst="straightConnector1">
+              <a:avLst/>
+            </a:prstGeom>
+            <a:ln>
+              <a:tailEnd type="triangle"/>
+            </a:ln>
+          </p:spPr>
+          <p:style>
+            <a:lnRef idx="1">
+              <a:schemeClr val="accent1"/>
+            </a:lnRef>
+            <a:fillRef idx="0">
+              <a:schemeClr val="accent1"/>
+            </a:fillRef>
+            <a:effectRef idx="0">
+              <a:schemeClr val="accent1"/>
+            </a:effectRef>
+            <a:fontRef idx="minor">
+              <a:schemeClr val="tx1"/>
+            </a:fontRef>
+          </p:style>
+        </p:cxnSp>
+        <p:cxnSp>
+          <p:nvCxnSpPr>
+            <p:cNvPr id="22" name="Straight Arrow Connector 21"/>
+            <p:cNvCxnSpPr/>
+            <p:nvPr/>
+          </p:nvCxnSpPr>
+          <p:spPr>
+            <a:xfrm flipH="1">
+              <a:off x="4948295" y="2558274"/>
+              <a:ext cx="723569" cy="0"/>
+            </a:xfrm>
+            <a:prstGeom prst="straightConnector1">
+              <a:avLst/>
+            </a:prstGeom>
+            <a:ln>
+              <a:tailEnd type="triangle"/>
+            </a:ln>
+          </p:spPr>
+          <p:style>
+            <a:lnRef idx="1">
+              <a:schemeClr val="accent1"/>
+            </a:lnRef>
+            <a:fillRef idx="0">
+              <a:schemeClr val="accent1"/>
+            </a:fillRef>
+            <a:effectRef idx="0">
+              <a:schemeClr val="accent1"/>
+            </a:effectRef>
+            <a:fontRef idx="minor">
+              <a:schemeClr val="tx1"/>
+            </a:fontRef>
+          </p:style>
+        </p:cxnSp>
+        <p:sp>
+          <p:nvSpPr>
+            <p:cNvPr id="23" name="TextBox 22"/>
+            <p:cNvSpPr txBox="1"/>
+            <p:nvPr/>
+          </p:nvSpPr>
+          <p:spPr>
+            <a:xfrm>
+              <a:off x="4776094" y="2097155"/>
+              <a:ext cx="1056700" cy="369332"/>
+            </a:xfrm>
+            <a:prstGeom prst="rect">
+              <a:avLst/>
+            </a:prstGeom>
+            <a:noFill/>
+          </p:spPr>
+          <p:txBody>
+            <a:bodyPr wrap="none" rtlCol="0">
+              <a:spAutoFit/>
+            </a:bodyPr>
+            <a:lstStyle/>
+            <a:p>
+              <a:r>
+                <a:rPr lang="en-US" dirty="0"/>
+                <a:t>previous</a:t>
+              </a:r>
+            </a:p>
+          </p:txBody>
+        </p:sp>
+        <p:sp>
+          <p:nvSpPr>
+            <p:cNvPr id="24" name="TextBox 23"/>
+            <p:cNvSpPr txBox="1"/>
+            <p:nvPr/>
+          </p:nvSpPr>
+          <p:spPr>
+            <a:xfrm rot="2502533">
+              <a:off x="2931688" y="4145259"/>
+              <a:ext cx="1056700" cy="369332"/>
+            </a:xfrm>
+            <a:prstGeom prst="rect">
+              <a:avLst/>
+            </a:prstGeom>
+            <a:noFill/>
+          </p:spPr>
+          <p:txBody>
+            <a:bodyPr wrap="none" rtlCol="0">
+              <a:spAutoFit/>
+            </a:bodyPr>
+            <a:lstStyle/>
+            <a:p>
+              <a:r>
+                <a:rPr lang="en-US" dirty="0"/>
+                <a:t>previous</a:t>
+              </a:r>
+            </a:p>
+          </p:txBody>
+        </p:sp>
+        <p:sp>
+          <p:nvSpPr>
+            <p:cNvPr id="25" name="TextBox 24"/>
+            <p:cNvSpPr txBox="1"/>
+            <p:nvPr/>
+          </p:nvSpPr>
+          <p:spPr>
+            <a:xfrm rot="2010475">
+              <a:off x="4567961" y="4879272"/>
+              <a:ext cx="1056700" cy="369332"/>
+            </a:xfrm>
+            <a:prstGeom prst="rect">
+              <a:avLst/>
+            </a:prstGeom>
+            <a:noFill/>
+          </p:spPr>
+          <p:txBody>
+            <a:bodyPr wrap="none" rtlCol="0">
+              <a:spAutoFit/>
+            </a:bodyPr>
+            <a:lstStyle/>
+            <a:p>
+              <a:r>
+                <a:rPr lang="en-US" dirty="0"/>
+                <a:t>previous</a:t>
+              </a:r>
+            </a:p>
+          </p:txBody>
+        </p:sp>
+        <p:cxnSp>
+          <p:nvCxnSpPr>
+            <p:cNvPr id="37" name="Straight Arrow Connector 36"/>
+            <p:cNvCxnSpPr>
+              <a:cxnSpLocks/>
+            </p:cNvCxnSpPr>
+            <p:nvPr/>
+          </p:nvCxnSpPr>
+          <p:spPr>
+            <a:xfrm rot="20032332" flipH="1">
+              <a:off x="4828264" y="3826226"/>
+              <a:ext cx="723569" cy="0"/>
+            </a:xfrm>
+            <a:prstGeom prst="straightConnector1">
+              <a:avLst/>
+            </a:prstGeom>
+            <a:ln>
+              <a:tailEnd type="triangle"/>
+            </a:ln>
+          </p:spPr>
+          <p:style>
+            <a:lnRef idx="1">
+              <a:schemeClr val="accent1"/>
+            </a:lnRef>
+            <a:fillRef idx="0">
+              <a:schemeClr val="accent1"/>
+            </a:fillRef>
+            <a:effectRef idx="0">
+              <a:schemeClr val="accent1"/>
+            </a:effectRef>
+            <a:fontRef idx="minor">
+              <a:schemeClr val="tx1"/>
+            </a:fontRef>
+          </p:style>
+        </p:cxnSp>
+        <p:sp>
+          <p:nvSpPr>
+            <p:cNvPr id="38" name="TextBox 37"/>
+            <p:cNvSpPr txBox="1"/>
+            <p:nvPr/>
+          </p:nvSpPr>
+          <p:spPr>
+            <a:xfrm rot="20032332">
+              <a:off x="4705929" y="3362142"/>
+              <a:ext cx="1056700" cy="369332"/>
+            </a:xfrm>
+            <a:prstGeom prst="rect">
+              <a:avLst/>
+            </a:prstGeom>
+            <a:noFill/>
+          </p:spPr>
+          <p:txBody>
+            <a:bodyPr wrap="none" rtlCol="0">
+              <a:spAutoFit/>
+            </a:bodyPr>
+            <a:lstStyle/>
+            <a:p>
+              <a:r>
+                <a:rPr lang="en-US" dirty="0"/>
+                <a:t>previous</a:t>
+              </a:r>
+            </a:p>
+          </p:txBody>
+        </p:sp>
+        <p:cxnSp>
+          <p:nvCxnSpPr>
+            <p:cNvPr id="41" name="Straight Arrow Connector 40"/>
+            <p:cNvCxnSpPr>
+              <a:cxnSpLocks/>
+            </p:cNvCxnSpPr>
+            <p:nvPr/>
+          </p:nvCxnSpPr>
+          <p:spPr>
+            <a:xfrm rot="19188783" flipH="1">
+              <a:off x="3162312" y="2886802"/>
+              <a:ext cx="723569" cy="0"/>
+            </a:xfrm>
+            <a:prstGeom prst="straightConnector1">
+              <a:avLst/>
+            </a:prstGeom>
+            <a:ln>
+              <a:tailEnd type="triangle"/>
+            </a:ln>
+          </p:spPr>
+          <p:style>
+            <a:lnRef idx="1">
+              <a:schemeClr val="accent1"/>
+            </a:lnRef>
+            <a:fillRef idx="0">
+              <a:schemeClr val="accent1"/>
+            </a:fillRef>
+            <a:effectRef idx="0">
+              <a:schemeClr val="accent1"/>
+            </a:effectRef>
+            <a:fontRef idx="minor">
+              <a:schemeClr val="tx1"/>
+            </a:fontRef>
+          </p:style>
+        </p:cxnSp>
+        <p:sp>
+          <p:nvSpPr>
+            <p:cNvPr id="42" name="TextBox 41"/>
+            <p:cNvSpPr txBox="1"/>
+            <p:nvPr/>
+          </p:nvSpPr>
+          <p:spPr>
+            <a:xfrm rot="19188783">
+              <a:off x="2936023" y="2430944"/>
+              <a:ext cx="1056700" cy="369332"/>
+            </a:xfrm>
+            <a:prstGeom prst="rect">
+              <a:avLst/>
+            </a:prstGeom>
+            <a:noFill/>
+          </p:spPr>
+          <p:txBody>
+            <a:bodyPr wrap="none" rtlCol="0">
+              <a:spAutoFit/>
+            </a:bodyPr>
+            <a:lstStyle/>
+            <a:p>
+              <a:r>
+                <a:rPr lang="en-US" dirty="0"/>
+                <a:t>previous</a:t>
+              </a:r>
+            </a:p>
+          </p:txBody>
+        </p:sp>
+        <p:cxnSp>
+          <p:nvCxnSpPr>
+            <p:cNvPr id="45" name="Straight Arrow Connector 44"/>
+            <p:cNvCxnSpPr>
+              <a:cxnSpLocks/>
+            </p:cNvCxnSpPr>
+            <p:nvPr/>
+          </p:nvCxnSpPr>
+          <p:spPr>
+            <a:xfrm flipH="1">
+              <a:off x="1828800" y="4038600"/>
+              <a:ext cx="723569" cy="0"/>
+            </a:xfrm>
+            <a:prstGeom prst="straightConnector1">
+              <a:avLst/>
+            </a:prstGeom>
+            <a:ln>
+              <a:tailEnd type="triangle"/>
+            </a:ln>
+          </p:spPr>
+          <p:style>
+            <a:lnRef idx="1">
+              <a:schemeClr val="accent1"/>
+            </a:lnRef>
+            <a:fillRef idx="0">
+              <a:schemeClr val="accent1"/>
+            </a:fillRef>
+            <a:effectRef idx="0">
+              <a:schemeClr val="accent1"/>
+            </a:effectRef>
+            <a:fontRef idx="minor">
+              <a:schemeClr val="tx1"/>
+            </a:fontRef>
+          </p:style>
+        </p:cxnSp>
+        <p:sp>
+          <p:nvSpPr>
+            <p:cNvPr id="46" name="TextBox 45"/>
+            <p:cNvSpPr txBox="1"/>
+            <p:nvPr/>
+          </p:nvSpPr>
+          <p:spPr>
+            <a:xfrm>
+              <a:off x="1788024" y="3577232"/>
+              <a:ext cx="1056700" cy="369332"/>
+            </a:xfrm>
+            <a:prstGeom prst="rect">
+              <a:avLst/>
+            </a:prstGeom>
+            <a:noFill/>
+          </p:spPr>
+          <p:txBody>
+            <a:bodyPr wrap="none" rtlCol="0">
+              <a:spAutoFit/>
+            </a:bodyPr>
+            <a:lstStyle/>
+            <a:p>
+              <a:r>
+                <a:rPr lang="en-US" dirty="0"/>
+                <a:t>previous</a:t>
+              </a:r>
+            </a:p>
+          </p:txBody>
+        </p:sp>
+      </p:grpSp>
     </p:spTree>
     <p:extLst>
       <p:ext uri="{BB962C8B-B14F-4D97-AF65-F5344CB8AC3E}">
-        <p14:creationId xmlns:p14="http://schemas.microsoft.com/office/powerpoint/2010/main" val="3079988153"/>
+        <p14:creationId xmlns:p14="http://schemas.microsoft.com/office/powerpoint/2010/main" val="379276321"/>
       </p:ext>
     </p:extLst>
   </p:cSld>
   <p:clrMapOvr>
     <a:masterClrMapping/>
   </p:clrMapOvr>
+  <p:timing>
+    <p:tnLst>
+      <p:par>
+        <p:cTn id="1" dur="indefinite" restart="never" nodeType="tmRoot">
+          <p:childTnLst>
+            <p:seq concurrent="1" nextAc="seek">
+              <p:cTn id="2" dur="indefinite" nodeType="mainSeq">
+                <p:childTnLst>
+                  <p:par>
+                    <p:cTn id="3" fill="hold">
+                      <p:stCondLst>
+                        <p:cond delay="indefinite"/>
+                      </p:stCondLst>
+                      <p:childTnLst>
+                        <p:par>
+                          <p:cTn id="4" fill="hold">
+                            <p:stCondLst>
+                              <p:cond delay="0"/>
+                            </p:stCondLst>
+                            <p:childTnLst>
+                              <p:par>
+                                <p:cTn id="5" presetID="2" presetClass="entr" presetSubtype="4" fill="hold" nodeType="clickEffect">
+                                  <p:stCondLst>
+                                    <p:cond delay="0"/>
+                                  </p:stCondLst>
+                                  <p:childTnLst>
+                                    <p:set>
+                                      <p:cBhvr>
+                                        <p:cTn id="6" dur="1" fill="hold">
+                                          <p:stCondLst>
+                                            <p:cond delay="0"/>
+                                          </p:stCondLst>
+                                        </p:cTn>
+                                        <p:tgtEl>
+                                          <p:spTgt spid="9"/>
+                                        </p:tgtEl>
+                                        <p:attrNameLst>
+                                          <p:attrName>style.visibility</p:attrName>
+                                        </p:attrNameLst>
+                                      </p:cBhvr>
+                                      <p:to>
+                                        <p:strVal val="visible"/>
+                                      </p:to>
+                                    </p:set>
+                                    <p:anim calcmode="lin" valueType="num">
+                                      <p:cBhvr additive="base">
+                                        <p:cTn id="7" dur="500" fill="hold"/>
+                                        <p:tgtEl>
+                                          <p:spTgt spid="9"/>
+                                        </p:tgtEl>
+                                        <p:attrNameLst>
+                                          <p:attrName>ppt_x</p:attrName>
+                                        </p:attrNameLst>
+                                      </p:cBhvr>
+                                      <p:tavLst>
+                                        <p:tav tm="0">
+                                          <p:val>
+                                            <p:strVal val="#ppt_x"/>
+                                          </p:val>
+                                        </p:tav>
+                                        <p:tav tm="100000">
+                                          <p:val>
+                                            <p:strVal val="#ppt_x"/>
+                                          </p:val>
+                                        </p:tav>
+                                      </p:tavLst>
+                                    </p:anim>
+                                    <p:anim calcmode="lin" valueType="num">
+                                      <p:cBhvr additive="base">
+                                        <p:cTn id="8" dur="500" fill="hold"/>
+                                        <p:tgtEl>
+                                          <p:spTgt spid="9"/>
+                                        </p:tgtEl>
+                                        <p:attrNameLst>
+                                          <p:attrName>ppt_y</p:attrName>
+                                        </p:attrNameLst>
+                                      </p:cBhvr>
+                                      <p:tavLst>
+                                        <p:tav tm="0">
+                                          <p:val>
+                                            <p:strVal val="1+#ppt_h/2"/>
+                                          </p:val>
+                                        </p:tav>
+                                        <p:tav tm="100000">
+                                          <p:val>
+                                            <p:strVal val="#ppt_y"/>
+                                          </p:val>
+                                        </p:tav>
+                                      </p:tavLst>
+                                    </p:anim>
+                                  </p:childTnLst>
+                                </p:cTn>
+                              </p:par>
+                              <p:par>
+                                <p:cTn id="9" presetID="2" presetClass="entr" presetSubtype="4" fill="hold" nodeType="withEffect">
+                                  <p:stCondLst>
+                                    <p:cond delay="0"/>
+                                  </p:stCondLst>
+                                  <p:childTnLst>
+                                    <p:set>
+                                      <p:cBhvr>
+                                        <p:cTn id="10" dur="1" fill="hold">
+                                          <p:stCondLst>
+                                            <p:cond delay="0"/>
+                                          </p:stCondLst>
+                                        </p:cTn>
+                                        <p:tgtEl>
+                                          <p:spTgt spid="10"/>
+                                        </p:tgtEl>
+                                        <p:attrNameLst>
+                                          <p:attrName>style.visibility</p:attrName>
+                                        </p:attrNameLst>
+                                      </p:cBhvr>
+                                      <p:to>
+                                        <p:strVal val="visible"/>
+                                      </p:to>
+                                    </p:set>
+                                    <p:anim calcmode="lin" valueType="num">
+                                      <p:cBhvr additive="base">
+                                        <p:cTn id="11" dur="500" fill="hold"/>
+                                        <p:tgtEl>
+                                          <p:spTgt spid="10"/>
+                                        </p:tgtEl>
+                                        <p:attrNameLst>
+                                          <p:attrName>ppt_x</p:attrName>
+                                        </p:attrNameLst>
+                                      </p:cBhvr>
+                                      <p:tavLst>
+                                        <p:tav tm="0">
+                                          <p:val>
+                                            <p:strVal val="#ppt_x"/>
+                                          </p:val>
+                                        </p:tav>
+                                        <p:tav tm="100000">
+                                          <p:val>
+                                            <p:strVal val="#ppt_x"/>
+                                          </p:val>
+                                        </p:tav>
+                                      </p:tavLst>
+                                    </p:anim>
+                                    <p:anim calcmode="lin" valueType="num">
+                                      <p:cBhvr additive="base">
+                                        <p:cTn id="12" dur="500" fill="hold"/>
+                                        <p:tgtEl>
+                                          <p:spTgt spid="10"/>
+                                        </p:tgtEl>
+                                        <p:attrNameLst>
+                                          <p:attrName>ppt_y</p:attrName>
+                                        </p:attrNameLst>
+                                      </p:cBhvr>
+                                      <p:tavLst>
+                                        <p:tav tm="0">
+                                          <p:val>
+                                            <p:strVal val="1+#ppt_h/2"/>
+                                          </p:val>
+                                        </p:tav>
+                                        <p:tav tm="100000">
+                                          <p:val>
+                                            <p:strVal val="#ppt_y"/>
+                                          </p:val>
+                                        </p:tav>
+                                      </p:tavLst>
+                                    </p:anim>
+                                  </p:childTnLst>
+                                </p:cTn>
+                              </p:par>
+                              <p:par>
+                                <p:cTn id="13" presetID="2" presetClass="entr" presetSubtype="4" fill="hold" nodeType="withEffect">
+                                  <p:stCondLst>
+                                    <p:cond delay="0"/>
+                                  </p:stCondLst>
+                                  <p:childTnLst>
+                                    <p:set>
+                                      <p:cBhvr>
+                                        <p:cTn id="14" dur="1" fill="hold">
+                                          <p:stCondLst>
+                                            <p:cond delay="0"/>
+                                          </p:stCondLst>
+                                        </p:cTn>
+                                        <p:tgtEl>
+                                          <p:spTgt spid="11"/>
+                                        </p:tgtEl>
+                                        <p:attrNameLst>
+                                          <p:attrName>style.visibility</p:attrName>
+                                        </p:attrNameLst>
+                                      </p:cBhvr>
+                                      <p:to>
+                                        <p:strVal val="visible"/>
+                                      </p:to>
+                                    </p:set>
+                                    <p:anim calcmode="lin" valueType="num">
+                                      <p:cBhvr additive="base">
+                                        <p:cTn id="15" dur="500" fill="hold"/>
+                                        <p:tgtEl>
+                                          <p:spTgt spid="11"/>
+                                        </p:tgtEl>
+                                        <p:attrNameLst>
+                                          <p:attrName>ppt_x</p:attrName>
+                                        </p:attrNameLst>
+                                      </p:cBhvr>
+                                      <p:tavLst>
+                                        <p:tav tm="0">
+                                          <p:val>
+                                            <p:strVal val="#ppt_x"/>
+                                          </p:val>
+                                        </p:tav>
+                                        <p:tav tm="100000">
+                                          <p:val>
+                                            <p:strVal val="#ppt_x"/>
+                                          </p:val>
+                                        </p:tav>
+                                      </p:tavLst>
+                                    </p:anim>
+                                    <p:anim calcmode="lin" valueType="num">
+                                      <p:cBhvr additive="base">
+                                        <p:cTn id="16" dur="500" fill="hold"/>
+                                        <p:tgtEl>
+                                          <p:spTgt spid="11"/>
+                                        </p:tgtEl>
+                                        <p:attrNameLst>
+                                          <p:attrName>ppt_y</p:attrName>
+                                        </p:attrNameLst>
+                                      </p:cBhvr>
+                                      <p:tavLst>
+                                        <p:tav tm="0">
+                                          <p:val>
+                                            <p:strVal val="1+#ppt_h/2"/>
+                                          </p:val>
+                                        </p:tav>
+                                        <p:tav tm="100000">
+                                          <p:val>
+                                            <p:strVal val="#ppt_y"/>
+                                          </p:val>
+                                        </p:tav>
+                                      </p:tavLst>
+                                    </p:anim>
+                                  </p:childTnLst>
+                                </p:cTn>
+                              </p:par>
+                              <p:par>
+                                <p:cTn id="17" presetID="2" presetClass="entr" presetSubtype="4" fill="hold" grpId="0" nodeType="withEffect">
+                                  <p:stCondLst>
+                                    <p:cond delay="0"/>
+                                  </p:stCondLst>
+                                  <p:childTnLst>
+                                    <p:set>
+                                      <p:cBhvr>
+                                        <p:cTn id="18" dur="1" fill="hold">
+                                          <p:stCondLst>
+                                            <p:cond delay="0"/>
+                                          </p:stCondLst>
+                                        </p:cTn>
+                                        <p:tgtEl>
+                                          <p:spTgt spid="12"/>
+                                        </p:tgtEl>
+                                        <p:attrNameLst>
+                                          <p:attrName>style.visibility</p:attrName>
+                                        </p:attrNameLst>
+                                      </p:cBhvr>
+                                      <p:to>
+                                        <p:strVal val="visible"/>
+                                      </p:to>
+                                    </p:set>
+                                    <p:anim calcmode="lin" valueType="num">
+                                      <p:cBhvr additive="base">
+                                        <p:cTn id="19" dur="500" fill="hold"/>
+                                        <p:tgtEl>
+                                          <p:spTgt spid="12"/>
+                                        </p:tgtEl>
+                                        <p:attrNameLst>
+                                          <p:attrName>ppt_x</p:attrName>
+                                        </p:attrNameLst>
+                                      </p:cBhvr>
+                                      <p:tavLst>
+                                        <p:tav tm="0">
+                                          <p:val>
+                                            <p:strVal val="#ppt_x"/>
+                                          </p:val>
+                                        </p:tav>
+                                        <p:tav tm="100000">
+                                          <p:val>
+                                            <p:strVal val="#ppt_x"/>
+                                          </p:val>
+                                        </p:tav>
+                                      </p:tavLst>
+                                    </p:anim>
+                                    <p:anim calcmode="lin" valueType="num">
+                                      <p:cBhvr additive="base">
+                                        <p:cTn id="20" dur="500" fill="hold"/>
+                                        <p:tgtEl>
+                                          <p:spTgt spid="12"/>
+                                        </p:tgtEl>
+                                        <p:attrNameLst>
+                                          <p:attrName>ppt_y</p:attrName>
+                                        </p:attrNameLst>
+                                      </p:cBhvr>
+                                      <p:tavLst>
+                                        <p:tav tm="0">
+                                          <p:val>
+                                            <p:strVal val="1+#ppt_h/2"/>
+                                          </p:val>
+                                        </p:tav>
+                                        <p:tav tm="100000">
+                                          <p:val>
+                                            <p:strVal val="#ppt_y"/>
+                                          </p:val>
+                                        </p:tav>
+                                      </p:tavLst>
+                                    </p:anim>
+                                  </p:childTnLst>
+                                </p:cTn>
+                              </p:par>
+                              <p:par>
+                                <p:cTn id="21" presetID="2" presetClass="entr" presetSubtype="4" fill="hold" grpId="0" nodeType="withEffect">
+                                  <p:stCondLst>
+                                    <p:cond delay="0"/>
+                                  </p:stCondLst>
+                                  <p:childTnLst>
+                                    <p:set>
+                                      <p:cBhvr>
+                                        <p:cTn id="22" dur="1" fill="hold">
+                                          <p:stCondLst>
+                                            <p:cond delay="0"/>
+                                          </p:stCondLst>
+                                        </p:cTn>
+                                        <p:tgtEl>
+                                          <p:spTgt spid="13"/>
+                                        </p:tgtEl>
+                                        <p:attrNameLst>
+                                          <p:attrName>style.visibility</p:attrName>
+                                        </p:attrNameLst>
+                                      </p:cBhvr>
+                                      <p:to>
+                                        <p:strVal val="visible"/>
+                                      </p:to>
+                                    </p:set>
+                                    <p:anim calcmode="lin" valueType="num">
+                                      <p:cBhvr additive="base">
+                                        <p:cTn id="23" dur="500" fill="hold"/>
+                                        <p:tgtEl>
+                                          <p:spTgt spid="13"/>
+                                        </p:tgtEl>
+                                        <p:attrNameLst>
+                                          <p:attrName>ppt_x</p:attrName>
+                                        </p:attrNameLst>
+                                      </p:cBhvr>
+                                      <p:tavLst>
+                                        <p:tav tm="0">
+                                          <p:val>
+                                            <p:strVal val="#ppt_x"/>
+                                          </p:val>
+                                        </p:tav>
+                                        <p:tav tm="100000">
+                                          <p:val>
+                                            <p:strVal val="#ppt_x"/>
+                                          </p:val>
+                                        </p:tav>
+                                      </p:tavLst>
+                                    </p:anim>
+                                    <p:anim calcmode="lin" valueType="num">
+                                      <p:cBhvr additive="base">
+                                        <p:cTn id="24" dur="500" fill="hold"/>
+                                        <p:tgtEl>
+                                          <p:spTgt spid="13"/>
+                                        </p:tgtEl>
+                                        <p:attrNameLst>
+                                          <p:attrName>ppt_y</p:attrName>
+                                        </p:attrNameLst>
+                                      </p:cBhvr>
+                                      <p:tavLst>
+                                        <p:tav tm="0">
+                                          <p:val>
+                                            <p:strVal val="1+#ppt_h/2"/>
+                                          </p:val>
+                                        </p:tav>
+                                        <p:tav tm="100000">
+                                          <p:val>
+                                            <p:strVal val="#ppt_y"/>
+                                          </p:val>
+                                        </p:tav>
+                                      </p:tavLst>
+                                    </p:anim>
+                                  </p:childTnLst>
+                                </p:cTn>
+                              </p:par>
+                              <p:par>
+                                <p:cTn id="25" presetID="2" presetClass="entr" presetSubtype="4" fill="hold" grpId="0" nodeType="withEffect">
+                                  <p:stCondLst>
+                                    <p:cond delay="0"/>
+                                  </p:stCondLst>
+                                  <p:childTnLst>
+                                    <p:set>
+                                      <p:cBhvr>
+                                        <p:cTn id="26" dur="1" fill="hold">
+                                          <p:stCondLst>
+                                            <p:cond delay="0"/>
+                                          </p:stCondLst>
+                                        </p:cTn>
+                                        <p:tgtEl>
+                                          <p:spTgt spid="14"/>
+                                        </p:tgtEl>
+                                        <p:attrNameLst>
+                                          <p:attrName>style.visibility</p:attrName>
+                                        </p:attrNameLst>
+                                      </p:cBhvr>
+                                      <p:to>
+                                        <p:strVal val="visible"/>
+                                      </p:to>
+                                    </p:set>
+                                    <p:anim calcmode="lin" valueType="num">
+                                      <p:cBhvr additive="base">
+                                        <p:cTn id="27" dur="500" fill="hold"/>
+                                        <p:tgtEl>
+                                          <p:spTgt spid="14"/>
+                                        </p:tgtEl>
+                                        <p:attrNameLst>
+                                          <p:attrName>ppt_x</p:attrName>
+                                        </p:attrNameLst>
+                                      </p:cBhvr>
+                                      <p:tavLst>
+                                        <p:tav tm="0">
+                                          <p:val>
+                                            <p:strVal val="#ppt_x"/>
+                                          </p:val>
+                                        </p:tav>
+                                        <p:tav tm="100000">
+                                          <p:val>
+                                            <p:strVal val="#ppt_x"/>
+                                          </p:val>
+                                        </p:tav>
+                                      </p:tavLst>
+                                    </p:anim>
+                                    <p:anim calcmode="lin" valueType="num">
+                                      <p:cBhvr additive="base">
+                                        <p:cTn id="28" dur="500" fill="hold"/>
+                                        <p:tgtEl>
+                                          <p:spTgt spid="14"/>
+                                        </p:tgtEl>
+                                        <p:attrNameLst>
+                                          <p:attrName>ppt_y</p:attrName>
+                                        </p:attrNameLst>
+                                      </p:cBhvr>
+                                      <p:tavLst>
+                                        <p:tav tm="0">
+                                          <p:val>
+                                            <p:strVal val="1+#ppt_h/2"/>
+                                          </p:val>
+                                        </p:tav>
+                                        <p:tav tm="100000">
+                                          <p:val>
+                                            <p:strVal val="#ppt_y"/>
+                                          </p:val>
+                                        </p:tav>
+                                      </p:tavLst>
+                                    </p:anim>
+                                  </p:childTnLst>
+                                </p:cTn>
+                              </p:par>
+                            </p:childTnLst>
+                          </p:cTn>
+                        </p:par>
+                      </p:childTnLst>
+                    </p:cTn>
+                  </p:par>
+                  <p:par>
+                    <p:cTn id="29" fill="hold">
+                      <p:stCondLst>
+                        <p:cond delay="indefinite"/>
+                      </p:stCondLst>
+                      <p:childTnLst>
+                        <p:par>
+                          <p:cTn id="30" fill="hold">
+                            <p:stCondLst>
+                              <p:cond delay="0"/>
+                            </p:stCondLst>
+                            <p:childTnLst>
+                              <p:par>
+                                <p:cTn id="31" presetID="2" presetClass="entr" presetSubtype="4" fill="hold" nodeType="clickEffect">
+                                  <p:stCondLst>
+                                    <p:cond delay="0"/>
+                                  </p:stCondLst>
+                                  <p:childTnLst>
+                                    <p:set>
+                                      <p:cBhvr>
+                                        <p:cTn id="32" dur="1" fill="hold">
+                                          <p:stCondLst>
+                                            <p:cond delay="0"/>
+                                          </p:stCondLst>
+                                        </p:cTn>
+                                        <p:tgtEl>
+                                          <p:spTgt spid="48"/>
+                                        </p:tgtEl>
+                                        <p:attrNameLst>
+                                          <p:attrName>style.visibility</p:attrName>
+                                        </p:attrNameLst>
+                                      </p:cBhvr>
+                                      <p:to>
+                                        <p:strVal val="visible"/>
+                                      </p:to>
+                                    </p:set>
+                                    <p:anim calcmode="lin" valueType="num">
+                                      <p:cBhvr additive="base">
+                                        <p:cTn id="33" dur="500" fill="hold"/>
+                                        <p:tgtEl>
+                                          <p:spTgt spid="48"/>
+                                        </p:tgtEl>
+                                        <p:attrNameLst>
+                                          <p:attrName>ppt_x</p:attrName>
+                                        </p:attrNameLst>
+                                      </p:cBhvr>
+                                      <p:tavLst>
+                                        <p:tav tm="0">
+                                          <p:val>
+                                            <p:strVal val="#ppt_x"/>
+                                          </p:val>
+                                        </p:tav>
+                                        <p:tav tm="100000">
+                                          <p:val>
+                                            <p:strVal val="#ppt_x"/>
+                                          </p:val>
+                                        </p:tav>
+                                      </p:tavLst>
+                                    </p:anim>
+                                    <p:anim calcmode="lin" valueType="num">
+                                      <p:cBhvr additive="base">
+                                        <p:cTn id="34" dur="500" fill="hold"/>
+                                        <p:tgtEl>
+                                          <p:spTgt spid="48"/>
+                                        </p:tgtEl>
+                                        <p:attrNameLst>
+                                          <p:attrName>ppt_y</p:attrName>
+                                        </p:attrNameLst>
+                                      </p:cBhvr>
+                                      <p:tavLst>
+                                        <p:tav tm="0">
+                                          <p:val>
+                                            <p:strVal val="1+#ppt_h/2"/>
+                                          </p:val>
+                                        </p:tav>
+                                        <p:tav tm="100000">
+                                          <p:val>
+                                            <p:strVal val="#ppt_y"/>
+                                          </p:val>
+                                        </p:tav>
+                                      </p:tavLst>
+                                    </p:anim>
+                                  </p:childTnLst>
+                                </p:cTn>
+                              </p:par>
+                            </p:childTnLst>
+                          </p:cTn>
+                        </p:par>
+                      </p:childTnLst>
+                    </p:cTn>
+                  </p:par>
+                </p:childTnLst>
+              </p:cTn>
+              <p:prevCondLst>
+                <p:cond evt="onPrev" delay="0">
+                  <p:tgtEl>
+                    <p:sldTgt/>
+                  </p:tgtEl>
+                </p:cond>
+              </p:prevCondLst>
+              <p:nextCondLst>
+                <p:cond evt="onNext" delay="0">
+                  <p:tgtEl>
+                    <p:sldTgt/>
+                  </p:tgtEl>
+                </p:cond>
+              </p:nextCondLst>
+            </p:seq>
+          </p:childTnLst>
+        </p:cTn>
+      </p:par>
+    </p:tnLst>
+    <p:bldLst>
+      <p:bldP spid="12" grpId="0"/>
+      <p:bldP spid="13" grpId="0"/>
+      <p:bldP spid="14" grpId="0"/>
+    </p:bldLst>
+  </p:timing>
 </p:sld>
 </file>
 
@@ -4316,50 +6061,7 @@
           <a:p>
             <a:r>
               <a:rPr lang="en-US" dirty="0"/>
-              <a:t>Linked List to Tree Conversion</a:t>
-            </a:r>
-          </a:p>
-        </p:txBody>
-      </p:sp>
-      <p:sp>
-        <p:nvSpPr>
-          <p:cNvPr id="3" name="Content Placeholder 2"/>
-          <p:cNvSpPr>
-            <a:spLocks noGrp="1"/>
-          </p:cNvSpPr>
-          <p:nvPr>
-            <p:ph idx="1"/>
-          </p:nvPr>
-        </p:nvSpPr>
-        <p:spPr>
-          <a:xfrm>
-            <a:off x="76200" y="1066800"/>
-            <a:ext cx="8915400" cy="1905000"/>
-          </a:xfrm>
-        </p:spPr>
-        <p:txBody>
-          <a:bodyPr>
-            <a:normAutofit fontScale="92500" lnSpcReduction="20000"/>
-          </a:bodyPr>
-          <a:lstStyle/>
-          <a:p>
-            <a:r>
-              <a:rPr lang="en-US" dirty="0"/>
-              <a:t>Linked List can be converted into orderly tree</a:t>
-            </a:r>
-          </a:p>
-          <a:p>
-            <a:pPr lvl="1"/>
-            <a:r>
-              <a:rPr lang="en-US" dirty="0"/>
-              <a:t>All elements are stored according to some order</a:t>
-            </a:r>
-          </a:p>
-          <a:p>
-            <a:pPr lvl="1"/>
-            <a:r>
-              <a:rPr lang="en-US" dirty="0"/>
-              <a:t>However, from searching point of view, it is not better than a linked list (if it doesn’t consist some additional constraints regarding arrangement of nodes)</a:t>
+              <a:t>Tree examples</a:t>
             </a:r>
           </a:p>
         </p:txBody>
@@ -4380,8 +6082,8 @@
         </p:blipFill>
         <p:spPr>
           <a:xfrm>
-            <a:off x="1533331" y="3124200"/>
-            <a:ext cx="6391469" cy="3048000"/>
+            <a:off x="228600" y="990600"/>
+            <a:ext cx="8686800" cy="5105400"/>
           </a:xfrm>
           <a:prstGeom prst="rect">
             <a:avLst/>
@@ -4396,7 +6098,7 @@
     </p:spTree>
     <p:extLst>
       <p:ext uri="{BB962C8B-B14F-4D97-AF65-F5344CB8AC3E}">
-        <p14:creationId xmlns:p14="http://schemas.microsoft.com/office/powerpoint/2010/main" val="3882232868"/>
+        <p14:creationId xmlns:p14="http://schemas.microsoft.com/office/powerpoint/2010/main" val="894826292"/>
       </p:ext>
     </p:extLst>
   </p:cSld>
@@ -4425,102 +6127,59 @@
       </p:grpSpPr>
       <p:sp>
         <p:nvSpPr>
-          <p:cNvPr id="5" name="Text Placeholder 4"/>
+          <p:cNvPr id="2" name="Title 1"/>
           <p:cNvSpPr>
             <a:spLocks noGrp="1"/>
           </p:cNvSpPr>
           <p:nvPr>
-            <p:ph type="body" idx="1"/>
+            <p:ph type="title"/>
           </p:nvPr>
         </p:nvSpPr>
-        <p:spPr>
-          <a:xfrm>
-            <a:off x="1066800" y="1447800"/>
-            <a:ext cx="7772400" cy="1500187"/>
-          </a:xfrm>
-        </p:spPr>
+        <p:spPr/>
         <p:txBody>
           <a:bodyPr/>
           <a:lstStyle/>
           <a:p>
             <a:r>
               <a:rPr lang="en-US" dirty="0"/>
-              <a:t>Definition, Types, Traversal</a:t>
-            </a:r>
-          </a:p>
-        </p:txBody>
-      </p:sp>
-      <p:sp>
-        <p:nvSpPr>
-          <p:cNvPr id="6" name="Rectangle 5"/>
-          <p:cNvSpPr/>
+              <a:t>Tree examples</a:t>
+            </a:r>
+          </a:p>
+        </p:txBody>
+      </p:sp>
+      <p:pic>
+        <p:nvPicPr>
+          <p:cNvPr id="4" name="Picture 3"/>
+          <p:cNvPicPr>
+            <a:picLocks noChangeAspect="1"/>
+          </p:cNvPicPr>
           <p:nvPr/>
-        </p:nvSpPr>
-        <p:spPr>
-          <a:xfrm rot="20209346">
-            <a:off x="2594417" y="2872654"/>
-            <a:ext cx="3955186" cy="923330"/>
+        </p:nvPicPr>
+        <p:blipFill>
+          <a:blip r:embed="rId2"/>
+          <a:stretch>
+            <a:fillRect/>
+          </a:stretch>
+        </p:blipFill>
+        <p:spPr>
+          <a:xfrm>
+            <a:off x="228600" y="914400"/>
+            <a:ext cx="8710298" cy="4876800"/>
           </a:xfrm>
           <a:prstGeom prst="rect">
             <a:avLst/>
           </a:prstGeom>
-          <a:noFill/>
-        </p:spPr>
-        <p:txBody>
-          <a:bodyPr wrap="none" lIns="91440" tIns="45720" rIns="91440" bIns="45720">
-            <a:spAutoFit/>
-          </a:bodyPr>
-          <a:lstStyle/>
-          <a:p>
-            <a:pPr algn="ctr"/>
-            <a:r>
-              <a:rPr lang="en-US" sz="5400" b="1" dirty="0">
-                <a:ln w="9525">
-                  <a:solidFill>
-                    <a:schemeClr val="bg1"/>
-                  </a:solidFill>
-                  <a:prstDash val="solid"/>
-                </a:ln>
-                <a:solidFill>
-                  <a:schemeClr val="accent5"/>
-                </a:solidFill>
-                <a:effectLst>
-                  <a:outerShdw blurRad="12700" dist="38100" dir="2700000" algn="tl" rotWithShape="0">
-                    <a:schemeClr val="accent5">
-                      <a:lumMod val="60000"/>
-                      <a:lumOff val="40000"/>
-                    </a:schemeClr>
-                  </a:outerShdw>
-                </a:effectLst>
-              </a:rPr>
-              <a:t>Binary Tree</a:t>
-            </a:r>
-            <a:endParaRPr lang="en-US" sz="5400" b="1" cap="none" spc="0" dirty="0">
-              <a:ln w="9525">
-                <a:solidFill>
-                  <a:schemeClr val="bg1"/>
-                </a:solidFill>
-                <a:prstDash val="solid"/>
-              </a:ln>
-              <a:solidFill>
-                <a:schemeClr val="accent5"/>
-              </a:solidFill>
-              <a:effectLst>
-                <a:outerShdw blurRad="12700" dist="38100" dir="2700000" algn="tl" rotWithShape="0">
-                  <a:schemeClr val="accent5">
-                    <a:lumMod val="60000"/>
-                    <a:lumOff val="40000"/>
-                  </a:schemeClr>
-                </a:outerShdw>
-              </a:effectLst>
-            </a:endParaRPr>
-          </a:p>
-        </p:txBody>
-      </p:sp>
+          <a:ln>
+            <a:solidFill>
+              <a:srgbClr val="C0504D"/>
+            </a:solidFill>
+          </a:ln>
+        </p:spPr>
+      </p:pic>
     </p:spTree>
     <p:extLst>
       <p:ext uri="{BB962C8B-B14F-4D97-AF65-F5344CB8AC3E}">
-        <p14:creationId xmlns:p14="http://schemas.microsoft.com/office/powerpoint/2010/main" val="3783335545"/>
+        <p14:creationId xmlns:p14="http://schemas.microsoft.com/office/powerpoint/2010/main" val="3079988153"/>
       </p:ext>
     </p:extLst>
   </p:cSld>
@@ -4564,7 +6223,7 @@
           <a:p>
             <a:r>
               <a:rPr lang="en-US" dirty="0"/>
-              <a:t>Binary Trees</a:t>
+              <a:t>Linked List to Tree Conversion</a:t>
             </a:r>
           </a:p>
         </p:txBody>
@@ -4582,34 +6241,32 @@
         <p:spPr>
           <a:xfrm>
             <a:off x="76200" y="1066800"/>
-            <a:ext cx="8915400" cy="2057400"/>
-          </a:xfrm>
-        </p:spPr>
-        <p:txBody>
-          <a:bodyPr/>
+            <a:ext cx="8915400" cy="1905000"/>
+          </a:xfrm>
+        </p:spPr>
+        <p:txBody>
+          <a:bodyPr>
+            <a:normAutofit fontScale="92500" lnSpcReduction="20000"/>
+          </a:bodyPr>
           <a:lstStyle/>
           <a:p>
             <a:r>
               <a:rPr lang="en-US" dirty="0"/>
-              <a:t>Binary tree: each node has </a:t>
-            </a:r>
-            <a:r>
-              <a:rPr lang="en-US" b="1" dirty="0"/>
-              <a:t>at most two children</a:t>
+              <a:t>Linked List can be converted into orderly tree</a:t>
             </a:r>
           </a:p>
           <a:p>
             <a:pPr lvl="1"/>
             <a:r>
               <a:rPr lang="en-US" dirty="0"/>
-              <a:t>Empty tree is a binary tree</a:t>
+              <a:t>All elements are stored according to some order</a:t>
             </a:r>
           </a:p>
           <a:p>
             <a:pPr lvl="1"/>
             <a:r>
               <a:rPr lang="en-US" dirty="0"/>
-              <a:t>Each child may be empty or designated as either left child or right child</a:t>
+              <a:t>However, from searching point of view, it is not better than a linked list (if it doesn’t consist some additional constraints regarding arrangement of nodes)</a:t>
             </a:r>
           </a:p>
         </p:txBody>
@@ -4630,8 +6287,8 @@
         </p:blipFill>
         <p:spPr>
           <a:xfrm>
-            <a:off x="1600200" y="3505200"/>
-            <a:ext cx="5689600" cy="2070100"/>
+            <a:off x="1533331" y="3124200"/>
+            <a:ext cx="6391469" cy="3048000"/>
           </a:xfrm>
           <a:prstGeom prst="rect">
             <a:avLst/>
@@ -4646,7 +6303,7 @@
     </p:spTree>
     <p:extLst>
       <p:ext uri="{BB962C8B-B14F-4D97-AF65-F5344CB8AC3E}">
-        <p14:creationId xmlns:p14="http://schemas.microsoft.com/office/powerpoint/2010/main" val="727766364"/>
+        <p14:creationId xmlns:p14="http://schemas.microsoft.com/office/powerpoint/2010/main" val="3882232868"/>
       </p:ext>
     </p:extLst>
   </p:cSld>
@@ -4675,6 +6332,130 @@
       </p:grpSpPr>
       <p:sp>
         <p:nvSpPr>
+          <p:cNvPr id="5" name="Text Placeholder 4"/>
+          <p:cNvSpPr>
+            <a:spLocks noGrp="1"/>
+          </p:cNvSpPr>
+          <p:nvPr>
+            <p:ph type="body" idx="1"/>
+          </p:nvPr>
+        </p:nvSpPr>
+        <p:spPr>
+          <a:xfrm>
+            <a:off x="1066800" y="1447800"/>
+            <a:ext cx="7772400" cy="1500187"/>
+          </a:xfrm>
+        </p:spPr>
+        <p:txBody>
+          <a:bodyPr/>
+          <a:lstStyle/>
+          <a:p>
+            <a:r>
+              <a:rPr lang="en-US" dirty="0"/>
+              <a:t>Definition, Types, Traversal</a:t>
+            </a:r>
+          </a:p>
+        </p:txBody>
+      </p:sp>
+      <p:sp>
+        <p:nvSpPr>
+          <p:cNvPr id="6" name="Rectangle 5"/>
+          <p:cNvSpPr/>
+          <p:nvPr/>
+        </p:nvSpPr>
+        <p:spPr>
+          <a:xfrm rot="20209346">
+            <a:off x="2594417" y="2872654"/>
+            <a:ext cx="3955186" cy="923330"/>
+          </a:xfrm>
+          <a:prstGeom prst="rect">
+            <a:avLst/>
+          </a:prstGeom>
+          <a:noFill/>
+        </p:spPr>
+        <p:txBody>
+          <a:bodyPr wrap="none" lIns="91440" tIns="45720" rIns="91440" bIns="45720">
+            <a:spAutoFit/>
+          </a:bodyPr>
+          <a:lstStyle/>
+          <a:p>
+            <a:pPr algn="ctr"/>
+            <a:r>
+              <a:rPr lang="en-US" sz="5400" b="1" dirty="0">
+                <a:ln w="9525">
+                  <a:solidFill>
+                    <a:schemeClr val="bg1"/>
+                  </a:solidFill>
+                  <a:prstDash val="solid"/>
+                </a:ln>
+                <a:solidFill>
+                  <a:schemeClr val="accent5"/>
+                </a:solidFill>
+                <a:effectLst>
+                  <a:outerShdw blurRad="12700" dist="38100" dir="2700000" algn="tl" rotWithShape="0">
+                    <a:schemeClr val="accent5">
+                      <a:lumMod val="60000"/>
+                      <a:lumOff val="40000"/>
+                    </a:schemeClr>
+                  </a:outerShdw>
+                </a:effectLst>
+              </a:rPr>
+              <a:t>Binary Tree</a:t>
+            </a:r>
+            <a:endParaRPr lang="en-US" sz="5400" b="1" cap="none" spc="0" dirty="0">
+              <a:ln w="9525">
+                <a:solidFill>
+                  <a:schemeClr val="bg1"/>
+                </a:solidFill>
+                <a:prstDash val="solid"/>
+              </a:ln>
+              <a:solidFill>
+                <a:schemeClr val="accent5"/>
+              </a:solidFill>
+              <a:effectLst>
+                <a:outerShdw blurRad="12700" dist="38100" dir="2700000" algn="tl" rotWithShape="0">
+                  <a:schemeClr val="accent5">
+                    <a:lumMod val="60000"/>
+                    <a:lumOff val="40000"/>
+                  </a:schemeClr>
+                </a:outerShdw>
+              </a:effectLst>
+            </a:endParaRPr>
+          </a:p>
+        </p:txBody>
+      </p:sp>
+    </p:spTree>
+    <p:extLst>
+      <p:ext uri="{BB962C8B-B14F-4D97-AF65-F5344CB8AC3E}">
+        <p14:creationId xmlns:p14="http://schemas.microsoft.com/office/powerpoint/2010/main" val="3783335545"/>
+      </p:ext>
+    </p:extLst>
+  </p:cSld>
+  <p:clrMapOvr>
+    <a:masterClrMapping/>
+  </p:clrMapOvr>
+</p:sld>
+</file>
+
+<file path=ppt/slides/slide15.xml><?xml version="1.0" encoding="utf-8"?>
+<p:sld xmlns:a="http://schemas.openxmlformats.org/drawingml/2006/main" xmlns:r="http://schemas.openxmlformats.org/officeDocument/2006/relationships" xmlns:p="http://schemas.openxmlformats.org/presentationml/2006/main">
+  <p:cSld>
+    <p:spTree>
+      <p:nvGrpSpPr>
+        <p:cNvPr id="1" name=""/>
+        <p:cNvGrpSpPr/>
+        <p:nvPr/>
+      </p:nvGrpSpPr>
+      <p:grpSpPr>
+        <a:xfrm>
+          <a:off x="0" y="0"/>
+          <a:ext cx="0" cy="0"/>
+          <a:chOff x="0" y="0"/>
+          <a:chExt cx="0" cy="0"/>
+        </a:xfrm>
+      </p:grpSpPr>
+      <p:sp>
+        <p:nvSpPr>
           <p:cNvPr id="2" name="Title 1"/>
           <p:cNvSpPr>
             <a:spLocks noGrp="1"/>
@@ -4690,7 +6471,7 @@
           <a:p>
             <a:r>
               <a:rPr lang="en-US" dirty="0"/>
-              <a:t>Types of Binary Trees</a:t>
+              <a:t>Binary Trees</a:t>
             </a:r>
           </a:p>
         </p:txBody>
@@ -4708,32 +6489,34 @@
         <p:spPr>
           <a:xfrm>
             <a:off x="76200" y="1066800"/>
-            <a:ext cx="8915400" cy="2286000"/>
-          </a:xfrm>
-        </p:spPr>
-        <p:txBody>
-          <a:bodyPr>
-            <a:normAutofit fontScale="92500" lnSpcReduction="10000"/>
-          </a:bodyPr>
+            <a:ext cx="8915400" cy="2057400"/>
+          </a:xfrm>
+        </p:spPr>
+        <p:txBody>
+          <a:bodyPr/>
           <a:lstStyle/>
           <a:p>
             <a:r>
+              <a:rPr lang="en-US" dirty="0"/>
+              <a:t>Binary tree: each node has </a:t>
+            </a:r>
+            <a:r>
               <a:rPr lang="en-US" b="1" dirty="0"/>
-              <a:t>Full binary tree </a:t>
-            </a:r>
-            <a:r>
-              <a:rPr lang="en-US" dirty="0"/>
-              <a:t>(sometimes proper binary tree or 2-tree): every node other than the leaves has two children</a:t>
-            </a:r>
-          </a:p>
-          <a:p>
-            <a:r>
-              <a:rPr lang="en-US" b="1" dirty="0"/>
-              <a:t>Complete binary tree</a:t>
-            </a:r>
-            <a:r>
-              <a:rPr lang="en-US" dirty="0"/>
-              <a:t>: all non-terminal nodes have both children, and all leaves are at the same level</a:t>
+              <a:t>at most two children</a:t>
+            </a:r>
+          </a:p>
+          <a:p>
+            <a:pPr lvl="1"/>
+            <a:r>
+              <a:rPr lang="en-US" dirty="0"/>
+              <a:t>Empty tree is a binary tree</a:t>
+            </a:r>
+          </a:p>
+          <a:p>
+            <a:pPr lvl="1"/>
+            <a:r>
+              <a:rPr lang="en-US" dirty="0"/>
+              <a:t>Each child may be empty or designated as either left child or right child</a:t>
             </a:r>
           </a:p>
         </p:txBody>
@@ -4754,6 +6537,130 @@
         </p:blipFill>
         <p:spPr>
           <a:xfrm>
+            <a:off x="1600200" y="3505200"/>
+            <a:ext cx="5689600" cy="2070100"/>
+          </a:xfrm>
+          <a:prstGeom prst="rect">
+            <a:avLst/>
+          </a:prstGeom>
+          <a:ln>
+            <a:solidFill>
+              <a:srgbClr val="C0504D"/>
+            </a:solidFill>
+          </a:ln>
+        </p:spPr>
+      </p:pic>
+    </p:spTree>
+    <p:extLst>
+      <p:ext uri="{BB962C8B-B14F-4D97-AF65-F5344CB8AC3E}">
+        <p14:creationId xmlns:p14="http://schemas.microsoft.com/office/powerpoint/2010/main" val="727766364"/>
+      </p:ext>
+    </p:extLst>
+  </p:cSld>
+  <p:clrMapOvr>
+    <a:masterClrMapping/>
+  </p:clrMapOvr>
+</p:sld>
+</file>
+
+<file path=ppt/slides/slide16.xml><?xml version="1.0" encoding="utf-8"?>
+<p:sld xmlns:a="http://schemas.openxmlformats.org/drawingml/2006/main" xmlns:r="http://schemas.openxmlformats.org/officeDocument/2006/relationships" xmlns:p="http://schemas.openxmlformats.org/presentationml/2006/main">
+  <p:cSld>
+    <p:spTree>
+      <p:nvGrpSpPr>
+        <p:cNvPr id="1" name=""/>
+        <p:cNvGrpSpPr/>
+        <p:nvPr/>
+      </p:nvGrpSpPr>
+      <p:grpSpPr>
+        <a:xfrm>
+          <a:off x="0" y="0"/>
+          <a:ext cx="0" cy="0"/>
+          <a:chOff x="0" y="0"/>
+          <a:chExt cx="0" cy="0"/>
+        </a:xfrm>
+      </p:grpSpPr>
+      <p:sp>
+        <p:nvSpPr>
+          <p:cNvPr id="2" name="Title 1"/>
+          <p:cNvSpPr>
+            <a:spLocks noGrp="1"/>
+          </p:cNvSpPr>
+          <p:nvPr>
+            <p:ph type="title"/>
+          </p:nvPr>
+        </p:nvSpPr>
+        <p:spPr/>
+        <p:txBody>
+          <a:bodyPr/>
+          <a:lstStyle/>
+          <a:p>
+            <a:r>
+              <a:rPr lang="en-US" dirty="0"/>
+              <a:t>Types of Binary Trees</a:t>
+            </a:r>
+          </a:p>
+        </p:txBody>
+      </p:sp>
+      <p:sp>
+        <p:nvSpPr>
+          <p:cNvPr id="3" name="Content Placeholder 2"/>
+          <p:cNvSpPr>
+            <a:spLocks noGrp="1"/>
+          </p:cNvSpPr>
+          <p:nvPr>
+            <p:ph idx="1"/>
+          </p:nvPr>
+        </p:nvSpPr>
+        <p:spPr>
+          <a:xfrm>
+            <a:off x="76200" y="1066800"/>
+            <a:ext cx="8915400" cy="2286000"/>
+          </a:xfrm>
+        </p:spPr>
+        <p:txBody>
+          <a:bodyPr>
+            <a:normAutofit fontScale="92500" lnSpcReduction="10000"/>
+          </a:bodyPr>
+          <a:lstStyle/>
+          <a:p>
+            <a:r>
+              <a:rPr lang="en-US" b="1" dirty="0"/>
+              <a:t>Full binary tree </a:t>
+            </a:r>
+            <a:r>
+              <a:rPr lang="en-US" dirty="0"/>
+              <a:t>(sometimes proper binary tree or 2-tree): every node other than the leaves has two children</a:t>
+            </a:r>
+          </a:p>
+          <a:p>
+            <a:r>
+              <a:rPr lang="en-US" b="1" dirty="0"/>
+              <a:t>Complete binary tree</a:t>
+            </a:r>
+            <a:r>
+              <a:rPr lang="en-US" dirty="0"/>
+              <a:t>: all non-terminal nodes have both children, and all leaves are at the same level</a:t>
+            </a:r>
+          </a:p>
+        </p:txBody>
+      </p:sp>
+      <p:pic>
+        <p:nvPicPr>
+          <p:cNvPr id="4" name="Picture 3"/>
+          <p:cNvPicPr>
+            <a:picLocks noChangeAspect="1"/>
+          </p:cNvPicPr>
+          <p:nvPr/>
+        </p:nvPicPr>
+        <p:blipFill>
+          <a:blip r:embed="rId2"/>
+          <a:stretch>
+            <a:fillRect/>
+          </a:stretch>
+        </p:blipFill>
+        <p:spPr>
+          <a:xfrm>
             <a:off x="1485900" y="3657600"/>
             <a:ext cx="6172200" cy="2374900"/>
           </a:xfrm>
@@ -4780,7 +6687,7 @@
 </p:sld>
 </file>
 
-<file path=ppt/slides/slide15.xml><?xml version="1.0" encoding="utf-8"?>
+<file path=ppt/slides/slide17.xml><?xml version="1.0" encoding="utf-8"?>
 <p:sld xmlns:a="http://schemas.openxmlformats.org/drawingml/2006/main" xmlns:r="http://schemas.openxmlformats.org/officeDocument/2006/relationships" xmlns:p="http://schemas.openxmlformats.org/presentationml/2006/main">
   <p:cSld>
     <p:spTree>
@@ -5199,431 +7106,6 @@
 </p:sld>
 </file>
 
-<file path=ppt/slides/slide16.xml><?xml version="1.0" encoding="utf-8"?>
-<p:sld xmlns:a="http://schemas.openxmlformats.org/drawingml/2006/main" xmlns:r="http://schemas.openxmlformats.org/officeDocument/2006/relationships" xmlns:p="http://schemas.openxmlformats.org/presentationml/2006/main">
-  <p:cSld>
-    <p:spTree>
-      <p:nvGrpSpPr>
-        <p:cNvPr id="1" name=""/>
-        <p:cNvGrpSpPr/>
-        <p:nvPr/>
-      </p:nvGrpSpPr>
-      <p:grpSpPr>
-        <a:xfrm>
-          <a:off x="0" y="0"/>
-          <a:ext cx="0" cy="0"/>
-          <a:chOff x="0" y="0"/>
-          <a:chExt cx="0" cy="0"/>
-        </a:xfrm>
-      </p:grpSpPr>
-      <p:sp>
-        <p:nvSpPr>
-          <p:cNvPr id="2" name="Title 1"/>
-          <p:cNvSpPr>
-            <a:spLocks noGrp="1"/>
-          </p:cNvSpPr>
-          <p:nvPr>
-            <p:ph type="title"/>
-          </p:nvPr>
-        </p:nvSpPr>
-        <p:spPr/>
-        <p:txBody>
-          <a:bodyPr/>
-          <a:lstStyle/>
-          <a:p>
-            <a:r>
-              <a:rPr lang="en-US" dirty="0"/>
-              <a:t>Breadth-first Tree traversal example</a:t>
-            </a:r>
-          </a:p>
-        </p:txBody>
-      </p:sp>
-      <p:pic>
-        <p:nvPicPr>
-          <p:cNvPr id="4" name="Picture 3"/>
-          <p:cNvPicPr>
-            <a:picLocks noChangeAspect="1"/>
-          </p:cNvPicPr>
-          <p:nvPr/>
-        </p:nvPicPr>
-        <p:blipFill>
-          <a:blip r:embed="rId2"/>
-          <a:stretch>
-            <a:fillRect/>
-          </a:stretch>
-        </p:blipFill>
-        <p:spPr>
-          <a:xfrm>
-            <a:off x="1676400" y="896789"/>
-            <a:ext cx="4305300" cy="3980011"/>
-          </a:xfrm>
-          <a:prstGeom prst="rect">
-            <a:avLst/>
-          </a:prstGeom>
-          <a:ln>
-            <a:solidFill>
-              <a:srgbClr val="C0504D"/>
-            </a:solidFill>
-          </a:ln>
-        </p:spPr>
-      </p:pic>
-      <p:sp>
-        <p:nvSpPr>
-          <p:cNvPr id="5" name="TextBox 4"/>
-          <p:cNvSpPr txBox="1"/>
-          <p:nvPr/>
-        </p:nvSpPr>
-        <p:spPr>
-          <a:xfrm>
-            <a:off x="2590800" y="5068669"/>
-            <a:ext cx="2544499" cy="646331"/>
-          </a:xfrm>
-          <a:prstGeom prst="rect">
-            <a:avLst/>
-          </a:prstGeom>
-          <a:noFill/>
-        </p:spPr>
-        <p:txBody>
-          <a:bodyPr wrap="none" rtlCol="0">
-            <a:spAutoFit/>
-          </a:bodyPr>
-          <a:lstStyle/>
-          <a:p>
-            <a:r>
-              <a:rPr lang="en-US" b="1" dirty="0"/>
-              <a:t>Bread-first traversal:</a:t>
-            </a:r>
-          </a:p>
-          <a:p>
-            <a:r>
-              <a:rPr lang="en-US" b="1" dirty="0"/>
-              <a:t>A, B, C, D, E, F, G, H, I</a:t>
-            </a:r>
-          </a:p>
-        </p:txBody>
-      </p:sp>
-      <p:sp>
-        <p:nvSpPr>
-          <p:cNvPr id="3" name="Speech Bubble: Rectangle with Corners Rounded 2"/>
-          <p:cNvSpPr/>
-          <p:nvPr/>
-        </p:nvSpPr>
-        <p:spPr>
-          <a:xfrm>
-            <a:off x="6400800" y="1298713"/>
-            <a:ext cx="1981200" cy="838200"/>
-          </a:xfrm>
-          <a:prstGeom prst="wedgeRoundRectCallout">
-            <a:avLst/>
-          </a:prstGeom>
-        </p:spPr>
-        <p:style>
-          <a:lnRef idx="2">
-            <a:schemeClr val="accent1">
-              <a:shade val="50000"/>
-            </a:schemeClr>
-          </a:lnRef>
-          <a:fillRef idx="1">
-            <a:schemeClr val="accent1"/>
-          </a:fillRef>
-          <a:effectRef idx="0">
-            <a:schemeClr val="accent1"/>
-          </a:effectRef>
-          <a:fontRef idx="minor">
-            <a:schemeClr val="lt1"/>
-          </a:fontRef>
-        </p:style>
-        <p:txBody>
-          <a:bodyPr rtlCol="0" anchor="ctr"/>
-          <a:lstStyle/>
-          <a:p>
-            <a:pPr algn="ctr"/>
-            <a:r>
-              <a:rPr lang="en-US" dirty="0"/>
-              <a:t>Same level first</a:t>
-            </a:r>
-          </a:p>
-        </p:txBody>
-      </p:sp>
-      <p:cxnSp>
-        <p:nvCxnSpPr>
-          <p:cNvPr id="7" name="Straight Arrow Connector 6"/>
-          <p:cNvCxnSpPr>
-            <a:cxnSpLocks/>
-          </p:cNvCxnSpPr>
-          <p:nvPr/>
-        </p:nvCxnSpPr>
-        <p:spPr>
-          <a:xfrm>
-            <a:off x="1066800" y="1295400"/>
-            <a:ext cx="3733800" cy="0"/>
-          </a:xfrm>
-          <a:prstGeom prst="straightConnector1">
-            <a:avLst/>
-          </a:prstGeom>
-          <a:ln>
-            <a:tailEnd type="triangle"/>
-          </a:ln>
-        </p:spPr>
-        <p:style>
-          <a:lnRef idx="1">
-            <a:schemeClr val="accent1"/>
-          </a:lnRef>
-          <a:fillRef idx="0">
-            <a:schemeClr val="accent1"/>
-          </a:fillRef>
-          <a:effectRef idx="0">
-            <a:schemeClr val="accent1"/>
-          </a:effectRef>
-          <a:fontRef idx="minor">
-            <a:schemeClr val="tx1"/>
-          </a:fontRef>
-        </p:style>
-      </p:cxnSp>
-      <p:cxnSp>
-        <p:nvCxnSpPr>
-          <p:cNvPr id="9" name="Straight Arrow Connector 8"/>
-          <p:cNvCxnSpPr>
-            <a:cxnSpLocks/>
-          </p:cNvCxnSpPr>
-          <p:nvPr/>
-        </p:nvCxnSpPr>
-        <p:spPr>
-          <a:xfrm>
-            <a:off x="1676400" y="2286000"/>
-            <a:ext cx="3733800" cy="0"/>
-          </a:xfrm>
-          <a:prstGeom prst="straightConnector1">
-            <a:avLst/>
-          </a:prstGeom>
-          <a:ln>
-            <a:tailEnd type="triangle"/>
-          </a:ln>
-        </p:spPr>
-        <p:style>
-          <a:lnRef idx="1">
-            <a:schemeClr val="accent1"/>
-          </a:lnRef>
-          <a:fillRef idx="0">
-            <a:schemeClr val="accent1"/>
-          </a:fillRef>
-          <a:effectRef idx="0">
-            <a:schemeClr val="accent1"/>
-          </a:effectRef>
-          <a:fontRef idx="minor">
-            <a:schemeClr val="tx1"/>
-          </a:fontRef>
-        </p:style>
-      </p:cxnSp>
-      <p:cxnSp>
-        <p:nvCxnSpPr>
-          <p:cNvPr id="10" name="Straight Arrow Connector 9"/>
-          <p:cNvCxnSpPr>
-            <a:cxnSpLocks/>
-          </p:cNvCxnSpPr>
-          <p:nvPr/>
-        </p:nvCxnSpPr>
-        <p:spPr>
-          <a:xfrm>
-            <a:off x="1066800" y="3352800"/>
-            <a:ext cx="5181600" cy="0"/>
-          </a:xfrm>
-          <a:prstGeom prst="straightConnector1">
-            <a:avLst/>
-          </a:prstGeom>
-          <a:ln>
-            <a:tailEnd type="triangle"/>
-          </a:ln>
-        </p:spPr>
-        <p:style>
-          <a:lnRef idx="1">
-            <a:schemeClr val="accent1"/>
-          </a:lnRef>
-          <a:fillRef idx="0">
-            <a:schemeClr val="accent1"/>
-          </a:fillRef>
-          <a:effectRef idx="0">
-            <a:schemeClr val="accent1"/>
-          </a:effectRef>
-          <a:fontRef idx="minor">
-            <a:schemeClr val="tx1"/>
-          </a:fontRef>
-        </p:style>
-      </p:cxnSp>
-      <p:cxnSp>
-        <p:nvCxnSpPr>
-          <p:cNvPr id="12" name="Straight Arrow Connector 11"/>
-          <p:cNvCxnSpPr>
-            <a:cxnSpLocks/>
-          </p:cNvCxnSpPr>
-          <p:nvPr/>
-        </p:nvCxnSpPr>
-        <p:spPr>
-          <a:xfrm>
-            <a:off x="1066800" y="4419600"/>
-            <a:ext cx="3276600" cy="0"/>
-          </a:xfrm>
-          <a:prstGeom prst="straightConnector1">
-            <a:avLst/>
-          </a:prstGeom>
-          <a:ln>
-            <a:tailEnd type="triangle"/>
-          </a:ln>
-        </p:spPr>
-        <p:style>
-          <a:lnRef idx="1">
-            <a:schemeClr val="accent1"/>
-          </a:lnRef>
-          <a:fillRef idx="0">
-            <a:schemeClr val="accent1"/>
-          </a:fillRef>
-          <a:effectRef idx="0">
-            <a:schemeClr val="accent1"/>
-          </a:effectRef>
-          <a:fontRef idx="minor">
-            <a:schemeClr val="tx1"/>
-          </a:fontRef>
-        </p:style>
-      </p:cxnSp>
-      <p:sp>
-        <p:nvSpPr>
-          <p:cNvPr id="14" name="Speech Bubble: Rectangle with Corners Rounded 13"/>
-          <p:cNvSpPr/>
-          <p:nvPr/>
-        </p:nvSpPr>
-        <p:spPr>
-          <a:xfrm>
-            <a:off x="6391523" y="2590800"/>
-            <a:ext cx="1981200" cy="838200"/>
-          </a:xfrm>
-          <a:prstGeom prst="wedgeRoundRectCallout">
-            <a:avLst/>
-          </a:prstGeom>
-        </p:spPr>
-        <p:style>
-          <a:lnRef idx="2">
-            <a:schemeClr val="accent1">
-              <a:shade val="50000"/>
-            </a:schemeClr>
-          </a:lnRef>
-          <a:fillRef idx="1">
-            <a:schemeClr val="accent1"/>
-          </a:fillRef>
-          <a:effectRef idx="0">
-            <a:schemeClr val="accent1"/>
-          </a:effectRef>
-          <a:fontRef idx="minor">
-            <a:schemeClr val="lt1"/>
-          </a:fontRef>
-        </p:style>
-        <p:txBody>
-          <a:bodyPr rtlCol="0" anchor="ctr"/>
-          <a:lstStyle/>
-          <a:p>
-            <a:pPr algn="ctr"/>
-            <a:r>
-              <a:rPr lang="en-US" dirty="0"/>
-              <a:t>Using queue</a:t>
-            </a:r>
-          </a:p>
-        </p:txBody>
-      </p:sp>
-    </p:spTree>
-    <p:extLst>
-      <p:ext uri="{BB962C8B-B14F-4D97-AF65-F5344CB8AC3E}">
-        <p14:creationId xmlns:p14="http://schemas.microsoft.com/office/powerpoint/2010/main" val="1073212013"/>
-      </p:ext>
-    </p:extLst>
-  </p:cSld>
-  <p:clrMapOvr>
-    <a:masterClrMapping/>
-  </p:clrMapOvr>
-</p:sld>
-</file>
-
-<file path=ppt/slides/slide17.xml><?xml version="1.0" encoding="utf-8"?>
-<p:sld xmlns:a="http://schemas.openxmlformats.org/drawingml/2006/main" xmlns:r="http://schemas.openxmlformats.org/officeDocument/2006/relationships" xmlns:p="http://schemas.openxmlformats.org/presentationml/2006/main">
-  <p:cSld>
-    <p:spTree>
-      <p:nvGrpSpPr>
-        <p:cNvPr id="1" name=""/>
-        <p:cNvGrpSpPr/>
-        <p:nvPr/>
-      </p:nvGrpSpPr>
-      <p:grpSpPr>
-        <a:xfrm>
-          <a:off x="0" y="0"/>
-          <a:ext cx="0" cy="0"/>
-          <a:chOff x="0" y="0"/>
-          <a:chExt cx="0" cy="0"/>
-        </a:xfrm>
-      </p:grpSpPr>
-      <p:sp>
-        <p:nvSpPr>
-          <p:cNvPr id="2" name="Title 1"/>
-          <p:cNvSpPr>
-            <a:spLocks noGrp="1"/>
-          </p:cNvSpPr>
-          <p:nvPr>
-            <p:ph type="title"/>
-          </p:nvPr>
-        </p:nvSpPr>
-        <p:spPr/>
-        <p:txBody>
-          <a:bodyPr>
-            <a:normAutofit/>
-          </a:bodyPr>
-          <a:lstStyle/>
-          <a:p>
-            <a:r>
-              <a:rPr lang="en-US" dirty="0"/>
-              <a:t>Tutorial: visit first or recursive call first</a:t>
-            </a:r>
-          </a:p>
-        </p:txBody>
-      </p:sp>
-      <p:pic>
-        <p:nvPicPr>
-          <p:cNvPr id="3" name="Picture 2"/>
-          <p:cNvPicPr>
-            <a:picLocks noChangeAspect="1"/>
-          </p:cNvPicPr>
-          <p:nvPr/>
-        </p:nvPicPr>
-        <p:blipFill>
-          <a:blip r:embed="rId2"/>
-          <a:stretch>
-            <a:fillRect/>
-          </a:stretch>
-        </p:blipFill>
-        <p:spPr>
-          <a:xfrm>
-            <a:off x="0" y="918210"/>
-            <a:ext cx="9144000" cy="5863590"/>
-          </a:xfrm>
-          <a:prstGeom prst="rect">
-            <a:avLst/>
-          </a:prstGeom>
-          <a:ln>
-            <a:solidFill>
-              <a:srgbClr val="C0504D"/>
-            </a:solidFill>
-          </a:ln>
-        </p:spPr>
-      </p:pic>
-    </p:spTree>
-    <p:extLst>
-      <p:ext uri="{BB962C8B-B14F-4D97-AF65-F5344CB8AC3E}">
-        <p14:creationId xmlns:p14="http://schemas.microsoft.com/office/powerpoint/2010/main" val="4162024279"/>
-      </p:ext>
-    </p:extLst>
-  </p:cSld>
-  <p:clrMapOvr>
-    <a:masterClrMapping/>
-  </p:clrMapOvr>
-</p:sld>
-</file>
-
 <file path=ppt/slides/slide18.xml><?xml version="1.0" encoding="utf-8"?>
 <p:sld xmlns:a="http://schemas.openxmlformats.org/drawingml/2006/main" xmlns:r="http://schemas.openxmlformats.org/officeDocument/2006/relationships" xmlns:p="http://schemas.openxmlformats.org/presentationml/2006/main">
   <p:cSld>
@@ -5658,104 +7140,305 @@
           <a:p>
             <a:r>
               <a:rPr lang="en-US" dirty="0"/>
-              <a:t>Tree traversal (2)</a:t>
-            </a:r>
-          </a:p>
-        </p:txBody>
-      </p:sp>
-      <p:sp>
-        <p:nvSpPr>
-          <p:cNvPr id="3" name="Content Placeholder 2"/>
-          <p:cNvSpPr>
-            <a:spLocks noGrp="1"/>
-          </p:cNvSpPr>
-          <p:nvPr>
-            <p:ph idx="1"/>
-          </p:nvPr>
-        </p:nvSpPr>
-        <p:spPr/>
-        <p:txBody>
-          <a:bodyPr>
-            <a:normAutofit/>
+              <a:t>Breadth-first Tree traversal example</a:t>
+            </a:r>
+          </a:p>
+        </p:txBody>
+      </p:sp>
+      <p:pic>
+        <p:nvPicPr>
+          <p:cNvPr id="4" name="Picture 3"/>
+          <p:cNvPicPr>
+            <a:picLocks noChangeAspect="1"/>
+          </p:cNvPicPr>
+          <p:nvPr/>
+        </p:nvPicPr>
+        <p:blipFill>
+          <a:blip r:embed="rId2"/>
+          <a:stretch>
+            <a:fillRect/>
+          </a:stretch>
+        </p:blipFill>
+        <p:spPr>
+          <a:xfrm>
+            <a:off x="1676400" y="896789"/>
+            <a:ext cx="4305300" cy="3980011"/>
+          </a:xfrm>
+          <a:prstGeom prst="rect">
+            <a:avLst/>
+          </a:prstGeom>
+          <a:ln>
+            <a:solidFill>
+              <a:srgbClr val="C0504D"/>
+            </a:solidFill>
+          </a:ln>
+        </p:spPr>
+      </p:pic>
+      <p:sp>
+        <p:nvSpPr>
+          <p:cNvPr id="5" name="TextBox 4"/>
+          <p:cNvSpPr txBox="1"/>
+          <p:nvPr/>
+        </p:nvSpPr>
+        <p:spPr>
+          <a:xfrm>
+            <a:off x="2590800" y="5068669"/>
+            <a:ext cx="2544499" cy="646331"/>
+          </a:xfrm>
+          <a:prstGeom prst="rect">
+            <a:avLst/>
+          </a:prstGeom>
+          <a:noFill/>
+        </p:spPr>
+        <p:txBody>
+          <a:bodyPr wrap="none" rtlCol="0">
+            <a:spAutoFit/>
           </a:bodyPr>
           <a:lstStyle/>
           <a:p>
             <a:r>
-              <a:rPr lang="en-US" dirty="0"/>
-              <a:t>Depth-first traversal:</a:t>
-            </a:r>
-          </a:p>
-          <a:p>
-            <a:pPr lvl="1"/>
-            <a:r>
-              <a:rPr lang="en-US" dirty="0"/>
-              <a:t>Proceeds as far as possible to the left (or right)</a:t>
-            </a:r>
-          </a:p>
-          <a:p>
-            <a:pPr lvl="1"/>
-            <a:r>
-              <a:rPr lang="en-US" dirty="0"/>
-              <a:t>Then backs up until the first crossroad</a:t>
-            </a:r>
-          </a:p>
-          <a:p>
-            <a:pPr lvl="1"/>
-            <a:r>
-              <a:rPr lang="en-US" dirty="0"/>
-              <a:t>Goes one step to the right (or left)</a:t>
-            </a:r>
-          </a:p>
-          <a:p>
-            <a:pPr lvl="1"/>
-            <a:r>
-              <a:rPr lang="en-US" dirty="0"/>
-              <a:t>Again, as far as possible to the left (or right)</a:t>
-            </a:r>
-          </a:p>
-          <a:p>
-            <a:r>
-              <a:rPr lang="en-US" dirty="0"/>
-              <a:t>There are three tasks to be done:</a:t>
-            </a:r>
-          </a:p>
-          <a:p>
-            <a:pPr lvl="1"/>
-            <a:r>
-              <a:rPr lang="en-US" dirty="0"/>
-              <a:t>V: Visiting a node</a:t>
-            </a:r>
-          </a:p>
-          <a:p>
-            <a:pPr lvl="1"/>
-            <a:r>
-              <a:rPr lang="en-US" dirty="0"/>
-              <a:t>L: Traversing the left </a:t>
-            </a:r>
-            <a:r>
-              <a:rPr lang="en-US" dirty="0" err="1"/>
-              <a:t>subtree</a:t>
-            </a:r>
-            <a:endParaRPr lang="en-US" dirty="0"/>
-          </a:p>
-          <a:p>
-            <a:pPr lvl="1"/>
-            <a:r>
-              <a:rPr lang="en-US" dirty="0"/>
-              <a:t>R: Traversing the right </a:t>
-            </a:r>
-            <a:r>
-              <a:rPr lang="en-US" dirty="0" err="1"/>
-              <a:t>subtree</a:t>
-            </a:r>
-            <a:endParaRPr lang="en-US" dirty="0"/>
+              <a:rPr lang="en-US" b="1" dirty="0"/>
+              <a:t>Bread-first traversal:</a:t>
+            </a:r>
+          </a:p>
+          <a:p>
+            <a:r>
+              <a:rPr lang="en-US" b="1" dirty="0"/>
+              <a:t>A, B, C, D, E, F, G, H, I</a:t>
+            </a:r>
+          </a:p>
+        </p:txBody>
+      </p:sp>
+      <p:sp>
+        <p:nvSpPr>
+          <p:cNvPr id="3" name="Speech Bubble: Rectangle with Corners Rounded 2"/>
+          <p:cNvSpPr/>
+          <p:nvPr/>
+        </p:nvSpPr>
+        <p:spPr>
+          <a:xfrm>
+            <a:off x="6400800" y="1298713"/>
+            <a:ext cx="1981200" cy="838200"/>
+          </a:xfrm>
+          <a:prstGeom prst="wedgeRoundRectCallout">
+            <a:avLst/>
+          </a:prstGeom>
+        </p:spPr>
+        <p:style>
+          <a:lnRef idx="2">
+            <a:schemeClr val="accent1">
+              <a:shade val="50000"/>
+            </a:schemeClr>
+          </a:lnRef>
+          <a:fillRef idx="1">
+            <a:schemeClr val="accent1"/>
+          </a:fillRef>
+          <a:effectRef idx="0">
+            <a:schemeClr val="accent1"/>
+          </a:effectRef>
+          <a:fontRef idx="minor">
+            <a:schemeClr val="lt1"/>
+          </a:fontRef>
+        </p:style>
+        <p:txBody>
+          <a:bodyPr rtlCol="0" anchor="ctr"/>
+          <a:lstStyle/>
+          <a:p>
+            <a:pPr algn="ctr"/>
+            <a:r>
+              <a:rPr lang="en-US" dirty="0"/>
+              <a:t>Same level first</a:t>
+            </a:r>
+          </a:p>
+        </p:txBody>
+      </p:sp>
+      <p:cxnSp>
+        <p:nvCxnSpPr>
+          <p:cNvPr id="7" name="Straight Arrow Connector 6"/>
+          <p:cNvCxnSpPr>
+            <a:cxnSpLocks/>
+          </p:cNvCxnSpPr>
+          <p:nvPr/>
+        </p:nvCxnSpPr>
+        <p:spPr>
+          <a:xfrm>
+            <a:off x="1066800" y="1295400"/>
+            <a:ext cx="3733800" cy="0"/>
+          </a:xfrm>
+          <a:prstGeom prst="straightConnector1">
+            <a:avLst/>
+          </a:prstGeom>
+          <a:ln>
+            <a:tailEnd type="triangle"/>
+          </a:ln>
+        </p:spPr>
+        <p:style>
+          <a:lnRef idx="1">
+            <a:schemeClr val="accent1"/>
+          </a:lnRef>
+          <a:fillRef idx="0">
+            <a:schemeClr val="accent1"/>
+          </a:fillRef>
+          <a:effectRef idx="0">
+            <a:schemeClr val="accent1"/>
+          </a:effectRef>
+          <a:fontRef idx="minor">
+            <a:schemeClr val="tx1"/>
+          </a:fontRef>
+        </p:style>
+      </p:cxnSp>
+      <p:cxnSp>
+        <p:nvCxnSpPr>
+          <p:cNvPr id="9" name="Straight Arrow Connector 8"/>
+          <p:cNvCxnSpPr>
+            <a:cxnSpLocks/>
+          </p:cNvCxnSpPr>
+          <p:nvPr/>
+        </p:nvCxnSpPr>
+        <p:spPr>
+          <a:xfrm>
+            <a:off x="1676400" y="2286000"/>
+            <a:ext cx="3733800" cy="0"/>
+          </a:xfrm>
+          <a:prstGeom prst="straightConnector1">
+            <a:avLst/>
+          </a:prstGeom>
+          <a:ln>
+            <a:tailEnd type="triangle"/>
+          </a:ln>
+        </p:spPr>
+        <p:style>
+          <a:lnRef idx="1">
+            <a:schemeClr val="accent1"/>
+          </a:lnRef>
+          <a:fillRef idx="0">
+            <a:schemeClr val="accent1"/>
+          </a:fillRef>
+          <a:effectRef idx="0">
+            <a:schemeClr val="accent1"/>
+          </a:effectRef>
+          <a:fontRef idx="minor">
+            <a:schemeClr val="tx1"/>
+          </a:fontRef>
+        </p:style>
+      </p:cxnSp>
+      <p:cxnSp>
+        <p:nvCxnSpPr>
+          <p:cNvPr id="10" name="Straight Arrow Connector 9"/>
+          <p:cNvCxnSpPr>
+            <a:cxnSpLocks/>
+          </p:cNvCxnSpPr>
+          <p:nvPr/>
+        </p:nvCxnSpPr>
+        <p:spPr>
+          <a:xfrm>
+            <a:off x="1066800" y="3352800"/>
+            <a:ext cx="5181600" cy="0"/>
+          </a:xfrm>
+          <a:prstGeom prst="straightConnector1">
+            <a:avLst/>
+          </a:prstGeom>
+          <a:ln>
+            <a:tailEnd type="triangle"/>
+          </a:ln>
+        </p:spPr>
+        <p:style>
+          <a:lnRef idx="1">
+            <a:schemeClr val="accent1"/>
+          </a:lnRef>
+          <a:fillRef idx="0">
+            <a:schemeClr val="accent1"/>
+          </a:fillRef>
+          <a:effectRef idx="0">
+            <a:schemeClr val="accent1"/>
+          </a:effectRef>
+          <a:fontRef idx="minor">
+            <a:schemeClr val="tx1"/>
+          </a:fontRef>
+        </p:style>
+      </p:cxnSp>
+      <p:cxnSp>
+        <p:nvCxnSpPr>
+          <p:cNvPr id="12" name="Straight Arrow Connector 11"/>
+          <p:cNvCxnSpPr>
+            <a:cxnSpLocks/>
+          </p:cNvCxnSpPr>
+          <p:nvPr/>
+        </p:nvCxnSpPr>
+        <p:spPr>
+          <a:xfrm>
+            <a:off x="1066800" y="4419600"/>
+            <a:ext cx="3276600" cy="0"/>
+          </a:xfrm>
+          <a:prstGeom prst="straightConnector1">
+            <a:avLst/>
+          </a:prstGeom>
+          <a:ln>
+            <a:tailEnd type="triangle"/>
+          </a:ln>
+        </p:spPr>
+        <p:style>
+          <a:lnRef idx="1">
+            <a:schemeClr val="accent1"/>
+          </a:lnRef>
+          <a:fillRef idx="0">
+            <a:schemeClr val="accent1"/>
+          </a:fillRef>
+          <a:effectRef idx="0">
+            <a:schemeClr val="accent1"/>
+          </a:effectRef>
+          <a:fontRef idx="minor">
+            <a:schemeClr val="tx1"/>
+          </a:fontRef>
+        </p:style>
+      </p:cxnSp>
+      <p:sp>
+        <p:nvSpPr>
+          <p:cNvPr id="14" name="Speech Bubble: Rectangle with Corners Rounded 13"/>
+          <p:cNvSpPr/>
+          <p:nvPr/>
+        </p:nvSpPr>
+        <p:spPr>
+          <a:xfrm>
+            <a:off x="6391523" y="2590800"/>
+            <a:ext cx="1981200" cy="838200"/>
+          </a:xfrm>
+          <a:prstGeom prst="wedgeRoundRectCallout">
+            <a:avLst/>
+          </a:prstGeom>
+        </p:spPr>
+        <p:style>
+          <a:lnRef idx="2">
+            <a:schemeClr val="accent1">
+              <a:shade val="50000"/>
+            </a:schemeClr>
+          </a:lnRef>
+          <a:fillRef idx="1">
+            <a:schemeClr val="accent1"/>
+          </a:fillRef>
+          <a:effectRef idx="0">
+            <a:schemeClr val="accent1"/>
+          </a:effectRef>
+          <a:fontRef idx="minor">
+            <a:schemeClr val="lt1"/>
+          </a:fontRef>
+        </p:style>
+        <p:txBody>
+          <a:bodyPr rtlCol="0" anchor="ctr"/>
+          <a:lstStyle/>
+          <a:p>
+            <a:pPr algn="ctr"/>
+            <a:r>
+              <a:rPr lang="en-US" dirty="0"/>
+              <a:t>Using queue</a:t>
+            </a:r>
           </a:p>
         </p:txBody>
       </p:sp>
     </p:spTree>
     <p:extLst>
       <p:ext uri="{BB962C8B-B14F-4D97-AF65-F5344CB8AC3E}">
-        <p14:creationId xmlns:p14="http://schemas.microsoft.com/office/powerpoint/2010/main" val="943394343"/>
+        <p14:creationId xmlns:p14="http://schemas.microsoft.com/office/powerpoint/2010/main" val="1073212013"/>
       </p:ext>
     </p:extLst>
   </p:cSld>
@@ -5799,7 +7482,7 @@
           <a:p>
             <a:r>
               <a:rPr lang="en-US" dirty="0"/>
-              <a:t>Ways of depth-first traversal</a:t>
+              <a:t>Henry</a:t>
             </a:r>
           </a:p>
         </p:txBody>
@@ -5821,90 +7504,21 @@
           <a:p>
             <a:r>
               <a:rPr lang="en-US" dirty="0"/>
-              <a:t>Three tasks can be ordered in 3!=6 ways</a:t>
-            </a:r>
-          </a:p>
-          <a:p>
-            <a:r>
-              <a:rPr lang="en-US" dirty="0"/>
-              <a:t>There are 6 possible ordered depth-first traversals</a:t>
-            </a:r>
-          </a:p>
-          <a:p>
-            <a:r>
-              <a:rPr lang="en-US" dirty="0"/>
-              <a:t>It can be reduced to 3 traversals </a:t>
-            </a:r>
-          </a:p>
-          <a:p>
-            <a:pPr lvl="1"/>
-            <a:r>
-              <a:rPr lang="en-US" dirty="0"/>
-              <a:t>The move is always from left to right and </a:t>
-            </a:r>
-          </a:p>
-          <a:p>
-            <a:pPr lvl="1"/>
-            <a:r>
-              <a:rPr lang="en-US" dirty="0"/>
-              <a:t>Attention is focused on the first column.</a:t>
-            </a:r>
-          </a:p>
-          <a:p>
-            <a:r>
-              <a:rPr lang="en-US" dirty="0"/>
-              <a:t>The 3 traversals are given these standard names</a:t>
-            </a:r>
-          </a:p>
-          <a:p>
-            <a:pPr lvl="1"/>
-            <a:r>
-              <a:rPr lang="en-US" dirty="0"/>
-              <a:t>VLR: Preorder traversal (or NLR)</a:t>
-            </a:r>
-          </a:p>
-          <a:p>
-            <a:pPr lvl="1"/>
-            <a:r>
-              <a:rPr lang="en-US" dirty="0"/>
-              <a:t>LVR: </a:t>
-            </a:r>
-            <a:r>
-              <a:rPr lang="en-US" dirty="0" err="1"/>
-              <a:t>Inorder</a:t>
-            </a:r>
-            <a:r>
-              <a:rPr lang="en-US" dirty="0"/>
-              <a:t> traversal (or LNR)</a:t>
-            </a:r>
-          </a:p>
-          <a:p>
-            <a:pPr lvl="1"/>
-            <a:r>
-              <a:rPr lang="en-US" dirty="0"/>
-              <a:t>LRV: </a:t>
-            </a:r>
-            <a:r>
-              <a:rPr lang="en-US" dirty="0" err="1"/>
-              <a:t>Postorder</a:t>
-            </a:r>
-            <a:r>
-              <a:rPr lang="en-US" dirty="0"/>
-              <a:t> (or LRN)</a:t>
-            </a:r>
-          </a:p>
-          <a:p>
-            <a:endParaRPr lang="en-US" dirty="0"/>
-          </a:p>
-          <a:p>
-            <a:endParaRPr lang="en-US" dirty="0"/>
+              <a:t>Breadth-first can avoid infinite branch</a:t>
+            </a:r>
+          </a:p>
+          <a:p>
+            <a:r>
+              <a:rPr lang="en-US" dirty="0"/>
+              <a:t>We can stop at certain level</a:t>
+            </a:r>
           </a:p>
         </p:txBody>
       </p:sp>
     </p:spTree>
     <p:extLst>
       <p:ext uri="{BB962C8B-B14F-4D97-AF65-F5344CB8AC3E}">
-        <p14:creationId xmlns:p14="http://schemas.microsoft.com/office/powerpoint/2010/main" val="1025747570"/>
+        <p14:creationId xmlns:p14="http://schemas.microsoft.com/office/powerpoint/2010/main" val="2749410588"/>
       </p:ext>
     </p:extLst>
   </p:cSld>
@@ -5945,14 +7559,14 @@
           <a:noFill/>
           <a:extLst>
             <a:ext uri="{909E8E84-426E-40dd-AFC4-6F175D3DCCD1}">
-              <a14:hiddenFill xmlns="" xmlns:a14="http://schemas.microsoft.com/office/drawing/2010/main">
+              <a14:hiddenFill xmlns:a14="http://schemas.microsoft.com/office/drawing/2010/main" xmlns="">
                 <a:solidFill>
                   <a:srgbClr val="FFFFFF"/>
                 </a:solidFill>
               </a14:hiddenFill>
             </a:ext>
             <a:ext uri="{91240B29-F687-4f45-9708-019B960494DF}">
-              <a14:hiddenLine xmlns="" xmlns:a14="http://schemas.microsoft.com/office/drawing/2010/main" w="9525">
+              <a14:hiddenLine xmlns:a14="http://schemas.microsoft.com/office/drawing/2010/main" xmlns="" w="9525">
                 <a:solidFill>
                   <a:srgbClr val="000000"/>
                 </a:solidFill>
@@ -5962,7 +7576,7 @@
               </a14:hiddenLine>
             </a:ext>
             <a:ext uri="{FAA26D3D-D897-4be2-8F04-BA451C77F1D7}">
-              <ma14:placeholderFlag xmlns="" xmlns:ma14="http://schemas.microsoft.com/office/mac/drawingml/2011/main" val="1"/>
+              <ma14:placeholderFlag xmlns:ma14="http://schemas.microsoft.com/office/mac/drawingml/2011/main" xmlns="" val="1"/>
             </a:ext>
           </a:extLst>
         </p:spPr>
@@ -5998,14 +7612,14 @@
           <a:noFill/>
           <a:extLst>
             <a:ext uri="{909E8E84-426E-40dd-AFC4-6F175D3DCCD1}">
-              <a14:hiddenFill xmlns="" xmlns:a14="http://schemas.microsoft.com/office/drawing/2010/main">
+              <a14:hiddenFill xmlns:a14="http://schemas.microsoft.com/office/drawing/2010/main" xmlns="">
                 <a:solidFill>
                   <a:srgbClr val="FFFFFF"/>
                 </a:solidFill>
               </a14:hiddenFill>
             </a:ext>
             <a:ext uri="{91240B29-F687-4f45-9708-019B960494DF}">
-              <a14:hiddenLine xmlns="" xmlns:a14="http://schemas.microsoft.com/office/drawing/2010/main" w="9525">
+              <a14:hiddenLine xmlns:a14="http://schemas.microsoft.com/office/drawing/2010/main" xmlns="" w="9525">
                 <a:solidFill>
                   <a:srgbClr val="000000"/>
                 </a:solidFill>
@@ -6015,7 +7629,7 @@
               </a14:hiddenLine>
             </a:ext>
             <a:ext uri="{FAA26D3D-D897-4be2-8F04-BA451C77F1D7}">
-              <ma14:placeholderFlag xmlns="" xmlns:ma14="http://schemas.microsoft.com/office/mac/drawingml/2011/main" val="1"/>
+              <ma14:placeholderFlag xmlns:ma14="http://schemas.microsoft.com/office/mac/drawingml/2011/main" xmlns="" val="1"/>
             </a:ext>
           </a:extLst>
         </p:spPr>
@@ -6164,23 +7778,21 @@
         </p:nvSpPr>
         <p:spPr/>
         <p:txBody>
-          <a:bodyPr/>
+          <a:bodyPr>
+            <a:normAutofit/>
+          </a:bodyPr>
           <a:lstStyle/>
           <a:p>
             <a:r>
-              <a:rPr lang="en-US" dirty="0" err="1"/>
-              <a:t>Inorder</a:t>
-            </a:r>
-            <a:r>
-              <a:rPr lang="en-US" dirty="0"/>
-              <a:t> tree traversal</a:t>
+              <a:rPr lang="en-US" dirty="0"/>
+              <a:t>Tutorial: visit first or recursive call first</a:t>
             </a:r>
           </a:p>
         </p:txBody>
       </p:sp>
       <p:pic>
         <p:nvPicPr>
-          <p:cNvPr id="4" name="Picture 3"/>
+          <p:cNvPr id="3" name="Picture 2"/>
           <p:cNvPicPr>
             <a:picLocks noChangeAspect="1"/>
           </p:cNvPicPr>
@@ -6194,8 +7806,8 @@
         </p:blipFill>
         <p:spPr>
           <a:xfrm>
-            <a:off x="381000" y="990600"/>
-            <a:ext cx="8305800" cy="5195866"/>
+            <a:off x="0" y="918210"/>
+            <a:ext cx="9144000" cy="5863590"/>
           </a:xfrm>
           <a:prstGeom prst="rect">
             <a:avLst/>
@@ -6210,7 +7822,7 @@
     </p:spTree>
     <p:extLst>
       <p:ext uri="{BB962C8B-B14F-4D97-AF65-F5344CB8AC3E}">
-        <p14:creationId xmlns:p14="http://schemas.microsoft.com/office/powerpoint/2010/main" val="358841810"/>
+        <p14:creationId xmlns:p14="http://schemas.microsoft.com/office/powerpoint/2010/main" val="4162024279"/>
       </p:ext>
     </p:extLst>
   </p:cSld>
@@ -6254,7 +7866,7 @@
           <a:p>
             <a:r>
               <a:rPr lang="en-US" dirty="0"/>
-              <a:t>Tree Traversal Example</a:t>
+              <a:t>Tree traversal (2)</a:t>
             </a:r>
           </a:p>
         </p:txBody>
@@ -6269,84 +7881,89 @@
             <p:ph idx="1"/>
           </p:nvPr>
         </p:nvSpPr>
-        <p:spPr>
-          <a:xfrm>
-            <a:off x="76200" y="3733800"/>
-            <a:ext cx="8915400" cy="2514600"/>
-          </a:xfrm>
-        </p:spPr>
+        <p:spPr/>
         <p:txBody>
           <a:bodyPr>
-            <a:normAutofit fontScale="85000" lnSpcReduction="10000"/>
+            <a:normAutofit/>
           </a:bodyPr>
           <a:lstStyle/>
           <a:p>
             <a:r>
               <a:rPr lang="en-US" dirty="0"/>
-              <a:t>Preorder traversal: F, B, A, D, C, E, G, I, H (root, left, right)</a:t>
-            </a:r>
-          </a:p>
-          <a:p>
+              <a:t>Depth-first traversal:</a:t>
+            </a:r>
+          </a:p>
+          <a:p>
+            <a:pPr lvl="1"/>
+            <a:r>
+              <a:rPr lang="en-US" dirty="0"/>
+              <a:t>Proceeds as far as possible to the left (or right)</a:t>
+            </a:r>
+          </a:p>
+          <a:p>
+            <a:pPr lvl="1"/>
+            <a:r>
+              <a:rPr lang="en-US" dirty="0"/>
+              <a:t>Then backs up until the first crossroad</a:t>
+            </a:r>
+          </a:p>
+          <a:p>
+            <a:pPr lvl="1"/>
+            <a:r>
+              <a:rPr lang="en-US" dirty="0"/>
+              <a:t>Goes one step to the right (or left)</a:t>
+            </a:r>
+          </a:p>
+          <a:p>
+            <a:pPr lvl="1"/>
+            <a:r>
+              <a:rPr lang="en-US" dirty="0"/>
+              <a:t>Again, as far as possible to the left (or right)</a:t>
+            </a:r>
+          </a:p>
+          <a:p>
+            <a:r>
+              <a:rPr lang="en-US" dirty="0"/>
+              <a:t>There are three tasks to be done:</a:t>
+            </a:r>
+          </a:p>
+          <a:p>
+            <a:pPr lvl="1"/>
+            <a:r>
+              <a:rPr lang="en-US" dirty="0"/>
+              <a:t>V: Visiting a node</a:t>
+            </a:r>
+          </a:p>
+          <a:p>
+            <a:pPr lvl="1"/>
+            <a:r>
+              <a:rPr lang="en-US" dirty="0"/>
+              <a:t>L: Traversing the left </a:t>
+            </a:r>
             <a:r>
               <a:rPr lang="en-US" dirty="0" err="1"/>
-              <a:t>Inorder</a:t>
-            </a:r>
-            <a:r>
-              <a:rPr lang="en-US" dirty="0"/>
-              <a:t> traversal: A, B, C, D, E, F, G, H, I (left, root, right)</a:t>
-            </a:r>
-          </a:p>
-          <a:p>
+              <a:t>subtree</a:t>
+            </a:r>
+            <a:endParaRPr lang="en-US" dirty="0"/>
+          </a:p>
+          <a:p>
+            <a:pPr lvl="1"/>
+            <a:r>
+              <a:rPr lang="en-US" dirty="0"/>
+              <a:t>R: Traversing the right </a:t>
+            </a:r>
             <a:r>
               <a:rPr lang="en-US" dirty="0" err="1"/>
-              <a:t>Postorder</a:t>
-            </a:r>
-            <a:r>
-              <a:rPr lang="en-US" dirty="0"/>
-              <a:t> traversal: A, C, E, D, B, H, I, G, F (left, right, root)</a:t>
-            </a:r>
-          </a:p>
-          <a:p>
-            <a:r>
-              <a:rPr lang="en-US" dirty="0"/>
-              <a:t>Level-order traversal (breadth-first): F, B, G, A, D, I, C, E, H</a:t>
-            </a:r>
-          </a:p>
-        </p:txBody>
-      </p:sp>
-      <p:pic>
-        <p:nvPicPr>
-          <p:cNvPr id="5" name="Picture 4"/>
-          <p:cNvPicPr>
-            <a:picLocks noChangeAspect="1"/>
-          </p:cNvPicPr>
-          <p:nvPr/>
-        </p:nvPicPr>
-        <p:blipFill>
-          <a:blip r:embed="rId2"/>
-          <a:stretch>
-            <a:fillRect/>
-          </a:stretch>
-        </p:blipFill>
-        <p:spPr>
-          <a:xfrm>
-            <a:off x="2743200" y="838200"/>
-            <a:ext cx="3644900" cy="2768600"/>
-          </a:xfrm>
-          <a:prstGeom prst="rect">
-            <a:avLst/>
-          </a:prstGeom>
-          <a:ln>
-            <a:solidFill>
-              <a:srgbClr val="C0504D"/>
-            </a:solidFill>
-          </a:ln>
-        </p:spPr>
-      </p:pic>
+              <a:t>subtree</a:t>
+            </a:r>
+            <a:endParaRPr lang="en-US" dirty="0"/>
+          </a:p>
+        </p:txBody>
+      </p:sp>
     </p:spTree>
     <p:extLst>
       <p:ext uri="{BB962C8B-B14F-4D97-AF65-F5344CB8AC3E}">
-        <p14:creationId xmlns:p14="http://schemas.microsoft.com/office/powerpoint/2010/main" val="3727949216"/>
+        <p14:creationId xmlns:p14="http://schemas.microsoft.com/office/powerpoint/2010/main" val="943394343"/>
       </p:ext>
     </p:extLst>
   </p:cSld>
@@ -6375,100 +7992,127 @@
       </p:grpSpPr>
       <p:sp>
         <p:nvSpPr>
-          <p:cNvPr id="6" name="Rectangle 5"/>
-          <p:cNvSpPr/>
-          <p:nvPr/>
-        </p:nvSpPr>
-        <p:spPr>
-          <a:xfrm rot="20209346">
-            <a:off x="1921288" y="2457156"/>
-            <a:ext cx="5301451" cy="1754326"/>
-          </a:xfrm>
-          <a:prstGeom prst="rect">
-            <a:avLst/>
-          </a:prstGeom>
-          <a:noFill/>
-        </p:spPr>
-        <p:txBody>
-          <a:bodyPr wrap="none" lIns="91440" tIns="45720" rIns="91440" bIns="45720">
-            <a:spAutoFit/>
-          </a:bodyPr>
+          <p:cNvPr id="2" name="Title 1"/>
+          <p:cNvSpPr>
+            <a:spLocks noGrp="1"/>
+          </p:cNvSpPr>
+          <p:nvPr>
+            <p:ph type="title"/>
+          </p:nvPr>
+        </p:nvSpPr>
+        <p:spPr/>
+        <p:txBody>
+          <a:bodyPr/>
           <a:lstStyle/>
           <a:p>
-            <a:pPr algn="ctr"/>
-            <a:r>
-              <a:rPr lang="en-US" sz="5400" b="1" dirty="0">
-                <a:ln w="9525">
-                  <a:solidFill>
-                    <a:schemeClr val="bg1"/>
-                  </a:solidFill>
-                  <a:prstDash val="solid"/>
-                </a:ln>
-                <a:solidFill>
-                  <a:schemeClr val="accent5"/>
-                </a:solidFill>
-                <a:effectLst>
-                  <a:outerShdw blurRad="12700" dist="38100" dir="2700000" algn="tl" rotWithShape="0">
-                    <a:schemeClr val="accent5">
-                      <a:lumMod val="60000"/>
-                      <a:lumOff val="40000"/>
-                    </a:schemeClr>
-                  </a:outerShdw>
-                </a:effectLst>
-              </a:rPr>
-              <a:t>Binary Tree </a:t>
-            </a:r>
-          </a:p>
-          <a:p>
-            <a:pPr algn="ctr"/>
-            <a:r>
-              <a:rPr lang="en-US" sz="5400" b="1" dirty="0">
-                <a:ln w="9525">
-                  <a:solidFill>
-                    <a:schemeClr val="bg1"/>
-                  </a:solidFill>
-                  <a:prstDash val="solid"/>
-                </a:ln>
-                <a:solidFill>
-                  <a:schemeClr val="accent5"/>
-                </a:solidFill>
-                <a:effectLst>
-                  <a:outerShdw blurRad="12700" dist="38100" dir="2700000" algn="tl" rotWithShape="0">
-                    <a:schemeClr val="accent5">
-                      <a:lumMod val="60000"/>
-                      <a:lumOff val="40000"/>
-                    </a:schemeClr>
-                  </a:outerShdw>
-                </a:effectLst>
-              </a:rPr>
-              <a:t>Implementation</a:t>
-            </a:r>
-            <a:endParaRPr lang="en-US" sz="5400" b="1" cap="none" spc="0" dirty="0">
-              <a:ln w="9525">
-                <a:solidFill>
-                  <a:schemeClr val="bg1"/>
-                </a:solidFill>
-                <a:prstDash val="solid"/>
-              </a:ln>
-              <a:solidFill>
-                <a:schemeClr val="accent5"/>
-              </a:solidFill>
-              <a:effectLst>
-                <a:outerShdw blurRad="12700" dist="38100" dir="2700000" algn="tl" rotWithShape="0">
-                  <a:schemeClr val="accent5">
-                    <a:lumMod val="60000"/>
-                    <a:lumOff val="40000"/>
-                  </a:schemeClr>
-                </a:outerShdw>
-              </a:effectLst>
-            </a:endParaRPr>
+            <a:r>
+              <a:rPr lang="en-US" dirty="0"/>
+              <a:t>Ways of depth-first traversal</a:t>
+            </a:r>
+          </a:p>
+        </p:txBody>
+      </p:sp>
+      <p:sp>
+        <p:nvSpPr>
+          <p:cNvPr id="3" name="Content Placeholder 2"/>
+          <p:cNvSpPr>
+            <a:spLocks noGrp="1"/>
+          </p:cNvSpPr>
+          <p:nvPr>
+            <p:ph idx="1"/>
+          </p:nvPr>
+        </p:nvSpPr>
+        <p:spPr/>
+        <p:txBody>
+          <a:bodyPr/>
+          <a:lstStyle/>
+          <a:p>
+            <a:r>
+              <a:rPr lang="en-US" dirty="0"/>
+              <a:t>Three tasks can be ordered in 3!=6 ways</a:t>
+            </a:r>
+          </a:p>
+          <a:p>
+            <a:r>
+              <a:rPr lang="en-US" dirty="0"/>
+              <a:t>There are 6 possible ordered depth-first traversals</a:t>
+            </a:r>
+          </a:p>
+          <a:p>
+            <a:r>
+              <a:rPr lang="en-US" dirty="0"/>
+              <a:t>It can be reduced to 3 traversals </a:t>
+            </a:r>
+          </a:p>
+          <a:p>
+            <a:pPr lvl="1"/>
+            <a:r>
+              <a:rPr lang="en-US" dirty="0"/>
+              <a:t>The move is always from left to right and </a:t>
+            </a:r>
+          </a:p>
+          <a:p>
+            <a:pPr lvl="1"/>
+            <a:r>
+              <a:rPr lang="en-US" dirty="0"/>
+              <a:t>Attention is focused on the first column.</a:t>
+            </a:r>
+          </a:p>
+          <a:p>
+            <a:r>
+              <a:rPr lang="en-US" dirty="0"/>
+              <a:t>The 3 traversals are given these standard names</a:t>
+            </a:r>
+          </a:p>
+          <a:p>
+            <a:pPr lvl="1"/>
+            <a:r>
+              <a:rPr lang="en-US" dirty="0"/>
+              <a:t>VLR: Preorder traversal (or NLR)</a:t>
+            </a:r>
+          </a:p>
+          <a:p>
+            <a:pPr lvl="1"/>
+            <a:r>
+              <a:rPr lang="en-US" dirty="0"/>
+              <a:t>LVR: </a:t>
+            </a:r>
+            <a:r>
+              <a:rPr lang="en-US" dirty="0" err="1"/>
+              <a:t>Inorder</a:t>
+            </a:r>
+            <a:r>
+              <a:rPr lang="en-US" dirty="0"/>
+              <a:t> traversal (or LNR)</a:t>
+            </a:r>
+          </a:p>
+          <a:p>
+            <a:pPr lvl="1"/>
+            <a:r>
+              <a:rPr lang="en-US" dirty="0"/>
+              <a:t>LRV: </a:t>
+            </a:r>
+            <a:r>
+              <a:rPr lang="en-US" dirty="0" err="1"/>
+              <a:t>Postorder</a:t>
+            </a:r>
+            <a:r>
+              <a:rPr lang="en-US" dirty="0"/>
+              <a:t> (or LRN)</a:t>
+            </a:r>
+          </a:p>
+          <a:p>
+            <a:endParaRPr lang="en-US" dirty="0"/>
+          </a:p>
+          <a:p>
+            <a:endParaRPr lang="en-US" dirty="0"/>
           </a:p>
         </p:txBody>
       </p:sp>
     </p:spTree>
     <p:extLst>
       <p:ext uri="{BB962C8B-B14F-4D97-AF65-F5344CB8AC3E}">
-        <p14:creationId xmlns:p14="http://schemas.microsoft.com/office/powerpoint/2010/main" val="2474822262"/>
+        <p14:creationId xmlns:p14="http://schemas.microsoft.com/office/powerpoint/2010/main" val="1025747570"/>
       </p:ext>
     </p:extLst>
   </p:cSld>
@@ -6511,110 +8155,49 @@
           <a:lstStyle/>
           <a:p>
             <a:r>
-              <a:rPr lang="en-US" dirty="0"/>
-              <a:t>Array - Binary tree implementation</a:t>
-            </a:r>
-          </a:p>
-        </p:txBody>
-      </p:sp>
-      <p:sp>
-        <p:nvSpPr>
-          <p:cNvPr id="3" name="Content Placeholder 2"/>
-          <p:cNvSpPr>
-            <a:spLocks noGrp="1"/>
-          </p:cNvSpPr>
-          <p:nvPr>
-            <p:ph idx="1"/>
-          </p:nvPr>
-        </p:nvSpPr>
-        <p:spPr/>
-        <p:txBody>
-          <a:bodyPr>
-            <a:normAutofit fontScale="92500" lnSpcReduction="10000"/>
-          </a:bodyPr>
-          <a:lstStyle/>
-          <a:p>
-            <a:r>
-              <a:rPr lang="en-US" dirty="0"/>
-              <a:t>Binary trees can be implemented at least in two ways</a:t>
-            </a:r>
-          </a:p>
-          <a:p>
-            <a:pPr lvl="1"/>
-            <a:r>
-              <a:rPr lang="en-US" dirty="0"/>
-              <a:t>As arrays</a:t>
-            </a:r>
-          </a:p>
-          <a:p>
-            <a:pPr lvl="1"/>
-            <a:r>
-              <a:rPr lang="en-US" dirty="0"/>
-              <a:t>As linked structures</a:t>
-            </a:r>
-          </a:p>
-          <a:p>
-            <a:r>
-              <a:rPr lang="en-US" dirty="0"/>
-              <a:t>To implement tree as an array</a:t>
-            </a:r>
-          </a:p>
-          <a:p>
-            <a:pPr lvl="1"/>
-            <a:r>
-              <a:rPr lang="en-US" dirty="0"/>
-              <a:t>A node is declared as an object with </a:t>
-            </a:r>
-          </a:p>
-          <a:p>
-            <a:pPr lvl="2"/>
-            <a:r>
-              <a:rPr lang="en-US" dirty="0"/>
-              <a:t>Information field and</a:t>
-            </a:r>
-          </a:p>
-          <a:p>
-            <a:pPr lvl="2"/>
-            <a:r>
-              <a:rPr lang="en-US" dirty="0"/>
-              <a:t>Two </a:t>
-            </a:r>
-            <a:r>
-              <a:rPr lang="en-US" b="1" dirty="0"/>
-              <a:t>reference</a:t>
-            </a:r>
-            <a:r>
-              <a:rPr lang="en-US" dirty="0"/>
-              <a:t> fields</a:t>
-            </a:r>
-          </a:p>
-          <a:p>
-            <a:pPr lvl="1"/>
-            <a:r>
-              <a:rPr lang="en-US" dirty="0"/>
-              <a:t>These reference fields contain the indexes of the array cells in which the left and the right children are stored, if any.</a:t>
-            </a:r>
-          </a:p>
-          <a:p>
-            <a:pPr lvl="1"/>
-            <a:r>
-              <a:rPr lang="en-US" dirty="0"/>
-              <a:t>It is hard to predict how many nodes will be created during program execution</a:t>
-            </a:r>
-          </a:p>
-          <a:p>
-            <a:pPr lvl="2"/>
-            <a:r>
-              <a:rPr lang="en-US" dirty="0"/>
-              <a:t>How to reserve spaces and know the size to define an array?</a:t>
-            </a:r>
-          </a:p>
-        </p:txBody>
-      </p:sp>
+              <a:rPr lang="en-US" dirty="0" err="1"/>
+              <a:t>Inorder</a:t>
+            </a:r>
+            <a:r>
+              <a:rPr lang="en-US" dirty="0"/>
+              <a:t> tree traversal</a:t>
+            </a:r>
+          </a:p>
+        </p:txBody>
+      </p:sp>
+      <p:pic>
+        <p:nvPicPr>
+          <p:cNvPr id="4" name="Picture 3"/>
+          <p:cNvPicPr>
+            <a:picLocks noChangeAspect="1"/>
+          </p:cNvPicPr>
+          <p:nvPr/>
+        </p:nvPicPr>
+        <p:blipFill>
+          <a:blip r:embed="rId2"/>
+          <a:stretch>
+            <a:fillRect/>
+          </a:stretch>
+        </p:blipFill>
+        <p:spPr>
+          <a:xfrm>
+            <a:off x="381000" y="990600"/>
+            <a:ext cx="8305800" cy="5195866"/>
+          </a:xfrm>
+          <a:prstGeom prst="rect">
+            <a:avLst/>
+          </a:prstGeom>
+          <a:ln>
+            <a:solidFill>
+              <a:srgbClr val="C0504D"/>
+            </a:solidFill>
+          </a:ln>
+        </p:spPr>
+      </p:pic>
     </p:spTree>
     <p:extLst>
       <p:ext uri="{BB962C8B-B14F-4D97-AF65-F5344CB8AC3E}">
-        <p14:creationId xmlns:p14="http://schemas.microsoft.com/office/powerpoint/2010/main" val="3282224525"/>
+        <p14:creationId xmlns:p14="http://schemas.microsoft.com/office/powerpoint/2010/main" val="358841810"/>
       </p:ext>
     </p:extLst>
   </p:cSld>
@@ -6658,7 +8241,7 @@
           <a:p>
             <a:r>
               <a:rPr lang="en-US" dirty="0"/>
-              <a:t>Linked - Binary tree implementation</a:t>
+              <a:t>Tree Traversal Example</a:t>
             </a:r>
           </a:p>
         </p:txBody>
@@ -6675,45 +8258,52 @@
         </p:nvSpPr>
         <p:spPr>
           <a:xfrm>
-            <a:off x="76200" y="1066800"/>
-            <a:ext cx="8915400" cy="1981200"/>
-          </a:xfrm>
-        </p:spPr>
-        <p:txBody>
-          <a:bodyPr/>
+            <a:off x="76200" y="3733800"/>
+            <a:ext cx="8915400" cy="2514600"/>
+          </a:xfrm>
+        </p:spPr>
+        <p:txBody>
+          <a:bodyPr>
+            <a:normAutofit fontScale="85000" lnSpcReduction="10000"/>
+          </a:bodyPr>
           <a:lstStyle/>
           <a:p>
             <a:r>
               <a:rPr lang="en-US" dirty="0"/>
-              <a:t>Linked structure implementation</a:t>
-            </a:r>
-          </a:p>
-          <a:p>
-            <a:pPr lvl="1"/>
-            <a:r>
-              <a:rPr lang="en-US" dirty="0"/>
-              <a:t>A node is declared as an object with</a:t>
-            </a:r>
-          </a:p>
-          <a:p>
-            <a:pPr lvl="2"/>
-            <a:r>
-              <a:rPr lang="en-US" dirty="0"/>
-              <a:t>Information field and</a:t>
-            </a:r>
-          </a:p>
-          <a:p>
-            <a:pPr lvl="2"/>
-            <a:r>
-              <a:rPr lang="en-US" dirty="0"/>
-              <a:t>Two reference fields</a:t>
+              <a:t>Preorder traversal: F, B, A, D, C, E, G, I, H (root, left, right)</a:t>
+            </a:r>
+          </a:p>
+          <a:p>
+            <a:r>
+              <a:rPr lang="en-US" dirty="0" err="1"/>
+              <a:t>Inorder</a:t>
+            </a:r>
+            <a:r>
+              <a:rPr lang="en-US" dirty="0"/>
+              <a:t> traversal: A, B, C, D, E, F, G, H, I (left, root, right)</a:t>
+            </a:r>
+          </a:p>
+          <a:p>
+            <a:r>
+              <a:rPr lang="en-US" dirty="0" err="1"/>
+              <a:t>Postorder</a:t>
+            </a:r>
+            <a:r>
+              <a:rPr lang="en-US" dirty="0"/>
+              <a:t> traversal: A, C, E, D, B, H, I, G, F (left, right, root)</a:t>
+            </a:r>
+          </a:p>
+          <a:p>
+            <a:r>
+              <a:rPr lang="en-US" dirty="0"/>
+              <a:t>Level-order traversal (breadth-first): F, B, G, A, D, I, C, E, H</a:t>
             </a:r>
           </a:p>
         </p:txBody>
       </p:sp>
       <p:pic>
         <p:nvPicPr>
-          <p:cNvPr id="4" name="Picture 3"/>
+          <p:cNvPr id="5" name="Picture 4"/>
           <p:cNvPicPr>
             <a:picLocks noChangeAspect="1"/>
           </p:cNvPicPr>
@@ -6727,8 +8317,8 @@
         </p:blipFill>
         <p:spPr>
           <a:xfrm>
-            <a:off x="381000" y="3352799"/>
-            <a:ext cx="3429000" cy="2667001"/>
+            <a:off x="2743200" y="838200"/>
+            <a:ext cx="3644900" cy="2768600"/>
           </a:xfrm>
           <a:prstGeom prst="rect">
             <a:avLst/>
@@ -6740,39 +8330,10 @@
           </a:ln>
         </p:spPr>
       </p:pic>
-      <p:pic>
-        <p:nvPicPr>
-          <p:cNvPr id="5" name="Picture 4"/>
-          <p:cNvPicPr>
-            <a:picLocks noChangeAspect="1"/>
-          </p:cNvPicPr>
-          <p:nvPr/>
-        </p:nvPicPr>
-        <p:blipFill>
-          <a:blip r:embed="rId3"/>
-          <a:stretch>
-            <a:fillRect/>
-          </a:stretch>
-        </p:blipFill>
-        <p:spPr>
-          <a:xfrm>
-            <a:off x="4267200" y="3352800"/>
-            <a:ext cx="4584700" cy="2616200"/>
-          </a:xfrm>
-          <a:prstGeom prst="rect">
-            <a:avLst/>
-          </a:prstGeom>
-          <a:ln>
-            <a:solidFill>
-              <a:schemeClr val="accent2"/>
-            </a:solidFill>
-          </a:ln>
-        </p:spPr>
-      </p:pic>
     </p:spTree>
     <p:extLst>
       <p:ext uri="{BB962C8B-B14F-4D97-AF65-F5344CB8AC3E}">
-        <p14:creationId xmlns:p14="http://schemas.microsoft.com/office/powerpoint/2010/main" val="3201499293"/>
+        <p14:creationId xmlns:p14="http://schemas.microsoft.com/office/powerpoint/2010/main" val="3727949216"/>
       </p:ext>
     </p:extLst>
   </p:cSld>
@@ -6801,61 +8362,100 @@
       </p:grpSpPr>
       <p:sp>
         <p:nvSpPr>
-          <p:cNvPr id="2" name="Title 1"/>
-          <p:cNvSpPr>
-            <a:spLocks noGrp="1"/>
-          </p:cNvSpPr>
-          <p:nvPr>
-            <p:ph type="title"/>
-          </p:nvPr>
-        </p:nvSpPr>
-        <p:spPr/>
-        <p:txBody>
-          <a:bodyPr>
-            <a:normAutofit fontScale="90000"/>
+          <p:cNvPr id="6" name="Rectangle 5"/>
+          <p:cNvSpPr/>
+          <p:nvPr/>
+        </p:nvSpPr>
+        <p:spPr>
+          <a:xfrm rot="20209346">
+            <a:off x="1921288" y="2457156"/>
+            <a:ext cx="5301451" cy="1754326"/>
+          </a:xfrm>
+          <a:prstGeom prst="rect">
+            <a:avLst/>
+          </a:prstGeom>
+          <a:noFill/>
+        </p:spPr>
+        <p:txBody>
+          <a:bodyPr wrap="none" lIns="91440" tIns="45720" rIns="91440" bIns="45720">
+            <a:spAutoFit/>
           </a:bodyPr>
           <a:lstStyle/>
           <a:p>
-            <a:r>
-              <a:rPr lang="en-US" dirty="0"/>
-              <a:t>Demo – Build Queue First – Queue Node</a:t>
-            </a:r>
-          </a:p>
-        </p:txBody>
-      </p:sp>
-      <p:pic>
-        <p:nvPicPr>
-          <p:cNvPr id="4" name="Picture 3"/>
-          <p:cNvPicPr>
-            <a:picLocks noChangeAspect="1"/>
-          </p:cNvPicPr>
-          <p:nvPr/>
-        </p:nvPicPr>
-        <p:blipFill>
-          <a:blip r:embed="rId2"/>
-          <a:stretch>
-            <a:fillRect/>
-          </a:stretch>
-        </p:blipFill>
-        <p:spPr>
-          <a:xfrm>
-            <a:off x="1295400" y="1371600"/>
-            <a:ext cx="6565900" cy="3111500"/>
-          </a:xfrm>
-          <a:prstGeom prst="rect">
-            <a:avLst/>
-          </a:prstGeom>
-          <a:ln>
-            <a:solidFill>
-              <a:srgbClr val="C0504D"/>
-            </a:solidFill>
-          </a:ln>
-        </p:spPr>
-      </p:pic>
+            <a:pPr algn="ctr"/>
+            <a:r>
+              <a:rPr lang="en-US" sz="5400" b="1" dirty="0">
+                <a:ln w="9525">
+                  <a:solidFill>
+                    <a:schemeClr val="bg1"/>
+                  </a:solidFill>
+                  <a:prstDash val="solid"/>
+                </a:ln>
+                <a:solidFill>
+                  <a:schemeClr val="accent5"/>
+                </a:solidFill>
+                <a:effectLst>
+                  <a:outerShdw blurRad="12700" dist="38100" dir="2700000" algn="tl" rotWithShape="0">
+                    <a:schemeClr val="accent5">
+                      <a:lumMod val="60000"/>
+                      <a:lumOff val="40000"/>
+                    </a:schemeClr>
+                  </a:outerShdw>
+                </a:effectLst>
+              </a:rPr>
+              <a:t>Binary Tree </a:t>
+            </a:r>
+          </a:p>
+          <a:p>
+            <a:pPr algn="ctr"/>
+            <a:r>
+              <a:rPr lang="en-US" sz="5400" b="1" dirty="0">
+                <a:ln w="9525">
+                  <a:solidFill>
+                    <a:schemeClr val="bg1"/>
+                  </a:solidFill>
+                  <a:prstDash val="solid"/>
+                </a:ln>
+                <a:solidFill>
+                  <a:schemeClr val="accent5"/>
+                </a:solidFill>
+                <a:effectLst>
+                  <a:outerShdw blurRad="12700" dist="38100" dir="2700000" algn="tl" rotWithShape="0">
+                    <a:schemeClr val="accent5">
+                      <a:lumMod val="60000"/>
+                      <a:lumOff val="40000"/>
+                    </a:schemeClr>
+                  </a:outerShdw>
+                </a:effectLst>
+              </a:rPr>
+              <a:t>Implementation</a:t>
+            </a:r>
+            <a:endParaRPr lang="en-US" sz="5400" b="1" cap="none" spc="0" dirty="0">
+              <a:ln w="9525">
+                <a:solidFill>
+                  <a:schemeClr val="bg1"/>
+                </a:solidFill>
+                <a:prstDash val="solid"/>
+              </a:ln>
+              <a:solidFill>
+                <a:schemeClr val="accent5"/>
+              </a:solidFill>
+              <a:effectLst>
+                <a:outerShdw blurRad="12700" dist="38100" dir="2700000" algn="tl" rotWithShape="0">
+                  <a:schemeClr val="accent5">
+                    <a:lumMod val="60000"/>
+                    <a:lumOff val="40000"/>
+                  </a:schemeClr>
+                </a:outerShdw>
+              </a:effectLst>
+            </a:endParaRPr>
+          </a:p>
+        </p:txBody>
+      </p:sp>
     </p:spTree>
     <p:extLst>
       <p:ext uri="{BB962C8B-B14F-4D97-AF65-F5344CB8AC3E}">
-        <p14:creationId xmlns:p14="http://schemas.microsoft.com/office/powerpoint/2010/main" val="4206231763"/>
+        <p14:creationId xmlns:p14="http://schemas.microsoft.com/office/powerpoint/2010/main" val="2474822262"/>
       </p:ext>
     </p:extLst>
   </p:cSld>
@@ -6898,46 +8498,110 @@
           <a:lstStyle/>
           <a:p>
             <a:r>
-              <a:rPr lang="en-US" dirty="0" err="1"/>
-              <a:t>MyQueue</a:t>
-            </a:r>
-            <a:endParaRPr lang="en-US" dirty="0"/>
-          </a:p>
-        </p:txBody>
-      </p:sp>
-      <p:pic>
-        <p:nvPicPr>
-          <p:cNvPr id="4" name="Picture 3"/>
-          <p:cNvPicPr>
-            <a:picLocks noChangeAspect="1"/>
-          </p:cNvPicPr>
-          <p:nvPr/>
-        </p:nvPicPr>
-        <p:blipFill>
-          <a:blip r:embed="rId2"/>
-          <a:stretch>
-            <a:fillRect/>
-          </a:stretch>
-        </p:blipFill>
-        <p:spPr>
-          <a:xfrm>
-            <a:off x="431800" y="1003300"/>
-            <a:ext cx="8280400" cy="4851400"/>
-          </a:xfrm>
-          <a:prstGeom prst="rect">
-            <a:avLst/>
-          </a:prstGeom>
-          <a:ln>
-            <a:solidFill>
-              <a:srgbClr val="C0504D"/>
-            </a:solidFill>
-          </a:ln>
-        </p:spPr>
-      </p:pic>
+              <a:rPr lang="en-US" dirty="0"/>
+              <a:t>Array - Binary tree implementation</a:t>
+            </a:r>
+          </a:p>
+        </p:txBody>
+      </p:sp>
+      <p:sp>
+        <p:nvSpPr>
+          <p:cNvPr id="3" name="Content Placeholder 2"/>
+          <p:cNvSpPr>
+            <a:spLocks noGrp="1"/>
+          </p:cNvSpPr>
+          <p:nvPr>
+            <p:ph idx="1"/>
+          </p:nvPr>
+        </p:nvSpPr>
+        <p:spPr/>
+        <p:txBody>
+          <a:bodyPr>
+            <a:normAutofit fontScale="92500" lnSpcReduction="10000"/>
+          </a:bodyPr>
+          <a:lstStyle/>
+          <a:p>
+            <a:r>
+              <a:rPr lang="en-US" dirty="0"/>
+              <a:t>Binary trees can be implemented at least in two ways</a:t>
+            </a:r>
+          </a:p>
+          <a:p>
+            <a:pPr lvl="1"/>
+            <a:r>
+              <a:rPr lang="en-US" dirty="0"/>
+              <a:t>As arrays</a:t>
+            </a:r>
+          </a:p>
+          <a:p>
+            <a:pPr lvl="1"/>
+            <a:r>
+              <a:rPr lang="en-US" dirty="0"/>
+              <a:t>As linked structures</a:t>
+            </a:r>
+          </a:p>
+          <a:p>
+            <a:r>
+              <a:rPr lang="en-US" dirty="0"/>
+              <a:t>To implement tree as an array</a:t>
+            </a:r>
+          </a:p>
+          <a:p>
+            <a:pPr lvl="1"/>
+            <a:r>
+              <a:rPr lang="en-US" dirty="0"/>
+              <a:t>A node is declared as an object with </a:t>
+            </a:r>
+          </a:p>
+          <a:p>
+            <a:pPr lvl="2"/>
+            <a:r>
+              <a:rPr lang="en-US" dirty="0"/>
+              <a:t>Information field and</a:t>
+            </a:r>
+          </a:p>
+          <a:p>
+            <a:pPr lvl="2"/>
+            <a:r>
+              <a:rPr lang="en-US" dirty="0"/>
+              <a:t>Two </a:t>
+            </a:r>
+            <a:r>
+              <a:rPr lang="en-US" b="1" dirty="0"/>
+              <a:t>reference</a:t>
+            </a:r>
+            <a:r>
+              <a:rPr lang="en-US" dirty="0"/>
+              <a:t> fields</a:t>
+            </a:r>
+          </a:p>
+          <a:p>
+            <a:pPr lvl="1"/>
+            <a:r>
+              <a:rPr lang="en-US" dirty="0"/>
+              <a:t>These reference fields contain the indexes of the array cells in which the left and the right children are stored, if any.</a:t>
+            </a:r>
+          </a:p>
+          <a:p>
+            <a:pPr lvl="1"/>
+            <a:r>
+              <a:rPr lang="en-US" dirty="0"/>
+              <a:t>It is hard to predict how many nodes will be created during program execution</a:t>
+            </a:r>
+          </a:p>
+          <a:p>
+            <a:pPr lvl="2"/>
+            <a:r>
+              <a:rPr lang="en-US" dirty="0"/>
+              <a:t>How to reserve spaces and know the size to define an array?</a:t>
+            </a:r>
+          </a:p>
+        </p:txBody>
+      </p:sp>
     </p:spTree>
     <p:extLst>
       <p:ext uri="{BB962C8B-B14F-4D97-AF65-F5344CB8AC3E}">
-        <p14:creationId xmlns:p14="http://schemas.microsoft.com/office/powerpoint/2010/main" val="1127237207"/>
+        <p14:creationId xmlns:p14="http://schemas.microsoft.com/office/powerpoint/2010/main" val="3282224525"/>
       </p:ext>
     </p:extLst>
   </p:cSld>
@@ -6980,10 +8644,57 @@
           <a:lstStyle/>
           <a:p>
             <a:r>
-              <a:rPr lang="en-US" dirty="0" err="1"/>
-              <a:t>MyQueue</a:t>
-            </a:r>
-            <a:endParaRPr lang="en-US" dirty="0"/>
+              <a:rPr lang="en-US" dirty="0"/>
+              <a:t>Linked - Binary tree implementation</a:t>
+            </a:r>
+          </a:p>
+        </p:txBody>
+      </p:sp>
+      <p:sp>
+        <p:nvSpPr>
+          <p:cNvPr id="3" name="Content Placeholder 2"/>
+          <p:cNvSpPr>
+            <a:spLocks noGrp="1"/>
+          </p:cNvSpPr>
+          <p:nvPr>
+            <p:ph idx="1"/>
+          </p:nvPr>
+        </p:nvSpPr>
+        <p:spPr>
+          <a:xfrm>
+            <a:off x="76200" y="1066800"/>
+            <a:ext cx="8915400" cy="1981200"/>
+          </a:xfrm>
+        </p:spPr>
+        <p:txBody>
+          <a:bodyPr/>
+          <a:lstStyle/>
+          <a:p>
+            <a:r>
+              <a:rPr lang="en-US" dirty="0"/>
+              <a:t>Linked structure implementation</a:t>
+            </a:r>
+          </a:p>
+          <a:p>
+            <a:pPr lvl="1"/>
+            <a:r>
+              <a:rPr lang="en-US" dirty="0"/>
+              <a:t>A node is declared as an object with</a:t>
+            </a:r>
+          </a:p>
+          <a:p>
+            <a:pPr lvl="2"/>
+            <a:r>
+              <a:rPr lang="en-US" dirty="0"/>
+              <a:t>Information field and</a:t>
+            </a:r>
+          </a:p>
+          <a:p>
+            <a:pPr lvl="2"/>
+            <a:r>
+              <a:rPr lang="en-US" dirty="0"/>
+              <a:t>Two reference fields</a:t>
+            </a:r>
           </a:p>
         </p:txBody>
       </p:sp>
@@ -7003,8 +8714,8 @@
         </p:blipFill>
         <p:spPr>
           <a:xfrm>
-            <a:off x="342900" y="838200"/>
-            <a:ext cx="8445500" cy="5181600"/>
+            <a:off x="381000" y="3352799"/>
+            <a:ext cx="3429000" cy="2667001"/>
           </a:xfrm>
           <a:prstGeom prst="rect">
             <a:avLst/>
@@ -7016,10 +8727,39 @@
           </a:ln>
         </p:spPr>
       </p:pic>
+      <p:pic>
+        <p:nvPicPr>
+          <p:cNvPr id="5" name="Picture 4"/>
+          <p:cNvPicPr>
+            <a:picLocks noChangeAspect="1"/>
+          </p:cNvPicPr>
+          <p:nvPr/>
+        </p:nvPicPr>
+        <p:blipFill>
+          <a:blip r:embed="rId3"/>
+          <a:stretch>
+            <a:fillRect/>
+          </a:stretch>
+        </p:blipFill>
+        <p:spPr>
+          <a:xfrm>
+            <a:off x="4267200" y="3352800"/>
+            <a:ext cx="4584700" cy="2616200"/>
+          </a:xfrm>
+          <a:prstGeom prst="rect">
+            <a:avLst/>
+          </a:prstGeom>
+          <a:ln>
+            <a:solidFill>
+              <a:schemeClr val="accent2"/>
+            </a:solidFill>
+          </a:ln>
+        </p:spPr>
+      </p:pic>
     </p:spTree>
     <p:extLst>
       <p:ext uri="{BB962C8B-B14F-4D97-AF65-F5344CB8AC3E}">
-        <p14:creationId xmlns:p14="http://schemas.microsoft.com/office/powerpoint/2010/main" val="1521434312"/>
+        <p14:creationId xmlns:p14="http://schemas.microsoft.com/office/powerpoint/2010/main" val="3201499293"/>
       </p:ext>
     </p:extLst>
   </p:cSld>
@@ -7058,6 +8798,375 @@
         </p:nvSpPr>
         <p:spPr/>
         <p:txBody>
+          <a:bodyPr>
+            <a:normAutofit fontScale="90000"/>
+          </a:bodyPr>
+          <a:lstStyle/>
+          <a:p>
+            <a:r>
+              <a:rPr lang="en-US" dirty="0"/>
+              <a:t>Demo – Build Queue First – Queue Node</a:t>
+            </a:r>
+          </a:p>
+        </p:txBody>
+      </p:sp>
+      <p:pic>
+        <p:nvPicPr>
+          <p:cNvPr id="4" name="Picture 3"/>
+          <p:cNvPicPr>
+            <a:picLocks noChangeAspect="1"/>
+          </p:cNvPicPr>
+          <p:nvPr/>
+        </p:nvPicPr>
+        <p:blipFill>
+          <a:blip r:embed="rId2"/>
+          <a:stretch>
+            <a:fillRect/>
+          </a:stretch>
+        </p:blipFill>
+        <p:spPr>
+          <a:xfrm>
+            <a:off x="1295400" y="1371600"/>
+            <a:ext cx="6565900" cy="3111500"/>
+          </a:xfrm>
+          <a:prstGeom prst="rect">
+            <a:avLst/>
+          </a:prstGeom>
+          <a:ln>
+            <a:solidFill>
+              <a:srgbClr val="C0504D"/>
+            </a:solidFill>
+          </a:ln>
+        </p:spPr>
+      </p:pic>
+    </p:spTree>
+    <p:extLst>
+      <p:ext uri="{BB962C8B-B14F-4D97-AF65-F5344CB8AC3E}">
+        <p14:creationId xmlns:p14="http://schemas.microsoft.com/office/powerpoint/2010/main" val="4206231763"/>
+      </p:ext>
+    </p:extLst>
+  </p:cSld>
+  <p:clrMapOvr>
+    <a:masterClrMapping/>
+  </p:clrMapOvr>
+</p:sld>
+</file>
+
+<file path=ppt/slides/slide29.xml><?xml version="1.0" encoding="utf-8"?>
+<p:sld xmlns:a="http://schemas.openxmlformats.org/drawingml/2006/main" xmlns:r="http://schemas.openxmlformats.org/officeDocument/2006/relationships" xmlns:p="http://schemas.openxmlformats.org/presentationml/2006/main">
+  <p:cSld>
+    <p:spTree>
+      <p:nvGrpSpPr>
+        <p:cNvPr id="1" name=""/>
+        <p:cNvGrpSpPr/>
+        <p:nvPr/>
+      </p:nvGrpSpPr>
+      <p:grpSpPr>
+        <a:xfrm>
+          <a:off x="0" y="0"/>
+          <a:ext cx="0" cy="0"/>
+          <a:chOff x="0" y="0"/>
+          <a:chExt cx="0" cy="0"/>
+        </a:xfrm>
+      </p:grpSpPr>
+      <p:sp>
+        <p:nvSpPr>
+          <p:cNvPr id="2" name="Title 1"/>
+          <p:cNvSpPr>
+            <a:spLocks noGrp="1"/>
+          </p:cNvSpPr>
+          <p:nvPr>
+            <p:ph type="title"/>
+          </p:nvPr>
+        </p:nvSpPr>
+        <p:spPr/>
+        <p:txBody>
+          <a:bodyPr/>
+          <a:lstStyle/>
+          <a:p>
+            <a:r>
+              <a:rPr lang="en-US" dirty="0" err="1"/>
+              <a:t>MyQueue</a:t>
+            </a:r>
+            <a:endParaRPr lang="en-US" dirty="0"/>
+          </a:p>
+        </p:txBody>
+      </p:sp>
+      <p:pic>
+        <p:nvPicPr>
+          <p:cNvPr id="4" name="Picture 3"/>
+          <p:cNvPicPr>
+            <a:picLocks noChangeAspect="1"/>
+          </p:cNvPicPr>
+          <p:nvPr/>
+        </p:nvPicPr>
+        <p:blipFill>
+          <a:blip r:embed="rId2"/>
+          <a:stretch>
+            <a:fillRect/>
+          </a:stretch>
+        </p:blipFill>
+        <p:spPr>
+          <a:xfrm>
+            <a:off x="431800" y="1003300"/>
+            <a:ext cx="8280400" cy="4851400"/>
+          </a:xfrm>
+          <a:prstGeom prst="rect">
+            <a:avLst/>
+          </a:prstGeom>
+          <a:ln>
+            <a:solidFill>
+              <a:srgbClr val="C0504D"/>
+            </a:solidFill>
+          </a:ln>
+        </p:spPr>
+      </p:pic>
+    </p:spTree>
+    <p:extLst>
+      <p:ext uri="{BB962C8B-B14F-4D97-AF65-F5344CB8AC3E}">
+        <p14:creationId xmlns:p14="http://schemas.microsoft.com/office/powerpoint/2010/main" val="1127237207"/>
+      </p:ext>
+    </p:extLst>
+  </p:cSld>
+  <p:clrMapOvr>
+    <a:masterClrMapping/>
+  </p:clrMapOvr>
+</p:sld>
+</file>
+
+<file path=ppt/slides/slide3.xml><?xml version="1.0" encoding="utf-8"?>
+<p:sld xmlns:a="http://schemas.openxmlformats.org/drawingml/2006/main" xmlns:r="http://schemas.openxmlformats.org/officeDocument/2006/relationships" xmlns:p="http://schemas.openxmlformats.org/presentationml/2006/main">
+  <p:cSld>
+    <p:spTree>
+      <p:nvGrpSpPr>
+        <p:cNvPr id="1" name=""/>
+        <p:cNvGrpSpPr/>
+        <p:nvPr/>
+      </p:nvGrpSpPr>
+      <p:grpSpPr>
+        <a:xfrm>
+          <a:off x="0" y="0"/>
+          <a:ext cx="0" cy="0"/>
+          <a:chOff x="0" y="0"/>
+          <a:chExt cx="0" cy="0"/>
+        </a:xfrm>
+      </p:grpSpPr>
+      <p:sp>
+        <p:nvSpPr>
+          <p:cNvPr id="2" name="Rectangle 1"/>
+          <p:cNvSpPr/>
+          <p:nvPr/>
+        </p:nvSpPr>
+        <p:spPr>
+          <a:xfrm rot="20209346">
+            <a:off x="1440382" y="2457156"/>
+            <a:ext cx="6263253" cy="1754326"/>
+          </a:xfrm>
+          <a:prstGeom prst="rect">
+            <a:avLst/>
+          </a:prstGeom>
+          <a:noFill/>
+        </p:spPr>
+        <p:txBody>
+          <a:bodyPr wrap="none" lIns="91440" tIns="45720" rIns="91440" bIns="45720">
+            <a:spAutoFit/>
+          </a:bodyPr>
+          <a:lstStyle/>
+          <a:p>
+            <a:pPr algn="ctr"/>
+            <a:r>
+              <a:rPr lang="en-US" sz="5400" b="1" dirty="0">
+                <a:ln w="9525">
+                  <a:solidFill>
+                    <a:schemeClr val="bg1"/>
+                  </a:solidFill>
+                  <a:prstDash val="solid"/>
+                </a:ln>
+                <a:solidFill>
+                  <a:schemeClr val="accent5"/>
+                </a:solidFill>
+                <a:effectLst>
+                  <a:outerShdw blurRad="12700" dist="38100" dir="2700000" algn="tl" rotWithShape="0">
+                    <a:schemeClr val="accent5">
+                      <a:lumMod val="60000"/>
+                      <a:lumOff val="40000"/>
+                    </a:schemeClr>
+                  </a:outerShdw>
+                </a:effectLst>
+              </a:rPr>
+              <a:t>Generic term of </a:t>
+            </a:r>
+          </a:p>
+          <a:p>
+            <a:pPr algn="ctr"/>
+            <a:r>
+              <a:rPr lang="en-US" sz="5400" b="1" dirty="0">
+                <a:ln w="9525">
+                  <a:solidFill>
+                    <a:schemeClr val="bg1"/>
+                  </a:solidFill>
+                  <a:prstDash val="solid"/>
+                </a:ln>
+                <a:solidFill>
+                  <a:schemeClr val="accent5"/>
+                </a:solidFill>
+                <a:effectLst>
+                  <a:outerShdw blurRad="12700" dist="38100" dir="2700000" algn="tl" rotWithShape="0">
+                    <a:schemeClr val="accent5">
+                      <a:lumMod val="60000"/>
+                      <a:lumOff val="40000"/>
+                    </a:schemeClr>
+                  </a:outerShdw>
+                </a:effectLst>
+              </a:rPr>
+              <a:t>tree data structure</a:t>
+            </a:r>
+            <a:endParaRPr lang="en-US" sz="5400" b="1" cap="none" spc="0" dirty="0">
+              <a:ln w="9525">
+                <a:solidFill>
+                  <a:schemeClr val="bg1"/>
+                </a:solidFill>
+                <a:prstDash val="solid"/>
+              </a:ln>
+              <a:solidFill>
+                <a:schemeClr val="accent5"/>
+              </a:solidFill>
+              <a:effectLst>
+                <a:outerShdw blurRad="12700" dist="38100" dir="2700000" algn="tl" rotWithShape="0">
+                  <a:schemeClr val="accent5">
+                    <a:lumMod val="60000"/>
+                    <a:lumOff val="40000"/>
+                  </a:schemeClr>
+                </a:outerShdw>
+              </a:effectLst>
+            </a:endParaRPr>
+          </a:p>
+        </p:txBody>
+      </p:sp>
+    </p:spTree>
+    <p:extLst>
+      <p:ext uri="{BB962C8B-B14F-4D97-AF65-F5344CB8AC3E}">
+        <p14:creationId xmlns:p14="http://schemas.microsoft.com/office/powerpoint/2010/main" val="2258156632"/>
+      </p:ext>
+    </p:extLst>
+  </p:cSld>
+  <p:clrMapOvr>
+    <a:masterClrMapping/>
+  </p:clrMapOvr>
+</p:sld>
+</file>
+
+<file path=ppt/slides/slide30.xml><?xml version="1.0" encoding="utf-8"?>
+<p:sld xmlns:a="http://schemas.openxmlformats.org/drawingml/2006/main" xmlns:r="http://schemas.openxmlformats.org/officeDocument/2006/relationships" xmlns:p="http://schemas.openxmlformats.org/presentationml/2006/main">
+  <p:cSld>
+    <p:spTree>
+      <p:nvGrpSpPr>
+        <p:cNvPr id="1" name=""/>
+        <p:cNvGrpSpPr/>
+        <p:nvPr/>
+      </p:nvGrpSpPr>
+      <p:grpSpPr>
+        <a:xfrm>
+          <a:off x="0" y="0"/>
+          <a:ext cx="0" cy="0"/>
+          <a:chOff x="0" y="0"/>
+          <a:chExt cx="0" cy="0"/>
+        </a:xfrm>
+      </p:grpSpPr>
+      <p:sp>
+        <p:nvSpPr>
+          <p:cNvPr id="2" name="Title 1"/>
+          <p:cNvSpPr>
+            <a:spLocks noGrp="1"/>
+          </p:cNvSpPr>
+          <p:nvPr>
+            <p:ph type="title"/>
+          </p:nvPr>
+        </p:nvSpPr>
+        <p:spPr/>
+        <p:txBody>
+          <a:bodyPr/>
+          <a:lstStyle/>
+          <a:p>
+            <a:r>
+              <a:rPr lang="en-US" dirty="0" err="1"/>
+              <a:t>MyQueue</a:t>
+            </a:r>
+            <a:endParaRPr lang="en-US" dirty="0"/>
+          </a:p>
+        </p:txBody>
+      </p:sp>
+      <p:pic>
+        <p:nvPicPr>
+          <p:cNvPr id="4" name="Picture 3"/>
+          <p:cNvPicPr>
+            <a:picLocks noChangeAspect="1"/>
+          </p:cNvPicPr>
+          <p:nvPr/>
+        </p:nvPicPr>
+        <p:blipFill>
+          <a:blip r:embed="rId2"/>
+          <a:stretch>
+            <a:fillRect/>
+          </a:stretch>
+        </p:blipFill>
+        <p:spPr>
+          <a:xfrm>
+            <a:off x="342900" y="838200"/>
+            <a:ext cx="8445500" cy="5181600"/>
+          </a:xfrm>
+          <a:prstGeom prst="rect">
+            <a:avLst/>
+          </a:prstGeom>
+          <a:ln>
+            <a:solidFill>
+              <a:srgbClr val="C0504D"/>
+            </a:solidFill>
+          </a:ln>
+        </p:spPr>
+      </p:pic>
+    </p:spTree>
+    <p:extLst>
+      <p:ext uri="{BB962C8B-B14F-4D97-AF65-F5344CB8AC3E}">
+        <p14:creationId xmlns:p14="http://schemas.microsoft.com/office/powerpoint/2010/main" val="1521434312"/>
+      </p:ext>
+    </p:extLst>
+  </p:cSld>
+  <p:clrMapOvr>
+    <a:masterClrMapping/>
+  </p:clrMapOvr>
+</p:sld>
+</file>
+
+<file path=ppt/slides/slide31.xml><?xml version="1.0" encoding="utf-8"?>
+<p:sld xmlns:a="http://schemas.openxmlformats.org/drawingml/2006/main" xmlns:r="http://schemas.openxmlformats.org/officeDocument/2006/relationships" xmlns:p="http://schemas.openxmlformats.org/presentationml/2006/main">
+  <p:cSld>
+    <p:spTree>
+      <p:nvGrpSpPr>
+        <p:cNvPr id="1" name=""/>
+        <p:cNvGrpSpPr/>
+        <p:nvPr/>
+      </p:nvGrpSpPr>
+      <p:grpSpPr>
+        <a:xfrm>
+          <a:off x="0" y="0"/>
+          <a:ext cx="0" cy="0"/>
+          <a:chOff x="0" y="0"/>
+          <a:chExt cx="0" cy="0"/>
+        </a:xfrm>
+      </p:grpSpPr>
+      <p:sp>
+        <p:nvSpPr>
+          <p:cNvPr id="2" name="Title 1"/>
+          <p:cNvSpPr>
+            <a:spLocks noGrp="1"/>
+          </p:cNvSpPr>
+          <p:nvPr>
+            <p:ph type="title"/>
+          </p:nvPr>
+        </p:nvSpPr>
+        <p:spPr/>
+        <p:txBody>
           <a:bodyPr/>
           <a:lstStyle/>
           <a:p>
@@ -7139,7 +9248,7 @@
 </p:sld>
 </file>
 
-<file path=ppt/slides/slide29.xml><?xml version="1.0" encoding="utf-8"?>
+<file path=ppt/slides/slide32.xml><?xml version="1.0" encoding="utf-8"?>
 <p:sld xmlns:a="http://schemas.openxmlformats.org/drawingml/2006/main" xmlns:r="http://schemas.openxmlformats.org/officeDocument/2006/relationships" xmlns:p="http://schemas.openxmlformats.org/presentationml/2006/main">
   <p:cSld>
     <p:spTree>
@@ -7875,129 +9984,7 @@
 </p:sld>
 </file>
 
-<file path=ppt/slides/slide3.xml><?xml version="1.0" encoding="utf-8"?>
-<p:sld xmlns:a="http://schemas.openxmlformats.org/drawingml/2006/main" xmlns:r="http://schemas.openxmlformats.org/officeDocument/2006/relationships" xmlns:p="http://schemas.openxmlformats.org/presentationml/2006/main">
-  <p:cSld>
-    <p:spTree>
-      <p:nvGrpSpPr>
-        <p:cNvPr id="1" name=""/>
-        <p:cNvGrpSpPr/>
-        <p:nvPr/>
-      </p:nvGrpSpPr>
-      <p:grpSpPr>
-        <a:xfrm>
-          <a:off x="0" y="0"/>
-          <a:ext cx="0" cy="0"/>
-          <a:chOff x="0" y="0"/>
-          <a:chExt cx="0" cy="0"/>
-        </a:xfrm>
-      </p:grpSpPr>
-      <p:sp>
-        <p:nvSpPr>
-          <p:cNvPr id="2" name="Rectangle 1"/>
-          <p:cNvSpPr/>
-          <p:nvPr/>
-        </p:nvSpPr>
-        <p:spPr>
-          <a:xfrm rot="20209346">
-            <a:off x="1440382" y="2457156"/>
-            <a:ext cx="6263253" cy="1754326"/>
-          </a:xfrm>
-          <a:prstGeom prst="rect">
-            <a:avLst/>
-          </a:prstGeom>
-          <a:noFill/>
-        </p:spPr>
-        <p:txBody>
-          <a:bodyPr wrap="none" lIns="91440" tIns="45720" rIns="91440" bIns="45720">
-            <a:spAutoFit/>
-          </a:bodyPr>
-          <a:lstStyle/>
-          <a:p>
-            <a:pPr algn="ctr"/>
-            <a:r>
-              <a:rPr lang="en-US" sz="5400" b="1" dirty="0">
-                <a:ln w="9525">
-                  <a:solidFill>
-                    <a:schemeClr val="bg1"/>
-                  </a:solidFill>
-                  <a:prstDash val="solid"/>
-                </a:ln>
-                <a:solidFill>
-                  <a:schemeClr val="accent5"/>
-                </a:solidFill>
-                <a:effectLst>
-                  <a:outerShdw blurRad="12700" dist="38100" dir="2700000" algn="tl" rotWithShape="0">
-                    <a:schemeClr val="accent5">
-                      <a:lumMod val="60000"/>
-                      <a:lumOff val="40000"/>
-                    </a:schemeClr>
-                  </a:outerShdw>
-                </a:effectLst>
-              </a:rPr>
-              <a:t>Generic term of </a:t>
-            </a:r>
-          </a:p>
-          <a:p>
-            <a:pPr algn="ctr"/>
-            <a:r>
-              <a:rPr lang="en-US" sz="5400" b="1" dirty="0">
-                <a:ln w="9525">
-                  <a:solidFill>
-                    <a:schemeClr val="bg1"/>
-                  </a:solidFill>
-                  <a:prstDash val="solid"/>
-                </a:ln>
-                <a:solidFill>
-                  <a:schemeClr val="accent5"/>
-                </a:solidFill>
-                <a:effectLst>
-                  <a:outerShdw blurRad="12700" dist="38100" dir="2700000" algn="tl" rotWithShape="0">
-                    <a:schemeClr val="accent5">
-                      <a:lumMod val="60000"/>
-                      <a:lumOff val="40000"/>
-                    </a:schemeClr>
-                  </a:outerShdw>
-                </a:effectLst>
-              </a:rPr>
-              <a:t>tree data structure</a:t>
-            </a:r>
-            <a:endParaRPr lang="en-US" sz="5400" b="1" cap="none" spc="0" dirty="0">
-              <a:ln w="9525">
-                <a:solidFill>
-                  <a:schemeClr val="bg1"/>
-                </a:solidFill>
-                <a:prstDash val="solid"/>
-              </a:ln>
-              <a:solidFill>
-                <a:schemeClr val="accent5"/>
-              </a:solidFill>
-              <a:effectLst>
-                <a:outerShdw blurRad="12700" dist="38100" dir="2700000" algn="tl" rotWithShape="0">
-                  <a:schemeClr val="accent5">
-                    <a:lumMod val="60000"/>
-                    <a:lumOff val="40000"/>
-                  </a:schemeClr>
-                </a:outerShdw>
-              </a:effectLst>
-            </a:endParaRPr>
-          </a:p>
-        </p:txBody>
-      </p:sp>
-    </p:spTree>
-    <p:extLst>
-      <p:ext uri="{BB962C8B-B14F-4D97-AF65-F5344CB8AC3E}">
-        <p14:creationId xmlns:p14="http://schemas.microsoft.com/office/powerpoint/2010/main" val="2258156632"/>
-      </p:ext>
-    </p:extLst>
-  </p:cSld>
-  <p:clrMapOvr>
-    <a:masterClrMapping/>
-  </p:clrMapOvr>
-</p:sld>
-</file>
-
-<file path=ppt/slides/slide30.xml><?xml version="1.0" encoding="utf-8"?>
+<file path=ppt/slides/slide33.xml><?xml version="1.0" encoding="utf-8"?>
 <p:sld xmlns:a="http://schemas.openxmlformats.org/drawingml/2006/main" xmlns:r="http://schemas.openxmlformats.org/officeDocument/2006/relationships" xmlns:p="http://schemas.openxmlformats.org/presentationml/2006/main">
   <p:cSld>
     <p:spTree>
@@ -8573,7 +10560,7 @@
 </p:sld>
 </file>
 
-<file path=ppt/slides/slide31.xml><?xml version="1.0" encoding="utf-8"?>
+<file path=ppt/slides/slide34.xml><?xml version="1.0" encoding="utf-8"?>
 <p:sld xmlns:a="http://schemas.openxmlformats.org/drawingml/2006/main" xmlns:r="http://schemas.openxmlformats.org/officeDocument/2006/relationships" xmlns:p="http://schemas.openxmlformats.org/presentationml/2006/main">
   <p:cSld>
     <p:spTree>
@@ -9840,7 +11827,7 @@
 </p:sld>
 </file>
 
-<file path=ppt/slides/slide32.xml><?xml version="1.0" encoding="utf-8"?>
+<file path=ppt/slides/slide35.xml><?xml version="1.0" encoding="utf-8"?>
 <p:sld xmlns:a="http://schemas.openxmlformats.org/drawingml/2006/main" xmlns:r="http://schemas.openxmlformats.org/officeDocument/2006/relationships" xmlns:p="http://schemas.openxmlformats.org/presentationml/2006/main">
   <p:cSld>
     <p:spTree>
@@ -10577,7 +12564,7 @@
 </p:sld>
 </file>
 
-<file path=ppt/slides/slide33.xml><?xml version="1.0" encoding="utf-8"?>
+<file path=ppt/slides/slide36.xml><?xml version="1.0" encoding="utf-8"?>
 <p:sld xmlns:a="http://schemas.openxmlformats.org/drawingml/2006/main" xmlns:r="http://schemas.openxmlformats.org/officeDocument/2006/relationships" xmlns:p="http://schemas.openxmlformats.org/presentationml/2006/main">
   <p:cSld>
     <p:spTree>
@@ -11845,7 +13832,7 @@
 </p:sld>
 </file>
 
-<file path=ppt/slides/slide34.xml><?xml version="1.0" encoding="utf-8"?>
+<file path=ppt/slides/slide37.xml><?xml version="1.0" encoding="utf-8"?>
 <p:sld xmlns:a="http://schemas.openxmlformats.org/drawingml/2006/main" xmlns:r="http://schemas.openxmlformats.org/officeDocument/2006/relationships" xmlns:p="http://schemas.openxmlformats.org/presentationml/2006/main">
   <p:cSld>
     <p:spTree>
@@ -12972,294 +14959,6 @@
 </p:sld>
 </file>
 
-<file path=ppt/slides/slide35.xml><?xml version="1.0" encoding="utf-8"?>
-<p:sld xmlns:a="http://schemas.openxmlformats.org/drawingml/2006/main" xmlns:r="http://schemas.openxmlformats.org/officeDocument/2006/relationships" xmlns:p="http://schemas.openxmlformats.org/presentationml/2006/main">
-  <p:cSld>
-    <p:spTree>
-      <p:nvGrpSpPr>
-        <p:cNvPr id="1" name=""/>
-        <p:cNvGrpSpPr/>
-        <p:nvPr/>
-      </p:nvGrpSpPr>
-      <p:grpSpPr>
-        <a:xfrm>
-          <a:off x="0" y="0"/>
-          <a:ext cx="0" cy="0"/>
-          <a:chOff x="0" y="0"/>
-          <a:chExt cx="0" cy="0"/>
-        </a:xfrm>
-      </p:grpSpPr>
-      <p:sp>
-        <p:nvSpPr>
-          <p:cNvPr id="2" name="Title 1"/>
-          <p:cNvSpPr>
-            <a:spLocks noGrp="1"/>
-          </p:cNvSpPr>
-          <p:nvPr>
-            <p:ph type="title"/>
-          </p:nvPr>
-        </p:nvSpPr>
-        <p:spPr/>
-        <p:txBody>
-          <a:bodyPr/>
-          <a:lstStyle/>
-          <a:p>
-            <a:r>
-              <a:rPr lang="en-US" dirty="0"/>
-              <a:t>Breadth-first traversal</a:t>
-            </a:r>
-          </a:p>
-        </p:txBody>
-      </p:sp>
-      <p:pic>
-        <p:nvPicPr>
-          <p:cNvPr id="3" name="Picture 2"/>
-          <p:cNvPicPr>
-            <a:picLocks noChangeAspect="1"/>
-          </p:cNvPicPr>
-          <p:nvPr/>
-        </p:nvPicPr>
-        <p:blipFill>
-          <a:blip r:embed="rId2"/>
-          <a:stretch>
-            <a:fillRect/>
-          </a:stretch>
-        </p:blipFill>
-        <p:spPr>
-          <a:xfrm>
-            <a:off x="0" y="850900"/>
-            <a:ext cx="9144000" cy="5148397"/>
-          </a:xfrm>
-          <a:prstGeom prst="rect">
-            <a:avLst/>
-          </a:prstGeom>
-          <a:ln>
-            <a:solidFill>
-              <a:srgbClr val="C0504D"/>
-            </a:solidFill>
-          </a:ln>
-        </p:spPr>
-      </p:pic>
-    </p:spTree>
-    <p:extLst>
-      <p:ext uri="{BB962C8B-B14F-4D97-AF65-F5344CB8AC3E}">
-        <p14:creationId xmlns:p14="http://schemas.microsoft.com/office/powerpoint/2010/main" val="269139339"/>
-      </p:ext>
-    </p:extLst>
-  </p:cSld>
-  <p:clrMapOvr>
-    <a:masterClrMapping/>
-  </p:clrMapOvr>
-</p:sld>
-</file>
-
-<file path=ppt/slides/slide36.xml><?xml version="1.0" encoding="utf-8"?>
-<p:sld xmlns:a="http://schemas.openxmlformats.org/drawingml/2006/main" xmlns:r="http://schemas.openxmlformats.org/officeDocument/2006/relationships" xmlns:p="http://schemas.openxmlformats.org/presentationml/2006/main">
-  <p:cSld>
-    <p:spTree>
-      <p:nvGrpSpPr>
-        <p:cNvPr id="1" name=""/>
-        <p:cNvGrpSpPr/>
-        <p:nvPr/>
-      </p:nvGrpSpPr>
-      <p:grpSpPr>
-        <a:xfrm>
-          <a:off x="0" y="0"/>
-          <a:ext cx="0" cy="0"/>
-          <a:chOff x="0" y="0"/>
-          <a:chExt cx="0" cy="0"/>
-        </a:xfrm>
-      </p:grpSpPr>
-      <p:sp>
-        <p:nvSpPr>
-          <p:cNvPr id="2" name="Title 1"/>
-          <p:cNvSpPr>
-            <a:spLocks noGrp="1"/>
-          </p:cNvSpPr>
-          <p:nvPr>
-            <p:ph type="title"/>
-          </p:nvPr>
-        </p:nvSpPr>
-        <p:spPr/>
-        <p:txBody>
-          <a:bodyPr/>
-          <a:lstStyle/>
-          <a:p>
-            <a:r>
-              <a:rPr lang="en-US" dirty="0"/>
-              <a:t>Depth first</a:t>
-            </a:r>
-          </a:p>
-        </p:txBody>
-      </p:sp>
-      <p:sp>
-        <p:nvSpPr>
-          <p:cNvPr id="3" name="Content Placeholder 2"/>
-          <p:cNvSpPr>
-            <a:spLocks noGrp="1"/>
-          </p:cNvSpPr>
-          <p:nvPr>
-            <p:ph idx="1"/>
-          </p:nvPr>
-        </p:nvSpPr>
-        <p:spPr/>
-        <p:txBody>
-          <a:bodyPr>
-            <a:normAutofit fontScale="92500"/>
-          </a:bodyPr>
-          <a:lstStyle/>
-          <a:p>
-            <a:r>
-              <a:rPr lang="en-US" dirty="0"/>
-              <a:t>There are three cases:</a:t>
-            </a:r>
-          </a:p>
-          <a:p>
-            <a:pPr lvl="1"/>
-            <a:r>
-              <a:rPr lang="en-US" dirty="0"/>
-              <a:t>Pre-order: VLR (Visit – Left – Right), means at every node try to visit first (display the node first) then go its left </a:t>
-            </a:r>
-            <a:r>
-              <a:rPr lang="en-US" dirty="0" err="1"/>
-              <a:t>subtree</a:t>
-            </a:r>
-            <a:r>
-              <a:rPr lang="en-US" dirty="0"/>
-              <a:t> then its right </a:t>
-            </a:r>
-            <a:r>
-              <a:rPr lang="en-US" dirty="0" err="1"/>
-              <a:t>subtree</a:t>
-            </a:r>
-            <a:endParaRPr lang="en-US" dirty="0"/>
-          </a:p>
-          <a:p>
-            <a:pPr lvl="1"/>
-            <a:r>
-              <a:rPr lang="en-US" dirty="0"/>
-              <a:t>In-order: LVR (Left – Visit – Right), means at every node try to go to the left </a:t>
-            </a:r>
-            <a:r>
-              <a:rPr lang="en-US" dirty="0" err="1"/>
-              <a:t>subtree</a:t>
-            </a:r>
-            <a:r>
-              <a:rPr lang="en-US" dirty="0"/>
-              <a:t> first, if at a node cannot go any further left then  visit (display the node), then try to go to the right </a:t>
-            </a:r>
-            <a:r>
-              <a:rPr lang="en-US" dirty="0" err="1"/>
-              <a:t>subtree</a:t>
-            </a:r>
-            <a:r>
-              <a:rPr lang="en-US" dirty="0"/>
-              <a:t>.</a:t>
-            </a:r>
-          </a:p>
-          <a:p>
-            <a:pPr lvl="1"/>
-            <a:r>
-              <a:rPr lang="en-US" dirty="0"/>
-              <a:t>Post-order: LRV (Left – Right – Visit), means at every node try to go all the way to left first, when at a node, cannot go left any further, then try to go right, if at a node cannot go left or right any further, then display the node.</a:t>
-            </a:r>
-          </a:p>
-        </p:txBody>
-      </p:sp>
-    </p:spTree>
-    <p:extLst>
-      <p:ext uri="{BB962C8B-B14F-4D97-AF65-F5344CB8AC3E}">
-        <p14:creationId xmlns:p14="http://schemas.microsoft.com/office/powerpoint/2010/main" val="880005053"/>
-      </p:ext>
-    </p:extLst>
-  </p:cSld>
-  <p:clrMapOvr>
-    <a:masterClrMapping/>
-  </p:clrMapOvr>
-</p:sld>
-</file>
-
-<file path=ppt/slides/slide37.xml><?xml version="1.0" encoding="utf-8"?>
-<p:sld xmlns:a="http://schemas.openxmlformats.org/drawingml/2006/main" xmlns:r="http://schemas.openxmlformats.org/officeDocument/2006/relationships" xmlns:p="http://schemas.openxmlformats.org/presentationml/2006/main">
-  <p:cSld>
-    <p:spTree>
-      <p:nvGrpSpPr>
-        <p:cNvPr id="1" name=""/>
-        <p:cNvGrpSpPr/>
-        <p:nvPr/>
-      </p:nvGrpSpPr>
-      <p:grpSpPr>
-        <a:xfrm>
-          <a:off x="0" y="0"/>
-          <a:ext cx="0" cy="0"/>
-          <a:chOff x="0" y="0"/>
-          <a:chExt cx="0" cy="0"/>
-        </a:xfrm>
-      </p:grpSpPr>
-      <p:sp>
-        <p:nvSpPr>
-          <p:cNvPr id="2" name="Title 1"/>
-          <p:cNvSpPr>
-            <a:spLocks noGrp="1"/>
-          </p:cNvSpPr>
-          <p:nvPr>
-            <p:ph type="title"/>
-          </p:nvPr>
-        </p:nvSpPr>
-        <p:spPr/>
-        <p:txBody>
-          <a:bodyPr/>
-          <a:lstStyle/>
-          <a:p>
-            <a:r>
-              <a:rPr lang="en-US" dirty="0"/>
-              <a:t>Depth first</a:t>
-            </a:r>
-          </a:p>
-        </p:txBody>
-      </p:sp>
-      <p:pic>
-        <p:nvPicPr>
-          <p:cNvPr id="5" name="Picture 4"/>
-          <p:cNvPicPr>
-            <a:picLocks noChangeAspect="1"/>
-          </p:cNvPicPr>
-          <p:nvPr/>
-        </p:nvPicPr>
-        <p:blipFill>
-          <a:blip r:embed="rId2"/>
-          <a:stretch>
-            <a:fillRect/>
-          </a:stretch>
-        </p:blipFill>
-        <p:spPr>
-          <a:xfrm>
-            <a:off x="0" y="977900"/>
-            <a:ext cx="9144000" cy="4896971"/>
-          </a:xfrm>
-          <a:prstGeom prst="rect">
-            <a:avLst/>
-          </a:prstGeom>
-          <a:ln>
-            <a:solidFill>
-              <a:srgbClr val="C0504D"/>
-            </a:solidFill>
-          </a:ln>
-        </p:spPr>
-      </p:pic>
-    </p:spTree>
-    <p:extLst>
-      <p:ext uri="{BB962C8B-B14F-4D97-AF65-F5344CB8AC3E}">
-        <p14:creationId xmlns:p14="http://schemas.microsoft.com/office/powerpoint/2010/main" val="1619078486"/>
-      </p:ext>
-    </p:extLst>
-  </p:cSld>
-  <p:clrMapOvr>
-    <a:masterClrMapping/>
-  </p:clrMapOvr>
-</p:sld>
-</file>
-
 <file path=ppt/slides/slide38.xml><?xml version="1.0" encoding="utf-8"?>
 <p:sld xmlns:a="http://schemas.openxmlformats.org/drawingml/2006/main" xmlns:r="http://schemas.openxmlformats.org/officeDocument/2006/relationships" xmlns:p="http://schemas.openxmlformats.org/presentationml/2006/main">
   <p:cSld>
@@ -13294,14 +14993,14 @@
           <a:p>
             <a:r>
               <a:rPr lang="en-US" dirty="0"/>
-              <a:t>Test program</a:t>
+              <a:t>Breadth-first traversal</a:t>
             </a:r>
           </a:p>
         </p:txBody>
       </p:sp>
       <p:pic>
         <p:nvPicPr>
-          <p:cNvPr id="4" name="Picture 3"/>
+          <p:cNvPr id="3" name="Picture 2"/>
           <p:cNvPicPr>
             <a:picLocks noChangeAspect="1"/>
           </p:cNvPicPr>
@@ -13315,8 +15014,8 @@
         </p:blipFill>
         <p:spPr>
           <a:xfrm>
-            <a:off x="241300" y="1473200"/>
-            <a:ext cx="8661400" cy="3898900"/>
+            <a:off x="0" y="850900"/>
+            <a:ext cx="9144000" cy="5148397"/>
           </a:xfrm>
           <a:prstGeom prst="rect">
             <a:avLst/>
@@ -13331,7 +15030,7 @@
     </p:spTree>
     <p:extLst>
       <p:ext uri="{BB962C8B-B14F-4D97-AF65-F5344CB8AC3E}">
-        <p14:creationId xmlns:p14="http://schemas.microsoft.com/office/powerpoint/2010/main" val="3961189742"/>
+        <p14:creationId xmlns:p14="http://schemas.microsoft.com/office/powerpoint/2010/main" val="269139339"/>
       </p:ext>
     </p:extLst>
   </p:cSld>
@@ -13375,44 +15074,89 @@
           <a:p>
             <a:r>
               <a:rPr lang="en-US" dirty="0"/>
-              <a:t>Setting up the tree</a:t>
-            </a:r>
-          </a:p>
-        </p:txBody>
-      </p:sp>
-      <p:pic>
-        <p:nvPicPr>
-          <p:cNvPr id="4" name="Picture 3"/>
-          <p:cNvPicPr>
-            <a:picLocks noChangeAspect="1"/>
-          </p:cNvPicPr>
-          <p:nvPr/>
-        </p:nvPicPr>
-        <p:blipFill>
-          <a:blip r:embed="rId2"/>
-          <a:stretch>
-            <a:fillRect/>
-          </a:stretch>
-        </p:blipFill>
-        <p:spPr>
-          <a:xfrm>
-            <a:off x="278333" y="1447800"/>
-            <a:ext cx="8574634" cy="3962400"/>
-          </a:xfrm>
-          <a:prstGeom prst="rect">
-            <a:avLst/>
-          </a:prstGeom>
-          <a:ln>
-            <a:solidFill>
-              <a:srgbClr val="C0504D"/>
-            </a:solidFill>
-          </a:ln>
-        </p:spPr>
-      </p:pic>
+              <a:t>Depth first</a:t>
+            </a:r>
+          </a:p>
+        </p:txBody>
+      </p:sp>
+      <p:sp>
+        <p:nvSpPr>
+          <p:cNvPr id="3" name="Content Placeholder 2"/>
+          <p:cNvSpPr>
+            <a:spLocks noGrp="1"/>
+          </p:cNvSpPr>
+          <p:nvPr>
+            <p:ph idx="1"/>
+          </p:nvPr>
+        </p:nvSpPr>
+        <p:spPr/>
+        <p:txBody>
+          <a:bodyPr>
+            <a:normAutofit fontScale="92500"/>
+          </a:bodyPr>
+          <a:lstStyle/>
+          <a:p>
+            <a:r>
+              <a:rPr lang="en-US" dirty="0"/>
+              <a:t>There are three cases:</a:t>
+            </a:r>
+          </a:p>
+          <a:p>
+            <a:pPr lvl="1"/>
+            <a:r>
+              <a:rPr lang="en-US" dirty="0"/>
+              <a:t>Pre-order: VLR (Visit – Left – Right), means at every node try to visit first (display the node first) then go its left </a:t>
+            </a:r>
+            <a:r>
+              <a:rPr lang="en-US" dirty="0" err="1"/>
+              <a:t>subtree</a:t>
+            </a:r>
+            <a:r>
+              <a:rPr lang="en-US" dirty="0"/>
+              <a:t> then its right </a:t>
+            </a:r>
+            <a:r>
+              <a:rPr lang="en-US" dirty="0" err="1"/>
+              <a:t>subtree</a:t>
+            </a:r>
+            <a:endParaRPr lang="en-US" dirty="0"/>
+          </a:p>
+          <a:p>
+            <a:pPr lvl="1"/>
+            <a:r>
+              <a:rPr lang="en-US" dirty="0"/>
+              <a:t>In-order: LVR (Left – Visit – Right), means at every node try to go to the left </a:t>
+            </a:r>
+            <a:r>
+              <a:rPr lang="en-US" dirty="0" err="1"/>
+              <a:t>subtree</a:t>
+            </a:r>
+            <a:r>
+              <a:rPr lang="en-US" dirty="0"/>
+              <a:t> first, if at a node cannot go any further left then  visit (display the node), then try to go to the right </a:t>
+            </a:r>
+            <a:r>
+              <a:rPr lang="en-US" dirty="0" err="1"/>
+              <a:t>subtree</a:t>
+            </a:r>
+            <a:r>
+              <a:rPr lang="en-US" dirty="0"/>
+              <a:t>.</a:t>
+            </a:r>
+          </a:p>
+          <a:p>
+            <a:pPr lvl="1"/>
+            <a:r>
+              <a:rPr lang="en-US" dirty="0"/>
+              <a:t>Post-order: LRV (Left – Right – Visit), means at every node try to go all the way to left first, when at a node, cannot go left any further, then try to go right, if at a node cannot go left or right any further, then display the node.</a:t>
+            </a:r>
+          </a:p>
+        </p:txBody>
+      </p:sp>
     </p:spTree>
     <p:extLst>
       <p:ext uri="{BB962C8B-B14F-4D97-AF65-F5344CB8AC3E}">
-        <p14:creationId xmlns:p14="http://schemas.microsoft.com/office/powerpoint/2010/main" val="3840719437"/>
+        <p14:creationId xmlns:p14="http://schemas.microsoft.com/office/powerpoint/2010/main" val="880005053"/>
       </p:ext>
     </p:extLst>
   </p:cSld>
@@ -13577,29 +15321,33 @@
           <a:p>
             <a:r>
               <a:rPr lang="en-US" dirty="0"/>
-              <a:t>Traverse the tree</a:t>
+              <a:t>Depth first</a:t>
             </a:r>
           </a:p>
         </p:txBody>
       </p:sp>
       <p:pic>
         <p:nvPicPr>
-          <p:cNvPr id="4" name="Content Placeholder 3"/>
+          <p:cNvPr id="5" name="Picture 4"/>
           <p:cNvPicPr>
-            <a:picLocks noGrp="1" noChangeAspect="1"/>
+            <a:picLocks noChangeAspect="1"/>
           </p:cNvPicPr>
-          <p:nvPr>
-            <p:ph idx="1"/>
-          </p:nvPr>
+          <p:nvPr/>
         </p:nvPicPr>
         <p:blipFill>
           <a:blip r:embed="rId2"/>
-          <a:srcRect l="2088" r="2088"/>
           <a:stretch>
             <a:fillRect/>
           </a:stretch>
         </p:blipFill>
         <p:spPr>
+          <a:xfrm>
+            <a:off x="0" y="977900"/>
+            <a:ext cx="9144000" cy="4896971"/>
+          </a:xfrm>
+          <a:prstGeom prst="rect">
+            <a:avLst/>
+          </a:prstGeom>
           <a:ln>
             <a:solidFill>
               <a:srgbClr val="C0504D"/>
@@ -13610,7 +15358,7 @@
     </p:spTree>
     <p:extLst>
       <p:ext uri="{BB962C8B-B14F-4D97-AF65-F5344CB8AC3E}">
-        <p14:creationId xmlns:p14="http://schemas.microsoft.com/office/powerpoint/2010/main" val="2832740428"/>
+        <p14:creationId xmlns:p14="http://schemas.microsoft.com/office/powerpoint/2010/main" val="1619078486"/>
       </p:ext>
     </p:extLst>
   </p:cSld>
@@ -13654,7 +15402,7 @@
           <a:p>
             <a:r>
               <a:rPr lang="en-US" dirty="0"/>
-              <a:t>Output</a:t>
+              <a:t>Test program</a:t>
             </a:r>
           </a:p>
         </p:txBody>
@@ -13675,8 +15423,8 @@
         </p:blipFill>
         <p:spPr>
           <a:xfrm>
-            <a:off x="2895600" y="3581400"/>
-            <a:ext cx="3657600" cy="2590800"/>
+            <a:off x="241300" y="1473200"/>
+            <a:ext cx="8661400" cy="3898900"/>
           </a:xfrm>
           <a:prstGeom prst="rect">
             <a:avLst/>
@@ -13688,39 +15436,10 @@
           </a:ln>
         </p:spPr>
       </p:pic>
-      <p:pic>
-        <p:nvPicPr>
-          <p:cNvPr id="5" name="Picture 4"/>
-          <p:cNvPicPr>
-            <a:picLocks noChangeAspect="1"/>
-          </p:cNvPicPr>
-          <p:nvPr/>
-        </p:nvPicPr>
-        <p:blipFill>
-          <a:blip r:embed="rId3"/>
-          <a:stretch>
-            <a:fillRect/>
-          </a:stretch>
-        </p:blipFill>
-        <p:spPr>
-          <a:xfrm>
-            <a:off x="2895600" y="685800"/>
-            <a:ext cx="3644900" cy="2768600"/>
-          </a:xfrm>
-          <a:prstGeom prst="rect">
-            <a:avLst/>
-          </a:prstGeom>
-          <a:ln>
-            <a:solidFill>
-              <a:srgbClr val="C0504D"/>
-            </a:solidFill>
-          </a:ln>
-        </p:spPr>
-      </p:pic>
     </p:spTree>
     <p:extLst>
       <p:ext uri="{BB962C8B-B14F-4D97-AF65-F5344CB8AC3E}">
-        <p14:creationId xmlns:p14="http://schemas.microsoft.com/office/powerpoint/2010/main" val="2677934726"/>
+        <p14:creationId xmlns:p14="http://schemas.microsoft.com/office/powerpoint/2010/main" val="3961189742"/>
       </p:ext>
     </p:extLst>
   </p:cSld>
@@ -13749,75 +15468,59 @@
       </p:grpSpPr>
       <p:sp>
         <p:nvSpPr>
-          <p:cNvPr id="6" name="Rectangle 5"/>
-          <p:cNvSpPr/>
+          <p:cNvPr id="2" name="Title 1"/>
+          <p:cNvSpPr>
+            <a:spLocks noGrp="1"/>
+          </p:cNvSpPr>
+          <p:nvPr>
+            <p:ph type="title"/>
+          </p:nvPr>
+        </p:nvSpPr>
+        <p:spPr/>
+        <p:txBody>
+          <a:bodyPr/>
+          <a:lstStyle/>
+          <a:p>
+            <a:r>
+              <a:rPr lang="en-US" dirty="0"/>
+              <a:t>Setting up the tree</a:t>
+            </a:r>
+          </a:p>
+        </p:txBody>
+      </p:sp>
+      <p:pic>
+        <p:nvPicPr>
+          <p:cNvPr id="4" name="Picture 3"/>
+          <p:cNvPicPr>
+            <a:picLocks noChangeAspect="1"/>
+          </p:cNvPicPr>
           <p:nvPr/>
-        </p:nvSpPr>
-        <p:spPr>
-          <a:xfrm rot="20209346">
-            <a:off x="1151717" y="2872654"/>
-            <a:ext cx="6840591" cy="923330"/>
+        </p:nvPicPr>
+        <p:blipFill>
+          <a:blip r:embed="rId2"/>
+          <a:stretch>
+            <a:fillRect/>
+          </a:stretch>
+        </p:blipFill>
+        <p:spPr>
+          <a:xfrm>
+            <a:off x="278333" y="1447800"/>
+            <a:ext cx="8574634" cy="3962400"/>
           </a:xfrm>
           <a:prstGeom prst="rect">
             <a:avLst/>
           </a:prstGeom>
-          <a:noFill/>
-        </p:spPr>
-        <p:txBody>
-          <a:bodyPr wrap="none" lIns="91440" tIns="45720" rIns="91440" bIns="45720">
-            <a:spAutoFit/>
-          </a:bodyPr>
-          <a:lstStyle/>
-          <a:p>
-            <a:pPr algn="ctr"/>
-            <a:r>
-              <a:rPr lang="en-US" sz="5400" b="1" dirty="0">
-                <a:ln w="9525">
-                  <a:solidFill>
-                    <a:schemeClr val="bg1"/>
-                  </a:solidFill>
-                  <a:prstDash val="solid"/>
-                </a:ln>
-                <a:solidFill>
-                  <a:schemeClr val="accent5"/>
-                </a:solidFill>
-                <a:effectLst>
-                  <a:outerShdw blurRad="12700" dist="38100" dir="2700000" algn="tl" rotWithShape="0">
-                    <a:schemeClr val="accent5">
-                      <a:lumMod val="60000"/>
-                      <a:lumOff val="40000"/>
-                    </a:schemeClr>
-                  </a:outerShdw>
-                </a:effectLst>
-              </a:rPr>
-              <a:t>Binary Search Trees</a:t>
-            </a:r>
-            <a:endParaRPr lang="en-US" sz="5400" b="1" cap="none" spc="0" dirty="0">
-              <a:ln w="9525">
-                <a:solidFill>
-                  <a:schemeClr val="bg1"/>
-                </a:solidFill>
-                <a:prstDash val="solid"/>
-              </a:ln>
-              <a:solidFill>
-                <a:schemeClr val="accent5"/>
-              </a:solidFill>
-              <a:effectLst>
-                <a:outerShdw blurRad="12700" dist="38100" dir="2700000" algn="tl" rotWithShape="0">
-                  <a:schemeClr val="accent5">
-                    <a:lumMod val="60000"/>
-                    <a:lumOff val="40000"/>
-                  </a:schemeClr>
-                </a:outerShdw>
-              </a:effectLst>
-            </a:endParaRPr>
-          </a:p>
-        </p:txBody>
-      </p:sp>
+          <a:ln>
+            <a:solidFill>
+              <a:srgbClr val="C0504D"/>
+            </a:solidFill>
+          </a:ln>
+        </p:spPr>
+      </p:pic>
     </p:spTree>
     <p:extLst>
       <p:ext uri="{BB962C8B-B14F-4D97-AF65-F5344CB8AC3E}">
-        <p14:creationId xmlns:p14="http://schemas.microsoft.com/office/powerpoint/2010/main" val="1680109853"/>
+        <p14:creationId xmlns:p14="http://schemas.microsoft.com/office/powerpoint/2010/main" val="3840719437"/>
       </p:ext>
     </p:extLst>
   </p:cSld>
@@ -13861,209 +15564,40 @@
           <a:p>
             <a:r>
               <a:rPr lang="en-US" dirty="0"/>
-              <a:t>Henry: tree types</a:t>
-            </a:r>
-          </a:p>
-        </p:txBody>
-      </p:sp>
-      <p:sp>
-        <p:nvSpPr>
-          <p:cNvPr id="3" name="Speech Bubble: Rectangle with Corners Rounded 2"/>
-          <p:cNvSpPr/>
-          <p:nvPr/>
-        </p:nvSpPr>
-        <p:spPr>
-          <a:xfrm>
-            <a:off x="762000" y="1905000"/>
-            <a:ext cx="1066800" cy="1066800"/>
-          </a:xfrm>
-          <a:prstGeom prst="wedgeRoundRectCallout">
-            <a:avLst/>
-          </a:prstGeom>
-        </p:spPr>
-        <p:style>
-          <a:lnRef idx="2">
-            <a:schemeClr val="accent1">
-              <a:shade val="50000"/>
-            </a:schemeClr>
-          </a:lnRef>
-          <a:fillRef idx="1">
-            <a:schemeClr val="accent1"/>
-          </a:fillRef>
-          <a:effectRef idx="0">
-            <a:schemeClr val="accent1"/>
-          </a:effectRef>
-          <a:fontRef idx="minor">
-            <a:schemeClr val="lt1"/>
-          </a:fontRef>
-        </p:style>
-        <p:txBody>
-          <a:bodyPr rtlCol="0" anchor="ctr"/>
-          <a:lstStyle/>
-          <a:p>
-            <a:pPr algn="ctr"/>
-            <a:r>
-              <a:rPr lang="en-US" dirty="0"/>
-              <a:t>Generic tree</a:t>
-            </a:r>
-          </a:p>
-        </p:txBody>
-      </p:sp>
-      <p:sp>
-        <p:nvSpPr>
-          <p:cNvPr id="4" name="Speech Bubble: Rectangle with Corners Rounded 3"/>
-          <p:cNvSpPr/>
-          <p:nvPr/>
-        </p:nvSpPr>
-        <p:spPr>
-          <a:xfrm>
-            <a:off x="2845573" y="1905000"/>
-            <a:ext cx="1066800" cy="1066800"/>
-          </a:xfrm>
-          <a:prstGeom prst="wedgeRoundRectCallout">
-            <a:avLst/>
-          </a:prstGeom>
-        </p:spPr>
-        <p:style>
-          <a:lnRef idx="2">
-            <a:schemeClr val="accent1">
-              <a:shade val="50000"/>
-            </a:schemeClr>
-          </a:lnRef>
-          <a:fillRef idx="1">
-            <a:schemeClr val="accent1"/>
-          </a:fillRef>
-          <a:effectRef idx="0">
-            <a:schemeClr val="accent1"/>
-          </a:effectRef>
-          <a:fontRef idx="minor">
-            <a:schemeClr val="lt1"/>
-          </a:fontRef>
-        </p:style>
-        <p:txBody>
-          <a:bodyPr rtlCol="0" anchor="ctr"/>
-          <a:lstStyle/>
-          <a:p>
-            <a:pPr algn="ctr"/>
-            <a:r>
-              <a:rPr lang="en-US" dirty="0"/>
-              <a:t>Binary Tree</a:t>
-            </a:r>
-          </a:p>
-        </p:txBody>
-      </p:sp>
-      <p:sp>
-        <p:nvSpPr>
-          <p:cNvPr id="5" name="Speech Bubble: Rectangle with Corners Rounded 4"/>
-          <p:cNvSpPr/>
-          <p:nvPr/>
-        </p:nvSpPr>
-        <p:spPr>
-          <a:xfrm>
-            <a:off x="4929146" y="2400962"/>
-            <a:ext cx="1066800" cy="1066800"/>
-          </a:xfrm>
-          <a:prstGeom prst="wedgeRoundRectCallout">
-            <a:avLst/>
-          </a:prstGeom>
-        </p:spPr>
-        <p:style>
-          <a:lnRef idx="2">
-            <a:schemeClr val="accent1">
-              <a:shade val="50000"/>
-            </a:schemeClr>
-          </a:lnRef>
-          <a:fillRef idx="1">
-            <a:schemeClr val="accent1"/>
-          </a:fillRef>
-          <a:effectRef idx="0">
-            <a:schemeClr val="accent1"/>
-          </a:effectRef>
-          <a:fontRef idx="minor">
-            <a:schemeClr val="lt1"/>
-          </a:fontRef>
-        </p:style>
-        <p:txBody>
-          <a:bodyPr rtlCol="0" anchor="ctr"/>
-          <a:lstStyle/>
-          <a:p>
-            <a:pPr algn="ctr"/>
-            <a:r>
-              <a:rPr lang="en-US" dirty="0"/>
-              <a:t>Binary Search Tree</a:t>
-            </a:r>
-          </a:p>
-        </p:txBody>
-      </p:sp>
-      <p:sp>
-        <p:nvSpPr>
-          <p:cNvPr id="6" name="Speech Bubble: Rectangle with Corners Rounded 5"/>
-          <p:cNvSpPr/>
-          <p:nvPr/>
-        </p:nvSpPr>
-        <p:spPr>
-          <a:xfrm>
-            <a:off x="7086600" y="1791362"/>
-            <a:ext cx="1447800" cy="1676400"/>
-          </a:xfrm>
-          <a:prstGeom prst="wedgeRoundRectCallout">
-            <a:avLst/>
-          </a:prstGeom>
-        </p:spPr>
-        <p:style>
-          <a:lnRef idx="2">
-            <a:schemeClr val="accent1">
-              <a:shade val="50000"/>
-            </a:schemeClr>
-          </a:lnRef>
-          <a:fillRef idx="1">
-            <a:schemeClr val="accent1"/>
-          </a:fillRef>
-          <a:effectRef idx="0">
-            <a:schemeClr val="accent1"/>
-          </a:effectRef>
-          <a:fontRef idx="minor">
-            <a:schemeClr val="lt1"/>
-          </a:fontRef>
-        </p:style>
-        <p:txBody>
-          <a:bodyPr rtlCol="0" anchor="ctr"/>
-          <a:lstStyle/>
-          <a:p>
-            <a:pPr algn="ctr"/>
-            <a:r>
-              <a:rPr lang="en-US" dirty="0"/>
-              <a:t>Shortest</a:t>
-            </a:r>
-          </a:p>
-          <a:p>
-            <a:pPr algn="ctr"/>
-            <a:r>
-              <a:rPr lang="en-US" dirty="0"/>
-              <a:t>Binary Search Tree</a:t>
-            </a:r>
-          </a:p>
-          <a:p>
-            <a:pPr algn="ctr"/>
-            <a:r>
-              <a:rPr lang="en-US" dirty="0"/>
-              <a:t>(</a:t>
-            </a:r>
-            <a:r>
-              <a:rPr lang="en-US" dirty="0" err="1"/>
-              <a:t>AVL</a:t>
-            </a:r>
-            <a:r>
-              <a:rPr lang="en-US" dirty="0"/>
-              <a:t> tree)</a:t>
-            </a:r>
-          </a:p>
-        </p:txBody>
-      </p:sp>
+              <a:t>Traverse the tree</a:t>
+            </a:r>
+          </a:p>
+        </p:txBody>
+      </p:sp>
+      <p:pic>
+        <p:nvPicPr>
+          <p:cNvPr id="4" name="Content Placeholder 3"/>
+          <p:cNvPicPr>
+            <a:picLocks noGrp="1" noChangeAspect="1"/>
+          </p:cNvPicPr>
+          <p:nvPr>
+            <p:ph idx="1"/>
+          </p:nvPr>
+        </p:nvPicPr>
+        <p:blipFill>
+          <a:blip r:embed="rId2"/>
+          <a:srcRect l="2088" r="2088"/>
+          <a:stretch>
+            <a:fillRect/>
+          </a:stretch>
+        </p:blipFill>
+        <p:spPr>
+          <a:ln>
+            <a:solidFill>
+              <a:srgbClr val="C0504D"/>
+            </a:solidFill>
+          </a:ln>
+        </p:spPr>
+      </p:pic>
     </p:spTree>
     <p:extLst>
       <p:ext uri="{BB962C8B-B14F-4D97-AF65-F5344CB8AC3E}">
-        <p14:creationId xmlns:p14="http://schemas.microsoft.com/office/powerpoint/2010/main" val="920351695"/>
+        <p14:creationId xmlns:p14="http://schemas.microsoft.com/office/powerpoint/2010/main" val="2832740428"/>
       </p:ext>
     </p:extLst>
   </p:cSld>
@@ -14107,124 +15641,73 @@
           <a:p>
             <a:r>
               <a:rPr lang="en-US" dirty="0"/>
-              <a:t>Binary Search Tree Definition</a:t>
-            </a:r>
-          </a:p>
-        </p:txBody>
-      </p:sp>
-      <p:sp>
-        <p:nvSpPr>
-          <p:cNvPr id="3" name="Content Placeholder 2"/>
-          <p:cNvSpPr>
-            <a:spLocks noGrp="1"/>
-          </p:cNvSpPr>
-          <p:nvPr>
-            <p:ph idx="1"/>
-          </p:nvPr>
-        </p:nvSpPr>
-        <p:spPr/>
-        <p:txBody>
-          <a:bodyPr>
-            <a:normAutofit fontScale="92500" lnSpcReduction="10000"/>
-          </a:bodyPr>
-          <a:lstStyle/>
-          <a:p>
-            <a:r>
-              <a:rPr lang="en-US" dirty="0"/>
-              <a:t>Binary Search Tree is a node based tree data structure which has following properties</a:t>
-            </a:r>
-          </a:p>
-          <a:p>
-            <a:pPr lvl="1"/>
-            <a:r>
-              <a:rPr lang="en-US" dirty="0"/>
-              <a:t>Left </a:t>
-            </a:r>
-            <a:r>
-              <a:rPr lang="en-US" dirty="0" err="1"/>
-              <a:t>subtree</a:t>
-            </a:r>
-            <a:r>
-              <a:rPr lang="en-US" dirty="0"/>
-              <a:t> of a node contains only nodes with keys less than the node’s key</a:t>
-            </a:r>
-          </a:p>
-          <a:p>
-            <a:pPr lvl="1"/>
-            <a:r>
-              <a:rPr lang="en-US" dirty="0"/>
-              <a:t>Right </a:t>
-            </a:r>
-            <a:r>
-              <a:rPr lang="en-US" dirty="0" err="1"/>
-              <a:t>subtree</a:t>
-            </a:r>
-            <a:r>
-              <a:rPr lang="en-US" dirty="0"/>
-              <a:t> of a node contains only nodes with keys greater than the node’s key</a:t>
-            </a:r>
-          </a:p>
-          <a:p>
-            <a:pPr lvl="1"/>
-            <a:r>
-              <a:rPr lang="en-US" dirty="0"/>
-              <a:t>Both the left and right </a:t>
-            </a:r>
-            <a:r>
-              <a:rPr lang="en-US" dirty="0" err="1"/>
-              <a:t>subtrees</a:t>
-            </a:r>
-            <a:r>
-              <a:rPr lang="en-US" dirty="0"/>
-              <a:t> must also be binary search trees</a:t>
-            </a:r>
-          </a:p>
-          <a:p>
-            <a:r>
-              <a:rPr lang="en-US" dirty="0"/>
-              <a:t>From above definition, it’s naturally follows that</a:t>
-            </a:r>
-          </a:p>
-          <a:p>
-            <a:pPr lvl="1"/>
-            <a:r>
-              <a:rPr lang="en-US" dirty="0"/>
-              <a:t>Each node has a distinct key (no equal)</a:t>
-            </a:r>
-          </a:p>
-          <a:p>
-            <a:pPr lvl="1"/>
-            <a:r>
-              <a:rPr lang="en-US" dirty="0">
-                <a:solidFill>
-                  <a:srgbClr val="FF0000"/>
-                </a:solidFill>
-              </a:rPr>
-              <a:t>An </a:t>
-            </a:r>
-            <a:r>
-              <a:rPr lang="en-US" dirty="0" err="1">
-                <a:solidFill>
-                  <a:srgbClr val="FF0000"/>
-                </a:solidFill>
-              </a:rPr>
-              <a:t>inorder</a:t>
-            </a:r>
-            <a:r>
-              <a:rPr lang="en-US" dirty="0">
-                <a:solidFill>
-                  <a:srgbClr val="FF0000"/>
-                </a:solidFill>
-              </a:rPr>
-              <a:t> traversal of a binary search tree visits the keys in increasing order</a:t>
-            </a:r>
-          </a:p>
-        </p:txBody>
-      </p:sp>
+              <a:t>Output</a:t>
+            </a:r>
+          </a:p>
+        </p:txBody>
+      </p:sp>
+      <p:pic>
+        <p:nvPicPr>
+          <p:cNvPr id="4" name="Picture 3"/>
+          <p:cNvPicPr>
+            <a:picLocks noChangeAspect="1"/>
+          </p:cNvPicPr>
+          <p:nvPr/>
+        </p:nvPicPr>
+        <p:blipFill>
+          <a:blip r:embed="rId2"/>
+          <a:stretch>
+            <a:fillRect/>
+          </a:stretch>
+        </p:blipFill>
+        <p:spPr>
+          <a:xfrm>
+            <a:off x="2895600" y="3581400"/>
+            <a:ext cx="3657600" cy="2590800"/>
+          </a:xfrm>
+          <a:prstGeom prst="rect">
+            <a:avLst/>
+          </a:prstGeom>
+          <a:ln>
+            <a:solidFill>
+              <a:srgbClr val="C0504D"/>
+            </a:solidFill>
+          </a:ln>
+        </p:spPr>
+      </p:pic>
+      <p:pic>
+        <p:nvPicPr>
+          <p:cNvPr id="5" name="Picture 4"/>
+          <p:cNvPicPr>
+            <a:picLocks noChangeAspect="1"/>
+          </p:cNvPicPr>
+          <p:nvPr/>
+        </p:nvPicPr>
+        <p:blipFill>
+          <a:blip r:embed="rId3"/>
+          <a:stretch>
+            <a:fillRect/>
+          </a:stretch>
+        </p:blipFill>
+        <p:spPr>
+          <a:xfrm>
+            <a:off x="2895600" y="685800"/>
+            <a:ext cx="3644900" cy="2768600"/>
+          </a:xfrm>
+          <a:prstGeom prst="rect">
+            <a:avLst/>
+          </a:prstGeom>
+          <a:ln>
+            <a:solidFill>
+              <a:srgbClr val="C0504D"/>
+            </a:solidFill>
+          </a:ln>
+        </p:spPr>
+      </p:pic>
     </p:spTree>
     <p:extLst>
       <p:ext uri="{BB962C8B-B14F-4D97-AF65-F5344CB8AC3E}">
-        <p14:creationId xmlns:p14="http://schemas.microsoft.com/office/powerpoint/2010/main" val="2671762301"/>
+        <p14:creationId xmlns:p14="http://schemas.microsoft.com/office/powerpoint/2010/main" val="2677934726"/>
       </p:ext>
     </p:extLst>
   </p:cSld>
@@ -14253,59 +15736,75 @@
       </p:grpSpPr>
       <p:sp>
         <p:nvSpPr>
-          <p:cNvPr id="2" name="Title 1"/>
-          <p:cNvSpPr>
-            <a:spLocks noGrp="1"/>
-          </p:cNvSpPr>
-          <p:nvPr>
-            <p:ph type="title"/>
-          </p:nvPr>
-        </p:nvSpPr>
-        <p:spPr/>
-        <p:txBody>
-          <a:bodyPr/>
+          <p:cNvPr id="6" name="Rectangle 5"/>
+          <p:cNvSpPr/>
+          <p:nvPr/>
+        </p:nvSpPr>
+        <p:spPr>
+          <a:xfrm rot="20209346">
+            <a:off x="1151717" y="2872654"/>
+            <a:ext cx="6840591" cy="923330"/>
+          </a:xfrm>
+          <a:prstGeom prst="rect">
+            <a:avLst/>
+          </a:prstGeom>
+          <a:noFill/>
+        </p:spPr>
+        <p:txBody>
+          <a:bodyPr wrap="none" lIns="91440" tIns="45720" rIns="91440" bIns="45720">
+            <a:spAutoFit/>
+          </a:bodyPr>
           <a:lstStyle/>
           <a:p>
-            <a:r>
-              <a:rPr lang="en-US" dirty="0"/>
-              <a:t>Binary search tree example</a:t>
-            </a:r>
-          </a:p>
-        </p:txBody>
-      </p:sp>
-      <p:pic>
-        <p:nvPicPr>
-          <p:cNvPr id="4" name="Picture 3"/>
-          <p:cNvPicPr>
-            <a:picLocks noChangeAspect="1"/>
-          </p:cNvPicPr>
-          <p:nvPr/>
-        </p:nvPicPr>
-        <p:blipFill>
-          <a:blip r:embed="rId2"/>
-          <a:stretch>
-            <a:fillRect/>
-          </a:stretch>
-        </p:blipFill>
-        <p:spPr>
-          <a:xfrm>
-            <a:off x="1219200" y="1066800"/>
-            <a:ext cx="6096000" cy="5056909"/>
-          </a:xfrm>
-          <a:prstGeom prst="rect">
-            <a:avLst/>
-          </a:prstGeom>
-          <a:ln>
-            <a:solidFill>
-              <a:srgbClr val="C0504D"/>
-            </a:solidFill>
-          </a:ln>
-        </p:spPr>
-      </p:pic>
+            <a:pPr algn="ctr"/>
+            <a:r>
+              <a:rPr lang="en-US" sz="5400" b="1" dirty="0">
+                <a:ln w="9525">
+                  <a:solidFill>
+                    <a:schemeClr val="bg1"/>
+                  </a:solidFill>
+                  <a:prstDash val="solid"/>
+                </a:ln>
+                <a:solidFill>
+                  <a:schemeClr val="accent5"/>
+                </a:solidFill>
+                <a:effectLst>
+                  <a:outerShdw blurRad="12700" dist="38100" dir="2700000" algn="tl" rotWithShape="0">
+                    <a:schemeClr val="accent5">
+                      <a:lumMod val="60000"/>
+                      <a:lumOff val="40000"/>
+                    </a:schemeClr>
+                  </a:outerShdw>
+                </a:effectLst>
+              </a:rPr>
+              <a:t>Binary Search Trees</a:t>
+            </a:r>
+            <a:endParaRPr lang="en-US" sz="5400" b="1" cap="none" spc="0" dirty="0">
+              <a:ln w="9525">
+                <a:solidFill>
+                  <a:schemeClr val="bg1"/>
+                </a:solidFill>
+                <a:prstDash val="solid"/>
+              </a:ln>
+              <a:solidFill>
+                <a:schemeClr val="accent5"/>
+              </a:solidFill>
+              <a:effectLst>
+                <a:outerShdw blurRad="12700" dist="38100" dir="2700000" algn="tl" rotWithShape="0">
+                  <a:schemeClr val="accent5">
+                    <a:lumMod val="60000"/>
+                    <a:lumOff val="40000"/>
+                  </a:schemeClr>
+                </a:outerShdw>
+              </a:effectLst>
+            </a:endParaRPr>
+          </a:p>
+        </p:txBody>
+      </p:sp>
     </p:spTree>
     <p:extLst>
       <p:ext uri="{BB962C8B-B14F-4D97-AF65-F5344CB8AC3E}">
-        <p14:creationId xmlns:p14="http://schemas.microsoft.com/office/powerpoint/2010/main" val="27284779"/>
+        <p14:creationId xmlns:p14="http://schemas.microsoft.com/office/powerpoint/2010/main" val="1680109853"/>
       </p:ext>
     </p:extLst>
   </p:cSld>
@@ -14349,6 +15848,167 @@
           <a:p>
             <a:r>
               <a:rPr lang="en-US" dirty="0"/>
+              <a:t>Binary Search Tree Definition</a:t>
+            </a:r>
+          </a:p>
+        </p:txBody>
+      </p:sp>
+      <p:sp>
+        <p:nvSpPr>
+          <p:cNvPr id="3" name="Content Placeholder 2"/>
+          <p:cNvSpPr>
+            <a:spLocks noGrp="1"/>
+          </p:cNvSpPr>
+          <p:nvPr>
+            <p:ph idx="1"/>
+          </p:nvPr>
+        </p:nvSpPr>
+        <p:spPr/>
+        <p:txBody>
+          <a:bodyPr>
+            <a:normAutofit fontScale="92500" lnSpcReduction="10000"/>
+          </a:bodyPr>
+          <a:lstStyle/>
+          <a:p>
+            <a:r>
+              <a:rPr lang="en-US" dirty="0"/>
+              <a:t>Binary Search Tree is a node based tree data structure which has following properties</a:t>
+            </a:r>
+          </a:p>
+          <a:p>
+            <a:pPr lvl="1"/>
+            <a:r>
+              <a:rPr lang="en-US" dirty="0"/>
+              <a:t>Left </a:t>
+            </a:r>
+            <a:r>
+              <a:rPr lang="en-US" dirty="0" err="1"/>
+              <a:t>subtree</a:t>
+            </a:r>
+            <a:r>
+              <a:rPr lang="en-US" dirty="0"/>
+              <a:t> of a node contains only nodes with keys less than the node’s key</a:t>
+            </a:r>
+          </a:p>
+          <a:p>
+            <a:pPr lvl="1"/>
+            <a:r>
+              <a:rPr lang="en-US" dirty="0"/>
+              <a:t>Right </a:t>
+            </a:r>
+            <a:r>
+              <a:rPr lang="en-US" dirty="0" err="1"/>
+              <a:t>subtree</a:t>
+            </a:r>
+            <a:r>
+              <a:rPr lang="en-US" dirty="0"/>
+              <a:t> of a node contains only nodes with keys greater than the node’s key</a:t>
+            </a:r>
+          </a:p>
+          <a:p>
+            <a:pPr lvl="1"/>
+            <a:r>
+              <a:rPr lang="en-US" dirty="0"/>
+              <a:t>Both the left and right </a:t>
+            </a:r>
+            <a:r>
+              <a:rPr lang="en-US" dirty="0" err="1"/>
+              <a:t>subtrees</a:t>
+            </a:r>
+            <a:r>
+              <a:rPr lang="en-US" dirty="0"/>
+              <a:t> must also be binary search trees</a:t>
+            </a:r>
+          </a:p>
+          <a:p>
+            <a:r>
+              <a:rPr lang="en-US" dirty="0"/>
+              <a:t>From above definition, it’s naturally follows that</a:t>
+            </a:r>
+          </a:p>
+          <a:p>
+            <a:pPr lvl="1"/>
+            <a:r>
+              <a:rPr lang="en-US" dirty="0"/>
+              <a:t>Each node has a distinct key (no equal)</a:t>
+            </a:r>
+          </a:p>
+          <a:p>
+            <a:pPr lvl="1"/>
+            <a:r>
+              <a:rPr lang="en-US" dirty="0">
+                <a:solidFill>
+                  <a:srgbClr val="FF0000"/>
+                </a:solidFill>
+              </a:rPr>
+              <a:t>An </a:t>
+            </a:r>
+            <a:r>
+              <a:rPr lang="en-US" dirty="0" err="1">
+                <a:solidFill>
+                  <a:srgbClr val="FF0000"/>
+                </a:solidFill>
+              </a:rPr>
+              <a:t>inorder</a:t>
+            </a:r>
+            <a:r>
+              <a:rPr lang="en-US" dirty="0">
+                <a:solidFill>
+                  <a:srgbClr val="FF0000"/>
+                </a:solidFill>
+              </a:rPr>
+              <a:t> traversal of a binary search tree visits the keys in increasing order</a:t>
+            </a:r>
+          </a:p>
+        </p:txBody>
+      </p:sp>
+    </p:spTree>
+    <p:extLst>
+      <p:ext uri="{BB962C8B-B14F-4D97-AF65-F5344CB8AC3E}">
+        <p14:creationId xmlns:p14="http://schemas.microsoft.com/office/powerpoint/2010/main" val="2671762301"/>
+      </p:ext>
+    </p:extLst>
+  </p:cSld>
+  <p:clrMapOvr>
+    <a:masterClrMapping/>
+  </p:clrMapOvr>
+</p:sld>
+</file>
+
+<file path=ppt/slides/slide47.xml><?xml version="1.0" encoding="utf-8"?>
+<p:sld xmlns:a="http://schemas.openxmlformats.org/drawingml/2006/main" xmlns:r="http://schemas.openxmlformats.org/officeDocument/2006/relationships" xmlns:p="http://schemas.openxmlformats.org/presentationml/2006/main">
+  <p:cSld>
+    <p:spTree>
+      <p:nvGrpSpPr>
+        <p:cNvPr id="1" name=""/>
+        <p:cNvGrpSpPr/>
+        <p:nvPr/>
+      </p:nvGrpSpPr>
+      <p:grpSpPr>
+        <a:xfrm>
+          <a:off x="0" y="0"/>
+          <a:ext cx="0" cy="0"/>
+          <a:chOff x="0" y="0"/>
+          <a:chExt cx="0" cy="0"/>
+        </a:xfrm>
+      </p:grpSpPr>
+      <p:sp>
+        <p:nvSpPr>
+          <p:cNvPr id="2" name="Title 1"/>
+          <p:cNvSpPr>
+            <a:spLocks noGrp="1"/>
+          </p:cNvSpPr>
+          <p:nvPr>
+            <p:ph type="title"/>
+          </p:nvPr>
+        </p:nvSpPr>
+        <p:spPr/>
+        <p:txBody>
+          <a:bodyPr/>
+          <a:lstStyle/>
+          <a:p>
+            <a:r>
+              <a:rPr lang="en-US" dirty="0"/>
               <a:t>Henry: the partitioning properties</a:t>
             </a:r>
           </a:p>
@@ -14404,7 +16064,496 @@
 </p:sld>
 </file>
 
-<file path=ppt/slides/slide47.xml><?xml version="1.0" encoding="utf-8"?>
+<file path=ppt/slides/slide48.xml><?xml version="1.0" encoding="utf-8"?>
+<p:sld xmlns:a="http://schemas.openxmlformats.org/drawingml/2006/main" xmlns:r="http://schemas.openxmlformats.org/officeDocument/2006/relationships" xmlns:p="http://schemas.openxmlformats.org/presentationml/2006/main">
+  <p:cSld>
+    <p:spTree>
+      <p:nvGrpSpPr>
+        <p:cNvPr id="1" name=""/>
+        <p:cNvGrpSpPr/>
+        <p:nvPr/>
+      </p:nvGrpSpPr>
+      <p:grpSpPr>
+        <a:xfrm>
+          <a:off x="0" y="0"/>
+          <a:ext cx="0" cy="0"/>
+          <a:chOff x="0" y="0"/>
+          <a:chExt cx="0" cy="0"/>
+        </a:xfrm>
+      </p:grpSpPr>
+      <p:sp>
+        <p:nvSpPr>
+          <p:cNvPr id="2" name="Title 1"/>
+          <p:cNvSpPr>
+            <a:spLocks noGrp="1"/>
+          </p:cNvSpPr>
+          <p:nvPr>
+            <p:ph type="title"/>
+          </p:nvPr>
+        </p:nvSpPr>
+        <p:spPr/>
+        <p:txBody>
+          <a:bodyPr/>
+          <a:lstStyle/>
+          <a:p>
+            <a:r>
+              <a:rPr lang="en-US" dirty="0"/>
+              <a:t>Binary search tree example</a:t>
+            </a:r>
+          </a:p>
+        </p:txBody>
+      </p:sp>
+      <p:pic>
+        <p:nvPicPr>
+          <p:cNvPr id="4" name="Picture 3"/>
+          <p:cNvPicPr>
+            <a:picLocks noChangeAspect="1"/>
+          </p:cNvPicPr>
+          <p:nvPr/>
+        </p:nvPicPr>
+        <p:blipFill>
+          <a:blip r:embed="rId2"/>
+          <a:stretch>
+            <a:fillRect/>
+          </a:stretch>
+        </p:blipFill>
+        <p:spPr>
+          <a:xfrm>
+            <a:off x="1219200" y="1066800"/>
+            <a:ext cx="6096000" cy="5056909"/>
+          </a:xfrm>
+          <a:prstGeom prst="rect">
+            <a:avLst/>
+          </a:prstGeom>
+          <a:ln>
+            <a:solidFill>
+              <a:srgbClr val="C0504D"/>
+            </a:solidFill>
+          </a:ln>
+        </p:spPr>
+      </p:pic>
+      <p:sp>
+        <p:nvSpPr>
+          <p:cNvPr id="3" name="Rectangle: Rounded Corners 2"/>
+          <p:cNvSpPr/>
+          <p:nvPr/>
+        </p:nvSpPr>
+        <p:spPr>
+          <a:xfrm>
+            <a:off x="6781800" y="1219200"/>
+            <a:ext cx="1676400" cy="685800"/>
+          </a:xfrm>
+          <a:prstGeom prst="roundRect">
+            <a:avLst/>
+          </a:prstGeom>
+        </p:spPr>
+        <p:style>
+          <a:lnRef idx="2">
+            <a:schemeClr val="accent1">
+              <a:shade val="50000"/>
+            </a:schemeClr>
+          </a:lnRef>
+          <a:fillRef idx="1">
+            <a:schemeClr val="accent1"/>
+          </a:fillRef>
+          <a:effectRef idx="0">
+            <a:schemeClr val="accent1"/>
+          </a:effectRef>
+          <a:fontRef idx="minor">
+            <a:schemeClr val="lt1"/>
+          </a:fontRef>
+        </p:style>
+        <p:txBody>
+          <a:bodyPr rtlCol="0" anchor="ctr"/>
+          <a:lstStyle/>
+          <a:p>
+            <a:pPr algn="ctr"/>
+            <a:r>
+              <a:rPr lang="en-US" dirty="0"/>
+              <a:t>Insertion</a:t>
+            </a:r>
+          </a:p>
+        </p:txBody>
+      </p:sp>
+      <p:sp>
+        <p:nvSpPr>
+          <p:cNvPr id="5" name="Rectangle: Rounded Corners 4"/>
+          <p:cNvSpPr/>
+          <p:nvPr/>
+        </p:nvSpPr>
+        <p:spPr>
+          <a:xfrm>
+            <a:off x="6781800" y="2171700"/>
+            <a:ext cx="1676400" cy="685800"/>
+          </a:xfrm>
+          <a:prstGeom prst="roundRect">
+            <a:avLst/>
+          </a:prstGeom>
+        </p:spPr>
+        <p:style>
+          <a:lnRef idx="2">
+            <a:schemeClr val="accent1">
+              <a:shade val="50000"/>
+            </a:schemeClr>
+          </a:lnRef>
+          <a:fillRef idx="1">
+            <a:schemeClr val="accent1"/>
+          </a:fillRef>
+          <a:effectRef idx="0">
+            <a:schemeClr val="accent1"/>
+          </a:effectRef>
+          <a:fontRef idx="minor">
+            <a:schemeClr val="lt1"/>
+          </a:fontRef>
+        </p:style>
+        <p:txBody>
+          <a:bodyPr rtlCol="0" anchor="ctr"/>
+          <a:lstStyle/>
+          <a:p>
+            <a:pPr algn="ctr"/>
+            <a:r>
+              <a:rPr lang="en-US" dirty="0"/>
+              <a:t>Deletion</a:t>
+            </a:r>
+          </a:p>
+        </p:txBody>
+      </p:sp>
+      <p:sp>
+        <p:nvSpPr>
+          <p:cNvPr id="6" name="Rectangle: Rounded Corners 5"/>
+          <p:cNvSpPr/>
+          <p:nvPr/>
+        </p:nvSpPr>
+        <p:spPr>
+          <a:xfrm>
+            <a:off x="6778487" y="4724400"/>
+            <a:ext cx="1676400" cy="685800"/>
+          </a:xfrm>
+          <a:prstGeom prst="roundRect">
+            <a:avLst/>
+          </a:prstGeom>
+        </p:spPr>
+        <p:style>
+          <a:lnRef idx="2">
+            <a:schemeClr val="accent1">
+              <a:shade val="50000"/>
+            </a:schemeClr>
+          </a:lnRef>
+          <a:fillRef idx="1">
+            <a:schemeClr val="accent1"/>
+          </a:fillRef>
+          <a:effectRef idx="0">
+            <a:schemeClr val="accent1"/>
+          </a:effectRef>
+          <a:fontRef idx="minor">
+            <a:schemeClr val="lt1"/>
+          </a:fontRef>
+        </p:style>
+        <p:txBody>
+          <a:bodyPr rtlCol="0" anchor="ctr"/>
+          <a:lstStyle/>
+          <a:p>
+            <a:pPr algn="ctr"/>
+            <a:r>
+              <a:rPr lang="en-US" dirty="0"/>
+              <a:t>Search</a:t>
+            </a:r>
+          </a:p>
+          <a:p>
+            <a:pPr algn="ctr"/>
+            <a:r>
+              <a:rPr lang="en-US" dirty="0"/>
+              <a:t>(Contain)</a:t>
+            </a:r>
+          </a:p>
+        </p:txBody>
+      </p:sp>
+    </p:spTree>
+    <p:extLst>
+      <p:ext uri="{BB962C8B-B14F-4D97-AF65-F5344CB8AC3E}">
+        <p14:creationId xmlns:p14="http://schemas.microsoft.com/office/powerpoint/2010/main" val="27284779"/>
+      </p:ext>
+    </p:extLst>
+  </p:cSld>
+  <p:clrMapOvr>
+    <a:masterClrMapping/>
+  </p:clrMapOvr>
+  <p:timing>
+    <p:tnLst>
+      <p:par>
+        <p:cTn id="1" dur="indefinite" restart="never" nodeType="tmRoot">
+          <p:childTnLst>
+            <p:seq concurrent="1" nextAc="seek">
+              <p:cTn id="2" dur="indefinite" nodeType="mainSeq">
+                <p:childTnLst>
+                  <p:par>
+                    <p:cTn id="3" fill="hold">
+                      <p:stCondLst>
+                        <p:cond delay="indefinite"/>
+                      </p:stCondLst>
+                      <p:childTnLst>
+                        <p:par>
+                          <p:cTn id="4" fill="hold">
+                            <p:stCondLst>
+                              <p:cond delay="0"/>
+                            </p:stCondLst>
+                            <p:childTnLst>
+                              <p:par>
+                                <p:cTn id="5" presetID="2" presetClass="entr" presetSubtype="4" fill="hold" grpId="0" nodeType="clickEffect">
+                                  <p:stCondLst>
+                                    <p:cond delay="0"/>
+                                  </p:stCondLst>
+                                  <p:childTnLst>
+                                    <p:set>
+                                      <p:cBhvr>
+                                        <p:cTn id="6" dur="1" fill="hold">
+                                          <p:stCondLst>
+                                            <p:cond delay="0"/>
+                                          </p:stCondLst>
+                                        </p:cTn>
+                                        <p:tgtEl>
+                                          <p:spTgt spid="3"/>
+                                        </p:tgtEl>
+                                        <p:attrNameLst>
+                                          <p:attrName>style.visibility</p:attrName>
+                                        </p:attrNameLst>
+                                      </p:cBhvr>
+                                      <p:to>
+                                        <p:strVal val="visible"/>
+                                      </p:to>
+                                    </p:set>
+                                    <p:anim calcmode="lin" valueType="num">
+                                      <p:cBhvr additive="base">
+                                        <p:cTn id="7" dur="500" fill="hold"/>
+                                        <p:tgtEl>
+                                          <p:spTgt spid="3"/>
+                                        </p:tgtEl>
+                                        <p:attrNameLst>
+                                          <p:attrName>ppt_x</p:attrName>
+                                        </p:attrNameLst>
+                                      </p:cBhvr>
+                                      <p:tavLst>
+                                        <p:tav tm="0">
+                                          <p:val>
+                                            <p:strVal val="#ppt_x"/>
+                                          </p:val>
+                                        </p:tav>
+                                        <p:tav tm="100000">
+                                          <p:val>
+                                            <p:strVal val="#ppt_x"/>
+                                          </p:val>
+                                        </p:tav>
+                                      </p:tavLst>
+                                    </p:anim>
+                                    <p:anim calcmode="lin" valueType="num">
+                                      <p:cBhvr additive="base">
+                                        <p:cTn id="8" dur="500" fill="hold"/>
+                                        <p:tgtEl>
+                                          <p:spTgt spid="3"/>
+                                        </p:tgtEl>
+                                        <p:attrNameLst>
+                                          <p:attrName>ppt_y</p:attrName>
+                                        </p:attrNameLst>
+                                      </p:cBhvr>
+                                      <p:tavLst>
+                                        <p:tav tm="0">
+                                          <p:val>
+                                            <p:strVal val="1+#ppt_h/2"/>
+                                          </p:val>
+                                        </p:tav>
+                                        <p:tav tm="100000">
+                                          <p:val>
+                                            <p:strVal val="#ppt_y"/>
+                                          </p:val>
+                                        </p:tav>
+                                      </p:tavLst>
+                                    </p:anim>
+                                  </p:childTnLst>
+                                </p:cTn>
+                              </p:par>
+                              <p:par>
+                                <p:cTn id="9" presetID="2" presetClass="entr" presetSubtype="4" fill="hold" grpId="0" nodeType="withEffect">
+                                  <p:stCondLst>
+                                    <p:cond delay="0"/>
+                                  </p:stCondLst>
+                                  <p:childTnLst>
+                                    <p:set>
+                                      <p:cBhvr>
+                                        <p:cTn id="10" dur="1" fill="hold">
+                                          <p:stCondLst>
+                                            <p:cond delay="0"/>
+                                          </p:stCondLst>
+                                        </p:cTn>
+                                        <p:tgtEl>
+                                          <p:spTgt spid="5"/>
+                                        </p:tgtEl>
+                                        <p:attrNameLst>
+                                          <p:attrName>style.visibility</p:attrName>
+                                        </p:attrNameLst>
+                                      </p:cBhvr>
+                                      <p:to>
+                                        <p:strVal val="visible"/>
+                                      </p:to>
+                                    </p:set>
+                                    <p:anim calcmode="lin" valueType="num">
+                                      <p:cBhvr additive="base">
+                                        <p:cTn id="11" dur="500" fill="hold"/>
+                                        <p:tgtEl>
+                                          <p:spTgt spid="5"/>
+                                        </p:tgtEl>
+                                        <p:attrNameLst>
+                                          <p:attrName>ppt_x</p:attrName>
+                                        </p:attrNameLst>
+                                      </p:cBhvr>
+                                      <p:tavLst>
+                                        <p:tav tm="0">
+                                          <p:val>
+                                            <p:strVal val="#ppt_x"/>
+                                          </p:val>
+                                        </p:tav>
+                                        <p:tav tm="100000">
+                                          <p:val>
+                                            <p:strVal val="#ppt_x"/>
+                                          </p:val>
+                                        </p:tav>
+                                      </p:tavLst>
+                                    </p:anim>
+                                    <p:anim calcmode="lin" valueType="num">
+                                      <p:cBhvr additive="base">
+                                        <p:cTn id="12" dur="500" fill="hold"/>
+                                        <p:tgtEl>
+                                          <p:spTgt spid="5"/>
+                                        </p:tgtEl>
+                                        <p:attrNameLst>
+                                          <p:attrName>ppt_y</p:attrName>
+                                        </p:attrNameLst>
+                                      </p:cBhvr>
+                                      <p:tavLst>
+                                        <p:tav tm="0">
+                                          <p:val>
+                                            <p:strVal val="1+#ppt_h/2"/>
+                                          </p:val>
+                                        </p:tav>
+                                        <p:tav tm="100000">
+                                          <p:val>
+                                            <p:strVal val="#ppt_y"/>
+                                          </p:val>
+                                        </p:tav>
+                                      </p:tavLst>
+                                    </p:anim>
+                                  </p:childTnLst>
+                                </p:cTn>
+                              </p:par>
+                              <p:par>
+                                <p:cTn id="13" presetID="2" presetClass="entr" presetSubtype="4" fill="hold" grpId="0" nodeType="withEffect">
+                                  <p:stCondLst>
+                                    <p:cond delay="0"/>
+                                  </p:stCondLst>
+                                  <p:childTnLst>
+                                    <p:set>
+                                      <p:cBhvr>
+                                        <p:cTn id="14" dur="1" fill="hold">
+                                          <p:stCondLst>
+                                            <p:cond delay="0"/>
+                                          </p:stCondLst>
+                                        </p:cTn>
+                                        <p:tgtEl>
+                                          <p:spTgt spid="6"/>
+                                        </p:tgtEl>
+                                        <p:attrNameLst>
+                                          <p:attrName>style.visibility</p:attrName>
+                                        </p:attrNameLst>
+                                      </p:cBhvr>
+                                      <p:to>
+                                        <p:strVal val="visible"/>
+                                      </p:to>
+                                    </p:set>
+                                    <p:anim calcmode="lin" valueType="num">
+                                      <p:cBhvr additive="base">
+                                        <p:cTn id="15" dur="500" fill="hold"/>
+                                        <p:tgtEl>
+                                          <p:spTgt spid="6"/>
+                                        </p:tgtEl>
+                                        <p:attrNameLst>
+                                          <p:attrName>ppt_x</p:attrName>
+                                        </p:attrNameLst>
+                                      </p:cBhvr>
+                                      <p:tavLst>
+                                        <p:tav tm="0">
+                                          <p:val>
+                                            <p:strVal val="#ppt_x"/>
+                                          </p:val>
+                                        </p:tav>
+                                        <p:tav tm="100000">
+                                          <p:val>
+                                            <p:strVal val="#ppt_x"/>
+                                          </p:val>
+                                        </p:tav>
+                                      </p:tavLst>
+                                    </p:anim>
+                                    <p:anim calcmode="lin" valueType="num">
+                                      <p:cBhvr additive="base">
+                                        <p:cTn id="16" dur="500" fill="hold"/>
+                                        <p:tgtEl>
+                                          <p:spTgt spid="6"/>
+                                        </p:tgtEl>
+                                        <p:attrNameLst>
+                                          <p:attrName>ppt_y</p:attrName>
+                                        </p:attrNameLst>
+                                      </p:cBhvr>
+                                      <p:tavLst>
+                                        <p:tav tm="0">
+                                          <p:val>
+                                            <p:strVal val="1+#ppt_h/2"/>
+                                          </p:val>
+                                        </p:tav>
+                                        <p:tav tm="100000">
+                                          <p:val>
+                                            <p:strVal val="#ppt_y"/>
+                                          </p:val>
+                                        </p:tav>
+                                      </p:tavLst>
+                                    </p:anim>
+                                  </p:childTnLst>
+                                </p:cTn>
+                              </p:par>
+                            </p:childTnLst>
+                          </p:cTn>
+                        </p:par>
+                      </p:childTnLst>
+                    </p:cTn>
+                  </p:par>
+                </p:childTnLst>
+              </p:cTn>
+              <p:prevCondLst>
+                <p:cond evt="onPrev" delay="0">
+                  <p:tgtEl>
+                    <p:sldTgt/>
+                  </p:tgtEl>
+                </p:cond>
+              </p:prevCondLst>
+              <p:nextCondLst>
+                <p:cond evt="onNext" delay="0">
+                  <p:tgtEl>
+                    <p:sldTgt/>
+                  </p:tgtEl>
+                </p:cond>
+              </p:nextCondLst>
+            </p:seq>
+          </p:childTnLst>
+        </p:cTn>
+      </p:par>
+    </p:tnLst>
+    <p:bldLst>
+      <p:bldP spid="3" grpId="0" animBg="1"/>
+      <p:bldP spid="5" grpId="0" animBg="1"/>
+      <p:bldP spid="6" grpId="0" animBg="1"/>
+    </p:bldLst>
+  </p:timing>
+</p:sld>
+</file>
+
+<file path=ppt/slides/slide49.xml><?xml version="1.0" encoding="utf-8"?>
 <p:sld xmlns:a="http://schemas.openxmlformats.org/drawingml/2006/main" xmlns:r="http://schemas.openxmlformats.org/officeDocument/2006/relationships" xmlns:p="http://schemas.openxmlformats.org/presentationml/2006/main">
   <p:cSld>
     <p:spTree>
@@ -17612,211 +19761,6 @@
 </p:sld>
 </file>
 
-<file path=ppt/slides/slide48.xml><?xml version="1.0" encoding="utf-8"?>
-<p:sld xmlns:a="http://schemas.openxmlformats.org/drawingml/2006/main" xmlns:r="http://schemas.openxmlformats.org/officeDocument/2006/relationships" xmlns:p="http://schemas.openxmlformats.org/presentationml/2006/main">
-  <p:cSld>
-    <p:spTree>
-      <p:nvGrpSpPr>
-        <p:cNvPr id="1" name=""/>
-        <p:cNvGrpSpPr/>
-        <p:nvPr/>
-      </p:nvGrpSpPr>
-      <p:grpSpPr>
-        <a:xfrm>
-          <a:off x="0" y="0"/>
-          <a:ext cx="0" cy="0"/>
-          <a:chOff x="0" y="0"/>
-          <a:chExt cx="0" cy="0"/>
-        </a:xfrm>
-      </p:grpSpPr>
-      <p:sp>
-        <p:nvSpPr>
-          <p:cNvPr id="2" name="Title 1"/>
-          <p:cNvSpPr>
-            <a:spLocks noGrp="1"/>
-          </p:cNvSpPr>
-          <p:nvPr>
-            <p:ph type="title"/>
-          </p:nvPr>
-        </p:nvSpPr>
-        <p:spPr/>
-        <p:txBody>
-          <a:bodyPr/>
-          <a:lstStyle/>
-          <a:p>
-            <a:r>
-              <a:rPr lang="en-US" dirty="0"/>
-              <a:t>Insertion on a Binary Search Tree</a:t>
-            </a:r>
-          </a:p>
-        </p:txBody>
-      </p:sp>
-      <p:pic>
-        <p:nvPicPr>
-          <p:cNvPr id="4" name="Picture 3"/>
-          <p:cNvPicPr>
-            <a:picLocks noChangeAspect="1"/>
-          </p:cNvPicPr>
-          <p:nvPr/>
-        </p:nvPicPr>
-        <p:blipFill>
-          <a:blip r:embed="rId2"/>
-          <a:stretch>
-            <a:fillRect/>
-          </a:stretch>
-        </p:blipFill>
-        <p:spPr>
-          <a:xfrm>
-            <a:off x="0" y="1055607"/>
-            <a:ext cx="9144000" cy="4964193"/>
-          </a:xfrm>
-          <a:prstGeom prst="rect">
-            <a:avLst/>
-          </a:prstGeom>
-          <a:ln>
-            <a:solidFill>
-              <a:srgbClr val="C0504D"/>
-            </a:solidFill>
-          </a:ln>
-        </p:spPr>
-      </p:pic>
-      <p:sp>
-        <p:nvSpPr>
-          <p:cNvPr id="5" name="Speech Bubble: Rectangle with Corners Rounded 4"/>
-          <p:cNvSpPr/>
-          <p:nvPr/>
-        </p:nvSpPr>
-        <p:spPr>
-          <a:xfrm>
-            <a:off x="5867400" y="3537703"/>
-            <a:ext cx="2590800" cy="1295400"/>
-          </a:xfrm>
-          <a:prstGeom prst="wedgeRoundRectCallout">
-            <a:avLst/>
-          </a:prstGeom>
-        </p:spPr>
-        <p:style>
-          <a:lnRef idx="2">
-            <a:schemeClr val="accent1">
-              <a:shade val="50000"/>
-            </a:schemeClr>
-          </a:lnRef>
-          <a:fillRef idx="1">
-            <a:schemeClr val="accent1"/>
-          </a:fillRef>
-          <a:effectRef idx="0">
-            <a:schemeClr val="accent1"/>
-          </a:effectRef>
-          <a:fontRef idx="minor">
-            <a:schemeClr val="lt1"/>
-          </a:fontRef>
-        </p:style>
-        <p:txBody>
-          <a:bodyPr rtlCol="0" anchor="ctr"/>
-          <a:lstStyle/>
-          <a:p>
-            <a:pPr algn="ctr"/>
-            <a:r>
-              <a:rPr lang="en-US" sz="2400" dirty="0"/>
-              <a:t>Don't break the ordering property of the tree</a:t>
-            </a:r>
-          </a:p>
-        </p:txBody>
-      </p:sp>
-    </p:spTree>
-    <p:extLst>
-      <p:ext uri="{BB962C8B-B14F-4D97-AF65-F5344CB8AC3E}">
-        <p14:creationId xmlns:p14="http://schemas.microsoft.com/office/powerpoint/2010/main" val="3888408970"/>
-      </p:ext>
-    </p:extLst>
-  </p:cSld>
-  <p:clrMapOvr>
-    <a:masterClrMapping/>
-  </p:clrMapOvr>
-</p:sld>
-</file>
-
-<file path=ppt/slides/slide49.xml><?xml version="1.0" encoding="utf-8"?>
-<p:sld xmlns:a="http://schemas.openxmlformats.org/drawingml/2006/main" xmlns:r="http://schemas.openxmlformats.org/officeDocument/2006/relationships" xmlns:p="http://schemas.openxmlformats.org/presentationml/2006/main">
-  <p:cSld>
-    <p:spTree>
-      <p:nvGrpSpPr>
-        <p:cNvPr id="1" name=""/>
-        <p:cNvGrpSpPr/>
-        <p:nvPr/>
-      </p:nvGrpSpPr>
-      <p:grpSpPr>
-        <a:xfrm>
-          <a:off x="0" y="0"/>
-          <a:ext cx="0" cy="0"/>
-          <a:chOff x="0" y="0"/>
-          <a:chExt cx="0" cy="0"/>
-        </a:xfrm>
-      </p:grpSpPr>
-      <p:sp>
-        <p:nvSpPr>
-          <p:cNvPr id="2" name="Title 1"/>
-          <p:cNvSpPr>
-            <a:spLocks noGrp="1"/>
-          </p:cNvSpPr>
-          <p:nvPr>
-            <p:ph type="title"/>
-          </p:nvPr>
-        </p:nvSpPr>
-        <p:spPr/>
-        <p:txBody>
-          <a:bodyPr/>
-          <a:lstStyle/>
-          <a:p>
-            <a:r>
-              <a:rPr lang="en-US" dirty="0"/>
-              <a:t>Searching on Binary Search Trees</a:t>
-            </a:r>
-          </a:p>
-        </p:txBody>
-      </p:sp>
-      <p:pic>
-        <p:nvPicPr>
-          <p:cNvPr id="4" name="Picture 3"/>
-          <p:cNvPicPr>
-            <a:picLocks noChangeAspect="1"/>
-          </p:cNvPicPr>
-          <p:nvPr/>
-        </p:nvPicPr>
-        <p:blipFill>
-          <a:blip r:embed="rId2"/>
-          <a:stretch>
-            <a:fillRect/>
-          </a:stretch>
-        </p:blipFill>
-        <p:spPr>
-          <a:xfrm>
-            <a:off x="31184" y="914400"/>
-            <a:ext cx="8940800" cy="4953000"/>
-          </a:xfrm>
-          <a:prstGeom prst="rect">
-            <a:avLst/>
-          </a:prstGeom>
-          <a:ln>
-            <a:solidFill>
-              <a:srgbClr val="C0504D"/>
-            </a:solidFill>
-          </a:ln>
-        </p:spPr>
-      </p:pic>
-    </p:spTree>
-    <p:extLst>
-      <p:ext uri="{BB962C8B-B14F-4D97-AF65-F5344CB8AC3E}">
-        <p14:creationId xmlns:p14="http://schemas.microsoft.com/office/powerpoint/2010/main" val="3964934635"/>
-      </p:ext>
-    </p:extLst>
-  </p:cSld>
-  <p:clrMapOvr>
-    <a:masterClrMapping/>
-  </p:clrMapOvr>
-</p:sld>
-</file>
-
 <file path=ppt/slides/slide5.xml><?xml version="1.0" encoding="utf-8"?>
 <p:sld xmlns:a="http://schemas.openxmlformats.org/drawingml/2006/main" xmlns:r="http://schemas.openxmlformats.org/officeDocument/2006/relationships" xmlns:p="http://schemas.openxmlformats.org/presentationml/2006/main">
   <p:cSld>
@@ -17924,6 +19868,457 @@
     <p:extLst>
       <p:ext uri="{BB962C8B-B14F-4D97-AF65-F5344CB8AC3E}">
         <p14:creationId xmlns:p14="http://schemas.microsoft.com/office/powerpoint/2010/main" val="3524541105"/>
+      </p:ext>
+    </p:extLst>
+  </p:cSld>
+  <p:clrMapOvr>
+    <a:masterClrMapping/>
+  </p:clrMapOvr>
+</p:sld>
+</file>
+
+<file path=ppt/slides/slide50.xml><?xml version="1.0" encoding="utf-8"?>
+<p:sld xmlns:a="http://schemas.openxmlformats.org/drawingml/2006/main" xmlns:r="http://schemas.openxmlformats.org/officeDocument/2006/relationships" xmlns:p="http://schemas.openxmlformats.org/presentationml/2006/main">
+  <p:cSld>
+    <p:spTree>
+      <p:nvGrpSpPr>
+        <p:cNvPr id="1" name=""/>
+        <p:cNvGrpSpPr/>
+        <p:nvPr/>
+      </p:nvGrpSpPr>
+      <p:grpSpPr>
+        <a:xfrm>
+          <a:off x="0" y="0"/>
+          <a:ext cx="0" cy="0"/>
+          <a:chOff x="0" y="0"/>
+          <a:chExt cx="0" cy="0"/>
+        </a:xfrm>
+      </p:grpSpPr>
+      <p:sp>
+        <p:nvSpPr>
+          <p:cNvPr id="2" name="Title 1"/>
+          <p:cNvSpPr>
+            <a:spLocks noGrp="1"/>
+          </p:cNvSpPr>
+          <p:nvPr>
+            <p:ph type="title"/>
+          </p:nvPr>
+        </p:nvSpPr>
+        <p:spPr/>
+        <p:txBody>
+          <a:bodyPr/>
+          <a:lstStyle/>
+          <a:p>
+            <a:r>
+              <a:rPr lang="en-US" dirty="0"/>
+              <a:t>Insertion on a Binary Search Tree</a:t>
+            </a:r>
+          </a:p>
+        </p:txBody>
+      </p:sp>
+      <p:pic>
+        <p:nvPicPr>
+          <p:cNvPr id="4" name="Picture 3"/>
+          <p:cNvPicPr>
+            <a:picLocks noChangeAspect="1"/>
+          </p:cNvPicPr>
+          <p:nvPr/>
+        </p:nvPicPr>
+        <p:blipFill>
+          <a:blip r:embed="rId2"/>
+          <a:stretch>
+            <a:fillRect/>
+          </a:stretch>
+        </p:blipFill>
+        <p:spPr>
+          <a:xfrm>
+            <a:off x="0" y="1055607"/>
+            <a:ext cx="9144000" cy="4964193"/>
+          </a:xfrm>
+          <a:prstGeom prst="rect">
+            <a:avLst/>
+          </a:prstGeom>
+          <a:ln>
+            <a:solidFill>
+              <a:srgbClr val="C0504D"/>
+            </a:solidFill>
+          </a:ln>
+        </p:spPr>
+      </p:pic>
+      <p:sp>
+        <p:nvSpPr>
+          <p:cNvPr id="5" name="Speech Bubble: Rectangle with Corners Rounded 4"/>
+          <p:cNvSpPr/>
+          <p:nvPr/>
+        </p:nvSpPr>
+        <p:spPr>
+          <a:xfrm>
+            <a:off x="5867400" y="3537703"/>
+            <a:ext cx="2590800" cy="1295400"/>
+          </a:xfrm>
+          <a:prstGeom prst="wedgeRoundRectCallout">
+            <a:avLst/>
+          </a:prstGeom>
+        </p:spPr>
+        <p:style>
+          <a:lnRef idx="2">
+            <a:schemeClr val="accent1">
+              <a:shade val="50000"/>
+            </a:schemeClr>
+          </a:lnRef>
+          <a:fillRef idx="1">
+            <a:schemeClr val="accent1"/>
+          </a:fillRef>
+          <a:effectRef idx="0">
+            <a:schemeClr val="accent1"/>
+          </a:effectRef>
+          <a:fontRef idx="minor">
+            <a:schemeClr val="lt1"/>
+          </a:fontRef>
+        </p:style>
+        <p:txBody>
+          <a:bodyPr rtlCol="0" anchor="ctr"/>
+          <a:lstStyle/>
+          <a:p>
+            <a:pPr algn="ctr"/>
+            <a:r>
+              <a:rPr lang="en-US" sz="2400" dirty="0"/>
+              <a:t>Don't break the ordering property of the tree</a:t>
+            </a:r>
+          </a:p>
+        </p:txBody>
+      </p:sp>
+    </p:spTree>
+    <p:extLst>
+      <p:ext uri="{BB962C8B-B14F-4D97-AF65-F5344CB8AC3E}">
+        <p14:creationId xmlns:p14="http://schemas.microsoft.com/office/powerpoint/2010/main" val="3888408970"/>
+      </p:ext>
+    </p:extLst>
+  </p:cSld>
+  <p:clrMapOvr>
+    <a:masterClrMapping/>
+  </p:clrMapOvr>
+</p:sld>
+</file>
+
+<file path=ppt/slides/slide51.xml><?xml version="1.0" encoding="utf-8"?>
+<p:sld xmlns:a="http://schemas.openxmlformats.org/drawingml/2006/main" xmlns:r="http://schemas.openxmlformats.org/officeDocument/2006/relationships" xmlns:p="http://schemas.openxmlformats.org/presentationml/2006/main">
+  <p:cSld>
+    <p:spTree>
+      <p:nvGrpSpPr>
+        <p:cNvPr id="1" name=""/>
+        <p:cNvGrpSpPr/>
+        <p:nvPr/>
+      </p:nvGrpSpPr>
+      <p:grpSpPr>
+        <a:xfrm>
+          <a:off x="0" y="0"/>
+          <a:ext cx="0" cy="0"/>
+          <a:chOff x="0" y="0"/>
+          <a:chExt cx="0" cy="0"/>
+        </a:xfrm>
+      </p:grpSpPr>
+      <p:sp>
+        <p:nvSpPr>
+          <p:cNvPr id="2" name="Title 1"/>
+          <p:cNvSpPr>
+            <a:spLocks noGrp="1"/>
+          </p:cNvSpPr>
+          <p:nvPr>
+            <p:ph type="title"/>
+          </p:nvPr>
+        </p:nvSpPr>
+        <p:spPr/>
+        <p:txBody>
+          <a:bodyPr/>
+          <a:lstStyle/>
+          <a:p>
+            <a:r>
+              <a:rPr lang="en-US" dirty="0"/>
+              <a:t>Searching on Binary Search Trees</a:t>
+            </a:r>
+          </a:p>
+        </p:txBody>
+      </p:sp>
+      <p:pic>
+        <p:nvPicPr>
+          <p:cNvPr id="4" name="Picture 3"/>
+          <p:cNvPicPr>
+            <a:picLocks noChangeAspect="1"/>
+          </p:cNvPicPr>
+          <p:nvPr/>
+        </p:nvPicPr>
+        <p:blipFill>
+          <a:blip r:embed="rId2"/>
+          <a:stretch>
+            <a:fillRect/>
+          </a:stretch>
+        </p:blipFill>
+        <p:spPr>
+          <a:xfrm>
+            <a:off x="31184" y="914400"/>
+            <a:ext cx="8940800" cy="4953000"/>
+          </a:xfrm>
+          <a:prstGeom prst="rect">
+            <a:avLst/>
+          </a:prstGeom>
+          <a:ln>
+            <a:solidFill>
+              <a:srgbClr val="C0504D"/>
+            </a:solidFill>
+          </a:ln>
+        </p:spPr>
+      </p:pic>
+    </p:spTree>
+    <p:extLst>
+      <p:ext uri="{BB962C8B-B14F-4D97-AF65-F5344CB8AC3E}">
+        <p14:creationId xmlns:p14="http://schemas.microsoft.com/office/powerpoint/2010/main" val="3964934635"/>
+      </p:ext>
+    </p:extLst>
+  </p:cSld>
+  <p:clrMapOvr>
+    <a:masterClrMapping/>
+  </p:clrMapOvr>
+</p:sld>
+</file>
+
+<file path=ppt/slides/slide52.xml><?xml version="1.0" encoding="utf-8"?>
+<p:sld xmlns:a="http://schemas.openxmlformats.org/drawingml/2006/main" xmlns:r="http://schemas.openxmlformats.org/officeDocument/2006/relationships" xmlns:p="http://schemas.openxmlformats.org/presentationml/2006/main">
+  <p:cSld>
+    <p:spTree>
+      <p:nvGrpSpPr>
+        <p:cNvPr id="1" name=""/>
+        <p:cNvGrpSpPr/>
+        <p:nvPr/>
+      </p:nvGrpSpPr>
+      <p:grpSpPr>
+        <a:xfrm>
+          <a:off x="0" y="0"/>
+          <a:ext cx="0" cy="0"/>
+          <a:chOff x="0" y="0"/>
+          <a:chExt cx="0" cy="0"/>
+        </a:xfrm>
+      </p:grpSpPr>
+      <p:sp>
+        <p:nvSpPr>
+          <p:cNvPr id="2" name="Title 1"/>
+          <p:cNvSpPr>
+            <a:spLocks noGrp="1"/>
+          </p:cNvSpPr>
+          <p:nvPr>
+            <p:ph type="title"/>
+          </p:nvPr>
+        </p:nvSpPr>
+        <p:spPr/>
+        <p:txBody>
+          <a:bodyPr/>
+          <a:lstStyle/>
+          <a:p>
+            <a:r>
+              <a:rPr lang="en-US" dirty="0"/>
+              <a:t>Henry: tree types</a:t>
+            </a:r>
+          </a:p>
+        </p:txBody>
+      </p:sp>
+      <p:sp>
+        <p:nvSpPr>
+          <p:cNvPr id="3" name="Speech Bubble: Rectangle with Corners Rounded 2"/>
+          <p:cNvSpPr/>
+          <p:nvPr/>
+        </p:nvSpPr>
+        <p:spPr>
+          <a:xfrm>
+            <a:off x="762000" y="1905000"/>
+            <a:ext cx="1066800" cy="1066800"/>
+          </a:xfrm>
+          <a:prstGeom prst="wedgeRoundRectCallout">
+            <a:avLst/>
+          </a:prstGeom>
+        </p:spPr>
+        <p:style>
+          <a:lnRef idx="2">
+            <a:schemeClr val="accent1">
+              <a:shade val="50000"/>
+            </a:schemeClr>
+          </a:lnRef>
+          <a:fillRef idx="1">
+            <a:schemeClr val="accent1"/>
+          </a:fillRef>
+          <a:effectRef idx="0">
+            <a:schemeClr val="accent1"/>
+          </a:effectRef>
+          <a:fontRef idx="minor">
+            <a:schemeClr val="lt1"/>
+          </a:fontRef>
+        </p:style>
+        <p:txBody>
+          <a:bodyPr rtlCol="0" anchor="ctr"/>
+          <a:lstStyle/>
+          <a:p>
+            <a:pPr algn="ctr"/>
+            <a:r>
+              <a:rPr lang="en-US" dirty="0"/>
+              <a:t>Generic tree</a:t>
+            </a:r>
+          </a:p>
+        </p:txBody>
+      </p:sp>
+      <p:sp>
+        <p:nvSpPr>
+          <p:cNvPr id="4" name="Speech Bubble: Rectangle with Corners Rounded 3"/>
+          <p:cNvSpPr/>
+          <p:nvPr/>
+        </p:nvSpPr>
+        <p:spPr>
+          <a:xfrm>
+            <a:off x="2845573" y="1905000"/>
+            <a:ext cx="1066800" cy="1066800"/>
+          </a:xfrm>
+          <a:prstGeom prst="wedgeRoundRectCallout">
+            <a:avLst/>
+          </a:prstGeom>
+        </p:spPr>
+        <p:style>
+          <a:lnRef idx="2">
+            <a:schemeClr val="accent1">
+              <a:shade val="50000"/>
+            </a:schemeClr>
+          </a:lnRef>
+          <a:fillRef idx="1">
+            <a:schemeClr val="accent1"/>
+          </a:fillRef>
+          <a:effectRef idx="0">
+            <a:schemeClr val="accent1"/>
+          </a:effectRef>
+          <a:fontRef idx="minor">
+            <a:schemeClr val="lt1"/>
+          </a:fontRef>
+        </p:style>
+        <p:txBody>
+          <a:bodyPr rtlCol="0" anchor="ctr"/>
+          <a:lstStyle/>
+          <a:p>
+            <a:pPr algn="ctr"/>
+            <a:r>
+              <a:rPr lang="en-US" dirty="0"/>
+              <a:t>Binary Tree</a:t>
+            </a:r>
+          </a:p>
+        </p:txBody>
+      </p:sp>
+      <p:sp>
+        <p:nvSpPr>
+          <p:cNvPr id="5" name="Speech Bubble: Rectangle with Corners Rounded 4"/>
+          <p:cNvSpPr/>
+          <p:nvPr/>
+        </p:nvSpPr>
+        <p:spPr>
+          <a:xfrm>
+            <a:off x="4929146" y="2400962"/>
+            <a:ext cx="1066800" cy="1066800"/>
+          </a:xfrm>
+          <a:prstGeom prst="wedgeRoundRectCallout">
+            <a:avLst/>
+          </a:prstGeom>
+        </p:spPr>
+        <p:style>
+          <a:lnRef idx="2">
+            <a:schemeClr val="accent1">
+              <a:shade val="50000"/>
+            </a:schemeClr>
+          </a:lnRef>
+          <a:fillRef idx="1">
+            <a:schemeClr val="accent1"/>
+          </a:fillRef>
+          <a:effectRef idx="0">
+            <a:schemeClr val="accent1"/>
+          </a:effectRef>
+          <a:fontRef idx="minor">
+            <a:schemeClr val="lt1"/>
+          </a:fontRef>
+        </p:style>
+        <p:txBody>
+          <a:bodyPr rtlCol="0" anchor="ctr"/>
+          <a:lstStyle/>
+          <a:p>
+            <a:pPr algn="ctr"/>
+            <a:r>
+              <a:rPr lang="en-US" dirty="0"/>
+              <a:t>Binary Search Tree</a:t>
+            </a:r>
+          </a:p>
+        </p:txBody>
+      </p:sp>
+      <p:sp>
+        <p:nvSpPr>
+          <p:cNvPr id="6" name="Speech Bubble: Rectangle with Corners Rounded 5"/>
+          <p:cNvSpPr/>
+          <p:nvPr/>
+        </p:nvSpPr>
+        <p:spPr>
+          <a:xfrm>
+            <a:off x="7086600" y="1791362"/>
+            <a:ext cx="1447800" cy="1676400"/>
+          </a:xfrm>
+          <a:prstGeom prst="wedgeRoundRectCallout">
+            <a:avLst/>
+          </a:prstGeom>
+        </p:spPr>
+        <p:style>
+          <a:lnRef idx="2">
+            <a:schemeClr val="accent1">
+              <a:shade val="50000"/>
+            </a:schemeClr>
+          </a:lnRef>
+          <a:fillRef idx="1">
+            <a:schemeClr val="accent1"/>
+          </a:fillRef>
+          <a:effectRef idx="0">
+            <a:schemeClr val="accent1"/>
+          </a:effectRef>
+          <a:fontRef idx="minor">
+            <a:schemeClr val="lt1"/>
+          </a:fontRef>
+        </p:style>
+        <p:txBody>
+          <a:bodyPr rtlCol="0" anchor="ctr"/>
+          <a:lstStyle/>
+          <a:p>
+            <a:pPr algn="ctr"/>
+            <a:r>
+              <a:rPr lang="en-US" dirty="0"/>
+              <a:t>Shortest</a:t>
+            </a:r>
+          </a:p>
+          <a:p>
+            <a:pPr algn="ctr"/>
+            <a:r>
+              <a:rPr lang="en-US" dirty="0"/>
+              <a:t>Binary Search Tree</a:t>
+            </a:r>
+          </a:p>
+          <a:p>
+            <a:pPr algn="ctr"/>
+            <a:r>
+              <a:rPr lang="en-US" dirty="0"/>
+              <a:t>(</a:t>
+            </a:r>
+            <a:r>
+              <a:rPr lang="en-US" dirty="0" err="1"/>
+              <a:t>AVL</a:t>
+            </a:r>
+            <a:r>
+              <a:rPr lang="en-US" dirty="0"/>
+              <a:t> tree)</a:t>
+            </a:r>
+          </a:p>
+        </p:txBody>
+      </p:sp>
+    </p:spTree>
+    <p:extLst>
+      <p:ext uri="{BB962C8B-B14F-4D97-AF65-F5344CB8AC3E}">
+        <p14:creationId xmlns:p14="http://schemas.microsoft.com/office/powerpoint/2010/main" val="920351695"/>
       </p:ext>
     </p:extLst>
   </p:cSld>
@@ -18348,44 +20743,84 @@
           <a:p>
             <a:r>
               <a:rPr lang="en-US" dirty="0"/>
-              <a:t>Tree examples</a:t>
-            </a:r>
-          </a:p>
-        </p:txBody>
-      </p:sp>
-      <p:pic>
-        <p:nvPicPr>
-          <p:cNvPr id="4" name="Picture 3"/>
-          <p:cNvPicPr>
-            <a:picLocks noChangeAspect="1"/>
-          </p:cNvPicPr>
-          <p:nvPr/>
-        </p:nvPicPr>
-        <p:blipFill>
-          <a:blip r:embed="rId2"/>
-          <a:stretch>
-            <a:fillRect/>
-          </a:stretch>
-        </p:blipFill>
-        <p:spPr>
-          <a:xfrm>
-            <a:off x="228600" y="990600"/>
-            <a:ext cx="8686800" cy="5105400"/>
-          </a:xfrm>
-          <a:prstGeom prst="rect">
-            <a:avLst/>
-          </a:prstGeom>
-          <a:ln>
-            <a:solidFill>
-              <a:srgbClr val="C0504D"/>
-            </a:solidFill>
-          </a:ln>
-        </p:spPr>
-      </p:pic>
+              <a:t>Henry: tree and node analogy</a:t>
+            </a:r>
+          </a:p>
+        </p:txBody>
+      </p:sp>
+      <p:sp>
+        <p:nvSpPr>
+          <p:cNvPr id="3" name="Content Placeholder 2"/>
+          <p:cNvSpPr>
+            <a:spLocks noGrp="1"/>
+          </p:cNvSpPr>
+          <p:nvPr>
+            <p:ph idx="1"/>
+          </p:nvPr>
+        </p:nvSpPr>
+        <p:spPr/>
+        <p:txBody>
+          <a:bodyPr/>
+          <a:lstStyle/>
+          <a:p>
+            <a:r>
+              <a:rPr lang="en-US" dirty="0"/>
+              <a:t>Head (list) ~ root (tree)</a:t>
+            </a:r>
+          </a:p>
+          <a:p>
+            <a:r>
+              <a:rPr lang="en-US" dirty="0"/>
+              <a:t>Tail (list) ~ leaf (tree)</a:t>
+            </a:r>
+          </a:p>
+          <a:p>
+            <a:pPr lvl="1"/>
+            <a:r>
+              <a:rPr lang="en-US" dirty="0"/>
+              <a:t>Just single tail in list</a:t>
+            </a:r>
+          </a:p>
+          <a:p>
+            <a:pPr lvl="1"/>
+            <a:r>
+              <a:rPr lang="en-US" dirty="0"/>
+              <a:t>Many leaves in tree though</a:t>
+            </a:r>
+          </a:p>
+          <a:p>
+            <a:pPr lvl="1"/>
+            <a:r>
+              <a:rPr lang="en-US" dirty="0"/>
+              <a:t>You can have the list of leaves (current active tails)</a:t>
+            </a:r>
+          </a:p>
+          <a:p>
+            <a:r>
+              <a:rPr lang="en-US" dirty="0"/>
+              <a:t>Previous (list) ~ parent (tree)</a:t>
+            </a:r>
+          </a:p>
+          <a:p>
+            <a:pPr lvl="1"/>
+            <a:r>
+              <a:rPr lang="en-US" dirty="0"/>
+              <a:t>A node with parent/previous provides the ability to go back, but it is costly</a:t>
+            </a:r>
+          </a:p>
+          <a:p>
+            <a:pPr lvl="1"/>
+            <a:r>
+              <a:rPr lang="en-US" dirty="0"/>
+              <a:t>A root node has no previous/parent</a:t>
+            </a:r>
+          </a:p>
+        </p:txBody>
+      </p:sp>
     </p:spTree>
     <p:extLst>
       <p:ext uri="{BB962C8B-B14F-4D97-AF65-F5344CB8AC3E}">
-        <p14:creationId xmlns:p14="http://schemas.microsoft.com/office/powerpoint/2010/main" val="894826292"/>
+        <p14:creationId xmlns:p14="http://schemas.microsoft.com/office/powerpoint/2010/main" val="3029288483"/>
       </p:ext>
     </p:extLst>
   </p:cSld>

--- a/dsa2017-java-online/handouts/data-day05/Lecture 06 - Chapter 06 - Binary Trees - Day 1.pptx
+++ b/dsa2017-java-online/handouts/data-day05/Lecture 06 - Chapter 06 - Binary Trees - Day 1.pptx
@@ -293,7 +293,7 @@
           <a:p>
             <a:fld id="{2DEF8982-5481-5E4F-8BCA-E7C51D917E2E}" type="datetimeFigureOut">
               <a:rPr lang="en-US" smtClean="0"/>
-              <a:t>21-May-17</a:t>
+              <a:t>22-May-17</a:t>
             </a:fld>
             <a:endParaRPr lang="en-US"/>
           </a:p>
@@ -4124,14 +4124,14 @@
           <a:noFill/>
           <a:extLst>
             <a:ext uri="{909E8E84-426E-40dd-AFC4-6F175D3DCCD1}">
-              <a14:hiddenFill xmlns:a14="http://schemas.microsoft.com/office/drawing/2010/main" xmlns="">
+              <a14:hiddenFill xmlns="" xmlns:a14="http://schemas.microsoft.com/office/drawing/2010/main">
                 <a:solidFill>
                   <a:srgbClr val="FFFFFF"/>
                 </a:solidFill>
               </a14:hiddenFill>
             </a:ext>
             <a:ext uri="{91240B29-F687-4f45-9708-019B960494DF}">
-              <a14:hiddenLine xmlns:a14="http://schemas.microsoft.com/office/drawing/2010/main" xmlns="" w="9525">
+              <a14:hiddenLine xmlns="" xmlns:a14="http://schemas.microsoft.com/office/drawing/2010/main" w="9525">
                 <a:solidFill>
                   <a:srgbClr val="000000"/>
                 </a:solidFill>
@@ -4141,7 +4141,7 @@
               </a14:hiddenLine>
             </a:ext>
             <a:ext uri="{FAA26D3D-D897-4be2-8F04-BA451C77F1D7}">
-              <ma14:placeholderFlag xmlns:ma14="http://schemas.microsoft.com/office/mac/drawingml/2011/main" xmlns="" val="1"/>
+              <ma14:placeholderFlag xmlns="" xmlns:ma14="http://schemas.microsoft.com/office/mac/drawingml/2011/main" val="1"/>
             </a:ext>
           </a:extLst>
         </p:spPr>
@@ -7559,14 +7559,14 @@
           <a:noFill/>
           <a:extLst>
             <a:ext uri="{909E8E84-426E-40dd-AFC4-6F175D3DCCD1}">
-              <a14:hiddenFill xmlns:a14="http://schemas.microsoft.com/office/drawing/2010/main" xmlns="">
+              <a14:hiddenFill xmlns="" xmlns:a14="http://schemas.microsoft.com/office/drawing/2010/main">
                 <a:solidFill>
                   <a:srgbClr val="FFFFFF"/>
                 </a:solidFill>
               </a14:hiddenFill>
             </a:ext>
             <a:ext uri="{91240B29-F687-4f45-9708-019B960494DF}">
-              <a14:hiddenLine xmlns:a14="http://schemas.microsoft.com/office/drawing/2010/main" xmlns="" w="9525">
+              <a14:hiddenLine xmlns="" xmlns:a14="http://schemas.microsoft.com/office/drawing/2010/main" w="9525">
                 <a:solidFill>
                   <a:srgbClr val="000000"/>
                 </a:solidFill>
@@ -7576,7 +7576,7 @@
               </a14:hiddenLine>
             </a:ext>
             <a:ext uri="{FAA26D3D-D897-4be2-8F04-BA451C77F1D7}">
-              <ma14:placeholderFlag xmlns:ma14="http://schemas.microsoft.com/office/mac/drawingml/2011/main" xmlns="" val="1"/>
+              <ma14:placeholderFlag xmlns="" xmlns:ma14="http://schemas.microsoft.com/office/mac/drawingml/2011/main" val="1"/>
             </a:ext>
           </a:extLst>
         </p:spPr>
@@ -7612,14 +7612,14 @@
           <a:noFill/>
           <a:extLst>
             <a:ext uri="{909E8E84-426E-40dd-AFC4-6F175D3DCCD1}">
-              <a14:hiddenFill xmlns:a14="http://schemas.microsoft.com/office/drawing/2010/main" xmlns="">
+              <a14:hiddenFill xmlns="" xmlns:a14="http://schemas.microsoft.com/office/drawing/2010/main">
                 <a:solidFill>
                   <a:srgbClr val="FFFFFF"/>
                 </a:solidFill>
               </a14:hiddenFill>
             </a:ext>
             <a:ext uri="{91240B29-F687-4f45-9708-019B960494DF}">
-              <a14:hiddenLine xmlns:a14="http://schemas.microsoft.com/office/drawing/2010/main" xmlns="" w="9525">
+              <a14:hiddenLine xmlns="" xmlns:a14="http://schemas.microsoft.com/office/drawing/2010/main" w="9525">
                 <a:solidFill>
                   <a:srgbClr val="000000"/>
                 </a:solidFill>
@@ -7629,7 +7629,7 @@
               </a14:hiddenLine>
             </a:ext>
             <a:ext uri="{FAA26D3D-D897-4be2-8F04-BA451C77F1D7}">
-              <ma14:placeholderFlag xmlns:ma14="http://schemas.microsoft.com/office/mac/drawingml/2011/main" xmlns="" val="1"/>
+              <ma14:placeholderFlag xmlns="" xmlns:ma14="http://schemas.microsoft.com/office/mac/drawingml/2011/main" val="1"/>
             </a:ext>
           </a:extLst>
         </p:spPr>
@@ -20215,7 +20215,7 @@
         </p:nvSpPr>
         <p:spPr>
           <a:xfrm>
-            <a:off x="4929146" y="2400962"/>
+            <a:off x="4964928" y="1936250"/>
             <a:ext cx="1066800" cy="1066800"/>
           </a:xfrm>
           <a:prstGeom prst="wedgeRoundRectCallout">
@@ -20311,6 +20311,192 @@
             <a:r>
               <a:rPr lang="en-US" dirty="0"/>
               <a:t> tree)</a:t>
+            </a:r>
+          </a:p>
+        </p:txBody>
+      </p:sp>
+      <p:cxnSp>
+        <p:nvCxnSpPr>
+          <p:cNvPr id="8" name="Straight Arrow Connector 7"/>
+          <p:cNvCxnSpPr/>
+          <p:nvPr/>
+        </p:nvCxnSpPr>
+        <p:spPr>
+          <a:xfrm>
+            <a:off x="1219200" y="3276600"/>
+            <a:ext cx="1626373" cy="0"/>
+          </a:xfrm>
+          <a:prstGeom prst="straightConnector1">
+            <a:avLst/>
+          </a:prstGeom>
+          <a:ln>
+            <a:tailEnd type="triangle"/>
+          </a:ln>
+        </p:spPr>
+        <p:style>
+          <a:lnRef idx="1">
+            <a:schemeClr val="accent1"/>
+          </a:lnRef>
+          <a:fillRef idx="0">
+            <a:schemeClr val="accent1"/>
+          </a:fillRef>
+          <a:effectRef idx="0">
+            <a:schemeClr val="accent1"/>
+          </a:effectRef>
+          <a:fontRef idx="minor">
+            <a:schemeClr val="tx1"/>
+          </a:fontRef>
+        </p:style>
+      </p:cxnSp>
+      <p:sp>
+        <p:nvSpPr>
+          <p:cNvPr id="9" name="TextBox 8"/>
+          <p:cNvSpPr txBox="1"/>
+          <p:nvPr/>
+        </p:nvSpPr>
+        <p:spPr>
+          <a:xfrm>
+            <a:off x="1181099" y="3449833"/>
+            <a:ext cx="1702573" cy="646331"/>
+          </a:xfrm>
+          <a:prstGeom prst="rect">
+            <a:avLst/>
+          </a:prstGeom>
+          <a:noFill/>
+        </p:spPr>
+        <p:txBody>
+          <a:bodyPr wrap="square" rtlCol="0">
+            <a:spAutoFit/>
+          </a:bodyPr>
+          <a:lstStyle/>
+          <a:p>
+            <a:r>
+              <a:rPr lang="en-US" dirty="0"/>
+              <a:t>N children to 2 children</a:t>
+            </a:r>
+          </a:p>
+        </p:txBody>
+      </p:sp>
+      <p:cxnSp>
+        <p:nvCxnSpPr>
+          <p:cNvPr id="10" name="Straight Arrow Connector 9"/>
+          <p:cNvCxnSpPr/>
+          <p:nvPr/>
+        </p:nvCxnSpPr>
+        <p:spPr>
+          <a:xfrm>
+            <a:off x="3657600" y="3449833"/>
+            <a:ext cx="1626373" cy="0"/>
+          </a:xfrm>
+          <a:prstGeom prst="straightConnector1">
+            <a:avLst/>
+          </a:prstGeom>
+          <a:ln>
+            <a:tailEnd type="triangle"/>
+          </a:ln>
+        </p:spPr>
+        <p:style>
+          <a:lnRef idx="1">
+            <a:schemeClr val="accent1"/>
+          </a:lnRef>
+          <a:fillRef idx="0">
+            <a:schemeClr val="accent1"/>
+          </a:fillRef>
+          <a:effectRef idx="0">
+            <a:schemeClr val="accent1"/>
+          </a:effectRef>
+          <a:fontRef idx="minor">
+            <a:schemeClr val="tx1"/>
+          </a:fontRef>
+        </p:style>
+      </p:cxnSp>
+      <p:sp>
+        <p:nvSpPr>
+          <p:cNvPr id="11" name="TextBox 10"/>
+          <p:cNvSpPr txBox="1"/>
+          <p:nvPr/>
+        </p:nvSpPr>
+        <p:spPr>
+          <a:xfrm>
+            <a:off x="3619499" y="3623066"/>
+            <a:ext cx="1181101" cy="646331"/>
+          </a:xfrm>
+          <a:prstGeom prst="rect">
+            <a:avLst/>
+          </a:prstGeom>
+          <a:noFill/>
+        </p:spPr>
+        <p:txBody>
+          <a:bodyPr wrap="square" rtlCol="0">
+            <a:spAutoFit/>
+          </a:bodyPr>
+          <a:lstStyle/>
+          <a:p>
+            <a:r>
+              <a:rPr lang="en-US" dirty="0"/>
+              <a:t>Ordering property</a:t>
+            </a:r>
+          </a:p>
+        </p:txBody>
+      </p:sp>
+      <p:cxnSp>
+        <p:nvCxnSpPr>
+          <p:cNvPr id="12" name="Straight Arrow Connector 11"/>
+          <p:cNvCxnSpPr/>
+          <p:nvPr/>
+        </p:nvCxnSpPr>
+        <p:spPr>
+          <a:xfrm>
+            <a:off x="5917427" y="3623066"/>
+            <a:ext cx="1626373" cy="0"/>
+          </a:xfrm>
+          <a:prstGeom prst="straightConnector1">
+            <a:avLst/>
+          </a:prstGeom>
+          <a:ln>
+            <a:tailEnd type="triangle"/>
+          </a:ln>
+        </p:spPr>
+        <p:style>
+          <a:lnRef idx="1">
+            <a:schemeClr val="accent1"/>
+          </a:lnRef>
+          <a:fillRef idx="0">
+            <a:schemeClr val="accent1"/>
+          </a:fillRef>
+          <a:effectRef idx="0">
+            <a:schemeClr val="accent1"/>
+          </a:effectRef>
+          <a:fontRef idx="minor">
+            <a:schemeClr val="tx1"/>
+          </a:fontRef>
+        </p:style>
+      </p:cxnSp>
+      <p:sp>
+        <p:nvSpPr>
+          <p:cNvPr id="13" name="TextBox 12"/>
+          <p:cNvSpPr txBox="1"/>
+          <p:nvPr/>
+        </p:nvSpPr>
+        <p:spPr>
+          <a:xfrm>
+            <a:off x="5879326" y="3796299"/>
+            <a:ext cx="1181101" cy="369332"/>
+          </a:xfrm>
+          <a:prstGeom prst="rect">
+            <a:avLst/>
+          </a:prstGeom>
+          <a:noFill/>
+        </p:spPr>
+        <p:txBody>
+          <a:bodyPr wrap="square" rtlCol="0">
+            <a:spAutoFit/>
+          </a:bodyPr>
+          <a:lstStyle/>
+          <a:p>
+            <a:r>
+              <a:rPr lang="en-US" dirty="0"/>
+              <a:t>Shortest</a:t>
             </a:r>
           </a:p>
         </p:txBody>
@@ -20325,6 +20511,533 @@
   <p:clrMapOvr>
     <a:masterClrMapping/>
   </p:clrMapOvr>
+  <p:timing>
+    <p:tnLst>
+      <p:par>
+        <p:cTn id="1" dur="indefinite" restart="never" nodeType="tmRoot">
+          <p:childTnLst>
+            <p:seq concurrent="1" nextAc="seek">
+              <p:cTn id="2" dur="indefinite" nodeType="mainSeq">
+                <p:childTnLst>
+                  <p:par>
+                    <p:cTn id="3" fill="hold">
+                      <p:stCondLst>
+                        <p:cond delay="indefinite"/>
+                      </p:stCondLst>
+                      <p:childTnLst>
+                        <p:par>
+                          <p:cTn id="4" fill="hold">
+                            <p:stCondLst>
+                              <p:cond delay="0"/>
+                            </p:stCondLst>
+                            <p:childTnLst>
+                              <p:par>
+                                <p:cTn id="5" presetID="2" presetClass="entr" presetSubtype="4" fill="hold" nodeType="clickEffect">
+                                  <p:stCondLst>
+                                    <p:cond delay="0"/>
+                                  </p:stCondLst>
+                                  <p:childTnLst>
+                                    <p:set>
+                                      <p:cBhvr>
+                                        <p:cTn id="6" dur="1" fill="hold">
+                                          <p:stCondLst>
+                                            <p:cond delay="0"/>
+                                          </p:stCondLst>
+                                        </p:cTn>
+                                        <p:tgtEl>
+                                          <p:spTgt spid="8"/>
+                                        </p:tgtEl>
+                                        <p:attrNameLst>
+                                          <p:attrName>style.visibility</p:attrName>
+                                        </p:attrNameLst>
+                                      </p:cBhvr>
+                                      <p:to>
+                                        <p:strVal val="visible"/>
+                                      </p:to>
+                                    </p:set>
+                                    <p:anim calcmode="lin" valueType="num">
+                                      <p:cBhvr additive="base">
+                                        <p:cTn id="7" dur="500" fill="hold"/>
+                                        <p:tgtEl>
+                                          <p:spTgt spid="8"/>
+                                        </p:tgtEl>
+                                        <p:attrNameLst>
+                                          <p:attrName>ppt_x</p:attrName>
+                                        </p:attrNameLst>
+                                      </p:cBhvr>
+                                      <p:tavLst>
+                                        <p:tav tm="0">
+                                          <p:val>
+                                            <p:strVal val="#ppt_x"/>
+                                          </p:val>
+                                        </p:tav>
+                                        <p:tav tm="100000">
+                                          <p:val>
+                                            <p:strVal val="#ppt_x"/>
+                                          </p:val>
+                                        </p:tav>
+                                      </p:tavLst>
+                                    </p:anim>
+                                    <p:anim calcmode="lin" valueType="num">
+                                      <p:cBhvr additive="base">
+                                        <p:cTn id="8" dur="500" fill="hold"/>
+                                        <p:tgtEl>
+                                          <p:spTgt spid="8"/>
+                                        </p:tgtEl>
+                                        <p:attrNameLst>
+                                          <p:attrName>ppt_y</p:attrName>
+                                        </p:attrNameLst>
+                                      </p:cBhvr>
+                                      <p:tavLst>
+                                        <p:tav tm="0">
+                                          <p:val>
+                                            <p:strVal val="1+#ppt_h/2"/>
+                                          </p:val>
+                                        </p:tav>
+                                        <p:tav tm="100000">
+                                          <p:val>
+                                            <p:strVal val="#ppt_y"/>
+                                          </p:val>
+                                        </p:tav>
+                                      </p:tavLst>
+                                    </p:anim>
+                                  </p:childTnLst>
+                                </p:cTn>
+                              </p:par>
+                              <p:par>
+                                <p:cTn id="9" presetID="2" presetClass="entr" presetSubtype="4" fill="hold" grpId="0" nodeType="withEffect">
+                                  <p:stCondLst>
+                                    <p:cond delay="0"/>
+                                  </p:stCondLst>
+                                  <p:childTnLst>
+                                    <p:set>
+                                      <p:cBhvr>
+                                        <p:cTn id="10" dur="1" fill="hold">
+                                          <p:stCondLst>
+                                            <p:cond delay="0"/>
+                                          </p:stCondLst>
+                                        </p:cTn>
+                                        <p:tgtEl>
+                                          <p:spTgt spid="9"/>
+                                        </p:tgtEl>
+                                        <p:attrNameLst>
+                                          <p:attrName>style.visibility</p:attrName>
+                                        </p:attrNameLst>
+                                      </p:cBhvr>
+                                      <p:to>
+                                        <p:strVal val="visible"/>
+                                      </p:to>
+                                    </p:set>
+                                    <p:anim calcmode="lin" valueType="num">
+                                      <p:cBhvr additive="base">
+                                        <p:cTn id="11" dur="500" fill="hold"/>
+                                        <p:tgtEl>
+                                          <p:spTgt spid="9"/>
+                                        </p:tgtEl>
+                                        <p:attrNameLst>
+                                          <p:attrName>ppt_x</p:attrName>
+                                        </p:attrNameLst>
+                                      </p:cBhvr>
+                                      <p:tavLst>
+                                        <p:tav tm="0">
+                                          <p:val>
+                                            <p:strVal val="#ppt_x"/>
+                                          </p:val>
+                                        </p:tav>
+                                        <p:tav tm="100000">
+                                          <p:val>
+                                            <p:strVal val="#ppt_x"/>
+                                          </p:val>
+                                        </p:tav>
+                                      </p:tavLst>
+                                    </p:anim>
+                                    <p:anim calcmode="lin" valueType="num">
+                                      <p:cBhvr additive="base">
+                                        <p:cTn id="12" dur="500" fill="hold"/>
+                                        <p:tgtEl>
+                                          <p:spTgt spid="9"/>
+                                        </p:tgtEl>
+                                        <p:attrNameLst>
+                                          <p:attrName>ppt_y</p:attrName>
+                                        </p:attrNameLst>
+                                      </p:cBhvr>
+                                      <p:tavLst>
+                                        <p:tav tm="0">
+                                          <p:val>
+                                            <p:strVal val="1+#ppt_h/2"/>
+                                          </p:val>
+                                        </p:tav>
+                                        <p:tav tm="100000">
+                                          <p:val>
+                                            <p:strVal val="#ppt_y"/>
+                                          </p:val>
+                                        </p:tav>
+                                      </p:tavLst>
+                                    </p:anim>
+                                  </p:childTnLst>
+                                </p:cTn>
+                              </p:par>
+                            </p:childTnLst>
+                          </p:cTn>
+                        </p:par>
+                      </p:childTnLst>
+                    </p:cTn>
+                  </p:par>
+                  <p:par>
+                    <p:cTn id="13" fill="hold">
+                      <p:stCondLst>
+                        <p:cond delay="indefinite"/>
+                      </p:stCondLst>
+                      <p:childTnLst>
+                        <p:par>
+                          <p:cTn id="14" fill="hold">
+                            <p:stCondLst>
+                              <p:cond delay="0"/>
+                            </p:stCondLst>
+                            <p:childTnLst>
+                              <p:par>
+                                <p:cTn id="15" presetID="2" presetClass="entr" presetSubtype="4" fill="hold" grpId="0" nodeType="clickEffect">
+                                  <p:stCondLst>
+                                    <p:cond delay="0"/>
+                                  </p:stCondLst>
+                                  <p:childTnLst>
+                                    <p:set>
+                                      <p:cBhvr>
+                                        <p:cTn id="16" dur="1" fill="hold">
+                                          <p:stCondLst>
+                                            <p:cond delay="0"/>
+                                          </p:stCondLst>
+                                        </p:cTn>
+                                        <p:tgtEl>
+                                          <p:spTgt spid="11"/>
+                                        </p:tgtEl>
+                                        <p:attrNameLst>
+                                          <p:attrName>style.visibility</p:attrName>
+                                        </p:attrNameLst>
+                                      </p:cBhvr>
+                                      <p:to>
+                                        <p:strVal val="visible"/>
+                                      </p:to>
+                                    </p:set>
+                                    <p:anim calcmode="lin" valueType="num">
+                                      <p:cBhvr additive="base">
+                                        <p:cTn id="17" dur="500" fill="hold"/>
+                                        <p:tgtEl>
+                                          <p:spTgt spid="11"/>
+                                        </p:tgtEl>
+                                        <p:attrNameLst>
+                                          <p:attrName>ppt_x</p:attrName>
+                                        </p:attrNameLst>
+                                      </p:cBhvr>
+                                      <p:tavLst>
+                                        <p:tav tm="0">
+                                          <p:val>
+                                            <p:strVal val="#ppt_x"/>
+                                          </p:val>
+                                        </p:tav>
+                                        <p:tav tm="100000">
+                                          <p:val>
+                                            <p:strVal val="#ppt_x"/>
+                                          </p:val>
+                                        </p:tav>
+                                      </p:tavLst>
+                                    </p:anim>
+                                    <p:anim calcmode="lin" valueType="num">
+                                      <p:cBhvr additive="base">
+                                        <p:cTn id="18" dur="500" fill="hold"/>
+                                        <p:tgtEl>
+                                          <p:spTgt spid="11"/>
+                                        </p:tgtEl>
+                                        <p:attrNameLst>
+                                          <p:attrName>ppt_y</p:attrName>
+                                        </p:attrNameLst>
+                                      </p:cBhvr>
+                                      <p:tavLst>
+                                        <p:tav tm="0">
+                                          <p:val>
+                                            <p:strVal val="1+#ppt_h/2"/>
+                                          </p:val>
+                                        </p:tav>
+                                        <p:tav tm="100000">
+                                          <p:val>
+                                            <p:strVal val="#ppt_y"/>
+                                          </p:val>
+                                        </p:tav>
+                                      </p:tavLst>
+                                    </p:anim>
+                                  </p:childTnLst>
+                                </p:cTn>
+                              </p:par>
+                              <p:par>
+                                <p:cTn id="19" presetID="2" presetClass="entr" presetSubtype="4" fill="hold" nodeType="withEffect">
+                                  <p:stCondLst>
+                                    <p:cond delay="0"/>
+                                  </p:stCondLst>
+                                  <p:childTnLst>
+                                    <p:set>
+                                      <p:cBhvr>
+                                        <p:cTn id="20" dur="1" fill="hold">
+                                          <p:stCondLst>
+                                            <p:cond delay="0"/>
+                                          </p:stCondLst>
+                                        </p:cTn>
+                                        <p:tgtEl>
+                                          <p:spTgt spid="10"/>
+                                        </p:tgtEl>
+                                        <p:attrNameLst>
+                                          <p:attrName>style.visibility</p:attrName>
+                                        </p:attrNameLst>
+                                      </p:cBhvr>
+                                      <p:to>
+                                        <p:strVal val="visible"/>
+                                      </p:to>
+                                    </p:set>
+                                    <p:anim calcmode="lin" valueType="num">
+                                      <p:cBhvr additive="base">
+                                        <p:cTn id="21" dur="500" fill="hold"/>
+                                        <p:tgtEl>
+                                          <p:spTgt spid="10"/>
+                                        </p:tgtEl>
+                                        <p:attrNameLst>
+                                          <p:attrName>ppt_x</p:attrName>
+                                        </p:attrNameLst>
+                                      </p:cBhvr>
+                                      <p:tavLst>
+                                        <p:tav tm="0">
+                                          <p:val>
+                                            <p:strVal val="#ppt_x"/>
+                                          </p:val>
+                                        </p:tav>
+                                        <p:tav tm="100000">
+                                          <p:val>
+                                            <p:strVal val="#ppt_x"/>
+                                          </p:val>
+                                        </p:tav>
+                                      </p:tavLst>
+                                    </p:anim>
+                                    <p:anim calcmode="lin" valueType="num">
+                                      <p:cBhvr additive="base">
+                                        <p:cTn id="22" dur="500" fill="hold"/>
+                                        <p:tgtEl>
+                                          <p:spTgt spid="10"/>
+                                        </p:tgtEl>
+                                        <p:attrNameLst>
+                                          <p:attrName>ppt_y</p:attrName>
+                                        </p:attrNameLst>
+                                      </p:cBhvr>
+                                      <p:tavLst>
+                                        <p:tav tm="0">
+                                          <p:val>
+                                            <p:strVal val="1+#ppt_h/2"/>
+                                          </p:val>
+                                        </p:tav>
+                                        <p:tav tm="100000">
+                                          <p:val>
+                                            <p:strVal val="#ppt_y"/>
+                                          </p:val>
+                                        </p:tav>
+                                      </p:tavLst>
+                                    </p:anim>
+                                  </p:childTnLst>
+                                </p:cTn>
+                              </p:par>
+                            </p:childTnLst>
+                          </p:cTn>
+                        </p:par>
+                      </p:childTnLst>
+                    </p:cTn>
+                  </p:par>
+                  <p:par>
+                    <p:cTn id="23" fill="hold">
+                      <p:stCondLst>
+                        <p:cond delay="indefinite"/>
+                      </p:stCondLst>
+                      <p:childTnLst>
+                        <p:par>
+                          <p:cTn id="24" fill="hold">
+                            <p:stCondLst>
+                              <p:cond delay="0"/>
+                            </p:stCondLst>
+                            <p:childTnLst>
+                              <p:par>
+                                <p:cTn id="25" presetID="2" presetClass="entr" presetSubtype="4" fill="hold" nodeType="clickEffect">
+                                  <p:stCondLst>
+                                    <p:cond delay="0"/>
+                                  </p:stCondLst>
+                                  <p:childTnLst>
+                                    <p:set>
+                                      <p:cBhvr>
+                                        <p:cTn id="26" dur="1" fill="hold">
+                                          <p:stCondLst>
+                                            <p:cond delay="0"/>
+                                          </p:stCondLst>
+                                        </p:cTn>
+                                        <p:tgtEl>
+                                          <p:spTgt spid="12"/>
+                                        </p:tgtEl>
+                                        <p:attrNameLst>
+                                          <p:attrName>style.visibility</p:attrName>
+                                        </p:attrNameLst>
+                                      </p:cBhvr>
+                                      <p:to>
+                                        <p:strVal val="visible"/>
+                                      </p:to>
+                                    </p:set>
+                                    <p:anim calcmode="lin" valueType="num">
+                                      <p:cBhvr additive="base">
+                                        <p:cTn id="27" dur="500" fill="hold"/>
+                                        <p:tgtEl>
+                                          <p:spTgt spid="12"/>
+                                        </p:tgtEl>
+                                        <p:attrNameLst>
+                                          <p:attrName>ppt_x</p:attrName>
+                                        </p:attrNameLst>
+                                      </p:cBhvr>
+                                      <p:tavLst>
+                                        <p:tav tm="0">
+                                          <p:val>
+                                            <p:strVal val="#ppt_x"/>
+                                          </p:val>
+                                        </p:tav>
+                                        <p:tav tm="100000">
+                                          <p:val>
+                                            <p:strVal val="#ppt_x"/>
+                                          </p:val>
+                                        </p:tav>
+                                      </p:tavLst>
+                                    </p:anim>
+                                    <p:anim calcmode="lin" valueType="num">
+                                      <p:cBhvr additive="base">
+                                        <p:cTn id="28" dur="500" fill="hold"/>
+                                        <p:tgtEl>
+                                          <p:spTgt spid="12"/>
+                                        </p:tgtEl>
+                                        <p:attrNameLst>
+                                          <p:attrName>ppt_y</p:attrName>
+                                        </p:attrNameLst>
+                                      </p:cBhvr>
+                                      <p:tavLst>
+                                        <p:tav tm="0">
+                                          <p:val>
+                                            <p:strVal val="1+#ppt_h/2"/>
+                                          </p:val>
+                                        </p:tav>
+                                        <p:tav tm="100000">
+                                          <p:val>
+                                            <p:strVal val="#ppt_y"/>
+                                          </p:val>
+                                        </p:tav>
+                                      </p:tavLst>
+                                    </p:anim>
+                                  </p:childTnLst>
+                                </p:cTn>
+                              </p:par>
+                              <p:par>
+                                <p:cTn id="29" presetID="2" presetClass="entr" presetSubtype="4" fill="hold" grpId="0" nodeType="withEffect">
+                                  <p:stCondLst>
+                                    <p:cond delay="0"/>
+                                  </p:stCondLst>
+                                  <p:childTnLst>
+                                    <p:set>
+                                      <p:cBhvr>
+                                        <p:cTn id="30" dur="1" fill="hold">
+                                          <p:stCondLst>
+                                            <p:cond delay="0"/>
+                                          </p:stCondLst>
+                                        </p:cTn>
+                                        <p:tgtEl>
+                                          <p:spTgt spid="13"/>
+                                        </p:tgtEl>
+                                        <p:attrNameLst>
+                                          <p:attrName>style.visibility</p:attrName>
+                                        </p:attrNameLst>
+                                      </p:cBhvr>
+                                      <p:to>
+                                        <p:strVal val="visible"/>
+                                      </p:to>
+                                    </p:set>
+                                    <p:anim calcmode="lin" valueType="num">
+                                      <p:cBhvr additive="base">
+                                        <p:cTn id="31" dur="500" fill="hold"/>
+                                        <p:tgtEl>
+                                          <p:spTgt spid="13"/>
+                                        </p:tgtEl>
+                                        <p:attrNameLst>
+                                          <p:attrName>ppt_x</p:attrName>
+                                        </p:attrNameLst>
+                                      </p:cBhvr>
+                                      <p:tavLst>
+                                        <p:tav tm="0">
+                                          <p:val>
+                                            <p:strVal val="#ppt_x"/>
+                                          </p:val>
+                                        </p:tav>
+                                        <p:tav tm="100000">
+                                          <p:val>
+                                            <p:strVal val="#ppt_x"/>
+                                          </p:val>
+                                        </p:tav>
+                                      </p:tavLst>
+                                    </p:anim>
+                                    <p:anim calcmode="lin" valueType="num">
+                                      <p:cBhvr additive="base">
+                                        <p:cTn id="32" dur="500" fill="hold"/>
+                                        <p:tgtEl>
+                                          <p:spTgt spid="13"/>
+                                        </p:tgtEl>
+                                        <p:attrNameLst>
+                                          <p:attrName>ppt_y</p:attrName>
+                                        </p:attrNameLst>
+                                      </p:cBhvr>
+                                      <p:tavLst>
+                                        <p:tav tm="0">
+                                          <p:val>
+                                            <p:strVal val="1+#ppt_h/2"/>
+                                          </p:val>
+                                        </p:tav>
+                                        <p:tav tm="100000">
+                                          <p:val>
+                                            <p:strVal val="#ppt_y"/>
+                                          </p:val>
+                                        </p:tav>
+                                      </p:tavLst>
+                                    </p:anim>
+                                  </p:childTnLst>
+                                </p:cTn>
+                              </p:par>
+                            </p:childTnLst>
+                          </p:cTn>
+                        </p:par>
+                      </p:childTnLst>
+                    </p:cTn>
+                  </p:par>
+                </p:childTnLst>
+              </p:cTn>
+              <p:prevCondLst>
+                <p:cond evt="onPrev" delay="0">
+                  <p:tgtEl>
+                    <p:sldTgt/>
+                  </p:tgtEl>
+                </p:cond>
+              </p:prevCondLst>
+              <p:nextCondLst>
+                <p:cond evt="onNext" delay="0">
+                  <p:tgtEl>
+                    <p:sldTgt/>
+                  </p:tgtEl>
+                </p:cond>
+              </p:nextCondLst>
+            </p:seq>
+          </p:childTnLst>
+        </p:cTn>
+      </p:par>
+    </p:tnLst>
+    <p:bldLst>
+      <p:bldP spid="9" grpId="0"/>
+      <p:bldP spid="11" grpId="0"/>
+      <p:bldP spid="13" grpId="0"/>
+    </p:bldLst>
+  </p:timing>
 </p:sld>
 </file>
 
